--- a/Whack-A-Mole Presentation.pptx
+++ b/Whack-A-Mole Presentation.pptx
@@ -10458,7 +10458,7 @@
             </a:pPr>
             <a:r>
               <a:rPr lang="en"/>
-              <a:t>Status Update: 12/7/2020</a:t>
+              <a:t>Project Wrap Up 12/7/2020</a:t>
             </a:r>
             <a:endParaRPr/>
           </a:p>
@@ -10499,7 +10499,7 @@
             </a:pPr>
             <a:r>
               <a:rPr lang="en"/>
-              <a:t>We were able to resolve all of the failures from the 12th. The VGA’s ability to interface with the FPGA to display the squares was verified</a:t>
+              <a:t>We were able to resolve or improve on of the failures from the 2nd. The VGA’s ability to interface with the FPGA to display the squares was verified</a:t>
             </a:r>
             <a:endParaRPr/>
           </a:p>
@@ -10533,38 +10533,7 @@
             </a:pPr>
             <a:r>
               <a:rPr lang="en"/>
-              <a:t>The issue with switch inputs not catching the mole has been fixed. </a:t>
-            </a:r>
-            <a:endParaRPr/>
-          </a:p>
-          <a:p>
-            <a:pPr indent="0" lvl="0" marL="0" rtl="0" algn="l">
-              <a:spcBef>
-                <a:spcPts val="1600"/>
-              </a:spcBef>
-              <a:spcAft>
-                <a:spcPts val="0"/>
-              </a:spcAft>
-              <a:buNone/>
-            </a:pPr>
-            <a:r>
-              <a:t/>
-            </a:r>
-            <a:endParaRPr/>
-          </a:p>
-          <a:p>
-            <a:pPr indent="0" lvl="0" marL="0" rtl="0" algn="l">
-              <a:spcBef>
-                <a:spcPts val="1600"/>
-              </a:spcBef>
-              <a:spcAft>
-                <a:spcPts val="1600"/>
-              </a:spcAft>
-              <a:buNone/>
-            </a:pPr>
-            <a:r>
-              <a:rPr lang="en"/>
-              <a:t>Overall, all of the failures in our code have been resolved, and more features of the game such as multiple moles have been added in.</a:t>
+              <a:t>The issue with switch inputs not catching the mole has been improved. While the switch will still occasionally to catch the mole, it occurs much less frequently now.</a:t>
             </a:r>
             <a:endParaRPr/>
           </a:p>

--- a/Whack-A-Mole Presentation.pptx
+++ b/Whack-A-Mole Presentation.pptx
@@ -1,69 +1,69 @@
 
 <file path=ppt/presentation.xml><?xml version="1.0" encoding="utf-8"?>
-<p:presentation xmlns:a="http://schemas.openxmlformats.org/drawingml/2006/main" xmlns:r="http://schemas.openxmlformats.org/officeDocument/2006/relationships" xmlns:mc="http://schemas.openxmlformats.org/markup-compatibility/2006" xmlns:mv="urn:schemas-microsoft-com:mac:vml" xmlns:p="http://schemas.openxmlformats.org/presentationml/2006/main" xmlns:c="http://schemas.openxmlformats.org/drawingml/2006/chart" xmlns:dgm="http://schemas.openxmlformats.org/drawingml/2006/diagram" xmlns:o="urn:schemas-microsoft-com:office:office" xmlns:v="urn:schemas-microsoft-com:vml" xmlns:pvml="urn:schemas-microsoft-com:office:powerpoint" xmlns:com="http://schemas.openxmlformats.org/drawingml/2006/compatibility" xmlns:p14="http://schemas.microsoft.com/office/powerpoint/2010/main" xmlns:p15="http://schemas.microsoft.com/office/powerpoint/2012/main" xmlns:ahyp="http://schemas.microsoft.com/office/drawing/2018/hyperlinkcolor" autoCompressPictures="0" embedTrueTypeFonts="1" strictFirstAndLastChars="0" saveSubsetFonts="1">
+<p:presentation xmlns:a="http://schemas.openxmlformats.org/drawingml/2006/main" xmlns:r="http://schemas.openxmlformats.org/officeDocument/2006/relationships" xmlns:p="http://schemas.openxmlformats.org/presentationml/2006/main" strictFirstAndLastChars="0" embedTrueTypeFonts="1" saveSubsetFonts="1" autoCompressPictures="0">
   <p:sldMasterIdLst>
-    <p:sldMasterId id="2147483659" r:id="rId4"/>
+    <p:sldMasterId id="2147483659" r:id="rId1"/>
   </p:sldMasterIdLst>
   <p:notesMasterIdLst>
-    <p:notesMasterId r:id="rId5"/>
+    <p:notesMasterId r:id="rId18"/>
   </p:notesMasterIdLst>
   <p:sldIdLst>
-    <p:sldId id="256" r:id="rId6"/>
-    <p:sldId id="257" r:id="rId7"/>
-    <p:sldId id="258" r:id="rId8"/>
-    <p:sldId id="259" r:id="rId9"/>
-    <p:sldId id="260" r:id="rId10"/>
-    <p:sldId id="261" r:id="rId11"/>
-    <p:sldId id="262" r:id="rId12"/>
-    <p:sldId id="263" r:id="rId13"/>
-    <p:sldId id="264" r:id="rId14"/>
-    <p:sldId id="265" r:id="rId15"/>
-    <p:sldId id="266" r:id="rId16"/>
-    <p:sldId id="267" r:id="rId17"/>
-    <p:sldId id="268" r:id="rId18"/>
-    <p:sldId id="269" r:id="rId19"/>
-    <p:sldId id="270" r:id="rId20"/>
-    <p:sldId id="271" r:id="rId21"/>
+    <p:sldId id="256" r:id="rId2"/>
+    <p:sldId id="257" r:id="rId3"/>
+    <p:sldId id="258" r:id="rId4"/>
+    <p:sldId id="259" r:id="rId5"/>
+    <p:sldId id="260" r:id="rId6"/>
+    <p:sldId id="261" r:id="rId7"/>
+    <p:sldId id="262" r:id="rId8"/>
+    <p:sldId id="263" r:id="rId9"/>
+    <p:sldId id="264" r:id="rId10"/>
+    <p:sldId id="265" r:id="rId11"/>
+    <p:sldId id="266" r:id="rId12"/>
+    <p:sldId id="267" r:id="rId13"/>
+    <p:sldId id="268" r:id="rId14"/>
+    <p:sldId id="269" r:id="rId15"/>
+    <p:sldId id="270" r:id="rId16"/>
+    <p:sldId id="271" r:id="rId17"/>
   </p:sldIdLst>
-  <p:sldSz cy="5143500" cx="9144000"/>
+  <p:sldSz cx="9144000" cy="5143500" type="screen16x9"/>
   <p:notesSz cx="6858000" cy="9144000"/>
   <p:embeddedFontLst>
     <p:embeddedFont>
-      <p:font typeface="Roboto Thin"/>
-      <p:regular r:id="rId22"/>
-      <p:bold r:id="rId23"/>
-      <p:italic r:id="rId24"/>
-      <p:boldItalic r:id="rId25"/>
+      <p:font typeface="Open Sans" panose="020B0604020202020204" charset="0"/>
+      <p:regular r:id="rId19"/>
+      <p:bold r:id="rId20"/>
+      <p:italic r:id="rId21"/>
+      <p:boldItalic r:id="rId22"/>
     </p:embeddedFont>
     <p:embeddedFont>
-      <p:font typeface="Roboto"/>
-      <p:regular r:id="rId26"/>
-      <p:bold r:id="rId27"/>
-      <p:italic r:id="rId28"/>
-      <p:boldItalic r:id="rId29"/>
+      <p:font typeface="PT Sans Narrow" panose="020B0604020202020204" charset="0"/>
+      <p:regular r:id="rId23"/>
+      <p:bold r:id="rId24"/>
     </p:embeddedFont>
     <p:embeddedFont>
-      <p:font typeface="Roboto Medium"/>
-      <p:regular r:id="rId30"/>
-      <p:bold r:id="rId31"/>
-      <p:italic r:id="rId32"/>
-      <p:boldItalic r:id="rId33"/>
+      <p:font typeface="Roboto" panose="020B0604020202020204" charset="0"/>
+      <p:regular r:id="rId25"/>
+      <p:bold r:id="rId26"/>
+      <p:italic r:id="rId27"/>
+      <p:boldItalic r:id="rId28"/>
     </p:embeddedFont>
     <p:embeddedFont>
-      <p:font typeface="PT Sans Narrow"/>
-      <p:regular r:id="rId34"/>
-      <p:bold r:id="rId35"/>
+      <p:font typeface="Roboto Medium" panose="020B0604020202020204" charset="0"/>
+      <p:regular r:id="rId29"/>
+      <p:bold r:id="rId30"/>
+      <p:italic r:id="rId31"/>
+      <p:boldItalic r:id="rId32"/>
     </p:embeddedFont>
     <p:embeddedFont>
-      <p:font typeface="Open Sans"/>
-      <p:regular r:id="rId36"/>
-      <p:bold r:id="rId37"/>
-      <p:italic r:id="rId38"/>
-      <p:boldItalic r:id="rId39"/>
+      <p:font typeface="Roboto Thin" panose="020B0604020202020204" charset="0"/>
+      <p:regular r:id="rId33"/>
+      <p:bold r:id="rId34"/>
+      <p:italic r:id="rId35"/>
+      <p:boldItalic r:id="rId36"/>
     </p:embeddedFont>
   </p:embeddedFontLst>
   <p:defaultTextStyle>
-    <a:defPPr lvl="0" marR="0" rtl="0" algn="l">
+    <a:defPPr marR="0" lvl="0" algn="l" rtl="0">
       <a:lnSpc>
         <a:spcPct val="100000"/>
       </a:lnSpc>
@@ -74,7 +74,7 @@
         <a:spcPts val="0"/>
       </a:spcAft>
     </a:defPPr>
-    <a:lvl1pPr lvl="0" marR="0" rtl="0" algn="l">
+    <a:lvl1pPr marR="0" lvl="0" algn="l" rtl="0">
       <a:lnSpc>
         <a:spcPct val="100000"/>
       </a:lnSpc>
@@ -88,7 +88,7 @@
         <a:srgbClr val="000000"/>
       </a:buClr>
       <a:buFont typeface="Arial"/>
-      <a:defRPr b="0" i="0" sz="1400" u="none" cap="none" strike="noStrike">
+      <a:defRPr sz="1400" b="0" i="0" u="none" strike="noStrike" cap="none">
         <a:solidFill>
           <a:srgbClr val="000000"/>
         </a:solidFill>
@@ -98,7 +98,7 @@
         <a:sym typeface="Arial"/>
       </a:defRPr>
     </a:lvl1pPr>
-    <a:lvl2pPr lvl="1" marR="0" rtl="0" algn="l">
+    <a:lvl2pPr marR="0" lvl="1" algn="l" rtl="0">
       <a:lnSpc>
         <a:spcPct val="100000"/>
       </a:lnSpc>
@@ -112,7 +112,7 @@
         <a:srgbClr val="000000"/>
       </a:buClr>
       <a:buFont typeface="Arial"/>
-      <a:defRPr b="0" i="0" sz="1400" u="none" cap="none" strike="noStrike">
+      <a:defRPr sz="1400" b="0" i="0" u="none" strike="noStrike" cap="none">
         <a:solidFill>
           <a:srgbClr val="000000"/>
         </a:solidFill>
@@ -122,7 +122,7 @@
         <a:sym typeface="Arial"/>
       </a:defRPr>
     </a:lvl2pPr>
-    <a:lvl3pPr lvl="2" marR="0" rtl="0" algn="l">
+    <a:lvl3pPr marR="0" lvl="2" algn="l" rtl="0">
       <a:lnSpc>
         <a:spcPct val="100000"/>
       </a:lnSpc>
@@ -136,7 +136,7 @@
         <a:srgbClr val="000000"/>
       </a:buClr>
       <a:buFont typeface="Arial"/>
-      <a:defRPr b="0" i="0" sz="1400" u="none" cap="none" strike="noStrike">
+      <a:defRPr sz="1400" b="0" i="0" u="none" strike="noStrike" cap="none">
         <a:solidFill>
           <a:srgbClr val="000000"/>
         </a:solidFill>
@@ -146,7 +146,7 @@
         <a:sym typeface="Arial"/>
       </a:defRPr>
     </a:lvl3pPr>
-    <a:lvl4pPr lvl="3" marR="0" rtl="0" algn="l">
+    <a:lvl4pPr marR="0" lvl="3" algn="l" rtl="0">
       <a:lnSpc>
         <a:spcPct val="100000"/>
       </a:lnSpc>
@@ -160,7 +160,7 @@
         <a:srgbClr val="000000"/>
       </a:buClr>
       <a:buFont typeface="Arial"/>
-      <a:defRPr b="0" i="0" sz="1400" u="none" cap="none" strike="noStrike">
+      <a:defRPr sz="1400" b="0" i="0" u="none" strike="noStrike" cap="none">
         <a:solidFill>
           <a:srgbClr val="000000"/>
         </a:solidFill>
@@ -170,7 +170,7 @@
         <a:sym typeface="Arial"/>
       </a:defRPr>
     </a:lvl4pPr>
-    <a:lvl5pPr lvl="4" marR="0" rtl="0" algn="l">
+    <a:lvl5pPr marR="0" lvl="4" algn="l" rtl="0">
       <a:lnSpc>
         <a:spcPct val="100000"/>
       </a:lnSpc>
@@ -184,7 +184,7 @@
         <a:srgbClr val="000000"/>
       </a:buClr>
       <a:buFont typeface="Arial"/>
-      <a:defRPr b="0" i="0" sz="1400" u="none" cap="none" strike="noStrike">
+      <a:defRPr sz="1400" b="0" i="0" u="none" strike="noStrike" cap="none">
         <a:solidFill>
           <a:srgbClr val="000000"/>
         </a:solidFill>
@@ -194,7 +194,7 @@
         <a:sym typeface="Arial"/>
       </a:defRPr>
     </a:lvl5pPr>
-    <a:lvl6pPr lvl="5" marR="0" rtl="0" algn="l">
+    <a:lvl6pPr marR="0" lvl="5" algn="l" rtl="0">
       <a:lnSpc>
         <a:spcPct val="100000"/>
       </a:lnSpc>
@@ -208,7 +208,7 @@
         <a:srgbClr val="000000"/>
       </a:buClr>
       <a:buFont typeface="Arial"/>
-      <a:defRPr b="0" i="0" sz="1400" u="none" cap="none" strike="noStrike">
+      <a:defRPr sz="1400" b="0" i="0" u="none" strike="noStrike" cap="none">
         <a:solidFill>
           <a:srgbClr val="000000"/>
         </a:solidFill>
@@ -218,7 +218,7 @@
         <a:sym typeface="Arial"/>
       </a:defRPr>
     </a:lvl6pPr>
-    <a:lvl7pPr lvl="6" marR="0" rtl="0" algn="l">
+    <a:lvl7pPr marR="0" lvl="6" algn="l" rtl="0">
       <a:lnSpc>
         <a:spcPct val="100000"/>
       </a:lnSpc>
@@ -232,7 +232,7 @@
         <a:srgbClr val="000000"/>
       </a:buClr>
       <a:buFont typeface="Arial"/>
-      <a:defRPr b="0" i="0" sz="1400" u="none" cap="none" strike="noStrike">
+      <a:defRPr sz="1400" b="0" i="0" u="none" strike="noStrike" cap="none">
         <a:solidFill>
           <a:srgbClr val="000000"/>
         </a:solidFill>
@@ -242,7 +242,7 @@
         <a:sym typeface="Arial"/>
       </a:defRPr>
     </a:lvl7pPr>
-    <a:lvl8pPr lvl="7" marR="0" rtl="0" algn="l">
+    <a:lvl8pPr marR="0" lvl="7" algn="l" rtl="0">
       <a:lnSpc>
         <a:spcPct val="100000"/>
       </a:lnSpc>
@@ -256,7 +256,7 @@
         <a:srgbClr val="000000"/>
       </a:buClr>
       <a:buFont typeface="Arial"/>
-      <a:defRPr b="0" i="0" sz="1400" u="none" cap="none" strike="noStrike">
+      <a:defRPr sz="1400" b="0" i="0" u="none" strike="noStrike" cap="none">
         <a:solidFill>
           <a:srgbClr val="000000"/>
         </a:solidFill>
@@ -266,7 +266,7 @@
         <a:sym typeface="Arial"/>
       </a:defRPr>
     </a:lvl8pPr>
-    <a:lvl9pPr lvl="8" marR="0" rtl="0" algn="l">
+    <a:lvl9pPr marR="0" lvl="8" algn="l" rtl="0">
       <a:lnSpc>
         <a:spcPct val="100000"/>
       </a:lnSpc>
@@ -280,7 +280,7 @@
         <a:srgbClr val="000000"/>
       </a:buClr>
       <a:buFont typeface="Arial"/>
-      <a:defRPr b="0" i="0" sz="1400" u="none" cap="none" strike="noStrike">
+      <a:defRPr sz="1400" b="0" i="0" u="none" strike="noStrike" cap="none">
         <a:solidFill>
           <a:srgbClr val="000000"/>
         </a:solidFill>
@@ -293,7 +293,7 @@
   </p:defaultTextStyle>
   <p:extLst>
     <p:ext uri="{EFAFB233-063F-42B5-8137-9DF3F51BA10A}">
-      <p15:sldGuideLst>
+      <p15:sldGuideLst xmlns:p15="http://schemas.microsoft.com/office/powerpoint/2012/main">
         <p15:guide id="1" orient="horz" pos="1620">
           <p15:clr>
             <a:srgbClr val="A4A3A4"/>
@@ -311,11 +311,16 @@
 </file>
 
 <file path=ppt/notesMasters/notesMaster1.xml><?xml version="1.0" encoding="utf-8"?>
-<p:notesMaster xmlns:a="http://schemas.openxmlformats.org/drawingml/2006/main" xmlns:r="http://schemas.openxmlformats.org/officeDocument/2006/relationships" xmlns:mc="http://schemas.openxmlformats.org/markup-compatibility/2006" xmlns:mv="urn:schemas-microsoft-com:mac:vml" xmlns:p="http://schemas.openxmlformats.org/presentationml/2006/main" xmlns:c="http://schemas.openxmlformats.org/drawingml/2006/chart" xmlns:dgm="http://schemas.openxmlformats.org/drawingml/2006/diagram" xmlns:o="urn:schemas-microsoft-com:office:office" xmlns:v="urn:schemas-microsoft-com:vml" xmlns:pvml="urn:schemas-microsoft-com:office:powerpoint" xmlns:com="http://schemas.openxmlformats.org/drawingml/2006/compatibility" xmlns:p14="http://schemas.microsoft.com/office/powerpoint/2010/main" xmlns:p15="http://schemas.microsoft.com/office/powerpoint/2012/main" xmlns:ahyp="http://schemas.microsoft.com/office/drawing/2018/hyperlinkcolor">
+<p:notesMaster xmlns:a="http://schemas.openxmlformats.org/drawingml/2006/main" xmlns:r="http://schemas.openxmlformats.org/officeDocument/2006/relationships" xmlns:p="http://schemas.openxmlformats.org/presentationml/2006/main">
   <p:cSld>
+    <p:bg>
+      <p:bgRef idx="1001">
+        <a:schemeClr val="bg1"/>
+      </p:bgRef>
+    </p:bg>
     <p:spTree>
       <p:nvGrpSpPr>
-        <p:cNvPr id="2" name="Shape 2"/>
+        <p:cNvPr id="1" name="Shape 2"/>
         <p:cNvGrpSpPr/>
         <p:nvPr/>
       </p:nvGrpSpPr>
@@ -330,9 +335,11 @@
       <p:sp>
         <p:nvSpPr>
           <p:cNvPr id="3" name="Google Shape;3;n"/>
-          <p:cNvSpPr/>
+          <p:cNvSpPr>
+            <a:spLocks noGrp="1" noRot="1" noChangeAspect="1"/>
+          </p:cNvSpPr>
           <p:nvPr>
-            <p:ph idx="2" type="sldImg"/>
+            <p:ph type="sldImg" idx="2"/>
           </p:nvPr>
         </p:nvSpPr>
         <p:spPr>
@@ -341,9 +348,13 @@
             <a:ext cx="6096075" cy="3429000"/>
           </a:xfrm>
           <a:custGeom>
-            <a:rect b="b" l="l" r="r" t="t"/>
+            <a:avLst/>
+            <a:gdLst/>
+            <a:ahLst/>
+            <a:cxnLst/>
+            <a:rect l="l" t="t" r="r" b="b"/>
             <a:pathLst>
-              <a:path extrusionOk="0" h="120000" w="120000">
+              <a:path w="120000" h="120000" extrusionOk="0">
                 <a:moveTo>
                   <a:pt x="0" y="0"/>
                 </a:moveTo>
@@ -361,23 +372,25 @@
             </a:pathLst>
           </a:custGeom>
           <a:noFill/>
-          <a:ln cap="flat" cmpd="sng" w="9525">
+          <a:ln w="9525" cap="flat" cmpd="sng">
             <a:solidFill>
               <a:srgbClr val="000000"/>
             </a:solidFill>
             <a:prstDash val="solid"/>
             <a:round/>
-            <a:headEnd len="sm" w="sm" type="none"/>
-            <a:tailEnd len="sm" w="sm" type="none"/>
+            <a:headEnd type="none" w="sm" len="sm"/>
+            <a:tailEnd type="none" w="sm" len="sm"/>
           </a:ln>
         </p:spPr>
       </p:sp>
       <p:sp>
         <p:nvSpPr>
           <p:cNvPr id="4" name="Google Shape;4;n"/>
-          <p:cNvSpPr txBox="1"/>
+          <p:cNvSpPr txBox="1">
+            <a:spLocks noGrp="1"/>
+          </p:cNvSpPr>
           <p:nvPr>
-            <p:ph idx="1" type="body"/>
+            <p:ph type="body" idx="1"/>
           </p:nvPr>
         </p:nvSpPr>
         <p:spPr>
@@ -394,11 +407,11 @@
           </a:ln>
         </p:spPr>
         <p:txBody>
-          <a:bodyPr anchorCtr="0" anchor="t" bIns="91425" lIns="91425" spcFirstLastPara="1" rIns="91425" wrap="square" tIns="91425">
+          <a:bodyPr spcFirstLastPara="1" wrap="square" lIns="91425" tIns="91425" rIns="91425" bIns="91425" anchor="t" anchorCtr="0">
             <a:noAutofit/>
           </a:bodyPr>
           <a:lstStyle>
-            <a:lvl1pPr indent="-298450" lvl="0" marL="457200">
+            <a:lvl1pPr marL="457200" lvl="0" indent="-298450">
               <a:spcBef>
                 <a:spcPts val="0"/>
               </a:spcBef>
@@ -409,7 +422,7 @@
               <a:buChar char="●"/>
               <a:defRPr sz="1100"/>
             </a:lvl1pPr>
-            <a:lvl2pPr indent="-298450" lvl="1" marL="914400">
+            <a:lvl2pPr marL="914400" lvl="1" indent="-298450">
               <a:spcBef>
                 <a:spcPts val="0"/>
               </a:spcBef>
@@ -420,7 +433,7 @@
               <a:buChar char="○"/>
               <a:defRPr sz="1100"/>
             </a:lvl2pPr>
-            <a:lvl3pPr indent="-298450" lvl="2" marL="1371600">
+            <a:lvl3pPr marL="1371600" lvl="2" indent="-298450">
               <a:spcBef>
                 <a:spcPts val="0"/>
               </a:spcBef>
@@ -431,7 +444,7 @@
               <a:buChar char="■"/>
               <a:defRPr sz="1100"/>
             </a:lvl3pPr>
-            <a:lvl4pPr indent="-298450" lvl="3" marL="1828800">
+            <a:lvl4pPr marL="1828800" lvl="3" indent="-298450">
               <a:spcBef>
                 <a:spcPts val="0"/>
               </a:spcBef>
@@ -442,7 +455,7 @@
               <a:buChar char="●"/>
               <a:defRPr sz="1100"/>
             </a:lvl4pPr>
-            <a:lvl5pPr indent="-298450" lvl="4" marL="2286000">
+            <a:lvl5pPr marL="2286000" lvl="4" indent="-298450">
               <a:spcBef>
                 <a:spcPts val="0"/>
               </a:spcBef>
@@ -453,7 +466,7 @@
               <a:buChar char="○"/>
               <a:defRPr sz="1100"/>
             </a:lvl5pPr>
-            <a:lvl6pPr indent="-298450" lvl="5" marL="2743200">
+            <a:lvl6pPr marL="2743200" lvl="5" indent="-298450">
               <a:spcBef>
                 <a:spcPts val="0"/>
               </a:spcBef>
@@ -464,7 +477,7 @@
               <a:buChar char="■"/>
               <a:defRPr sz="1100"/>
             </a:lvl6pPr>
-            <a:lvl7pPr indent="-298450" lvl="6" marL="3200400">
+            <a:lvl7pPr marL="3200400" lvl="6" indent="-298450">
               <a:spcBef>
                 <a:spcPts val="0"/>
               </a:spcBef>
@@ -475,7 +488,7 @@
               <a:buChar char="●"/>
               <a:defRPr sz="1100"/>
             </a:lvl7pPr>
-            <a:lvl8pPr indent="-298450" lvl="7" marL="3657600">
+            <a:lvl8pPr marL="3657600" lvl="7" indent="-298450">
               <a:spcBef>
                 <a:spcPts val="0"/>
               </a:spcBef>
@@ -486,7 +499,7 @@
               <a:buChar char="○"/>
               <a:defRPr sz="1100"/>
             </a:lvl8pPr>
-            <a:lvl9pPr indent="-298450" lvl="8" marL="4114800">
+            <a:lvl9pPr marL="4114800" lvl="8" indent="-298450">
               <a:spcBef>
                 <a:spcPts val="0"/>
               </a:spcBef>
@@ -498,14 +511,16 @@
               <a:defRPr sz="1100"/>
             </a:lvl9pPr>
           </a:lstStyle>
-          <a:p/>
+          <a:p>
+            <a:endParaRPr/>
+          </a:p>
         </p:txBody>
       </p:sp>
     </p:spTree>
   </p:cSld>
-  <p:clrMap accent1="accent1" accent2="accent2" accent3="accent3" accent4="accent4" accent5="accent5" accent6="accent6" bg1="lt1" bg2="dk2" tx1="dk1" tx2="lt2" folHlink="folHlink" hlink="hlink"/>
+  <p:clrMap bg1="lt1" tx1="dk1" bg2="dk2" tx2="lt2" accent1="accent1" accent2="accent2" accent3="accent3" accent4="accent4" accent5="accent5" accent6="accent6" hlink="hlink" folHlink="folHlink"/>
   <p:notesStyle>
-    <a:defPPr lvl="0" marR="0" rtl="0" algn="l">
+    <a:defPPr marR="0" lvl="0" algn="l" rtl="0">
       <a:lnSpc>
         <a:spcPct val="100000"/>
       </a:lnSpc>
@@ -516,7 +531,7 @@
         <a:spcPts val="0"/>
       </a:spcAft>
     </a:defPPr>
-    <a:lvl1pPr lvl="0" marR="0" rtl="0" algn="l">
+    <a:lvl1pPr marR="0" lvl="0" algn="l" rtl="0">
       <a:lnSpc>
         <a:spcPct val="100000"/>
       </a:lnSpc>
@@ -530,7 +545,7 @@
         <a:srgbClr val="000000"/>
       </a:buClr>
       <a:buFont typeface="Arial"/>
-      <a:defRPr b="0" i="0" sz="1400" u="none" cap="none" strike="noStrike">
+      <a:defRPr sz="1400" b="0" i="0" u="none" strike="noStrike" cap="none">
         <a:solidFill>
           <a:srgbClr val="000000"/>
         </a:solidFill>
@@ -540,7 +555,7 @@
         <a:sym typeface="Arial"/>
       </a:defRPr>
     </a:lvl1pPr>
-    <a:lvl2pPr lvl="1" marR="0" rtl="0" algn="l">
+    <a:lvl2pPr marR="0" lvl="1" algn="l" rtl="0">
       <a:lnSpc>
         <a:spcPct val="100000"/>
       </a:lnSpc>
@@ -554,7 +569,7 @@
         <a:srgbClr val="000000"/>
       </a:buClr>
       <a:buFont typeface="Arial"/>
-      <a:defRPr b="0" i="0" sz="1400" u="none" cap="none" strike="noStrike">
+      <a:defRPr sz="1400" b="0" i="0" u="none" strike="noStrike" cap="none">
         <a:solidFill>
           <a:srgbClr val="000000"/>
         </a:solidFill>
@@ -564,7 +579,7 @@
         <a:sym typeface="Arial"/>
       </a:defRPr>
     </a:lvl2pPr>
-    <a:lvl3pPr lvl="2" marR="0" rtl="0" algn="l">
+    <a:lvl3pPr marR="0" lvl="2" algn="l" rtl="0">
       <a:lnSpc>
         <a:spcPct val="100000"/>
       </a:lnSpc>
@@ -578,7 +593,7 @@
         <a:srgbClr val="000000"/>
       </a:buClr>
       <a:buFont typeface="Arial"/>
-      <a:defRPr b="0" i="0" sz="1400" u="none" cap="none" strike="noStrike">
+      <a:defRPr sz="1400" b="0" i="0" u="none" strike="noStrike" cap="none">
         <a:solidFill>
           <a:srgbClr val="000000"/>
         </a:solidFill>
@@ -588,7 +603,7 @@
         <a:sym typeface="Arial"/>
       </a:defRPr>
     </a:lvl3pPr>
-    <a:lvl4pPr lvl="3" marR="0" rtl="0" algn="l">
+    <a:lvl4pPr marR="0" lvl="3" algn="l" rtl="0">
       <a:lnSpc>
         <a:spcPct val="100000"/>
       </a:lnSpc>
@@ -602,7 +617,7 @@
         <a:srgbClr val="000000"/>
       </a:buClr>
       <a:buFont typeface="Arial"/>
-      <a:defRPr b="0" i="0" sz="1400" u="none" cap="none" strike="noStrike">
+      <a:defRPr sz="1400" b="0" i="0" u="none" strike="noStrike" cap="none">
         <a:solidFill>
           <a:srgbClr val="000000"/>
         </a:solidFill>
@@ -612,7 +627,7 @@
         <a:sym typeface="Arial"/>
       </a:defRPr>
     </a:lvl4pPr>
-    <a:lvl5pPr lvl="4" marR="0" rtl="0" algn="l">
+    <a:lvl5pPr marR="0" lvl="4" algn="l" rtl="0">
       <a:lnSpc>
         <a:spcPct val="100000"/>
       </a:lnSpc>
@@ -626,7 +641,7 @@
         <a:srgbClr val="000000"/>
       </a:buClr>
       <a:buFont typeface="Arial"/>
-      <a:defRPr b="0" i="0" sz="1400" u="none" cap="none" strike="noStrike">
+      <a:defRPr sz="1400" b="0" i="0" u="none" strike="noStrike" cap="none">
         <a:solidFill>
           <a:srgbClr val="000000"/>
         </a:solidFill>
@@ -636,7 +651,7 @@
         <a:sym typeface="Arial"/>
       </a:defRPr>
     </a:lvl5pPr>
-    <a:lvl6pPr lvl="5" marR="0" rtl="0" algn="l">
+    <a:lvl6pPr marR="0" lvl="5" algn="l" rtl="0">
       <a:lnSpc>
         <a:spcPct val="100000"/>
       </a:lnSpc>
@@ -650,7 +665,7 @@
         <a:srgbClr val="000000"/>
       </a:buClr>
       <a:buFont typeface="Arial"/>
-      <a:defRPr b="0" i="0" sz="1400" u="none" cap="none" strike="noStrike">
+      <a:defRPr sz="1400" b="0" i="0" u="none" strike="noStrike" cap="none">
         <a:solidFill>
           <a:srgbClr val="000000"/>
         </a:solidFill>
@@ -660,7 +675,7 @@
         <a:sym typeface="Arial"/>
       </a:defRPr>
     </a:lvl6pPr>
-    <a:lvl7pPr lvl="6" marR="0" rtl="0" algn="l">
+    <a:lvl7pPr marR="0" lvl="6" algn="l" rtl="0">
       <a:lnSpc>
         <a:spcPct val="100000"/>
       </a:lnSpc>
@@ -674,7 +689,7 @@
         <a:srgbClr val="000000"/>
       </a:buClr>
       <a:buFont typeface="Arial"/>
-      <a:defRPr b="0" i="0" sz="1400" u="none" cap="none" strike="noStrike">
+      <a:defRPr sz="1400" b="0" i="0" u="none" strike="noStrike" cap="none">
         <a:solidFill>
           <a:srgbClr val="000000"/>
         </a:solidFill>
@@ -684,7 +699,7 @@
         <a:sym typeface="Arial"/>
       </a:defRPr>
     </a:lvl7pPr>
-    <a:lvl8pPr lvl="7" marR="0" rtl="0" algn="l">
+    <a:lvl8pPr marR="0" lvl="7" algn="l" rtl="0">
       <a:lnSpc>
         <a:spcPct val="100000"/>
       </a:lnSpc>
@@ -698,7 +713,7 @@
         <a:srgbClr val="000000"/>
       </a:buClr>
       <a:buFont typeface="Arial"/>
-      <a:defRPr b="0" i="0" sz="1400" u="none" cap="none" strike="noStrike">
+      <a:defRPr sz="1400" b="0" i="0" u="none" strike="noStrike" cap="none">
         <a:solidFill>
           <a:srgbClr val="000000"/>
         </a:solidFill>
@@ -708,7 +723,7 @@
         <a:sym typeface="Arial"/>
       </a:defRPr>
     </a:lvl8pPr>
-    <a:lvl9pPr lvl="8" marR="0" rtl="0" algn="l">
+    <a:lvl9pPr marR="0" lvl="8" algn="l" rtl="0">
       <a:lnSpc>
         <a:spcPct val="100000"/>
       </a:lnSpc>
@@ -722,7 +737,7 @@
         <a:srgbClr val="000000"/>
       </a:buClr>
       <a:buFont typeface="Arial"/>
-      <a:defRPr b="0" i="0" sz="1400" u="none" cap="none" strike="noStrike">
+      <a:defRPr sz="1400" b="0" i="0" u="none" strike="noStrike" cap="none">
         <a:solidFill>
           <a:srgbClr val="000000"/>
         </a:solidFill>
@@ -737,11 +752,11 @@
 </file>
 
 <file path=ppt/notesSlides/notesSlide1.xml><?xml version="1.0" encoding="utf-8"?>
-<p:notes xmlns:a="http://schemas.openxmlformats.org/drawingml/2006/main" xmlns:r="http://schemas.openxmlformats.org/officeDocument/2006/relationships" xmlns:mc="http://schemas.openxmlformats.org/markup-compatibility/2006" xmlns:mv="urn:schemas-microsoft-com:mac:vml" xmlns:p="http://schemas.openxmlformats.org/presentationml/2006/main" xmlns:c="http://schemas.openxmlformats.org/drawingml/2006/chart" xmlns:dgm="http://schemas.openxmlformats.org/drawingml/2006/diagram" xmlns:o="urn:schemas-microsoft-com:office:office" xmlns:v="urn:schemas-microsoft-com:vml" xmlns:pvml="urn:schemas-microsoft-com:office:powerpoint" xmlns:com="http://schemas.openxmlformats.org/drawingml/2006/compatibility" xmlns:p14="http://schemas.microsoft.com/office/powerpoint/2010/main" xmlns:p15="http://schemas.microsoft.com/office/powerpoint/2012/main" xmlns:ahyp="http://schemas.microsoft.com/office/drawing/2018/hyperlinkcolor" showMasterPhAnim="0" showMasterSp="0">
+<p:notes xmlns:a="http://schemas.openxmlformats.org/drawingml/2006/main" xmlns:r="http://schemas.openxmlformats.org/officeDocument/2006/relationships" xmlns:p="http://schemas.openxmlformats.org/presentationml/2006/main" showMasterSp="0" showMasterPhAnim="0">
   <p:cSld>
     <p:spTree>
       <p:nvGrpSpPr>
-        <p:cNvPr id="62" name="Shape 62"/>
+        <p:cNvPr id="1" name="Shape 62"/>
         <p:cNvGrpSpPr/>
         <p:nvPr/>
       </p:nvGrpSpPr>
@@ -756,20 +771,26 @@
       <p:sp>
         <p:nvSpPr>
           <p:cNvPr id="63" name="Google Shape;63;p:notes"/>
-          <p:cNvSpPr/>
+          <p:cNvSpPr>
+            <a:spLocks noGrp="1" noRot="1" noChangeAspect="1"/>
+          </p:cNvSpPr>
           <p:nvPr>
-            <p:ph idx="2" type="sldImg"/>
+            <p:ph type="sldImg" idx="2"/>
           </p:nvPr>
         </p:nvSpPr>
         <p:spPr>
           <a:xfrm>
-            <a:off x="381300" y="685800"/>
-            <a:ext cx="6096075" cy="3429000"/>
+            <a:off x="381000" y="685800"/>
+            <a:ext cx="6096000" cy="3429000"/>
           </a:xfrm>
           <a:custGeom>
-            <a:rect b="b" l="l" r="r" t="t"/>
+            <a:avLst/>
+            <a:gdLst/>
+            <a:ahLst/>
+            <a:cxnLst/>
+            <a:rect l="l" t="t" r="r" b="b"/>
             <a:pathLst>
-              <a:path extrusionOk="0" h="120000" w="120000">
+              <a:path w="120000" h="120000" extrusionOk="0">
                 <a:moveTo>
                   <a:pt x="0" y="0"/>
                 </a:moveTo>
@@ -791,9 +812,11 @@
       <p:sp>
         <p:nvSpPr>
           <p:cNvPr id="64" name="Google Shape;64;p:notes"/>
-          <p:cNvSpPr txBox="1"/>
+          <p:cNvSpPr txBox="1">
+            <a:spLocks noGrp="1"/>
+          </p:cNvSpPr>
           <p:nvPr>
-            <p:ph idx="1" type="body"/>
+            <p:ph type="body" idx="1"/>
           </p:nvPr>
         </p:nvSpPr>
         <p:spPr>
@@ -806,12 +829,12 @@
           </a:prstGeom>
         </p:spPr>
         <p:txBody>
-          <a:bodyPr anchorCtr="0" anchor="t" bIns="91425" lIns="91425" spcFirstLastPara="1" rIns="91425" wrap="square" tIns="91425">
+          <a:bodyPr spcFirstLastPara="1" wrap="square" lIns="91425" tIns="91425" rIns="91425" bIns="91425" anchor="t" anchorCtr="0">
             <a:noAutofit/>
           </a:bodyPr>
           <a:lstStyle/>
           <a:p>
-            <a:pPr indent="0" lvl="0" marL="0" rtl="0" algn="l">
+            <a:pPr marL="0" lvl="0" indent="0" algn="l" rtl="0">
               <a:spcBef>
                 <a:spcPts val="0"/>
               </a:spcBef>
@@ -837,11 +860,11 @@
 </file>
 
 <file path=ppt/notesSlides/notesSlide10.xml><?xml version="1.0" encoding="utf-8"?>
-<p:notes xmlns:a="http://schemas.openxmlformats.org/drawingml/2006/main" xmlns:r="http://schemas.openxmlformats.org/officeDocument/2006/relationships" xmlns:mc="http://schemas.openxmlformats.org/markup-compatibility/2006" xmlns:mv="urn:schemas-microsoft-com:mac:vml" xmlns:p="http://schemas.openxmlformats.org/presentationml/2006/main" xmlns:c="http://schemas.openxmlformats.org/drawingml/2006/chart" xmlns:dgm="http://schemas.openxmlformats.org/drawingml/2006/diagram" xmlns:o="urn:schemas-microsoft-com:office:office" xmlns:v="urn:schemas-microsoft-com:vml" xmlns:pvml="urn:schemas-microsoft-com:office:powerpoint" xmlns:com="http://schemas.openxmlformats.org/drawingml/2006/compatibility" xmlns:p14="http://schemas.microsoft.com/office/powerpoint/2010/main" xmlns:p15="http://schemas.microsoft.com/office/powerpoint/2012/main" xmlns:ahyp="http://schemas.microsoft.com/office/drawing/2018/hyperlinkcolor" showMasterPhAnim="0" showMasterSp="0">
+<p:notes xmlns:a="http://schemas.openxmlformats.org/drawingml/2006/main" xmlns:r="http://schemas.openxmlformats.org/officeDocument/2006/relationships" xmlns:p="http://schemas.openxmlformats.org/presentationml/2006/main" showMasterSp="0" showMasterPhAnim="0">
   <p:cSld>
     <p:spTree>
       <p:nvGrpSpPr>
-        <p:cNvPr id="151" name="Shape 151"/>
+        <p:cNvPr id="1" name="Shape 151"/>
         <p:cNvGrpSpPr/>
         <p:nvPr/>
       </p:nvGrpSpPr>
@@ -856,9 +879,11 @@
       <p:sp>
         <p:nvSpPr>
           <p:cNvPr id="152" name="Google Shape;152;ga7813c5ddf_1_7:notes"/>
-          <p:cNvSpPr/>
+          <p:cNvSpPr>
+            <a:spLocks noGrp="1" noRot="1" noChangeAspect="1"/>
+          </p:cNvSpPr>
           <p:nvPr>
-            <p:ph idx="2" type="sldImg"/>
+            <p:ph type="sldImg" idx="2"/>
           </p:nvPr>
         </p:nvSpPr>
         <p:spPr>
@@ -867,9 +892,13 @@
             <a:ext cx="6096000" cy="3429000"/>
           </a:xfrm>
           <a:custGeom>
-            <a:rect b="b" l="l" r="r" t="t"/>
+            <a:avLst/>
+            <a:gdLst/>
+            <a:ahLst/>
+            <a:cxnLst/>
+            <a:rect l="l" t="t" r="r" b="b"/>
             <a:pathLst>
-              <a:path extrusionOk="0" h="120000" w="120000">
+              <a:path w="120000" h="120000" extrusionOk="0">
                 <a:moveTo>
                   <a:pt x="0" y="0"/>
                 </a:moveTo>
@@ -891,9 +920,11 @@
       <p:sp>
         <p:nvSpPr>
           <p:cNvPr id="153" name="Google Shape;153;ga7813c5ddf_1_7:notes"/>
-          <p:cNvSpPr txBox="1"/>
+          <p:cNvSpPr txBox="1">
+            <a:spLocks noGrp="1"/>
+          </p:cNvSpPr>
           <p:nvPr>
-            <p:ph idx="1" type="body"/>
+            <p:ph type="body" idx="1"/>
           </p:nvPr>
         </p:nvSpPr>
         <p:spPr>
@@ -906,12 +937,12 @@
           </a:prstGeom>
         </p:spPr>
         <p:txBody>
-          <a:bodyPr anchorCtr="0" anchor="t" bIns="91425" lIns="91425" spcFirstLastPara="1" rIns="91425" wrap="square" tIns="91425">
+          <a:bodyPr spcFirstLastPara="1" wrap="square" lIns="91425" tIns="91425" rIns="91425" bIns="91425" anchor="t" anchorCtr="0">
             <a:noAutofit/>
           </a:bodyPr>
           <a:lstStyle/>
           <a:p>
-            <a:pPr indent="0" lvl="0" marL="0" rtl="0" algn="l">
+            <a:pPr marL="0" lvl="0" indent="0" algn="l" rtl="0">
               <a:spcBef>
                 <a:spcPts val="0"/>
               </a:spcBef>
@@ -920,9 +951,6 @@
               </a:spcAft>
               <a:buNone/>
             </a:pPr>
-            <a:r>
-              <a:t/>
-            </a:r>
             <a:endParaRPr/>
           </a:p>
         </p:txBody>
@@ -936,11 +964,11 @@
 </file>
 
 <file path=ppt/notesSlides/notesSlide11.xml><?xml version="1.0" encoding="utf-8"?>
-<p:notes xmlns:a="http://schemas.openxmlformats.org/drawingml/2006/main" xmlns:r="http://schemas.openxmlformats.org/officeDocument/2006/relationships" xmlns:mc="http://schemas.openxmlformats.org/markup-compatibility/2006" xmlns:mv="urn:schemas-microsoft-com:mac:vml" xmlns:p="http://schemas.openxmlformats.org/presentationml/2006/main" xmlns:c="http://schemas.openxmlformats.org/drawingml/2006/chart" xmlns:dgm="http://schemas.openxmlformats.org/drawingml/2006/diagram" xmlns:o="urn:schemas-microsoft-com:office:office" xmlns:v="urn:schemas-microsoft-com:vml" xmlns:pvml="urn:schemas-microsoft-com:office:powerpoint" xmlns:com="http://schemas.openxmlformats.org/drawingml/2006/compatibility" xmlns:p14="http://schemas.microsoft.com/office/powerpoint/2010/main" xmlns:p15="http://schemas.microsoft.com/office/powerpoint/2012/main" xmlns:ahyp="http://schemas.microsoft.com/office/drawing/2018/hyperlinkcolor" showMasterPhAnim="0" showMasterSp="0">
+<p:notes xmlns:a="http://schemas.openxmlformats.org/drawingml/2006/main" xmlns:r="http://schemas.openxmlformats.org/officeDocument/2006/relationships" xmlns:p="http://schemas.openxmlformats.org/presentationml/2006/main" showMasterSp="0" showMasterPhAnim="0">
   <p:cSld>
     <p:spTree>
       <p:nvGrpSpPr>
-        <p:cNvPr id="164" name="Shape 164"/>
+        <p:cNvPr id="1" name="Shape 164"/>
         <p:cNvGrpSpPr/>
         <p:nvPr/>
       </p:nvGrpSpPr>
@@ -955,9 +983,11 @@
       <p:sp>
         <p:nvSpPr>
           <p:cNvPr id="165" name="Google Shape;165;ga3652d1384_0_224:notes"/>
-          <p:cNvSpPr/>
+          <p:cNvSpPr>
+            <a:spLocks noGrp="1" noRot="1" noChangeAspect="1"/>
+          </p:cNvSpPr>
           <p:nvPr>
-            <p:ph idx="2" type="sldImg"/>
+            <p:ph type="sldImg" idx="2"/>
           </p:nvPr>
         </p:nvSpPr>
         <p:spPr>
@@ -966,9 +996,13 @@
             <a:ext cx="6096000" cy="3429000"/>
           </a:xfrm>
           <a:custGeom>
-            <a:rect b="b" l="l" r="r" t="t"/>
+            <a:avLst/>
+            <a:gdLst/>
+            <a:ahLst/>
+            <a:cxnLst/>
+            <a:rect l="l" t="t" r="r" b="b"/>
             <a:pathLst>
-              <a:path extrusionOk="0" h="120000" w="120000">
+              <a:path w="120000" h="120000" extrusionOk="0">
                 <a:moveTo>
                   <a:pt x="0" y="0"/>
                 </a:moveTo>
@@ -990,9 +1024,11 @@
       <p:sp>
         <p:nvSpPr>
           <p:cNvPr id="166" name="Google Shape;166;ga3652d1384_0_224:notes"/>
-          <p:cNvSpPr txBox="1"/>
+          <p:cNvSpPr txBox="1">
+            <a:spLocks noGrp="1"/>
+          </p:cNvSpPr>
           <p:nvPr>
-            <p:ph idx="1" type="body"/>
+            <p:ph type="body" idx="1"/>
           </p:nvPr>
         </p:nvSpPr>
         <p:spPr>
@@ -1005,12 +1041,12 @@
           </a:prstGeom>
         </p:spPr>
         <p:txBody>
-          <a:bodyPr anchorCtr="0" anchor="t" bIns="91425" lIns="91425" spcFirstLastPara="1" rIns="91425" wrap="square" tIns="91425">
+          <a:bodyPr spcFirstLastPara="1" wrap="square" lIns="91425" tIns="91425" rIns="91425" bIns="91425" anchor="t" anchorCtr="0">
             <a:noAutofit/>
           </a:bodyPr>
           <a:lstStyle/>
           <a:p>
-            <a:pPr indent="0" lvl="0" marL="0" rtl="0" algn="l">
+            <a:pPr marL="0" lvl="0" indent="0" algn="l" rtl="0">
               <a:spcBef>
                 <a:spcPts val="0"/>
               </a:spcBef>
@@ -1036,11 +1072,11 @@
 </file>
 
 <file path=ppt/notesSlides/notesSlide12.xml><?xml version="1.0" encoding="utf-8"?>
-<p:notes xmlns:a="http://schemas.openxmlformats.org/drawingml/2006/main" xmlns:r="http://schemas.openxmlformats.org/officeDocument/2006/relationships" xmlns:mc="http://schemas.openxmlformats.org/markup-compatibility/2006" xmlns:mv="urn:schemas-microsoft-com:mac:vml" xmlns:p="http://schemas.openxmlformats.org/presentationml/2006/main" xmlns:c="http://schemas.openxmlformats.org/drawingml/2006/chart" xmlns:dgm="http://schemas.openxmlformats.org/drawingml/2006/diagram" xmlns:o="urn:schemas-microsoft-com:office:office" xmlns:v="urn:schemas-microsoft-com:vml" xmlns:pvml="urn:schemas-microsoft-com:office:powerpoint" xmlns:com="http://schemas.openxmlformats.org/drawingml/2006/compatibility" xmlns:p14="http://schemas.microsoft.com/office/powerpoint/2010/main" xmlns:p15="http://schemas.microsoft.com/office/powerpoint/2012/main" xmlns:ahyp="http://schemas.microsoft.com/office/drawing/2018/hyperlinkcolor" showMasterPhAnim="0" showMasterSp="0">
+<p:notes xmlns:a="http://schemas.openxmlformats.org/drawingml/2006/main" xmlns:r="http://schemas.openxmlformats.org/officeDocument/2006/relationships" xmlns:p="http://schemas.openxmlformats.org/presentationml/2006/main" showMasterSp="0" showMasterPhAnim="0">
   <p:cSld>
     <p:spTree>
       <p:nvGrpSpPr>
-        <p:cNvPr id="171" name="Shape 171"/>
+        <p:cNvPr id="1" name="Shape 171"/>
         <p:cNvGrpSpPr/>
         <p:nvPr/>
       </p:nvGrpSpPr>
@@ -1055,9 +1091,11 @@
       <p:sp>
         <p:nvSpPr>
           <p:cNvPr id="172" name="Google Shape;172;ga7813c5ddf_1_0:notes"/>
-          <p:cNvSpPr/>
+          <p:cNvSpPr>
+            <a:spLocks noGrp="1" noRot="1" noChangeAspect="1"/>
+          </p:cNvSpPr>
           <p:nvPr>
-            <p:ph idx="2" type="sldImg"/>
+            <p:ph type="sldImg" idx="2"/>
           </p:nvPr>
         </p:nvSpPr>
         <p:spPr>
@@ -1066,9 +1104,13 @@
             <a:ext cx="6096000" cy="3429000"/>
           </a:xfrm>
           <a:custGeom>
-            <a:rect b="b" l="l" r="r" t="t"/>
+            <a:avLst/>
+            <a:gdLst/>
+            <a:ahLst/>
+            <a:cxnLst/>
+            <a:rect l="l" t="t" r="r" b="b"/>
             <a:pathLst>
-              <a:path extrusionOk="0" h="120000" w="120000">
+              <a:path w="120000" h="120000" extrusionOk="0">
                 <a:moveTo>
                   <a:pt x="0" y="0"/>
                 </a:moveTo>
@@ -1090,9 +1132,11 @@
       <p:sp>
         <p:nvSpPr>
           <p:cNvPr id="173" name="Google Shape;173;ga7813c5ddf_1_0:notes"/>
-          <p:cNvSpPr txBox="1"/>
+          <p:cNvSpPr txBox="1">
+            <a:spLocks noGrp="1"/>
+          </p:cNvSpPr>
           <p:nvPr>
-            <p:ph idx="1" type="body"/>
+            <p:ph type="body" idx="1"/>
           </p:nvPr>
         </p:nvSpPr>
         <p:spPr>
@@ -1105,12 +1149,12 @@
           </a:prstGeom>
         </p:spPr>
         <p:txBody>
-          <a:bodyPr anchorCtr="0" anchor="t" bIns="91425" lIns="91425" spcFirstLastPara="1" rIns="91425" wrap="square" tIns="91425">
+          <a:bodyPr spcFirstLastPara="1" wrap="square" lIns="91425" tIns="91425" rIns="91425" bIns="91425" anchor="t" anchorCtr="0">
             <a:noAutofit/>
           </a:bodyPr>
           <a:lstStyle/>
           <a:p>
-            <a:pPr indent="0" lvl="0" marL="0" rtl="0" algn="l">
+            <a:pPr marL="0" lvl="0" indent="0" algn="l" rtl="0">
               <a:spcBef>
                 <a:spcPts val="0"/>
               </a:spcBef>
@@ -1136,11 +1180,11 @@
 </file>
 
 <file path=ppt/notesSlides/notesSlide13.xml><?xml version="1.0" encoding="utf-8"?>
-<p:notes xmlns:a="http://schemas.openxmlformats.org/drawingml/2006/main" xmlns:r="http://schemas.openxmlformats.org/officeDocument/2006/relationships" xmlns:mc="http://schemas.openxmlformats.org/markup-compatibility/2006" xmlns:mv="urn:schemas-microsoft-com:mac:vml" xmlns:p="http://schemas.openxmlformats.org/presentationml/2006/main" xmlns:c="http://schemas.openxmlformats.org/drawingml/2006/chart" xmlns:dgm="http://schemas.openxmlformats.org/drawingml/2006/diagram" xmlns:o="urn:schemas-microsoft-com:office:office" xmlns:v="urn:schemas-microsoft-com:vml" xmlns:pvml="urn:schemas-microsoft-com:office:powerpoint" xmlns:com="http://schemas.openxmlformats.org/drawingml/2006/compatibility" xmlns:p14="http://schemas.microsoft.com/office/powerpoint/2010/main" xmlns:p15="http://schemas.microsoft.com/office/powerpoint/2012/main" xmlns:ahyp="http://schemas.microsoft.com/office/drawing/2018/hyperlinkcolor" showMasterPhAnim="0" showMasterSp="0">
+<p:notes xmlns:a="http://schemas.openxmlformats.org/drawingml/2006/main" xmlns:r="http://schemas.openxmlformats.org/officeDocument/2006/relationships" xmlns:p="http://schemas.openxmlformats.org/presentationml/2006/main" showMasterSp="0" showMasterPhAnim="0">
   <p:cSld>
     <p:spTree>
       <p:nvGrpSpPr>
-        <p:cNvPr id="180" name="Shape 180"/>
+        <p:cNvPr id="1" name="Shape 180"/>
         <p:cNvGrpSpPr/>
         <p:nvPr/>
       </p:nvGrpSpPr>
@@ -1155,9 +1199,11 @@
       <p:sp>
         <p:nvSpPr>
           <p:cNvPr id="181" name="Google Shape;181;gaeab9ef0c9_0_2:notes"/>
-          <p:cNvSpPr/>
+          <p:cNvSpPr>
+            <a:spLocks noGrp="1" noRot="1" noChangeAspect="1"/>
+          </p:cNvSpPr>
           <p:nvPr>
-            <p:ph idx="2" type="sldImg"/>
+            <p:ph type="sldImg" idx="2"/>
           </p:nvPr>
         </p:nvSpPr>
         <p:spPr>
@@ -1166,9 +1212,13 @@
             <a:ext cx="6096000" cy="3429000"/>
           </a:xfrm>
           <a:custGeom>
-            <a:rect b="b" l="l" r="r" t="t"/>
+            <a:avLst/>
+            <a:gdLst/>
+            <a:ahLst/>
+            <a:cxnLst/>
+            <a:rect l="l" t="t" r="r" b="b"/>
             <a:pathLst>
-              <a:path extrusionOk="0" h="120000" w="120000">
+              <a:path w="120000" h="120000" extrusionOk="0">
                 <a:moveTo>
                   <a:pt x="0" y="0"/>
                 </a:moveTo>
@@ -1190,9 +1240,11 @@
       <p:sp>
         <p:nvSpPr>
           <p:cNvPr id="182" name="Google Shape;182;gaeab9ef0c9_0_2:notes"/>
-          <p:cNvSpPr txBox="1"/>
+          <p:cNvSpPr txBox="1">
+            <a:spLocks noGrp="1"/>
+          </p:cNvSpPr>
           <p:nvPr>
-            <p:ph idx="1" type="body"/>
+            <p:ph type="body" idx="1"/>
           </p:nvPr>
         </p:nvSpPr>
         <p:spPr>
@@ -1205,12 +1257,12 @@
           </a:prstGeom>
         </p:spPr>
         <p:txBody>
-          <a:bodyPr anchorCtr="0" anchor="t" bIns="91425" lIns="91425" spcFirstLastPara="1" rIns="91425" wrap="square" tIns="91425">
+          <a:bodyPr spcFirstLastPara="1" wrap="square" lIns="91425" tIns="91425" rIns="91425" bIns="91425" anchor="t" anchorCtr="0">
             <a:noAutofit/>
           </a:bodyPr>
           <a:lstStyle/>
           <a:p>
-            <a:pPr indent="0" lvl="0" marL="0" rtl="0" algn="l">
+            <a:pPr marL="0" lvl="0" indent="0" algn="l" rtl="0">
               <a:spcBef>
                 <a:spcPts val="0"/>
               </a:spcBef>
@@ -1236,11 +1288,11 @@
 </file>
 
 <file path=ppt/notesSlides/notesSlide14.xml><?xml version="1.0" encoding="utf-8"?>
-<p:notes xmlns:a="http://schemas.openxmlformats.org/drawingml/2006/main" xmlns:r="http://schemas.openxmlformats.org/officeDocument/2006/relationships" xmlns:mc="http://schemas.openxmlformats.org/markup-compatibility/2006" xmlns:mv="urn:schemas-microsoft-com:mac:vml" xmlns:p="http://schemas.openxmlformats.org/presentationml/2006/main" xmlns:c="http://schemas.openxmlformats.org/drawingml/2006/chart" xmlns:dgm="http://schemas.openxmlformats.org/drawingml/2006/diagram" xmlns:o="urn:schemas-microsoft-com:office:office" xmlns:v="urn:schemas-microsoft-com:vml" xmlns:pvml="urn:schemas-microsoft-com:office:powerpoint" xmlns:com="http://schemas.openxmlformats.org/drawingml/2006/compatibility" xmlns:p14="http://schemas.microsoft.com/office/powerpoint/2010/main" xmlns:p15="http://schemas.microsoft.com/office/powerpoint/2012/main" xmlns:ahyp="http://schemas.microsoft.com/office/drawing/2018/hyperlinkcolor" showMasterPhAnim="0" showMasterSp="0">
+<p:notes xmlns:a="http://schemas.openxmlformats.org/drawingml/2006/main" xmlns:r="http://schemas.openxmlformats.org/officeDocument/2006/relationships" xmlns:p="http://schemas.openxmlformats.org/presentationml/2006/main" showMasterSp="0" showMasterPhAnim="0">
   <p:cSld>
     <p:spTree>
       <p:nvGrpSpPr>
-        <p:cNvPr id="187" name="Shape 187"/>
+        <p:cNvPr id="1" name="Shape 187"/>
         <p:cNvGrpSpPr/>
         <p:nvPr/>
       </p:nvGrpSpPr>
@@ -1255,9 +1307,11 @@
       <p:sp>
         <p:nvSpPr>
           <p:cNvPr id="188" name="Google Shape;188;gae899c31a0_1_0:notes"/>
-          <p:cNvSpPr/>
+          <p:cNvSpPr>
+            <a:spLocks noGrp="1" noRot="1" noChangeAspect="1"/>
+          </p:cNvSpPr>
           <p:nvPr>
-            <p:ph idx="2" type="sldImg"/>
+            <p:ph type="sldImg" idx="2"/>
           </p:nvPr>
         </p:nvSpPr>
         <p:spPr>
@@ -1266,9 +1320,13 @@
             <a:ext cx="6096000" cy="3429000"/>
           </a:xfrm>
           <a:custGeom>
-            <a:rect b="b" l="l" r="r" t="t"/>
+            <a:avLst/>
+            <a:gdLst/>
+            <a:ahLst/>
+            <a:cxnLst/>
+            <a:rect l="l" t="t" r="r" b="b"/>
             <a:pathLst>
-              <a:path extrusionOk="0" h="120000" w="120000">
+              <a:path w="120000" h="120000" extrusionOk="0">
                 <a:moveTo>
                   <a:pt x="0" y="0"/>
                 </a:moveTo>
@@ -1290,9 +1348,11 @@
       <p:sp>
         <p:nvSpPr>
           <p:cNvPr id="189" name="Google Shape;189;gae899c31a0_1_0:notes"/>
-          <p:cNvSpPr txBox="1"/>
+          <p:cNvSpPr txBox="1">
+            <a:spLocks noGrp="1"/>
+          </p:cNvSpPr>
           <p:nvPr>
-            <p:ph idx="1" type="body"/>
+            <p:ph type="body" idx="1"/>
           </p:nvPr>
         </p:nvSpPr>
         <p:spPr>
@@ -1305,12 +1365,12 @@
           </a:prstGeom>
         </p:spPr>
         <p:txBody>
-          <a:bodyPr anchorCtr="0" anchor="t" bIns="91425" lIns="91425" spcFirstLastPara="1" rIns="91425" wrap="square" tIns="91425">
+          <a:bodyPr spcFirstLastPara="1" wrap="square" lIns="91425" tIns="91425" rIns="91425" bIns="91425" anchor="t" anchorCtr="0">
             <a:noAutofit/>
           </a:bodyPr>
           <a:lstStyle/>
           <a:p>
-            <a:pPr indent="0" lvl="0" marL="0" rtl="0" algn="l">
+            <a:pPr marL="0" lvl="0" indent="0" algn="l" rtl="0">
               <a:spcBef>
                 <a:spcPts val="0"/>
               </a:spcBef>
@@ -1336,11 +1396,11 @@
 </file>
 
 <file path=ppt/notesSlides/notesSlide15.xml><?xml version="1.0" encoding="utf-8"?>
-<p:notes xmlns:a="http://schemas.openxmlformats.org/drawingml/2006/main" xmlns:r="http://schemas.openxmlformats.org/officeDocument/2006/relationships" xmlns:mc="http://schemas.openxmlformats.org/markup-compatibility/2006" xmlns:mv="urn:schemas-microsoft-com:mac:vml" xmlns:p="http://schemas.openxmlformats.org/presentationml/2006/main" xmlns:c="http://schemas.openxmlformats.org/drawingml/2006/chart" xmlns:dgm="http://schemas.openxmlformats.org/drawingml/2006/diagram" xmlns:o="urn:schemas-microsoft-com:office:office" xmlns:v="urn:schemas-microsoft-com:vml" xmlns:pvml="urn:schemas-microsoft-com:office:powerpoint" xmlns:com="http://schemas.openxmlformats.org/drawingml/2006/compatibility" xmlns:p14="http://schemas.microsoft.com/office/powerpoint/2010/main" xmlns:p15="http://schemas.microsoft.com/office/powerpoint/2012/main" xmlns:ahyp="http://schemas.microsoft.com/office/drawing/2018/hyperlinkcolor" showMasterPhAnim="0" showMasterSp="0">
+<p:notes xmlns:a="http://schemas.openxmlformats.org/drawingml/2006/main" xmlns:r="http://schemas.openxmlformats.org/officeDocument/2006/relationships" xmlns:p="http://schemas.openxmlformats.org/presentationml/2006/main" showMasterSp="0" showMasterPhAnim="0">
   <p:cSld>
     <p:spTree>
       <p:nvGrpSpPr>
-        <p:cNvPr id="193" name="Shape 193"/>
+        <p:cNvPr id="1" name="Shape 193"/>
         <p:cNvGrpSpPr/>
         <p:nvPr/>
       </p:nvGrpSpPr>
@@ -1355,9 +1415,11 @@
       <p:sp>
         <p:nvSpPr>
           <p:cNvPr id="194" name="Google Shape;194;gae879b6b38_0_1116:notes"/>
-          <p:cNvSpPr/>
+          <p:cNvSpPr>
+            <a:spLocks noGrp="1" noRot="1" noChangeAspect="1"/>
+          </p:cNvSpPr>
           <p:nvPr>
-            <p:ph idx="2" type="sldImg"/>
+            <p:ph type="sldImg" idx="2"/>
           </p:nvPr>
         </p:nvSpPr>
         <p:spPr>
@@ -1366,9 +1428,13 @@
             <a:ext cx="6096000" cy="3429000"/>
           </a:xfrm>
           <a:custGeom>
-            <a:rect b="b" l="l" r="r" t="t"/>
+            <a:avLst/>
+            <a:gdLst/>
+            <a:ahLst/>
+            <a:cxnLst/>
+            <a:rect l="l" t="t" r="r" b="b"/>
             <a:pathLst>
-              <a:path extrusionOk="0" h="120000" w="120000">
+              <a:path w="120000" h="120000" extrusionOk="0">
                 <a:moveTo>
                   <a:pt x="0" y="0"/>
                 </a:moveTo>
@@ -1390,9 +1456,11 @@
       <p:sp>
         <p:nvSpPr>
           <p:cNvPr id="195" name="Google Shape;195;gae879b6b38_0_1116:notes"/>
-          <p:cNvSpPr txBox="1"/>
+          <p:cNvSpPr txBox="1">
+            <a:spLocks noGrp="1"/>
+          </p:cNvSpPr>
           <p:nvPr>
-            <p:ph idx="1" type="body"/>
+            <p:ph type="body" idx="1"/>
           </p:nvPr>
         </p:nvSpPr>
         <p:spPr>
@@ -1405,12 +1473,12 @@
           </a:prstGeom>
         </p:spPr>
         <p:txBody>
-          <a:bodyPr anchorCtr="0" anchor="t" bIns="91425" lIns="91425" spcFirstLastPara="1" rIns="91425" wrap="square" tIns="91425">
+          <a:bodyPr spcFirstLastPara="1" wrap="square" lIns="91425" tIns="91425" rIns="91425" bIns="91425" anchor="t" anchorCtr="0">
             <a:noAutofit/>
           </a:bodyPr>
           <a:lstStyle/>
           <a:p>
-            <a:pPr indent="0" lvl="0" marL="0" rtl="0" algn="l">
+            <a:pPr marL="0" lvl="0" indent="0" algn="l" rtl="0">
               <a:spcBef>
                 <a:spcPts val="0"/>
               </a:spcBef>
@@ -1436,11 +1504,11 @@
 </file>
 
 <file path=ppt/notesSlides/notesSlide16.xml><?xml version="1.0" encoding="utf-8"?>
-<p:notes xmlns:a="http://schemas.openxmlformats.org/drawingml/2006/main" xmlns:r="http://schemas.openxmlformats.org/officeDocument/2006/relationships" xmlns:mc="http://schemas.openxmlformats.org/markup-compatibility/2006" xmlns:mv="urn:schemas-microsoft-com:mac:vml" xmlns:p="http://schemas.openxmlformats.org/presentationml/2006/main" xmlns:c="http://schemas.openxmlformats.org/drawingml/2006/chart" xmlns:dgm="http://schemas.openxmlformats.org/drawingml/2006/diagram" xmlns:o="urn:schemas-microsoft-com:office:office" xmlns:v="urn:schemas-microsoft-com:vml" xmlns:pvml="urn:schemas-microsoft-com:office:powerpoint" xmlns:com="http://schemas.openxmlformats.org/drawingml/2006/compatibility" xmlns:p14="http://schemas.microsoft.com/office/powerpoint/2010/main" xmlns:p15="http://schemas.microsoft.com/office/powerpoint/2012/main" xmlns:ahyp="http://schemas.microsoft.com/office/drawing/2018/hyperlinkcolor" showMasterPhAnim="0" showMasterSp="0">
+<p:notes xmlns:a="http://schemas.openxmlformats.org/drawingml/2006/main" xmlns:r="http://schemas.openxmlformats.org/officeDocument/2006/relationships" xmlns:p="http://schemas.openxmlformats.org/presentationml/2006/main" showMasterSp="0" showMasterPhAnim="0">
   <p:cSld>
     <p:spTree>
       <p:nvGrpSpPr>
-        <p:cNvPr id="210" name="Shape 210"/>
+        <p:cNvPr id="1" name="Shape 210"/>
         <p:cNvGrpSpPr/>
         <p:nvPr/>
       </p:nvGrpSpPr>
@@ -1455,20 +1523,26 @@
       <p:sp>
         <p:nvSpPr>
           <p:cNvPr id="211" name="Google Shape;211;ga5dbb85fea_0_0:notes"/>
-          <p:cNvSpPr/>
+          <p:cNvSpPr>
+            <a:spLocks noGrp="1" noRot="1" noChangeAspect="1"/>
+          </p:cNvSpPr>
           <p:nvPr>
-            <p:ph idx="2" type="sldImg"/>
+            <p:ph type="sldImg" idx="2"/>
           </p:nvPr>
         </p:nvSpPr>
         <p:spPr>
           <a:xfrm>
-            <a:off x="381300" y="685800"/>
+            <a:off x="381000" y="685800"/>
             <a:ext cx="6096000" cy="3429000"/>
           </a:xfrm>
           <a:custGeom>
-            <a:rect b="b" l="l" r="r" t="t"/>
+            <a:avLst/>
+            <a:gdLst/>
+            <a:ahLst/>
+            <a:cxnLst/>
+            <a:rect l="l" t="t" r="r" b="b"/>
             <a:pathLst>
-              <a:path extrusionOk="0" h="120000" w="120000">
+              <a:path w="120000" h="120000" extrusionOk="0">
                 <a:moveTo>
                   <a:pt x="0" y="0"/>
                 </a:moveTo>
@@ -1490,9 +1564,11 @@
       <p:sp>
         <p:nvSpPr>
           <p:cNvPr id="212" name="Google Shape;212;ga5dbb85fea_0_0:notes"/>
-          <p:cNvSpPr txBox="1"/>
+          <p:cNvSpPr txBox="1">
+            <a:spLocks noGrp="1"/>
+          </p:cNvSpPr>
           <p:nvPr>
-            <p:ph idx="1" type="body"/>
+            <p:ph type="body" idx="1"/>
           </p:nvPr>
         </p:nvSpPr>
         <p:spPr>
@@ -1505,12 +1581,12 @@
           </a:prstGeom>
         </p:spPr>
         <p:txBody>
-          <a:bodyPr anchorCtr="0" anchor="t" bIns="91425" lIns="91425" spcFirstLastPara="1" rIns="91425" wrap="square" tIns="91425">
+          <a:bodyPr spcFirstLastPara="1" wrap="square" lIns="91425" tIns="91425" rIns="91425" bIns="91425" anchor="t" anchorCtr="0">
             <a:noAutofit/>
           </a:bodyPr>
           <a:lstStyle/>
           <a:p>
-            <a:pPr indent="0" lvl="0" marL="0" rtl="0" algn="l">
+            <a:pPr marL="0" lvl="0" indent="0" algn="l" rtl="0">
               <a:spcBef>
                 <a:spcPts val="0"/>
               </a:spcBef>
@@ -1519,9 +1595,6 @@
               </a:spcAft>
               <a:buNone/>
             </a:pPr>
-            <a:r>
-              <a:t/>
-            </a:r>
             <a:endParaRPr/>
           </a:p>
         </p:txBody>
@@ -1535,11 +1608,11 @@
 </file>
 
 <file path=ppt/notesSlides/notesSlide2.xml><?xml version="1.0" encoding="utf-8"?>
-<p:notes xmlns:a="http://schemas.openxmlformats.org/drawingml/2006/main" xmlns:r="http://schemas.openxmlformats.org/officeDocument/2006/relationships" xmlns:mc="http://schemas.openxmlformats.org/markup-compatibility/2006" xmlns:mv="urn:schemas-microsoft-com:mac:vml" xmlns:p="http://schemas.openxmlformats.org/presentationml/2006/main" xmlns:c="http://schemas.openxmlformats.org/drawingml/2006/chart" xmlns:dgm="http://schemas.openxmlformats.org/drawingml/2006/diagram" xmlns:o="urn:schemas-microsoft-com:office:office" xmlns:v="urn:schemas-microsoft-com:vml" xmlns:pvml="urn:schemas-microsoft-com:office:powerpoint" xmlns:com="http://schemas.openxmlformats.org/drawingml/2006/compatibility" xmlns:p14="http://schemas.microsoft.com/office/powerpoint/2010/main" xmlns:p15="http://schemas.microsoft.com/office/powerpoint/2012/main" xmlns:ahyp="http://schemas.microsoft.com/office/drawing/2018/hyperlinkcolor" showMasterPhAnim="0" showMasterSp="0">
+<p:notes xmlns:a="http://schemas.openxmlformats.org/drawingml/2006/main" xmlns:r="http://schemas.openxmlformats.org/officeDocument/2006/relationships" xmlns:p="http://schemas.openxmlformats.org/presentationml/2006/main" showMasterSp="0" showMasterPhAnim="0">
   <p:cSld>
     <p:spTree>
       <p:nvGrpSpPr>
-        <p:cNvPr id="71" name="Shape 71"/>
+        <p:cNvPr id="1" name="Shape 71"/>
         <p:cNvGrpSpPr/>
         <p:nvPr/>
       </p:nvGrpSpPr>
@@ -1554,9 +1627,11 @@
       <p:sp>
         <p:nvSpPr>
           <p:cNvPr id="72" name="Google Shape;72;ga3652d1384_0_1:notes"/>
-          <p:cNvSpPr/>
+          <p:cNvSpPr>
+            <a:spLocks noGrp="1" noRot="1" noChangeAspect="1"/>
+          </p:cNvSpPr>
           <p:nvPr>
-            <p:ph idx="2" type="sldImg"/>
+            <p:ph type="sldImg" idx="2"/>
           </p:nvPr>
         </p:nvSpPr>
         <p:spPr>
@@ -1565,9 +1640,13 @@
             <a:ext cx="6096000" cy="3429000"/>
           </a:xfrm>
           <a:custGeom>
-            <a:rect b="b" l="l" r="r" t="t"/>
+            <a:avLst/>
+            <a:gdLst/>
+            <a:ahLst/>
+            <a:cxnLst/>
+            <a:rect l="l" t="t" r="r" b="b"/>
             <a:pathLst>
-              <a:path extrusionOk="0" h="120000" w="120000">
+              <a:path w="120000" h="120000" extrusionOk="0">
                 <a:moveTo>
                   <a:pt x="0" y="0"/>
                 </a:moveTo>
@@ -1589,9 +1668,11 @@
       <p:sp>
         <p:nvSpPr>
           <p:cNvPr id="73" name="Google Shape;73;ga3652d1384_0_1:notes"/>
-          <p:cNvSpPr txBox="1"/>
+          <p:cNvSpPr txBox="1">
+            <a:spLocks noGrp="1"/>
+          </p:cNvSpPr>
           <p:nvPr>
-            <p:ph idx="1" type="body"/>
+            <p:ph type="body" idx="1"/>
           </p:nvPr>
         </p:nvSpPr>
         <p:spPr>
@@ -1604,12 +1685,12 @@
           </a:prstGeom>
         </p:spPr>
         <p:txBody>
-          <a:bodyPr anchorCtr="0" anchor="t" bIns="91425" lIns="91425" spcFirstLastPara="1" rIns="91425" wrap="square" tIns="91425">
+          <a:bodyPr spcFirstLastPara="1" wrap="square" lIns="91425" tIns="91425" rIns="91425" bIns="91425" anchor="t" anchorCtr="0">
             <a:noAutofit/>
           </a:bodyPr>
           <a:lstStyle/>
           <a:p>
-            <a:pPr indent="0" lvl="0" marL="0" rtl="0" algn="l">
+            <a:pPr marL="0" lvl="0" indent="0" algn="l" rtl="0">
               <a:spcBef>
                 <a:spcPts val="0"/>
               </a:spcBef>
@@ -1635,11 +1716,11 @@
 </file>
 
 <file path=ppt/notesSlides/notesSlide3.xml><?xml version="1.0" encoding="utf-8"?>
-<p:notes xmlns:a="http://schemas.openxmlformats.org/drawingml/2006/main" xmlns:r="http://schemas.openxmlformats.org/officeDocument/2006/relationships" xmlns:mc="http://schemas.openxmlformats.org/markup-compatibility/2006" xmlns:mv="urn:schemas-microsoft-com:mac:vml" xmlns:p="http://schemas.openxmlformats.org/presentationml/2006/main" xmlns:c="http://schemas.openxmlformats.org/drawingml/2006/chart" xmlns:dgm="http://schemas.openxmlformats.org/drawingml/2006/diagram" xmlns:o="urn:schemas-microsoft-com:office:office" xmlns:v="urn:schemas-microsoft-com:vml" xmlns:pvml="urn:schemas-microsoft-com:office:powerpoint" xmlns:com="http://schemas.openxmlformats.org/drawingml/2006/compatibility" xmlns:p14="http://schemas.microsoft.com/office/powerpoint/2010/main" xmlns:p15="http://schemas.microsoft.com/office/powerpoint/2012/main" xmlns:ahyp="http://schemas.microsoft.com/office/drawing/2018/hyperlinkcolor" showMasterPhAnim="0" showMasterSp="0">
+<p:notes xmlns:a="http://schemas.openxmlformats.org/drawingml/2006/main" xmlns:r="http://schemas.openxmlformats.org/officeDocument/2006/relationships" xmlns:p="http://schemas.openxmlformats.org/presentationml/2006/main" showMasterSp="0" showMasterPhAnim="0">
   <p:cSld>
     <p:spTree>
       <p:nvGrpSpPr>
-        <p:cNvPr id="77" name="Shape 77"/>
+        <p:cNvPr id="1" name="Shape 77"/>
         <p:cNvGrpSpPr/>
         <p:nvPr/>
       </p:nvGrpSpPr>
@@ -1654,9 +1735,11 @@
       <p:sp>
         <p:nvSpPr>
           <p:cNvPr id="78" name="Google Shape;78;gae879b6b38_0_6:notes"/>
-          <p:cNvSpPr/>
+          <p:cNvSpPr>
+            <a:spLocks noGrp="1" noRot="1" noChangeAspect="1"/>
+          </p:cNvSpPr>
           <p:nvPr>
-            <p:ph idx="2" type="sldImg"/>
+            <p:ph type="sldImg" idx="2"/>
           </p:nvPr>
         </p:nvSpPr>
         <p:spPr>
@@ -1665,9 +1748,13 @@
             <a:ext cx="6096000" cy="3429000"/>
           </a:xfrm>
           <a:custGeom>
-            <a:rect b="b" l="l" r="r" t="t"/>
+            <a:avLst/>
+            <a:gdLst/>
+            <a:ahLst/>
+            <a:cxnLst/>
+            <a:rect l="l" t="t" r="r" b="b"/>
             <a:pathLst>
-              <a:path extrusionOk="0" h="120000" w="120000">
+              <a:path w="120000" h="120000" extrusionOk="0">
                 <a:moveTo>
                   <a:pt x="0" y="0"/>
                 </a:moveTo>
@@ -1689,9 +1776,11 @@
       <p:sp>
         <p:nvSpPr>
           <p:cNvPr id="79" name="Google Shape;79;gae879b6b38_0_6:notes"/>
-          <p:cNvSpPr txBox="1"/>
+          <p:cNvSpPr txBox="1">
+            <a:spLocks noGrp="1"/>
+          </p:cNvSpPr>
           <p:nvPr>
-            <p:ph idx="1" type="body"/>
+            <p:ph type="body" idx="1"/>
           </p:nvPr>
         </p:nvSpPr>
         <p:spPr>
@@ -1704,12 +1793,12 @@
           </a:prstGeom>
         </p:spPr>
         <p:txBody>
-          <a:bodyPr anchorCtr="0" anchor="t" bIns="91425" lIns="91425" spcFirstLastPara="1" rIns="91425" wrap="square" tIns="91425">
+          <a:bodyPr spcFirstLastPara="1" wrap="square" lIns="91425" tIns="91425" rIns="91425" bIns="91425" anchor="t" anchorCtr="0">
             <a:noAutofit/>
           </a:bodyPr>
           <a:lstStyle/>
           <a:p>
-            <a:pPr indent="0" lvl="0" marL="0" rtl="0" algn="l">
+            <a:pPr marL="0" lvl="0" indent="0" algn="l" rtl="0">
               <a:spcBef>
                 <a:spcPts val="0"/>
               </a:spcBef>
@@ -1735,11 +1824,11 @@
 </file>
 
 <file path=ppt/notesSlides/notesSlide4.xml><?xml version="1.0" encoding="utf-8"?>
-<p:notes xmlns:a="http://schemas.openxmlformats.org/drawingml/2006/main" xmlns:r="http://schemas.openxmlformats.org/officeDocument/2006/relationships" xmlns:mc="http://schemas.openxmlformats.org/markup-compatibility/2006" xmlns:mv="urn:schemas-microsoft-com:mac:vml" xmlns:p="http://schemas.openxmlformats.org/presentationml/2006/main" xmlns:c="http://schemas.openxmlformats.org/drawingml/2006/chart" xmlns:dgm="http://schemas.openxmlformats.org/drawingml/2006/diagram" xmlns:o="urn:schemas-microsoft-com:office:office" xmlns:v="urn:schemas-microsoft-com:vml" xmlns:pvml="urn:schemas-microsoft-com:office:powerpoint" xmlns:com="http://schemas.openxmlformats.org/drawingml/2006/compatibility" xmlns:p14="http://schemas.microsoft.com/office/powerpoint/2010/main" xmlns:p15="http://schemas.microsoft.com/office/powerpoint/2012/main" xmlns:ahyp="http://schemas.microsoft.com/office/drawing/2018/hyperlinkcolor" showMasterPhAnim="0" showMasterSp="0">
+<p:notes xmlns:a="http://schemas.openxmlformats.org/drawingml/2006/main" xmlns:r="http://schemas.openxmlformats.org/officeDocument/2006/relationships" xmlns:p="http://schemas.openxmlformats.org/presentationml/2006/main" showMasterSp="0" showMasterPhAnim="0">
   <p:cSld>
     <p:spTree>
       <p:nvGrpSpPr>
-        <p:cNvPr id="114" name="Shape 114"/>
+        <p:cNvPr id="1" name="Shape 114"/>
         <p:cNvGrpSpPr/>
         <p:nvPr/>
       </p:nvGrpSpPr>
@@ -1754,9 +1843,11 @@
       <p:sp>
         <p:nvSpPr>
           <p:cNvPr id="115" name="Google Shape;115;ga3652d1384_0_11:notes"/>
-          <p:cNvSpPr/>
+          <p:cNvSpPr>
+            <a:spLocks noGrp="1" noRot="1" noChangeAspect="1"/>
+          </p:cNvSpPr>
           <p:nvPr>
-            <p:ph idx="2" type="sldImg"/>
+            <p:ph type="sldImg" idx="2"/>
           </p:nvPr>
         </p:nvSpPr>
         <p:spPr>
@@ -1765,9 +1856,13 @@
             <a:ext cx="6096000" cy="3429000"/>
           </a:xfrm>
           <a:custGeom>
-            <a:rect b="b" l="l" r="r" t="t"/>
+            <a:avLst/>
+            <a:gdLst/>
+            <a:ahLst/>
+            <a:cxnLst/>
+            <a:rect l="l" t="t" r="r" b="b"/>
             <a:pathLst>
-              <a:path extrusionOk="0" h="120000" w="120000">
+              <a:path w="120000" h="120000" extrusionOk="0">
                 <a:moveTo>
                   <a:pt x="0" y="0"/>
                 </a:moveTo>
@@ -1789,9 +1884,11 @@
       <p:sp>
         <p:nvSpPr>
           <p:cNvPr id="116" name="Google Shape;116;ga3652d1384_0_11:notes"/>
-          <p:cNvSpPr txBox="1"/>
+          <p:cNvSpPr txBox="1">
+            <a:spLocks noGrp="1"/>
+          </p:cNvSpPr>
           <p:nvPr>
-            <p:ph idx="1" type="body"/>
+            <p:ph type="body" idx="1"/>
           </p:nvPr>
         </p:nvSpPr>
         <p:spPr>
@@ -1804,12 +1901,12 @@
           </a:prstGeom>
         </p:spPr>
         <p:txBody>
-          <a:bodyPr anchorCtr="0" anchor="t" bIns="91425" lIns="91425" spcFirstLastPara="1" rIns="91425" wrap="square" tIns="91425">
+          <a:bodyPr spcFirstLastPara="1" wrap="square" lIns="91425" tIns="91425" rIns="91425" bIns="91425" anchor="t" anchorCtr="0">
             <a:noAutofit/>
           </a:bodyPr>
           <a:lstStyle/>
           <a:p>
-            <a:pPr indent="0" lvl="0" marL="0" rtl="0" algn="l">
+            <a:pPr marL="0" lvl="0" indent="0" algn="l" rtl="0">
               <a:spcBef>
                 <a:spcPts val="0"/>
               </a:spcBef>
@@ -1835,11 +1932,11 @@
 </file>
 
 <file path=ppt/notesSlides/notesSlide5.xml><?xml version="1.0" encoding="utf-8"?>
-<p:notes xmlns:a="http://schemas.openxmlformats.org/drawingml/2006/main" xmlns:r="http://schemas.openxmlformats.org/officeDocument/2006/relationships" xmlns:mc="http://schemas.openxmlformats.org/markup-compatibility/2006" xmlns:mv="urn:schemas-microsoft-com:mac:vml" xmlns:p="http://schemas.openxmlformats.org/presentationml/2006/main" xmlns:c="http://schemas.openxmlformats.org/drawingml/2006/chart" xmlns:dgm="http://schemas.openxmlformats.org/drawingml/2006/diagram" xmlns:o="urn:schemas-microsoft-com:office:office" xmlns:v="urn:schemas-microsoft-com:vml" xmlns:pvml="urn:schemas-microsoft-com:office:powerpoint" xmlns:com="http://schemas.openxmlformats.org/drawingml/2006/compatibility" xmlns:p14="http://schemas.microsoft.com/office/powerpoint/2010/main" xmlns:p15="http://schemas.microsoft.com/office/powerpoint/2012/main" xmlns:ahyp="http://schemas.microsoft.com/office/drawing/2018/hyperlinkcolor" showMasterPhAnim="0" showMasterSp="0">
+<p:notes xmlns:a="http://schemas.openxmlformats.org/drawingml/2006/main" xmlns:r="http://schemas.openxmlformats.org/officeDocument/2006/relationships" xmlns:p="http://schemas.openxmlformats.org/presentationml/2006/main" showMasterSp="0" showMasterPhAnim="0">
   <p:cSld>
     <p:spTree>
       <p:nvGrpSpPr>
-        <p:cNvPr id="120" name="Shape 120"/>
+        <p:cNvPr id="1" name="Shape 120"/>
         <p:cNvGrpSpPr/>
         <p:nvPr/>
       </p:nvGrpSpPr>
@@ -1854,9 +1951,11 @@
       <p:sp>
         <p:nvSpPr>
           <p:cNvPr id="121" name="Google Shape;121;ga3652d1384_0_16:notes"/>
-          <p:cNvSpPr/>
+          <p:cNvSpPr>
+            <a:spLocks noGrp="1" noRot="1" noChangeAspect="1"/>
+          </p:cNvSpPr>
           <p:nvPr>
-            <p:ph idx="2" type="sldImg"/>
+            <p:ph type="sldImg" idx="2"/>
           </p:nvPr>
         </p:nvSpPr>
         <p:spPr>
@@ -1865,9 +1964,13 @@
             <a:ext cx="6096000" cy="3429000"/>
           </a:xfrm>
           <a:custGeom>
-            <a:rect b="b" l="l" r="r" t="t"/>
+            <a:avLst/>
+            <a:gdLst/>
+            <a:ahLst/>
+            <a:cxnLst/>
+            <a:rect l="l" t="t" r="r" b="b"/>
             <a:pathLst>
-              <a:path extrusionOk="0" h="120000" w="120000">
+              <a:path w="120000" h="120000" extrusionOk="0">
                 <a:moveTo>
                   <a:pt x="0" y="0"/>
                 </a:moveTo>
@@ -1889,9 +1992,11 @@
       <p:sp>
         <p:nvSpPr>
           <p:cNvPr id="122" name="Google Shape;122;ga3652d1384_0_16:notes"/>
-          <p:cNvSpPr txBox="1"/>
+          <p:cNvSpPr txBox="1">
+            <a:spLocks noGrp="1"/>
+          </p:cNvSpPr>
           <p:nvPr>
-            <p:ph idx="1" type="body"/>
+            <p:ph type="body" idx="1"/>
           </p:nvPr>
         </p:nvSpPr>
         <p:spPr>
@@ -1904,12 +2009,12 @@
           </a:prstGeom>
         </p:spPr>
         <p:txBody>
-          <a:bodyPr anchorCtr="0" anchor="t" bIns="91425" lIns="91425" spcFirstLastPara="1" rIns="91425" wrap="square" tIns="91425">
+          <a:bodyPr spcFirstLastPara="1" wrap="square" lIns="91425" tIns="91425" rIns="91425" bIns="91425" anchor="t" anchorCtr="0">
             <a:noAutofit/>
           </a:bodyPr>
           <a:lstStyle/>
           <a:p>
-            <a:pPr indent="0" lvl="0" marL="0" rtl="0" algn="l">
+            <a:pPr marL="0" lvl="0" indent="0" algn="l" rtl="0">
               <a:spcBef>
                 <a:spcPts val="0"/>
               </a:spcBef>
@@ -1944,11 +2049,11 @@
 </file>
 
 <file path=ppt/notesSlides/notesSlide6.xml><?xml version="1.0" encoding="utf-8"?>
-<p:notes xmlns:a="http://schemas.openxmlformats.org/drawingml/2006/main" xmlns:r="http://schemas.openxmlformats.org/officeDocument/2006/relationships" xmlns:mc="http://schemas.openxmlformats.org/markup-compatibility/2006" xmlns:mv="urn:schemas-microsoft-com:mac:vml" xmlns:p="http://schemas.openxmlformats.org/presentationml/2006/main" xmlns:c="http://schemas.openxmlformats.org/drawingml/2006/chart" xmlns:dgm="http://schemas.openxmlformats.org/drawingml/2006/diagram" xmlns:o="urn:schemas-microsoft-com:office:office" xmlns:v="urn:schemas-microsoft-com:vml" xmlns:pvml="urn:schemas-microsoft-com:office:powerpoint" xmlns:com="http://schemas.openxmlformats.org/drawingml/2006/compatibility" xmlns:p14="http://schemas.microsoft.com/office/powerpoint/2010/main" xmlns:p15="http://schemas.microsoft.com/office/powerpoint/2012/main" xmlns:ahyp="http://schemas.microsoft.com/office/drawing/2018/hyperlinkcolor" showMasterPhAnim="0" showMasterSp="0">
+<p:notes xmlns:a="http://schemas.openxmlformats.org/drawingml/2006/main" xmlns:r="http://schemas.openxmlformats.org/officeDocument/2006/relationships" xmlns:p="http://schemas.openxmlformats.org/presentationml/2006/main" showMasterSp="0" showMasterPhAnim="0">
   <p:cSld>
     <p:spTree>
       <p:nvGrpSpPr>
-        <p:cNvPr id="126" name="Shape 126"/>
+        <p:cNvPr id="1" name="Shape 126"/>
         <p:cNvGrpSpPr/>
         <p:nvPr/>
       </p:nvGrpSpPr>
@@ -1963,9 +2068,11 @@
       <p:sp>
         <p:nvSpPr>
           <p:cNvPr id="127" name="Google Shape;127;ga3652d1384_0_156:notes"/>
-          <p:cNvSpPr/>
+          <p:cNvSpPr>
+            <a:spLocks noGrp="1" noRot="1" noChangeAspect="1"/>
+          </p:cNvSpPr>
           <p:nvPr>
-            <p:ph idx="2" type="sldImg"/>
+            <p:ph type="sldImg" idx="2"/>
           </p:nvPr>
         </p:nvSpPr>
         <p:spPr>
@@ -1974,9 +2081,13 @@
             <a:ext cx="6096000" cy="3429000"/>
           </a:xfrm>
           <a:custGeom>
-            <a:rect b="b" l="l" r="r" t="t"/>
+            <a:avLst/>
+            <a:gdLst/>
+            <a:ahLst/>
+            <a:cxnLst/>
+            <a:rect l="l" t="t" r="r" b="b"/>
             <a:pathLst>
-              <a:path extrusionOk="0" h="120000" w="120000">
+              <a:path w="120000" h="120000" extrusionOk="0">
                 <a:moveTo>
                   <a:pt x="0" y="0"/>
                 </a:moveTo>
@@ -1998,9 +2109,11 @@
       <p:sp>
         <p:nvSpPr>
           <p:cNvPr id="128" name="Google Shape;128;ga3652d1384_0_156:notes"/>
-          <p:cNvSpPr txBox="1"/>
+          <p:cNvSpPr txBox="1">
+            <a:spLocks noGrp="1"/>
+          </p:cNvSpPr>
           <p:nvPr>
-            <p:ph idx="1" type="body"/>
+            <p:ph type="body" idx="1"/>
           </p:nvPr>
         </p:nvSpPr>
         <p:spPr>
@@ -2013,12 +2126,12 @@
           </a:prstGeom>
         </p:spPr>
         <p:txBody>
-          <a:bodyPr anchorCtr="0" anchor="t" bIns="91425" lIns="91425" spcFirstLastPara="1" rIns="91425" wrap="square" tIns="91425">
+          <a:bodyPr spcFirstLastPara="1" wrap="square" lIns="91425" tIns="91425" rIns="91425" bIns="91425" anchor="t" anchorCtr="0">
             <a:noAutofit/>
           </a:bodyPr>
           <a:lstStyle/>
           <a:p>
-            <a:pPr indent="0" lvl="0" marL="0" rtl="0" algn="l">
+            <a:pPr marL="0" lvl="0" indent="0" algn="l" rtl="0">
               <a:spcBef>
                 <a:spcPts val="0"/>
               </a:spcBef>
@@ -2044,11 +2157,11 @@
 </file>
 
 <file path=ppt/notesSlides/notesSlide7.xml><?xml version="1.0" encoding="utf-8"?>
-<p:notes xmlns:a="http://schemas.openxmlformats.org/drawingml/2006/main" xmlns:r="http://schemas.openxmlformats.org/officeDocument/2006/relationships" xmlns:mc="http://schemas.openxmlformats.org/markup-compatibility/2006" xmlns:mv="urn:schemas-microsoft-com:mac:vml" xmlns:p="http://schemas.openxmlformats.org/presentationml/2006/main" xmlns:c="http://schemas.openxmlformats.org/drawingml/2006/chart" xmlns:dgm="http://schemas.openxmlformats.org/drawingml/2006/diagram" xmlns:o="urn:schemas-microsoft-com:office:office" xmlns:v="urn:schemas-microsoft-com:vml" xmlns:pvml="urn:schemas-microsoft-com:office:powerpoint" xmlns:com="http://schemas.openxmlformats.org/drawingml/2006/compatibility" xmlns:p14="http://schemas.microsoft.com/office/powerpoint/2010/main" xmlns:p15="http://schemas.microsoft.com/office/powerpoint/2012/main" xmlns:ahyp="http://schemas.microsoft.com/office/drawing/2018/hyperlinkcolor" showMasterPhAnim="0" showMasterSp="0">
+<p:notes xmlns:a="http://schemas.openxmlformats.org/drawingml/2006/main" xmlns:r="http://schemas.openxmlformats.org/officeDocument/2006/relationships" xmlns:p="http://schemas.openxmlformats.org/presentationml/2006/main" showMasterSp="0" showMasterPhAnim="0">
   <p:cSld>
     <p:spTree>
       <p:nvGrpSpPr>
-        <p:cNvPr id="133" name="Shape 133"/>
+        <p:cNvPr id="1" name="Shape 133"/>
         <p:cNvGrpSpPr/>
         <p:nvPr/>
       </p:nvGrpSpPr>
@@ -2063,9 +2176,11 @@
       <p:sp>
         <p:nvSpPr>
           <p:cNvPr id="134" name="Google Shape;134;ga3652d1384_0_205:notes"/>
-          <p:cNvSpPr/>
+          <p:cNvSpPr>
+            <a:spLocks noGrp="1" noRot="1" noChangeAspect="1"/>
+          </p:cNvSpPr>
           <p:nvPr>
-            <p:ph idx="2" type="sldImg"/>
+            <p:ph type="sldImg" idx="2"/>
           </p:nvPr>
         </p:nvSpPr>
         <p:spPr>
@@ -2074,9 +2189,13 @@
             <a:ext cx="6096000" cy="3429000"/>
           </a:xfrm>
           <a:custGeom>
-            <a:rect b="b" l="l" r="r" t="t"/>
+            <a:avLst/>
+            <a:gdLst/>
+            <a:ahLst/>
+            <a:cxnLst/>
+            <a:rect l="l" t="t" r="r" b="b"/>
             <a:pathLst>
-              <a:path extrusionOk="0" h="120000" w="120000">
+              <a:path w="120000" h="120000" extrusionOk="0">
                 <a:moveTo>
                   <a:pt x="0" y="0"/>
                 </a:moveTo>
@@ -2098,9 +2217,11 @@
       <p:sp>
         <p:nvSpPr>
           <p:cNvPr id="135" name="Google Shape;135;ga3652d1384_0_205:notes"/>
-          <p:cNvSpPr txBox="1"/>
+          <p:cNvSpPr txBox="1">
+            <a:spLocks noGrp="1"/>
+          </p:cNvSpPr>
           <p:nvPr>
-            <p:ph idx="1" type="body"/>
+            <p:ph type="body" idx="1"/>
           </p:nvPr>
         </p:nvSpPr>
         <p:spPr>
@@ -2113,12 +2234,12 @@
           </a:prstGeom>
         </p:spPr>
         <p:txBody>
-          <a:bodyPr anchorCtr="0" anchor="t" bIns="91425" lIns="91425" spcFirstLastPara="1" rIns="91425" wrap="square" tIns="91425">
+          <a:bodyPr spcFirstLastPara="1" wrap="square" lIns="91425" tIns="91425" rIns="91425" bIns="91425" anchor="t" anchorCtr="0">
             <a:noAutofit/>
           </a:bodyPr>
           <a:lstStyle/>
           <a:p>
-            <a:pPr indent="0" lvl="0" marL="0" rtl="0" algn="l">
+            <a:pPr marL="0" lvl="0" indent="0" algn="l" rtl="0">
               <a:spcBef>
                 <a:spcPts val="0"/>
               </a:spcBef>
@@ -2134,7 +2255,7 @@
             <a:endParaRPr/>
           </a:p>
           <a:p>
-            <a:pPr indent="0" lvl="0" marL="0" rtl="0" algn="l">
+            <a:pPr marL="0" lvl="0" indent="0" algn="l" rtl="0">
               <a:spcBef>
                 <a:spcPts val="0"/>
               </a:spcBef>
@@ -2150,7 +2271,7 @@
             <a:endParaRPr/>
           </a:p>
           <a:p>
-            <a:pPr indent="0" lvl="0" marL="0" rtl="0" algn="l">
+            <a:pPr marL="0" lvl="0" indent="0" algn="l" rtl="0">
               <a:spcBef>
                 <a:spcPts val="0"/>
               </a:spcBef>
@@ -2159,13 +2280,10 @@
               </a:spcAft>
               <a:buNone/>
             </a:pPr>
-            <a:r>
-              <a:t/>
-            </a:r>
             <a:endParaRPr/>
           </a:p>
           <a:p>
-            <a:pPr indent="0" lvl="0" marL="0" rtl="0" algn="l">
+            <a:pPr marL="0" lvl="0" indent="0" algn="l" rtl="0">
               <a:spcBef>
                 <a:spcPts val="0"/>
               </a:spcBef>
@@ -2181,7 +2299,7 @@
             <a:endParaRPr/>
           </a:p>
           <a:p>
-            <a:pPr indent="0" lvl="0" marL="0" rtl="0" algn="l">
+            <a:pPr marL="0" lvl="0" indent="0" algn="l" rtl="0">
               <a:spcBef>
                 <a:spcPts val="0"/>
               </a:spcBef>
@@ -2190,13 +2308,10 @@
               </a:spcAft>
               <a:buNone/>
             </a:pPr>
-            <a:r>
-              <a:t/>
-            </a:r>
             <a:endParaRPr/>
           </a:p>
           <a:p>
-            <a:pPr indent="0" lvl="0" marL="0" rtl="0" algn="l">
+            <a:pPr marL="0" lvl="0" indent="0" algn="l" rtl="0">
               <a:spcBef>
                 <a:spcPts val="0"/>
               </a:spcBef>
@@ -2212,7 +2327,7 @@
             <a:endParaRPr/>
           </a:p>
           <a:p>
-            <a:pPr indent="0" lvl="0" marL="0" rtl="0" algn="l">
+            <a:pPr marL="0" lvl="0" indent="0" algn="l" rtl="0">
               <a:spcBef>
                 <a:spcPts val="0"/>
               </a:spcBef>
@@ -2221,9 +2336,6 @@
               </a:spcAft>
               <a:buNone/>
             </a:pPr>
-            <a:r>
-              <a:t/>
-            </a:r>
             <a:endParaRPr/>
           </a:p>
         </p:txBody>
@@ -2237,11 +2349,11 @@
 </file>
 
 <file path=ppt/notesSlides/notesSlide8.xml><?xml version="1.0" encoding="utf-8"?>
-<p:notes xmlns:a="http://schemas.openxmlformats.org/drawingml/2006/main" xmlns:r="http://schemas.openxmlformats.org/officeDocument/2006/relationships" xmlns:mc="http://schemas.openxmlformats.org/markup-compatibility/2006" xmlns:mv="urn:schemas-microsoft-com:mac:vml" xmlns:p="http://schemas.openxmlformats.org/presentationml/2006/main" xmlns:c="http://schemas.openxmlformats.org/drawingml/2006/chart" xmlns:dgm="http://schemas.openxmlformats.org/drawingml/2006/diagram" xmlns:o="urn:schemas-microsoft-com:office:office" xmlns:v="urn:schemas-microsoft-com:vml" xmlns:pvml="urn:schemas-microsoft-com:office:powerpoint" xmlns:com="http://schemas.openxmlformats.org/drawingml/2006/compatibility" xmlns:p14="http://schemas.microsoft.com/office/powerpoint/2010/main" xmlns:p15="http://schemas.microsoft.com/office/powerpoint/2012/main" xmlns:ahyp="http://schemas.microsoft.com/office/drawing/2018/hyperlinkcolor" showMasterPhAnim="0" showMasterSp="0">
+<p:notes xmlns:a="http://schemas.openxmlformats.org/drawingml/2006/main" xmlns:r="http://schemas.openxmlformats.org/officeDocument/2006/relationships" xmlns:p="http://schemas.openxmlformats.org/presentationml/2006/main" showMasterSp="0" showMasterPhAnim="0">
   <p:cSld>
     <p:spTree>
       <p:nvGrpSpPr>
-        <p:cNvPr id="139" name="Shape 139"/>
+        <p:cNvPr id="1" name="Shape 139"/>
         <p:cNvGrpSpPr/>
         <p:nvPr/>
       </p:nvGrpSpPr>
@@ -2256,9 +2368,11 @@
       <p:sp>
         <p:nvSpPr>
           <p:cNvPr id="140" name="Google Shape;140;ga3652d1384_0_210:notes"/>
-          <p:cNvSpPr/>
+          <p:cNvSpPr>
+            <a:spLocks noGrp="1" noRot="1" noChangeAspect="1"/>
+          </p:cNvSpPr>
           <p:nvPr>
-            <p:ph idx="2" type="sldImg"/>
+            <p:ph type="sldImg" idx="2"/>
           </p:nvPr>
         </p:nvSpPr>
         <p:spPr>
@@ -2267,9 +2381,13 @@
             <a:ext cx="6096000" cy="3429000"/>
           </a:xfrm>
           <a:custGeom>
-            <a:rect b="b" l="l" r="r" t="t"/>
+            <a:avLst/>
+            <a:gdLst/>
+            <a:ahLst/>
+            <a:cxnLst/>
+            <a:rect l="l" t="t" r="r" b="b"/>
             <a:pathLst>
-              <a:path extrusionOk="0" h="120000" w="120000">
+              <a:path w="120000" h="120000" extrusionOk="0">
                 <a:moveTo>
                   <a:pt x="0" y="0"/>
                 </a:moveTo>
@@ -2291,9 +2409,11 @@
       <p:sp>
         <p:nvSpPr>
           <p:cNvPr id="141" name="Google Shape;141;ga3652d1384_0_210:notes"/>
-          <p:cNvSpPr txBox="1"/>
+          <p:cNvSpPr txBox="1">
+            <a:spLocks noGrp="1"/>
+          </p:cNvSpPr>
           <p:nvPr>
-            <p:ph idx="1" type="body"/>
+            <p:ph type="body" idx="1"/>
           </p:nvPr>
         </p:nvSpPr>
         <p:spPr>
@@ -2306,12 +2426,12 @@
           </a:prstGeom>
         </p:spPr>
         <p:txBody>
-          <a:bodyPr anchorCtr="0" anchor="t" bIns="91425" lIns="91425" spcFirstLastPara="1" rIns="91425" wrap="square" tIns="91425">
+          <a:bodyPr spcFirstLastPara="1" wrap="square" lIns="91425" tIns="91425" rIns="91425" bIns="91425" anchor="t" anchorCtr="0">
             <a:noAutofit/>
           </a:bodyPr>
           <a:lstStyle/>
           <a:p>
-            <a:pPr indent="0" lvl="0" marL="0" rtl="0" algn="l">
+            <a:pPr marL="0" lvl="0" indent="0" algn="l" rtl="0">
               <a:spcBef>
                 <a:spcPts val="0"/>
               </a:spcBef>
@@ -2346,11 +2466,11 @@
 </file>
 
 <file path=ppt/notesSlides/notesSlide9.xml><?xml version="1.0" encoding="utf-8"?>
-<p:notes xmlns:a="http://schemas.openxmlformats.org/drawingml/2006/main" xmlns:r="http://schemas.openxmlformats.org/officeDocument/2006/relationships" xmlns:mc="http://schemas.openxmlformats.org/markup-compatibility/2006" xmlns:mv="urn:schemas-microsoft-com:mac:vml" xmlns:p="http://schemas.openxmlformats.org/presentationml/2006/main" xmlns:c="http://schemas.openxmlformats.org/drawingml/2006/chart" xmlns:dgm="http://schemas.openxmlformats.org/drawingml/2006/diagram" xmlns:o="urn:schemas-microsoft-com:office:office" xmlns:v="urn:schemas-microsoft-com:vml" xmlns:pvml="urn:schemas-microsoft-com:office:powerpoint" xmlns:com="http://schemas.openxmlformats.org/drawingml/2006/compatibility" xmlns:p14="http://schemas.microsoft.com/office/powerpoint/2010/main" xmlns:p15="http://schemas.microsoft.com/office/powerpoint/2012/main" xmlns:ahyp="http://schemas.microsoft.com/office/drawing/2018/hyperlinkcolor" showMasterPhAnim="0" showMasterSp="0">
+<p:notes xmlns:a="http://schemas.openxmlformats.org/drawingml/2006/main" xmlns:r="http://schemas.openxmlformats.org/officeDocument/2006/relationships" xmlns:p="http://schemas.openxmlformats.org/presentationml/2006/main" showMasterSp="0" showMasterPhAnim="0">
   <p:cSld>
     <p:spTree>
       <p:nvGrpSpPr>
-        <p:cNvPr id="145" name="Shape 145"/>
+        <p:cNvPr id="1" name="Shape 145"/>
         <p:cNvGrpSpPr/>
         <p:nvPr/>
       </p:nvGrpSpPr>
@@ -2365,9 +2485,11 @@
       <p:sp>
         <p:nvSpPr>
           <p:cNvPr id="146" name="Google Shape;146;ga3652d1384_0_215:notes"/>
-          <p:cNvSpPr/>
+          <p:cNvSpPr>
+            <a:spLocks noGrp="1" noRot="1" noChangeAspect="1"/>
+          </p:cNvSpPr>
           <p:nvPr>
-            <p:ph idx="2" type="sldImg"/>
+            <p:ph type="sldImg" idx="2"/>
           </p:nvPr>
         </p:nvSpPr>
         <p:spPr>
@@ -2376,9 +2498,13 @@
             <a:ext cx="6096000" cy="3429000"/>
           </a:xfrm>
           <a:custGeom>
-            <a:rect b="b" l="l" r="r" t="t"/>
+            <a:avLst/>
+            <a:gdLst/>
+            <a:ahLst/>
+            <a:cxnLst/>
+            <a:rect l="l" t="t" r="r" b="b"/>
             <a:pathLst>
-              <a:path extrusionOk="0" h="120000" w="120000">
+              <a:path w="120000" h="120000" extrusionOk="0">
                 <a:moveTo>
                   <a:pt x="0" y="0"/>
                 </a:moveTo>
@@ -2400,9 +2526,11 @@
       <p:sp>
         <p:nvSpPr>
           <p:cNvPr id="147" name="Google Shape;147;ga3652d1384_0_215:notes"/>
-          <p:cNvSpPr txBox="1"/>
+          <p:cNvSpPr txBox="1">
+            <a:spLocks noGrp="1"/>
+          </p:cNvSpPr>
           <p:nvPr>
-            <p:ph idx="1" type="body"/>
+            <p:ph type="body" idx="1"/>
           </p:nvPr>
         </p:nvSpPr>
         <p:spPr>
@@ -2415,12 +2543,12 @@
           </a:prstGeom>
         </p:spPr>
         <p:txBody>
-          <a:bodyPr anchorCtr="0" anchor="t" bIns="91425" lIns="91425" spcFirstLastPara="1" rIns="91425" wrap="square" tIns="91425">
+          <a:bodyPr spcFirstLastPara="1" wrap="square" lIns="91425" tIns="91425" rIns="91425" bIns="91425" anchor="t" anchorCtr="0">
             <a:noAutofit/>
           </a:bodyPr>
           <a:lstStyle/>
           <a:p>
-            <a:pPr indent="0" lvl="0" marL="0" rtl="0" algn="l">
+            <a:pPr marL="0" lvl="0" indent="0" algn="l" rtl="0">
               <a:spcBef>
                 <a:spcPts val="0"/>
               </a:spcBef>
@@ -2446,11 +2574,11 @@
 </file>
 
 <file path=ppt/slideLayouts/slideLayout1.xml><?xml version="1.0" encoding="utf-8"?>
-<p:sldLayout xmlns:a="http://schemas.openxmlformats.org/drawingml/2006/main" xmlns:r="http://schemas.openxmlformats.org/officeDocument/2006/relationships" xmlns:mc="http://schemas.openxmlformats.org/markup-compatibility/2006" xmlns:mv="urn:schemas-microsoft-com:mac:vml" xmlns:p="http://schemas.openxmlformats.org/presentationml/2006/main" xmlns:c="http://schemas.openxmlformats.org/drawingml/2006/chart" xmlns:dgm="http://schemas.openxmlformats.org/drawingml/2006/diagram" xmlns:o="urn:schemas-microsoft-com:office:office" xmlns:v="urn:schemas-microsoft-com:vml" xmlns:pvml="urn:schemas-microsoft-com:office:powerpoint" xmlns:com="http://schemas.openxmlformats.org/drawingml/2006/compatibility" xmlns:p14="http://schemas.microsoft.com/office/powerpoint/2010/main" xmlns:p15="http://schemas.microsoft.com/office/powerpoint/2012/main" xmlns:ahyp="http://schemas.microsoft.com/office/drawing/2018/hyperlinkcolor" matchingName="Title slide" type="title">
+<p:sldLayout xmlns:a="http://schemas.openxmlformats.org/drawingml/2006/main" xmlns:r="http://schemas.openxmlformats.org/officeDocument/2006/relationships" xmlns:p="http://schemas.openxmlformats.org/presentationml/2006/main" matchingName="Title slide" type="title">
   <p:cSld name="TITLE">
     <p:spTree>
       <p:nvGrpSpPr>
-        <p:cNvPr id="9" name="Shape 9"/>
+        <p:cNvPr id="1" name="Shape 9"/>
         <p:cNvGrpSpPr/>
         <p:nvPr/>
       </p:nvGrpSpPr>
@@ -2477,14 +2605,14 @@
             <a:avLst/>
           </a:prstGeom>
           <a:noFill/>
-          <a:ln cap="flat" cmpd="sng" w="76200">
+          <a:ln w="76200" cap="flat" cmpd="sng">
             <a:solidFill>
               <a:schemeClr val="lt2"/>
             </a:solidFill>
             <a:prstDash val="solid"/>
             <a:round/>
-            <a:headEnd len="sm" w="sm" type="none"/>
-            <a:tailEnd len="sm" w="sm" type="none"/>
+            <a:headEnd type="none" w="sm" len="sm"/>
+            <a:tailEnd type="none" w="sm" len="sm"/>
           </a:ln>
         </p:spPr>
       </p:cxnSp>
@@ -2503,14 +2631,14 @@
             <a:avLst/>
           </a:prstGeom>
           <a:noFill/>
-          <a:ln cap="flat" cmpd="sng" w="76200">
+          <a:ln w="76200" cap="flat" cmpd="sng">
             <a:solidFill>
               <a:schemeClr val="lt2"/>
             </a:solidFill>
             <a:prstDash val="solid"/>
             <a:round/>
-            <a:headEnd len="sm" w="sm" type="none"/>
-            <a:tailEnd len="sm" w="sm" type="none"/>
+            <a:headEnd type="none" w="sm" len="sm"/>
+            <a:tailEnd type="none" w="sm" len="sm"/>
           </a:ln>
         </p:spPr>
       </p:cxnSp>
@@ -2543,14 +2671,14 @@
               <a:avLst/>
             </a:prstGeom>
             <a:noFill/>
-            <a:ln cap="flat" cmpd="sng" w="76200">
+            <a:ln w="76200" cap="flat" cmpd="sng">
               <a:solidFill>
                 <a:schemeClr val="accent3"/>
               </a:solidFill>
               <a:prstDash val="solid"/>
               <a:round/>
-              <a:headEnd len="sm" w="sm" type="none"/>
-              <a:tailEnd len="sm" w="sm" type="none"/>
+              <a:headEnd type="none" w="sm" len="sm"/>
+              <a:tailEnd type="none" w="sm" len="sm"/>
             </a:ln>
           </p:spPr>
         </p:cxnSp>
@@ -2569,14 +2697,14 @@
               <a:avLst/>
             </a:prstGeom>
             <a:noFill/>
-            <a:ln cap="flat" cmpd="sng" w="9525">
+            <a:ln w="9525" cap="flat" cmpd="sng">
               <a:solidFill>
                 <a:schemeClr val="accent3"/>
               </a:solidFill>
               <a:prstDash val="solid"/>
               <a:round/>
-              <a:headEnd len="sm" w="sm" type="none"/>
-              <a:tailEnd len="sm" w="sm" type="none"/>
+              <a:headEnd type="none" w="sm" len="sm"/>
+              <a:tailEnd type="none" w="sm" len="sm"/>
             </a:ln>
           </p:spPr>
         </p:cxnSp>
@@ -2610,14 +2738,14 @@
               <a:avLst/>
             </a:prstGeom>
             <a:noFill/>
-            <a:ln cap="flat" cmpd="sng" w="76200">
+            <a:ln w="76200" cap="flat" cmpd="sng">
               <a:solidFill>
                 <a:schemeClr val="accent3"/>
               </a:solidFill>
               <a:prstDash val="solid"/>
               <a:round/>
-              <a:headEnd len="sm" w="sm" type="none"/>
-              <a:tailEnd len="sm" w="sm" type="none"/>
+              <a:headEnd type="none" w="sm" len="sm"/>
+              <a:tailEnd type="none" w="sm" len="sm"/>
             </a:ln>
           </p:spPr>
         </p:cxnSp>
@@ -2636,14 +2764,14 @@
               <a:avLst/>
             </a:prstGeom>
             <a:noFill/>
-            <a:ln cap="flat" cmpd="sng" w="9525">
+            <a:ln w="9525" cap="flat" cmpd="sng">
               <a:solidFill>
                 <a:schemeClr val="accent3"/>
               </a:solidFill>
               <a:prstDash val="solid"/>
               <a:round/>
-              <a:headEnd len="sm" w="sm" type="none"/>
-              <a:tailEnd len="sm" w="sm" type="none"/>
+              <a:headEnd type="none" w="sm" len="sm"/>
+              <a:tailEnd type="none" w="sm" len="sm"/>
             </a:ln>
           </p:spPr>
         </p:cxnSp>
@@ -2651,7 +2779,9 @@
       <p:sp>
         <p:nvSpPr>
           <p:cNvPr id="18" name="Google Shape;18;p2"/>
-          <p:cNvSpPr txBox="1"/>
+          <p:cNvSpPr txBox="1">
+            <a:spLocks noGrp="1"/>
+          </p:cNvSpPr>
           <p:nvPr>
             <p:ph type="ctrTitle"/>
           </p:nvPr>
@@ -2666,7 +2796,7 @@
           </a:prstGeom>
         </p:spPr>
         <p:txBody>
-          <a:bodyPr anchorCtr="0" anchor="b" bIns="91425" lIns="91425" spcFirstLastPara="1" rIns="91425" wrap="square" tIns="91425">
+          <a:bodyPr spcFirstLastPara="1" wrap="square" lIns="91425" tIns="91425" rIns="91425" bIns="91425" anchor="b" anchorCtr="0">
             <a:noAutofit/>
           </a:bodyPr>
           <a:lstStyle>
@@ -2770,15 +2900,19 @@
               <a:defRPr sz="5400"/>
             </a:lvl9pPr>
           </a:lstStyle>
-          <a:p/>
+          <a:p>
+            <a:endParaRPr/>
+          </a:p>
         </p:txBody>
       </p:sp>
       <p:sp>
         <p:nvSpPr>
           <p:cNvPr id="19" name="Google Shape;19;p2"/>
-          <p:cNvSpPr txBox="1"/>
+          <p:cNvSpPr txBox="1">
+            <a:spLocks noGrp="1"/>
+          </p:cNvSpPr>
           <p:nvPr>
-            <p:ph idx="1" type="subTitle"/>
+            <p:ph type="subTitle" idx="1"/>
           </p:nvPr>
         </p:nvSpPr>
         <p:spPr>
@@ -2791,7 +2925,7 @@
           </a:prstGeom>
         </p:spPr>
         <p:txBody>
-          <a:bodyPr anchorCtr="0" anchor="t" bIns="91425" lIns="91425" spcFirstLastPara="1" rIns="91425" wrap="square" tIns="91425">
+          <a:bodyPr spcFirstLastPara="1" wrap="square" lIns="91425" tIns="91425" rIns="91425" bIns="91425" anchor="t" anchorCtr="0">
             <a:noAutofit/>
           </a:bodyPr>
           <a:lstStyle>
@@ -2922,15 +3056,19 @@
               <a:defRPr sz="2400"/>
             </a:lvl9pPr>
           </a:lstStyle>
-          <a:p/>
+          <a:p>
+            <a:endParaRPr/>
+          </a:p>
         </p:txBody>
       </p:sp>
       <p:sp>
         <p:nvSpPr>
           <p:cNvPr id="20" name="Google Shape;20;p2"/>
-          <p:cNvSpPr txBox="1"/>
+          <p:cNvSpPr txBox="1">
+            <a:spLocks noGrp="1"/>
+          </p:cNvSpPr>
           <p:nvPr>
-            <p:ph idx="12" type="sldNum"/>
+            <p:ph type="sldNum" idx="12"/>
           </p:nvPr>
         </p:nvSpPr>
         <p:spPr>
@@ -2943,7 +3081,7 @@
           </a:prstGeom>
         </p:spPr>
         <p:txBody>
-          <a:bodyPr anchorCtr="0" anchor="ctr" bIns="91425" lIns="91425" spcFirstLastPara="1" rIns="91425" wrap="square" tIns="91425">
+          <a:bodyPr spcFirstLastPara="1" wrap="square" lIns="91425" tIns="91425" rIns="91425" bIns="91425" anchor="ctr" anchorCtr="0">
             <a:noAutofit/>
           </a:bodyPr>
           <a:lstStyle>
@@ -2985,7 +3123,7 @@
             </a:lvl9pPr>
           </a:lstStyle>
           <a:p>
-            <a:pPr indent="0" lvl="0" marL="0" rtl="0" algn="r">
+            <a:pPr marL="0" lvl="0" indent="0" algn="r" rtl="0">
               <a:spcBef>
                 <a:spcPts val="0"/>
               </a:spcBef>
@@ -3011,11 +3149,11 @@
 </file>
 
 <file path=ppt/slideLayouts/slideLayout10.xml><?xml version="1.0" encoding="utf-8"?>
-<p:sldLayout xmlns:a="http://schemas.openxmlformats.org/drawingml/2006/main" xmlns:r="http://schemas.openxmlformats.org/officeDocument/2006/relationships" xmlns:mc="http://schemas.openxmlformats.org/markup-compatibility/2006" xmlns:mv="urn:schemas-microsoft-com:mac:vml" xmlns:p="http://schemas.openxmlformats.org/presentationml/2006/main" xmlns:c="http://schemas.openxmlformats.org/drawingml/2006/chart" xmlns:dgm="http://schemas.openxmlformats.org/drawingml/2006/diagram" xmlns:o="urn:schemas-microsoft-com:office:office" xmlns:v="urn:schemas-microsoft-com:vml" xmlns:pvml="urn:schemas-microsoft-com:office:powerpoint" xmlns:com="http://schemas.openxmlformats.org/drawingml/2006/compatibility" xmlns:p14="http://schemas.microsoft.com/office/powerpoint/2010/main" xmlns:p15="http://schemas.microsoft.com/office/powerpoint/2012/main" xmlns:ahyp="http://schemas.microsoft.com/office/drawing/2018/hyperlinkcolor" matchingName="Big number">
+<p:sldLayout xmlns:a="http://schemas.openxmlformats.org/drawingml/2006/main" xmlns:r="http://schemas.openxmlformats.org/officeDocument/2006/relationships" xmlns:p="http://schemas.openxmlformats.org/presentationml/2006/main" matchingName="Big number">
   <p:cSld name="BIG_NUMBER">
     <p:spTree>
       <p:nvGrpSpPr>
-        <p:cNvPr id="55" name="Shape 55"/>
+        <p:cNvPr id="1" name="Shape 55"/>
         <p:cNvGrpSpPr/>
         <p:nvPr/>
       </p:nvGrpSpPr>
@@ -3049,12 +3187,12 @@
           </a:ln>
         </p:spPr>
         <p:txBody>
-          <a:bodyPr anchorCtr="0" anchor="ctr" bIns="91425" lIns="91425" spcFirstLastPara="1" rIns="91425" wrap="square" tIns="91425">
+          <a:bodyPr spcFirstLastPara="1" wrap="square" lIns="91425" tIns="91425" rIns="91425" bIns="91425" anchor="ctr" anchorCtr="0">
             <a:noAutofit/>
           </a:bodyPr>
           <a:lstStyle/>
           <a:p>
-            <a:pPr indent="0" lvl="0" marL="0" rtl="0" algn="l">
+            <a:pPr marL="0" lvl="0" indent="0" algn="l" rtl="0">
               <a:spcBef>
                 <a:spcPts val="0"/>
               </a:spcBef>
@@ -3063,9 +3201,6 @@
               </a:spcAft>
               <a:buNone/>
             </a:pPr>
-            <a:r>
-              <a:t/>
-            </a:r>
             <a:endParaRPr/>
           </a:p>
         </p:txBody>
@@ -3073,9 +3208,11 @@
       <p:sp>
         <p:nvSpPr>
           <p:cNvPr id="57" name="Google Shape;57;p11"/>
-          <p:cNvSpPr txBox="1"/>
+          <p:cNvSpPr txBox="1">
+            <a:spLocks noGrp="1"/>
+          </p:cNvSpPr>
           <p:nvPr>
-            <p:ph hasCustomPrompt="1" type="title"/>
+            <p:ph type="title" hasCustomPrompt="1"/>
           </p:nvPr>
         </p:nvSpPr>
         <p:spPr>
@@ -3088,7 +3225,7 @@
           </a:prstGeom>
         </p:spPr>
         <p:txBody>
-          <a:bodyPr anchorCtr="0" anchor="ctr" bIns="91425" lIns="91425" spcFirstLastPara="1" rIns="91425" wrap="square" tIns="91425">
+          <a:bodyPr spcFirstLastPara="1" wrap="square" lIns="91425" tIns="91425" rIns="91425" bIns="91425" anchor="ctr" anchorCtr="0">
             <a:noAutofit/>
           </a:bodyPr>
           <a:lstStyle>
@@ -3265,9 +3402,11 @@
       <p:sp>
         <p:nvSpPr>
           <p:cNvPr id="58" name="Google Shape;58;p11"/>
-          <p:cNvSpPr txBox="1"/>
+          <p:cNvSpPr txBox="1">
+            <a:spLocks noGrp="1"/>
+          </p:cNvSpPr>
           <p:nvPr>
-            <p:ph idx="1" type="body"/>
+            <p:ph type="body" idx="1"/>
           </p:nvPr>
         </p:nvSpPr>
         <p:spPr>
@@ -3280,11 +3419,11 @@
           </a:prstGeom>
         </p:spPr>
         <p:txBody>
-          <a:bodyPr anchorCtr="0" anchor="t" bIns="91425" lIns="91425" spcFirstLastPara="1" rIns="91425" wrap="square" tIns="91425">
+          <a:bodyPr spcFirstLastPara="1" wrap="square" lIns="91425" tIns="91425" rIns="91425" bIns="91425" anchor="t" anchorCtr="0">
             <a:noAutofit/>
           </a:bodyPr>
           <a:lstStyle>
-            <a:lvl1pPr indent="-342900" lvl="0" marL="457200" algn="ctr">
+            <a:lvl1pPr marL="457200" lvl="0" indent="-342900" algn="ctr">
               <a:spcBef>
                 <a:spcPts val="0"/>
               </a:spcBef>
@@ -3295,7 +3434,7 @@
               <a:buChar char="●"/>
               <a:defRPr/>
             </a:lvl1pPr>
-            <a:lvl2pPr indent="-317500" lvl="1" marL="914400" algn="ctr">
+            <a:lvl2pPr marL="914400" lvl="1" indent="-317500" algn="ctr">
               <a:spcBef>
                 <a:spcPts val="1600"/>
               </a:spcBef>
@@ -3306,7 +3445,7 @@
               <a:buChar char="○"/>
               <a:defRPr/>
             </a:lvl2pPr>
-            <a:lvl3pPr indent="-317500" lvl="2" marL="1371600" algn="ctr">
+            <a:lvl3pPr marL="1371600" lvl="2" indent="-317500" algn="ctr">
               <a:spcBef>
                 <a:spcPts val="1600"/>
               </a:spcBef>
@@ -3317,7 +3456,7 @@
               <a:buChar char="■"/>
               <a:defRPr/>
             </a:lvl3pPr>
-            <a:lvl4pPr indent="-317500" lvl="3" marL="1828800" algn="ctr">
+            <a:lvl4pPr marL="1828800" lvl="3" indent="-317500" algn="ctr">
               <a:spcBef>
                 <a:spcPts val="1600"/>
               </a:spcBef>
@@ -3328,7 +3467,7 @@
               <a:buChar char="●"/>
               <a:defRPr/>
             </a:lvl4pPr>
-            <a:lvl5pPr indent="-317500" lvl="4" marL="2286000" algn="ctr">
+            <a:lvl5pPr marL="2286000" lvl="4" indent="-317500" algn="ctr">
               <a:spcBef>
                 <a:spcPts val="1600"/>
               </a:spcBef>
@@ -3339,7 +3478,7 @@
               <a:buChar char="○"/>
               <a:defRPr/>
             </a:lvl5pPr>
-            <a:lvl6pPr indent="-317500" lvl="5" marL="2743200" algn="ctr">
+            <a:lvl6pPr marL="2743200" lvl="5" indent="-317500" algn="ctr">
               <a:spcBef>
                 <a:spcPts val="1600"/>
               </a:spcBef>
@@ -3350,7 +3489,7 @@
               <a:buChar char="■"/>
               <a:defRPr/>
             </a:lvl6pPr>
-            <a:lvl7pPr indent="-317500" lvl="6" marL="3200400" algn="ctr">
+            <a:lvl7pPr marL="3200400" lvl="6" indent="-317500" algn="ctr">
               <a:spcBef>
                 <a:spcPts val="1600"/>
               </a:spcBef>
@@ -3361,7 +3500,7 @@
               <a:buChar char="●"/>
               <a:defRPr/>
             </a:lvl7pPr>
-            <a:lvl8pPr indent="-317500" lvl="7" marL="3657600" algn="ctr">
+            <a:lvl8pPr marL="3657600" lvl="7" indent="-317500" algn="ctr">
               <a:spcBef>
                 <a:spcPts val="1600"/>
               </a:spcBef>
@@ -3372,7 +3511,7 @@
               <a:buChar char="○"/>
               <a:defRPr/>
             </a:lvl8pPr>
-            <a:lvl9pPr indent="-317500" lvl="8" marL="4114800" algn="ctr">
+            <a:lvl9pPr marL="4114800" lvl="8" indent="-317500" algn="ctr">
               <a:spcBef>
                 <a:spcPts val="1600"/>
               </a:spcBef>
@@ -3384,15 +3523,19 @@
               <a:defRPr/>
             </a:lvl9pPr>
           </a:lstStyle>
-          <a:p/>
+          <a:p>
+            <a:endParaRPr/>
+          </a:p>
         </p:txBody>
       </p:sp>
       <p:sp>
         <p:nvSpPr>
           <p:cNvPr id="59" name="Google Shape;59;p11"/>
-          <p:cNvSpPr txBox="1"/>
+          <p:cNvSpPr txBox="1">
+            <a:spLocks noGrp="1"/>
+          </p:cNvSpPr>
           <p:nvPr>
-            <p:ph idx="12" type="sldNum"/>
+            <p:ph type="sldNum" idx="12"/>
           </p:nvPr>
         </p:nvSpPr>
         <p:spPr>
@@ -3405,7 +3548,7 @@
           </a:prstGeom>
         </p:spPr>
         <p:txBody>
-          <a:bodyPr anchorCtr="0" anchor="ctr" bIns="91425" lIns="91425" spcFirstLastPara="1" rIns="91425" wrap="square" tIns="91425">
+          <a:bodyPr spcFirstLastPara="1" wrap="square" lIns="91425" tIns="91425" rIns="91425" bIns="91425" anchor="ctr" anchorCtr="0">
             <a:noAutofit/>
           </a:bodyPr>
           <a:lstStyle>
@@ -3447,7 +3590,7 @@
             </a:lvl9pPr>
           </a:lstStyle>
           <a:p>
-            <a:pPr indent="0" lvl="0" marL="0" rtl="0" algn="r">
+            <a:pPr marL="0" lvl="0" indent="0" algn="r" rtl="0">
               <a:spcBef>
                 <a:spcPts val="0"/>
               </a:spcBef>
@@ -3473,11 +3616,11 @@
 </file>
 
 <file path=ppt/slideLayouts/slideLayout11.xml><?xml version="1.0" encoding="utf-8"?>
-<p:sldLayout xmlns:a="http://schemas.openxmlformats.org/drawingml/2006/main" xmlns:r="http://schemas.openxmlformats.org/officeDocument/2006/relationships" xmlns:mc="http://schemas.openxmlformats.org/markup-compatibility/2006" xmlns:mv="urn:schemas-microsoft-com:mac:vml" xmlns:p="http://schemas.openxmlformats.org/presentationml/2006/main" xmlns:c="http://schemas.openxmlformats.org/drawingml/2006/chart" xmlns:dgm="http://schemas.openxmlformats.org/drawingml/2006/diagram" xmlns:o="urn:schemas-microsoft-com:office:office" xmlns:v="urn:schemas-microsoft-com:vml" xmlns:pvml="urn:schemas-microsoft-com:office:powerpoint" xmlns:com="http://schemas.openxmlformats.org/drawingml/2006/compatibility" xmlns:p14="http://schemas.microsoft.com/office/powerpoint/2010/main" xmlns:p15="http://schemas.microsoft.com/office/powerpoint/2012/main" xmlns:ahyp="http://schemas.microsoft.com/office/drawing/2018/hyperlinkcolor" matchingName="Blank" type="blank">
+<p:sldLayout xmlns:a="http://schemas.openxmlformats.org/drawingml/2006/main" xmlns:r="http://schemas.openxmlformats.org/officeDocument/2006/relationships" xmlns:p="http://schemas.openxmlformats.org/presentationml/2006/main" matchingName="Blank" type="blank">
   <p:cSld name="BLANK">
     <p:spTree>
       <p:nvGrpSpPr>
-        <p:cNvPr id="60" name="Shape 60"/>
+        <p:cNvPr id="1" name="Shape 60"/>
         <p:cNvGrpSpPr/>
         <p:nvPr/>
       </p:nvGrpSpPr>
@@ -3492,9 +3635,11 @@
       <p:sp>
         <p:nvSpPr>
           <p:cNvPr id="61" name="Google Shape;61;p12"/>
-          <p:cNvSpPr txBox="1"/>
+          <p:cNvSpPr txBox="1">
+            <a:spLocks noGrp="1"/>
+          </p:cNvSpPr>
           <p:nvPr>
-            <p:ph idx="12" type="sldNum"/>
+            <p:ph type="sldNum" idx="12"/>
           </p:nvPr>
         </p:nvSpPr>
         <p:spPr>
@@ -3507,7 +3652,7 @@
           </a:prstGeom>
         </p:spPr>
         <p:txBody>
-          <a:bodyPr anchorCtr="0" anchor="ctr" bIns="91425" lIns="91425" spcFirstLastPara="1" rIns="91425" wrap="square" tIns="91425">
+          <a:bodyPr spcFirstLastPara="1" wrap="square" lIns="91425" tIns="91425" rIns="91425" bIns="91425" anchor="ctr" anchorCtr="0">
             <a:noAutofit/>
           </a:bodyPr>
           <a:lstStyle>
@@ -3549,7 +3694,7 @@
             </a:lvl9pPr>
           </a:lstStyle>
           <a:p>
-            <a:pPr indent="0" lvl="0" marL="0" rtl="0" algn="r">
+            <a:pPr marL="0" lvl="0" indent="0" algn="r" rtl="0">
               <a:spcBef>
                 <a:spcPts val="0"/>
               </a:spcBef>
@@ -3575,11 +3720,11 @@
 </file>
 
 <file path=ppt/slideLayouts/slideLayout2.xml><?xml version="1.0" encoding="utf-8"?>
-<p:sldLayout xmlns:a="http://schemas.openxmlformats.org/drawingml/2006/main" xmlns:r="http://schemas.openxmlformats.org/officeDocument/2006/relationships" xmlns:mc="http://schemas.openxmlformats.org/markup-compatibility/2006" xmlns:mv="urn:schemas-microsoft-com:mac:vml" xmlns:p="http://schemas.openxmlformats.org/presentationml/2006/main" xmlns:c="http://schemas.openxmlformats.org/drawingml/2006/chart" xmlns:dgm="http://schemas.openxmlformats.org/drawingml/2006/diagram" xmlns:o="urn:schemas-microsoft-com:office:office" xmlns:v="urn:schemas-microsoft-com:vml" xmlns:pvml="urn:schemas-microsoft-com:office:powerpoint" xmlns:com="http://schemas.openxmlformats.org/drawingml/2006/compatibility" xmlns:p14="http://schemas.microsoft.com/office/powerpoint/2010/main" xmlns:p15="http://schemas.microsoft.com/office/powerpoint/2012/main" xmlns:ahyp="http://schemas.microsoft.com/office/drawing/2018/hyperlinkcolor" matchingName="Section header" type="secHead">
+<p:sldLayout xmlns:a="http://schemas.openxmlformats.org/drawingml/2006/main" xmlns:r="http://schemas.openxmlformats.org/officeDocument/2006/relationships" xmlns:p="http://schemas.openxmlformats.org/presentationml/2006/main" matchingName="Section header" type="secHead">
   <p:cSld name="SECTION_HEADER">
     <p:spTree>
       <p:nvGrpSpPr>
-        <p:cNvPr id="21" name="Shape 21"/>
+        <p:cNvPr id="1" name="Shape 21"/>
         <p:cNvGrpSpPr/>
         <p:nvPr/>
       </p:nvGrpSpPr>
@@ -3613,12 +3758,12 @@
           </a:ln>
         </p:spPr>
         <p:txBody>
-          <a:bodyPr anchorCtr="0" anchor="ctr" bIns="91425" lIns="91425" spcFirstLastPara="1" rIns="91425" wrap="square" tIns="91425">
+          <a:bodyPr spcFirstLastPara="1" wrap="square" lIns="91425" tIns="91425" rIns="91425" bIns="91425" anchor="ctr" anchorCtr="0">
             <a:noAutofit/>
           </a:bodyPr>
           <a:lstStyle/>
           <a:p>
-            <a:pPr indent="0" lvl="0" marL="0" rtl="0" algn="l">
+            <a:pPr marL="0" lvl="0" indent="0" algn="l" rtl="0">
               <a:spcBef>
                 <a:spcPts val="0"/>
               </a:spcBef>
@@ -3627,9 +3772,6 @@
               </a:spcAft>
               <a:buNone/>
             </a:pPr>
-            <a:r>
-              <a:t/>
-            </a:r>
             <a:endParaRPr/>
           </a:p>
         </p:txBody>
@@ -3637,7 +3779,9 @@
       <p:sp>
         <p:nvSpPr>
           <p:cNvPr id="23" name="Google Shape;23;p3"/>
-          <p:cNvSpPr txBox="1"/>
+          <p:cNvSpPr txBox="1">
+            <a:spLocks noGrp="1"/>
+          </p:cNvSpPr>
           <p:nvPr>
             <p:ph type="title"/>
           </p:nvPr>
@@ -3652,7 +3796,7 @@
           </a:prstGeom>
         </p:spPr>
         <p:txBody>
-          <a:bodyPr anchorCtr="0" anchor="ctr" bIns="91425" lIns="91425" spcFirstLastPara="1" rIns="91425" wrap="square" tIns="91425">
+          <a:bodyPr spcFirstLastPara="1" wrap="square" lIns="91425" tIns="91425" rIns="91425" bIns="91425" anchor="ctr" anchorCtr="0">
             <a:noAutofit/>
           </a:bodyPr>
           <a:lstStyle>
@@ -3756,15 +3900,19 @@
               <a:defRPr/>
             </a:lvl9pPr>
           </a:lstStyle>
-          <a:p/>
+          <a:p>
+            <a:endParaRPr/>
+          </a:p>
         </p:txBody>
       </p:sp>
       <p:sp>
         <p:nvSpPr>
           <p:cNvPr id="24" name="Google Shape;24;p3"/>
-          <p:cNvSpPr txBox="1"/>
+          <p:cNvSpPr txBox="1">
+            <a:spLocks noGrp="1"/>
+          </p:cNvSpPr>
           <p:nvPr>
-            <p:ph idx="12" type="sldNum"/>
+            <p:ph type="sldNum" idx="12"/>
           </p:nvPr>
         </p:nvSpPr>
         <p:spPr>
@@ -3777,7 +3925,7 @@
           </a:prstGeom>
         </p:spPr>
         <p:txBody>
-          <a:bodyPr anchorCtr="0" anchor="ctr" bIns="91425" lIns="91425" spcFirstLastPara="1" rIns="91425" wrap="square" tIns="91425">
+          <a:bodyPr spcFirstLastPara="1" wrap="square" lIns="91425" tIns="91425" rIns="91425" bIns="91425" anchor="ctr" anchorCtr="0">
             <a:noAutofit/>
           </a:bodyPr>
           <a:lstStyle>
@@ -3855,7 +4003,7 @@
             </a:lvl9pPr>
           </a:lstStyle>
           <a:p>
-            <a:pPr indent="0" lvl="0" marL="0" rtl="0" algn="r">
+            <a:pPr marL="0" lvl="0" indent="0" algn="r" rtl="0">
               <a:spcBef>
                 <a:spcPts val="0"/>
               </a:spcBef>
@@ -3881,11 +4029,11 @@
 </file>
 
 <file path=ppt/slideLayouts/slideLayout3.xml><?xml version="1.0" encoding="utf-8"?>
-<p:sldLayout xmlns:a="http://schemas.openxmlformats.org/drawingml/2006/main" xmlns:r="http://schemas.openxmlformats.org/officeDocument/2006/relationships" xmlns:mc="http://schemas.openxmlformats.org/markup-compatibility/2006" xmlns:mv="urn:schemas-microsoft-com:mac:vml" xmlns:p="http://schemas.openxmlformats.org/presentationml/2006/main" xmlns:c="http://schemas.openxmlformats.org/drawingml/2006/chart" xmlns:dgm="http://schemas.openxmlformats.org/drawingml/2006/diagram" xmlns:o="urn:schemas-microsoft-com:office:office" xmlns:v="urn:schemas-microsoft-com:vml" xmlns:pvml="urn:schemas-microsoft-com:office:powerpoint" xmlns:com="http://schemas.openxmlformats.org/drawingml/2006/compatibility" xmlns:p14="http://schemas.microsoft.com/office/powerpoint/2010/main" xmlns:p15="http://schemas.microsoft.com/office/powerpoint/2012/main" xmlns:ahyp="http://schemas.microsoft.com/office/drawing/2018/hyperlinkcolor" matchingName="Title and body" type="tx">
+<p:sldLayout xmlns:a="http://schemas.openxmlformats.org/drawingml/2006/main" xmlns:r="http://schemas.openxmlformats.org/officeDocument/2006/relationships" xmlns:p="http://schemas.openxmlformats.org/presentationml/2006/main" matchingName="Title and body" type="tx">
   <p:cSld name="TITLE_AND_BODY">
     <p:spTree>
       <p:nvGrpSpPr>
-        <p:cNvPr id="25" name="Shape 25"/>
+        <p:cNvPr id="1" name="Shape 25"/>
         <p:cNvGrpSpPr/>
         <p:nvPr/>
       </p:nvGrpSpPr>
@@ -3919,12 +4067,12 @@
           </a:ln>
         </p:spPr>
         <p:txBody>
-          <a:bodyPr anchorCtr="0" anchor="ctr" bIns="91425" lIns="91425" spcFirstLastPara="1" rIns="91425" wrap="square" tIns="91425">
+          <a:bodyPr spcFirstLastPara="1" wrap="square" lIns="91425" tIns="91425" rIns="91425" bIns="91425" anchor="ctr" anchorCtr="0">
             <a:noAutofit/>
           </a:bodyPr>
           <a:lstStyle/>
           <a:p>
-            <a:pPr indent="0" lvl="0" marL="0" rtl="0" algn="l">
+            <a:pPr marL="0" lvl="0" indent="0" algn="l" rtl="0">
               <a:spcBef>
                 <a:spcPts val="0"/>
               </a:spcBef>
@@ -3933,9 +4081,6 @@
               </a:spcAft>
               <a:buNone/>
             </a:pPr>
-            <a:r>
-              <a:t/>
-            </a:r>
             <a:endParaRPr/>
           </a:p>
         </p:txBody>
@@ -3943,7 +4088,9 @@
       <p:sp>
         <p:nvSpPr>
           <p:cNvPr id="27" name="Google Shape;27;p4"/>
-          <p:cNvSpPr txBox="1"/>
+          <p:cNvSpPr txBox="1">
+            <a:spLocks noGrp="1"/>
+          </p:cNvSpPr>
           <p:nvPr>
             <p:ph type="title"/>
           </p:nvPr>
@@ -3958,7 +4105,7 @@
           </a:prstGeom>
         </p:spPr>
         <p:txBody>
-          <a:bodyPr anchorCtr="0" anchor="t" bIns="91425" lIns="91425" spcFirstLastPara="1" rIns="91425" wrap="square" tIns="91425">
+          <a:bodyPr spcFirstLastPara="1" wrap="square" lIns="91425" tIns="91425" rIns="91425" bIns="91425" anchor="t" anchorCtr="0">
             <a:noAutofit/>
           </a:bodyPr>
           <a:lstStyle>
@@ -4062,15 +4209,19 @@
               <a:defRPr/>
             </a:lvl9pPr>
           </a:lstStyle>
-          <a:p/>
+          <a:p>
+            <a:endParaRPr/>
+          </a:p>
         </p:txBody>
       </p:sp>
       <p:sp>
         <p:nvSpPr>
           <p:cNvPr id="28" name="Google Shape;28;p4"/>
-          <p:cNvSpPr txBox="1"/>
+          <p:cNvSpPr txBox="1">
+            <a:spLocks noGrp="1"/>
+          </p:cNvSpPr>
           <p:nvPr>
-            <p:ph idx="1" type="body"/>
+            <p:ph type="body" idx="1"/>
           </p:nvPr>
         </p:nvSpPr>
         <p:spPr>
@@ -4083,11 +4234,11 @@
           </a:prstGeom>
         </p:spPr>
         <p:txBody>
-          <a:bodyPr anchorCtr="0" anchor="t" bIns="91425" lIns="91425" spcFirstLastPara="1" rIns="91425" wrap="square" tIns="91425">
+          <a:bodyPr spcFirstLastPara="1" wrap="square" lIns="91425" tIns="91425" rIns="91425" bIns="91425" anchor="t" anchorCtr="0">
             <a:noAutofit/>
           </a:bodyPr>
           <a:lstStyle>
-            <a:lvl1pPr indent="-342900" lvl="0" marL="457200">
+            <a:lvl1pPr marL="457200" lvl="0" indent="-342900">
               <a:spcBef>
                 <a:spcPts val="0"/>
               </a:spcBef>
@@ -4098,7 +4249,7 @@
               <a:buChar char="●"/>
               <a:defRPr/>
             </a:lvl1pPr>
-            <a:lvl2pPr indent="-317500" lvl="1" marL="914400">
+            <a:lvl2pPr marL="914400" lvl="1" indent="-317500">
               <a:spcBef>
                 <a:spcPts val="1600"/>
               </a:spcBef>
@@ -4109,7 +4260,7 @@
               <a:buChar char="○"/>
               <a:defRPr/>
             </a:lvl2pPr>
-            <a:lvl3pPr indent="-317500" lvl="2" marL="1371600">
+            <a:lvl3pPr marL="1371600" lvl="2" indent="-317500">
               <a:spcBef>
                 <a:spcPts val="1600"/>
               </a:spcBef>
@@ -4120,7 +4271,7 @@
               <a:buChar char="■"/>
               <a:defRPr/>
             </a:lvl3pPr>
-            <a:lvl4pPr indent="-317500" lvl="3" marL="1828800">
+            <a:lvl4pPr marL="1828800" lvl="3" indent="-317500">
               <a:spcBef>
                 <a:spcPts val="1600"/>
               </a:spcBef>
@@ -4131,7 +4282,7 @@
               <a:buChar char="●"/>
               <a:defRPr/>
             </a:lvl4pPr>
-            <a:lvl5pPr indent="-317500" lvl="4" marL="2286000">
+            <a:lvl5pPr marL="2286000" lvl="4" indent="-317500">
               <a:spcBef>
                 <a:spcPts val="1600"/>
               </a:spcBef>
@@ -4142,7 +4293,7 @@
               <a:buChar char="○"/>
               <a:defRPr/>
             </a:lvl5pPr>
-            <a:lvl6pPr indent="-317500" lvl="5" marL="2743200">
+            <a:lvl6pPr marL="2743200" lvl="5" indent="-317500">
               <a:spcBef>
                 <a:spcPts val="1600"/>
               </a:spcBef>
@@ -4153,7 +4304,7 @@
               <a:buChar char="■"/>
               <a:defRPr/>
             </a:lvl6pPr>
-            <a:lvl7pPr indent="-317500" lvl="6" marL="3200400">
+            <a:lvl7pPr marL="3200400" lvl="6" indent="-317500">
               <a:spcBef>
                 <a:spcPts val="1600"/>
               </a:spcBef>
@@ -4164,7 +4315,7 @@
               <a:buChar char="●"/>
               <a:defRPr/>
             </a:lvl7pPr>
-            <a:lvl8pPr indent="-317500" lvl="7" marL="3657600">
+            <a:lvl8pPr marL="3657600" lvl="7" indent="-317500">
               <a:spcBef>
                 <a:spcPts val="1600"/>
               </a:spcBef>
@@ -4175,7 +4326,7 @@
               <a:buChar char="○"/>
               <a:defRPr/>
             </a:lvl8pPr>
-            <a:lvl9pPr indent="-317500" lvl="8" marL="4114800">
+            <a:lvl9pPr marL="4114800" lvl="8" indent="-317500">
               <a:spcBef>
                 <a:spcPts val="1600"/>
               </a:spcBef>
@@ -4187,15 +4338,19 @@
               <a:defRPr/>
             </a:lvl9pPr>
           </a:lstStyle>
-          <a:p/>
+          <a:p>
+            <a:endParaRPr/>
+          </a:p>
         </p:txBody>
       </p:sp>
       <p:sp>
         <p:nvSpPr>
           <p:cNvPr id="29" name="Google Shape;29;p4"/>
-          <p:cNvSpPr txBox="1"/>
+          <p:cNvSpPr txBox="1">
+            <a:spLocks noGrp="1"/>
+          </p:cNvSpPr>
           <p:nvPr>
-            <p:ph idx="12" type="sldNum"/>
+            <p:ph type="sldNum" idx="12"/>
           </p:nvPr>
         </p:nvSpPr>
         <p:spPr>
@@ -4208,7 +4363,7 @@
           </a:prstGeom>
         </p:spPr>
         <p:txBody>
-          <a:bodyPr anchorCtr="0" anchor="ctr" bIns="91425" lIns="91425" spcFirstLastPara="1" rIns="91425" wrap="square" tIns="91425">
+          <a:bodyPr spcFirstLastPara="1" wrap="square" lIns="91425" tIns="91425" rIns="91425" bIns="91425" anchor="ctr" anchorCtr="0">
             <a:noAutofit/>
           </a:bodyPr>
           <a:lstStyle>
@@ -4250,7 +4405,7 @@
             </a:lvl9pPr>
           </a:lstStyle>
           <a:p>
-            <a:pPr indent="0" lvl="0" marL="0" rtl="0" algn="r">
+            <a:pPr marL="0" lvl="0" indent="0" algn="r" rtl="0">
               <a:spcBef>
                 <a:spcPts val="0"/>
               </a:spcBef>
@@ -4276,11 +4431,11 @@
 </file>
 
 <file path=ppt/slideLayouts/slideLayout4.xml><?xml version="1.0" encoding="utf-8"?>
-<p:sldLayout xmlns:a="http://schemas.openxmlformats.org/drawingml/2006/main" xmlns:r="http://schemas.openxmlformats.org/officeDocument/2006/relationships" xmlns:mc="http://schemas.openxmlformats.org/markup-compatibility/2006" xmlns:mv="urn:schemas-microsoft-com:mac:vml" xmlns:p="http://schemas.openxmlformats.org/presentationml/2006/main" xmlns:c="http://schemas.openxmlformats.org/drawingml/2006/chart" xmlns:dgm="http://schemas.openxmlformats.org/drawingml/2006/diagram" xmlns:o="urn:schemas-microsoft-com:office:office" xmlns:v="urn:schemas-microsoft-com:vml" xmlns:pvml="urn:schemas-microsoft-com:office:powerpoint" xmlns:com="http://schemas.openxmlformats.org/drawingml/2006/compatibility" xmlns:p14="http://schemas.microsoft.com/office/powerpoint/2010/main" xmlns:p15="http://schemas.microsoft.com/office/powerpoint/2012/main" xmlns:ahyp="http://schemas.microsoft.com/office/drawing/2018/hyperlinkcolor" matchingName="Title and two columns" type="twoColTx">
+<p:sldLayout xmlns:a="http://schemas.openxmlformats.org/drawingml/2006/main" xmlns:r="http://schemas.openxmlformats.org/officeDocument/2006/relationships" xmlns:p="http://schemas.openxmlformats.org/presentationml/2006/main" matchingName="Title and two columns" type="twoColTx">
   <p:cSld name="TITLE_AND_TWO_COLUMNS">
     <p:spTree>
       <p:nvGrpSpPr>
-        <p:cNvPr id="30" name="Shape 30"/>
+        <p:cNvPr id="1" name="Shape 30"/>
         <p:cNvGrpSpPr/>
         <p:nvPr/>
       </p:nvGrpSpPr>
@@ -4295,7 +4450,9 @@
       <p:sp>
         <p:nvSpPr>
           <p:cNvPr id="31" name="Google Shape;31;p5"/>
-          <p:cNvSpPr txBox="1"/>
+          <p:cNvSpPr txBox="1">
+            <a:spLocks noGrp="1"/>
+          </p:cNvSpPr>
           <p:nvPr>
             <p:ph type="title"/>
           </p:nvPr>
@@ -4310,7 +4467,7 @@
           </a:prstGeom>
         </p:spPr>
         <p:txBody>
-          <a:bodyPr anchorCtr="0" anchor="t" bIns="91425" lIns="91425" spcFirstLastPara="1" rIns="91425" wrap="square" tIns="91425">
+          <a:bodyPr spcFirstLastPara="1" wrap="square" lIns="91425" tIns="91425" rIns="91425" bIns="91425" anchor="t" anchorCtr="0">
             <a:noAutofit/>
           </a:bodyPr>
           <a:lstStyle>
@@ -4414,15 +4571,19 @@
               <a:defRPr/>
             </a:lvl9pPr>
           </a:lstStyle>
-          <a:p/>
+          <a:p>
+            <a:endParaRPr/>
+          </a:p>
         </p:txBody>
       </p:sp>
       <p:sp>
         <p:nvSpPr>
           <p:cNvPr id="32" name="Google Shape;32;p5"/>
-          <p:cNvSpPr txBox="1"/>
+          <p:cNvSpPr txBox="1">
+            <a:spLocks noGrp="1"/>
+          </p:cNvSpPr>
           <p:nvPr>
-            <p:ph idx="1" type="body"/>
+            <p:ph type="body" idx="1"/>
           </p:nvPr>
         </p:nvSpPr>
         <p:spPr>
@@ -4435,11 +4596,11 @@
           </a:prstGeom>
         </p:spPr>
         <p:txBody>
-          <a:bodyPr anchorCtr="0" anchor="t" bIns="91425" lIns="91425" spcFirstLastPara="1" rIns="91425" wrap="square" tIns="91425">
+          <a:bodyPr spcFirstLastPara="1" wrap="square" lIns="91425" tIns="91425" rIns="91425" bIns="91425" anchor="t" anchorCtr="0">
             <a:noAutofit/>
           </a:bodyPr>
           <a:lstStyle>
-            <a:lvl1pPr indent="-317500" lvl="0" marL="457200">
+            <a:lvl1pPr marL="457200" lvl="0" indent="-317500">
               <a:spcBef>
                 <a:spcPts val="0"/>
               </a:spcBef>
@@ -4450,7 +4611,7 @@
               <a:buChar char="●"/>
               <a:defRPr sz="1400"/>
             </a:lvl1pPr>
-            <a:lvl2pPr indent="-304800" lvl="1" marL="914400">
+            <a:lvl2pPr marL="914400" lvl="1" indent="-304800">
               <a:spcBef>
                 <a:spcPts val="1600"/>
               </a:spcBef>
@@ -4461,7 +4622,7 @@
               <a:buChar char="○"/>
               <a:defRPr sz="1200"/>
             </a:lvl2pPr>
-            <a:lvl3pPr indent="-304800" lvl="2" marL="1371600">
+            <a:lvl3pPr marL="1371600" lvl="2" indent="-304800">
               <a:spcBef>
                 <a:spcPts val="1600"/>
               </a:spcBef>
@@ -4472,7 +4633,7 @@
               <a:buChar char="■"/>
               <a:defRPr sz="1200"/>
             </a:lvl3pPr>
-            <a:lvl4pPr indent="-304800" lvl="3" marL="1828800">
+            <a:lvl4pPr marL="1828800" lvl="3" indent="-304800">
               <a:spcBef>
                 <a:spcPts val="1600"/>
               </a:spcBef>
@@ -4483,7 +4644,7 @@
               <a:buChar char="●"/>
               <a:defRPr sz="1200"/>
             </a:lvl4pPr>
-            <a:lvl5pPr indent="-304800" lvl="4" marL="2286000">
+            <a:lvl5pPr marL="2286000" lvl="4" indent="-304800">
               <a:spcBef>
                 <a:spcPts val="1600"/>
               </a:spcBef>
@@ -4494,7 +4655,7 @@
               <a:buChar char="○"/>
               <a:defRPr sz="1200"/>
             </a:lvl5pPr>
-            <a:lvl6pPr indent="-304800" lvl="5" marL="2743200">
+            <a:lvl6pPr marL="2743200" lvl="5" indent="-304800">
               <a:spcBef>
                 <a:spcPts val="1600"/>
               </a:spcBef>
@@ -4505,7 +4666,7 @@
               <a:buChar char="■"/>
               <a:defRPr sz="1200"/>
             </a:lvl6pPr>
-            <a:lvl7pPr indent="-304800" lvl="6" marL="3200400">
+            <a:lvl7pPr marL="3200400" lvl="6" indent="-304800">
               <a:spcBef>
                 <a:spcPts val="1600"/>
               </a:spcBef>
@@ -4516,7 +4677,7 @@
               <a:buChar char="●"/>
               <a:defRPr sz="1200"/>
             </a:lvl7pPr>
-            <a:lvl8pPr indent="-304800" lvl="7" marL="3657600">
+            <a:lvl8pPr marL="3657600" lvl="7" indent="-304800">
               <a:spcBef>
                 <a:spcPts val="1600"/>
               </a:spcBef>
@@ -4527,7 +4688,7 @@
               <a:buChar char="○"/>
               <a:defRPr sz="1200"/>
             </a:lvl8pPr>
-            <a:lvl9pPr indent="-304800" lvl="8" marL="4114800">
+            <a:lvl9pPr marL="4114800" lvl="8" indent="-304800">
               <a:spcBef>
                 <a:spcPts val="1600"/>
               </a:spcBef>
@@ -4539,15 +4700,19 @@
               <a:defRPr sz="1200"/>
             </a:lvl9pPr>
           </a:lstStyle>
-          <a:p/>
+          <a:p>
+            <a:endParaRPr/>
+          </a:p>
         </p:txBody>
       </p:sp>
       <p:sp>
         <p:nvSpPr>
           <p:cNvPr id="33" name="Google Shape;33;p5"/>
-          <p:cNvSpPr txBox="1"/>
+          <p:cNvSpPr txBox="1">
+            <a:spLocks noGrp="1"/>
+          </p:cNvSpPr>
           <p:nvPr>
-            <p:ph idx="2" type="body"/>
+            <p:ph type="body" idx="2"/>
           </p:nvPr>
         </p:nvSpPr>
         <p:spPr>
@@ -4560,11 +4725,11 @@
           </a:prstGeom>
         </p:spPr>
         <p:txBody>
-          <a:bodyPr anchorCtr="0" anchor="t" bIns="91425" lIns="91425" spcFirstLastPara="1" rIns="91425" wrap="square" tIns="91425">
+          <a:bodyPr spcFirstLastPara="1" wrap="square" lIns="91425" tIns="91425" rIns="91425" bIns="91425" anchor="t" anchorCtr="0">
             <a:noAutofit/>
           </a:bodyPr>
           <a:lstStyle>
-            <a:lvl1pPr indent="-317500" lvl="0" marL="457200">
+            <a:lvl1pPr marL="457200" lvl="0" indent="-317500">
               <a:spcBef>
                 <a:spcPts val="0"/>
               </a:spcBef>
@@ -4575,7 +4740,7 @@
               <a:buChar char="●"/>
               <a:defRPr sz="1400"/>
             </a:lvl1pPr>
-            <a:lvl2pPr indent="-304800" lvl="1" marL="914400">
+            <a:lvl2pPr marL="914400" lvl="1" indent="-304800">
               <a:spcBef>
                 <a:spcPts val="1600"/>
               </a:spcBef>
@@ -4586,7 +4751,7 @@
               <a:buChar char="○"/>
               <a:defRPr sz="1200"/>
             </a:lvl2pPr>
-            <a:lvl3pPr indent="-304800" lvl="2" marL="1371600">
+            <a:lvl3pPr marL="1371600" lvl="2" indent="-304800">
               <a:spcBef>
                 <a:spcPts val="1600"/>
               </a:spcBef>
@@ -4597,7 +4762,7 @@
               <a:buChar char="■"/>
               <a:defRPr sz="1200"/>
             </a:lvl3pPr>
-            <a:lvl4pPr indent="-304800" lvl="3" marL="1828800">
+            <a:lvl4pPr marL="1828800" lvl="3" indent="-304800">
               <a:spcBef>
                 <a:spcPts val="1600"/>
               </a:spcBef>
@@ -4608,7 +4773,7 @@
               <a:buChar char="●"/>
               <a:defRPr sz="1200"/>
             </a:lvl4pPr>
-            <a:lvl5pPr indent="-304800" lvl="4" marL="2286000">
+            <a:lvl5pPr marL="2286000" lvl="4" indent="-304800">
               <a:spcBef>
                 <a:spcPts val="1600"/>
               </a:spcBef>
@@ -4619,7 +4784,7 @@
               <a:buChar char="○"/>
               <a:defRPr sz="1200"/>
             </a:lvl5pPr>
-            <a:lvl6pPr indent="-304800" lvl="5" marL="2743200">
+            <a:lvl6pPr marL="2743200" lvl="5" indent="-304800">
               <a:spcBef>
                 <a:spcPts val="1600"/>
               </a:spcBef>
@@ -4630,7 +4795,7 @@
               <a:buChar char="■"/>
               <a:defRPr sz="1200"/>
             </a:lvl6pPr>
-            <a:lvl7pPr indent="-304800" lvl="6" marL="3200400">
+            <a:lvl7pPr marL="3200400" lvl="6" indent="-304800">
               <a:spcBef>
                 <a:spcPts val="1600"/>
               </a:spcBef>
@@ -4641,7 +4806,7 @@
               <a:buChar char="●"/>
               <a:defRPr sz="1200"/>
             </a:lvl7pPr>
-            <a:lvl8pPr indent="-304800" lvl="7" marL="3657600">
+            <a:lvl8pPr marL="3657600" lvl="7" indent="-304800">
               <a:spcBef>
                 <a:spcPts val="1600"/>
               </a:spcBef>
@@ -4652,7 +4817,7 @@
               <a:buChar char="○"/>
               <a:defRPr sz="1200"/>
             </a:lvl8pPr>
-            <a:lvl9pPr indent="-304800" lvl="8" marL="4114800">
+            <a:lvl9pPr marL="4114800" lvl="8" indent="-304800">
               <a:spcBef>
                 <a:spcPts val="1600"/>
               </a:spcBef>
@@ -4664,15 +4829,19 @@
               <a:defRPr sz="1200"/>
             </a:lvl9pPr>
           </a:lstStyle>
-          <a:p/>
+          <a:p>
+            <a:endParaRPr/>
+          </a:p>
         </p:txBody>
       </p:sp>
       <p:sp>
         <p:nvSpPr>
           <p:cNvPr id="34" name="Google Shape;34;p5"/>
-          <p:cNvSpPr txBox="1"/>
+          <p:cNvSpPr txBox="1">
+            <a:spLocks noGrp="1"/>
+          </p:cNvSpPr>
           <p:nvPr>
-            <p:ph idx="12" type="sldNum"/>
+            <p:ph type="sldNum" idx="12"/>
           </p:nvPr>
         </p:nvSpPr>
         <p:spPr>
@@ -4685,7 +4854,7 @@
           </a:prstGeom>
         </p:spPr>
         <p:txBody>
-          <a:bodyPr anchorCtr="0" anchor="ctr" bIns="91425" lIns="91425" spcFirstLastPara="1" rIns="91425" wrap="square" tIns="91425">
+          <a:bodyPr spcFirstLastPara="1" wrap="square" lIns="91425" tIns="91425" rIns="91425" bIns="91425" anchor="ctr" anchorCtr="0">
             <a:noAutofit/>
           </a:bodyPr>
           <a:lstStyle>
@@ -4727,7 +4896,7 @@
             </a:lvl9pPr>
           </a:lstStyle>
           <a:p>
-            <a:pPr indent="0" lvl="0" marL="0" rtl="0" algn="r">
+            <a:pPr marL="0" lvl="0" indent="0" algn="r" rtl="0">
               <a:spcBef>
                 <a:spcPts val="0"/>
               </a:spcBef>
@@ -4753,11 +4922,11 @@
 </file>
 
 <file path=ppt/slideLayouts/slideLayout5.xml><?xml version="1.0" encoding="utf-8"?>
-<p:sldLayout xmlns:a="http://schemas.openxmlformats.org/drawingml/2006/main" xmlns:r="http://schemas.openxmlformats.org/officeDocument/2006/relationships" xmlns:mc="http://schemas.openxmlformats.org/markup-compatibility/2006" xmlns:mv="urn:schemas-microsoft-com:mac:vml" xmlns:p="http://schemas.openxmlformats.org/presentationml/2006/main" xmlns:c="http://schemas.openxmlformats.org/drawingml/2006/chart" xmlns:dgm="http://schemas.openxmlformats.org/drawingml/2006/diagram" xmlns:o="urn:schemas-microsoft-com:office:office" xmlns:v="urn:schemas-microsoft-com:vml" xmlns:pvml="urn:schemas-microsoft-com:office:powerpoint" xmlns:com="http://schemas.openxmlformats.org/drawingml/2006/compatibility" xmlns:p14="http://schemas.microsoft.com/office/powerpoint/2010/main" xmlns:p15="http://schemas.microsoft.com/office/powerpoint/2012/main" xmlns:ahyp="http://schemas.microsoft.com/office/drawing/2018/hyperlinkcolor" matchingName="Title only" type="titleOnly">
+<p:sldLayout xmlns:a="http://schemas.openxmlformats.org/drawingml/2006/main" xmlns:r="http://schemas.openxmlformats.org/officeDocument/2006/relationships" xmlns:p="http://schemas.openxmlformats.org/presentationml/2006/main" matchingName="Title only" type="titleOnly">
   <p:cSld name="TITLE_ONLY">
     <p:spTree>
       <p:nvGrpSpPr>
-        <p:cNvPr id="35" name="Shape 35"/>
+        <p:cNvPr id="1" name="Shape 35"/>
         <p:cNvGrpSpPr/>
         <p:nvPr/>
       </p:nvGrpSpPr>
@@ -4772,7 +4941,9 @@
       <p:sp>
         <p:nvSpPr>
           <p:cNvPr id="36" name="Google Shape;36;p6"/>
-          <p:cNvSpPr txBox="1"/>
+          <p:cNvSpPr txBox="1">
+            <a:spLocks noGrp="1"/>
+          </p:cNvSpPr>
           <p:nvPr>
             <p:ph type="title"/>
           </p:nvPr>
@@ -4787,7 +4958,7 @@
           </a:prstGeom>
         </p:spPr>
         <p:txBody>
-          <a:bodyPr anchorCtr="0" anchor="t" bIns="91425" lIns="91425" spcFirstLastPara="1" rIns="91425" wrap="square" tIns="91425">
+          <a:bodyPr spcFirstLastPara="1" wrap="square" lIns="91425" tIns="91425" rIns="91425" bIns="91425" anchor="t" anchorCtr="0">
             <a:noAutofit/>
           </a:bodyPr>
           <a:lstStyle>
@@ -4891,15 +5062,19 @@
               <a:defRPr/>
             </a:lvl9pPr>
           </a:lstStyle>
-          <a:p/>
+          <a:p>
+            <a:endParaRPr/>
+          </a:p>
         </p:txBody>
       </p:sp>
       <p:sp>
         <p:nvSpPr>
           <p:cNvPr id="37" name="Google Shape;37;p6"/>
-          <p:cNvSpPr txBox="1"/>
+          <p:cNvSpPr txBox="1">
+            <a:spLocks noGrp="1"/>
+          </p:cNvSpPr>
           <p:nvPr>
-            <p:ph idx="12" type="sldNum"/>
+            <p:ph type="sldNum" idx="12"/>
           </p:nvPr>
         </p:nvSpPr>
         <p:spPr>
@@ -4912,7 +5087,7 @@
           </a:prstGeom>
         </p:spPr>
         <p:txBody>
-          <a:bodyPr anchorCtr="0" anchor="ctr" bIns="91425" lIns="91425" spcFirstLastPara="1" rIns="91425" wrap="square" tIns="91425">
+          <a:bodyPr spcFirstLastPara="1" wrap="square" lIns="91425" tIns="91425" rIns="91425" bIns="91425" anchor="ctr" anchorCtr="0">
             <a:noAutofit/>
           </a:bodyPr>
           <a:lstStyle>
@@ -4954,7 +5129,7 @@
             </a:lvl9pPr>
           </a:lstStyle>
           <a:p>
-            <a:pPr indent="0" lvl="0" marL="0" rtl="0" algn="r">
+            <a:pPr marL="0" lvl="0" indent="0" algn="r" rtl="0">
               <a:spcBef>
                 <a:spcPts val="0"/>
               </a:spcBef>
@@ -4980,11 +5155,11 @@
 </file>
 
 <file path=ppt/slideLayouts/slideLayout6.xml><?xml version="1.0" encoding="utf-8"?>
-<p:sldLayout xmlns:a="http://schemas.openxmlformats.org/drawingml/2006/main" xmlns:r="http://schemas.openxmlformats.org/officeDocument/2006/relationships" xmlns:mc="http://schemas.openxmlformats.org/markup-compatibility/2006" xmlns:mv="urn:schemas-microsoft-com:mac:vml" xmlns:p="http://schemas.openxmlformats.org/presentationml/2006/main" xmlns:c="http://schemas.openxmlformats.org/drawingml/2006/chart" xmlns:dgm="http://schemas.openxmlformats.org/drawingml/2006/diagram" xmlns:o="urn:schemas-microsoft-com:office:office" xmlns:v="urn:schemas-microsoft-com:vml" xmlns:pvml="urn:schemas-microsoft-com:office:powerpoint" xmlns:com="http://schemas.openxmlformats.org/drawingml/2006/compatibility" xmlns:p14="http://schemas.microsoft.com/office/powerpoint/2010/main" xmlns:p15="http://schemas.microsoft.com/office/powerpoint/2012/main" xmlns:ahyp="http://schemas.microsoft.com/office/drawing/2018/hyperlinkcolor" matchingName="One column text">
+<p:sldLayout xmlns:a="http://schemas.openxmlformats.org/drawingml/2006/main" xmlns:r="http://schemas.openxmlformats.org/officeDocument/2006/relationships" xmlns:p="http://schemas.openxmlformats.org/presentationml/2006/main" matchingName="One column text">
   <p:cSld name="ONE_COLUMN_TEXT">
     <p:spTree>
       <p:nvGrpSpPr>
-        <p:cNvPr id="38" name="Shape 38"/>
+        <p:cNvPr id="1" name="Shape 38"/>
         <p:cNvGrpSpPr/>
         <p:nvPr/>
       </p:nvGrpSpPr>
@@ -4999,7 +5174,9 @@
       <p:sp>
         <p:nvSpPr>
           <p:cNvPr id="39" name="Google Shape;39;p7"/>
-          <p:cNvSpPr txBox="1"/>
+          <p:cNvSpPr txBox="1">
+            <a:spLocks noGrp="1"/>
+          </p:cNvSpPr>
           <p:nvPr>
             <p:ph type="title"/>
           </p:nvPr>
@@ -5014,7 +5191,7 @@
           </a:prstGeom>
         </p:spPr>
         <p:txBody>
-          <a:bodyPr anchorCtr="0" anchor="b" bIns="91425" lIns="91425" spcFirstLastPara="1" rIns="91425" wrap="square" tIns="91425">
+          <a:bodyPr spcFirstLastPara="1" wrap="square" lIns="91425" tIns="91425" rIns="91425" bIns="91425" anchor="b" anchorCtr="0">
             <a:noAutofit/>
           </a:bodyPr>
           <a:lstStyle>
@@ -5118,15 +5295,19 @@
               <a:defRPr sz="2400"/>
             </a:lvl9pPr>
           </a:lstStyle>
-          <a:p/>
+          <a:p>
+            <a:endParaRPr/>
+          </a:p>
         </p:txBody>
       </p:sp>
       <p:sp>
         <p:nvSpPr>
           <p:cNvPr id="40" name="Google Shape;40;p7"/>
-          <p:cNvSpPr txBox="1"/>
+          <p:cNvSpPr txBox="1">
+            <a:spLocks noGrp="1"/>
+          </p:cNvSpPr>
           <p:nvPr>
-            <p:ph idx="1" type="body"/>
+            <p:ph type="body" idx="1"/>
           </p:nvPr>
         </p:nvSpPr>
         <p:spPr>
@@ -5139,11 +5320,11 @@
           </a:prstGeom>
         </p:spPr>
         <p:txBody>
-          <a:bodyPr anchorCtr="0" anchor="t" bIns="91425" lIns="91425" spcFirstLastPara="1" rIns="91425" wrap="square" tIns="91425">
+          <a:bodyPr spcFirstLastPara="1" wrap="square" lIns="91425" tIns="91425" rIns="91425" bIns="91425" anchor="t" anchorCtr="0">
             <a:noAutofit/>
           </a:bodyPr>
           <a:lstStyle>
-            <a:lvl1pPr indent="-304800" lvl="0" marL="457200">
+            <a:lvl1pPr marL="457200" lvl="0" indent="-304800">
               <a:spcBef>
                 <a:spcPts val="0"/>
               </a:spcBef>
@@ -5154,7 +5335,7 @@
               <a:buChar char="●"/>
               <a:defRPr sz="1200"/>
             </a:lvl1pPr>
-            <a:lvl2pPr indent="-304800" lvl="1" marL="914400">
+            <a:lvl2pPr marL="914400" lvl="1" indent="-304800">
               <a:spcBef>
                 <a:spcPts val="1600"/>
               </a:spcBef>
@@ -5165,7 +5346,7 @@
               <a:buChar char="○"/>
               <a:defRPr sz="1200"/>
             </a:lvl2pPr>
-            <a:lvl3pPr indent="-304800" lvl="2" marL="1371600">
+            <a:lvl3pPr marL="1371600" lvl="2" indent="-304800">
               <a:spcBef>
                 <a:spcPts val="1600"/>
               </a:spcBef>
@@ -5176,7 +5357,7 @@
               <a:buChar char="■"/>
               <a:defRPr sz="1200"/>
             </a:lvl3pPr>
-            <a:lvl4pPr indent="-304800" lvl="3" marL="1828800">
+            <a:lvl4pPr marL="1828800" lvl="3" indent="-304800">
               <a:spcBef>
                 <a:spcPts val="1600"/>
               </a:spcBef>
@@ -5187,7 +5368,7 @@
               <a:buChar char="●"/>
               <a:defRPr sz="1200"/>
             </a:lvl4pPr>
-            <a:lvl5pPr indent="-304800" lvl="4" marL="2286000">
+            <a:lvl5pPr marL="2286000" lvl="4" indent="-304800">
               <a:spcBef>
                 <a:spcPts val="1600"/>
               </a:spcBef>
@@ -5198,7 +5379,7 @@
               <a:buChar char="○"/>
               <a:defRPr sz="1200"/>
             </a:lvl5pPr>
-            <a:lvl6pPr indent="-304800" lvl="5" marL="2743200">
+            <a:lvl6pPr marL="2743200" lvl="5" indent="-304800">
               <a:spcBef>
                 <a:spcPts val="1600"/>
               </a:spcBef>
@@ -5209,7 +5390,7 @@
               <a:buChar char="■"/>
               <a:defRPr sz="1200"/>
             </a:lvl6pPr>
-            <a:lvl7pPr indent="-304800" lvl="6" marL="3200400">
+            <a:lvl7pPr marL="3200400" lvl="6" indent="-304800">
               <a:spcBef>
                 <a:spcPts val="1600"/>
               </a:spcBef>
@@ -5220,7 +5401,7 @@
               <a:buChar char="●"/>
               <a:defRPr sz="1200"/>
             </a:lvl7pPr>
-            <a:lvl8pPr indent="-304800" lvl="7" marL="3657600">
+            <a:lvl8pPr marL="3657600" lvl="7" indent="-304800">
               <a:spcBef>
                 <a:spcPts val="1600"/>
               </a:spcBef>
@@ -5231,7 +5412,7 @@
               <a:buChar char="○"/>
               <a:defRPr sz="1200"/>
             </a:lvl8pPr>
-            <a:lvl9pPr indent="-304800" lvl="8" marL="4114800">
+            <a:lvl9pPr marL="4114800" lvl="8" indent="-304800">
               <a:spcBef>
                 <a:spcPts val="1600"/>
               </a:spcBef>
@@ -5243,15 +5424,19 @@
               <a:defRPr sz="1200"/>
             </a:lvl9pPr>
           </a:lstStyle>
-          <a:p/>
+          <a:p>
+            <a:endParaRPr/>
+          </a:p>
         </p:txBody>
       </p:sp>
       <p:sp>
         <p:nvSpPr>
           <p:cNvPr id="41" name="Google Shape;41;p7"/>
-          <p:cNvSpPr txBox="1"/>
+          <p:cNvSpPr txBox="1">
+            <a:spLocks noGrp="1"/>
+          </p:cNvSpPr>
           <p:nvPr>
-            <p:ph idx="12" type="sldNum"/>
+            <p:ph type="sldNum" idx="12"/>
           </p:nvPr>
         </p:nvSpPr>
         <p:spPr>
@@ -5264,7 +5449,7 @@
           </a:prstGeom>
         </p:spPr>
         <p:txBody>
-          <a:bodyPr anchorCtr="0" anchor="ctr" bIns="91425" lIns="91425" spcFirstLastPara="1" rIns="91425" wrap="square" tIns="91425">
+          <a:bodyPr spcFirstLastPara="1" wrap="square" lIns="91425" tIns="91425" rIns="91425" bIns="91425" anchor="ctr" anchorCtr="0">
             <a:noAutofit/>
           </a:bodyPr>
           <a:lstStyle>
@@ -5306,7 +5491,7 @@
             </a:lvl9pPr>
           </a:lstStyle>
           <a:p>
-            <a:pPr indent="0" lvl="0" marL="0" rtl="0" algn="r">
+            <a:pPr marL="0" lvl="0" indent="0" algn="r" rtl="0">
               <a:spcBef>
                 <a:spcPts val="0"/>
               </a:spcBef>
@@ -5332,18 +5517,19 @@
 </file>
 
 <file path=ppt/slideLayouts/slideLayout7.xml><?xml version="1.0" encoding="utf-8"?>
-<p:sldLayout xmlns:a="http://schemas.openxmlformats.org/drawingml/2006/main" xmlns:r="http://schemas.openxmlformats.org/officeDocument/2006/relationships" xmlns:mc="http://schemas.openxmlformats.org/markup-compatibility/2006" xmlns:mv="urn:schemas-microsoft-com:mac:vml" xmlns:p="http://schemas.openxmlformats.org/presentationml/2006/main" xmlns:c="http://schemas.openxmlformats.org/drawingml/2006/chart" xmlns:dgm="http://schemas.openxmlformats.org/drawingml/2006/diagram" xmlns:o="urn:schemas-microsoft-com:office:office" xmlns:v="urn:schemas-microsoft-com:vml" xmlns:pvml="urn:schemas-microsoft-com:office:powerpoint" xmlns:com="http://schemas.openxmlformats.org/drawingml/2006/compatibility" xmlns:p14="http://schemas.microsoft.com/office/powerpoint/2010/main" xmlns:p15="http://schemas.microsoft.com/office/powerpoint/2012/main" xmlns:ahyp="http://schemas.microsoft.com/office/drawing/2018/hyperlinkcolor" matchingName="Main point">
+<p:sldLayout xmlns:a="http://schemas.openxmlformats.org/drawingml/2006/main" xmlns:r="http://schemas.openxmlformats.org/officeDocument/2006/relationships" xmlns:p="http://schemas.openxmlformats.org/presentationml/2006/main" matchingName="Main point">
   <p:cSld name="MAIN_POINT">
     <p:bg>
       <p:bgPr>
         <a:solidFill>
           <a:schemeClr val="accent6"/>
         </a:solidFill>
+        <a:effectLst/>
       </p:bgPr>
     </p:bg>
     <p:spTree>
       <p:nvGrpSpPr>
-        <p:cNvPr id="42" name="Shape 42"/>
+        <p:cNvPr id="1" name="Shape 42"/>
         <p:cNvGrpSpPr/>
         <p:nvPr/>
       </p:nvGrpSpPr>
@@ -5358,7 +5544,9 @@
       <p:sp>
         <p:nvSpPr>
           <p:cNvPr id="43" name="Google Shape;43;p8"/>
-          <p:cNvSpPr txBox="1"/>
+          <p:cNvSpPr txBox="1">
+            <a:spLocks noGrp="1"/>
+          </p:cNvSpPr>
           <p:nvPr>
             <p:ph type="title"/>
           </p:nvPr>
@@ -5373,7 +5561,7 @@
           </a:prstGeom>
         </p:spPr>
         <p:txBody>
-          <a:bodyPr anchorCtr="0" anchor="ctr" bIns="91425" lIns="91425" spcFirstLastPara="1" rIns="91425" wrap="square" tIns="91425">
+          <a:bodyPr spcFirstLastPara="1" wrap="square" lIns="91425" tIns="91425" rIns="91425" bIns="91425" anchor="ctr" anchorCtr="0">
             <a:noAutofit/>
           </a:bodyPr>
           <a:lstStyle>
@@ -5389,7 +5577,7 @@
               </a:buClr>
               <a:buSzPts val="5400"/>
               <a:buNone/>
-              <a:defRPr b="0" sz="5400">
+              <a:defRPr sz="5400" b="0">
                 <a:solidFill>
                   <a:schemeClr val="dk2"/>
                 </a:solidFill>
@@ -5407,7 +5595,7 @@
               </a:buClr>
               <a:buSzPts val="5400"/>
               <a:buNone/>
-              <a:defRPr b="0" sz="5400">
+              <a:defRPr sz="5400" b="0">
                 <a:solidFill>
                   <a:schemeClr val="dk2"/>
                 </a:solidFill>
@@ -5425,7 +5613,7 @@
               </a:buClr>
               <a:buSzPts val="5400"/>
               <a:buNone/>
-              <a:defRPr b="0" sz="5400">
+              <a:defRPr sz="5400" b="0">
                 <a:solidFill>
                   <a:schemeClr val="dk2"/>
                 </a:solidFill>
@@ -5443,7 +5631,7 @@
               </a:buClr>
               <a:buSzPts val="5400"/>
               <a:buNone/>
-              <a:defRPr b="0" sz="5400">
+              <a:defRPr sz="5400" b="0">
                 <a:solidFill>
                   <a:schemeClr val="dk2"/>
                 </a:solidFill>
@@ -5461,7 +5649,7 @@
               </a:buClr>
               <a:buSzPts val="5400"/>
               <a:buNone/>
-              <a:defRPr b="0" sz="5400">
+              <a:defRPr sz="5400" b="0">
                 <a:solidFill>
                   <a:schemeClr val="dk2"/>
                 </a:solidFill>
@@ -5479,7 +5667,7 @@
               </a:buClr>
               <a:buSzPts val="5400"/>
               <a:buNone/>
-              <a:defRPr b="0" sz="5400">
+              <a:defRPr sz="5400" b="0">
                 <a:solidFill>
                   <a:schemeClr val="dk2"/>
                 </a:solidFill>
@@ -5497,7 +5685,7 @@
               </a:buClr>
               <a:buSzPts val="5400"/>
               <a:buNone/>
-              <a:defRPr b="0" sz="5400">
+              <a:defRPr sz="5400" b="0">
                 <a:solidFill>
                   <a:schemeClr val="dk2"/>
                 </a:solidFill>
@@ -5515,7 +5703,7 @@
               </a:buClr>
               <a:buSzPts val="5400"/>
               <a:buNone/>
-              <a:defRPr b="0" sz="5400">
+              <a:defRPr sz="5400" b="0">
                 <a:solidFill>
                   <a:schemeClr val="dk2"/>
                 </a:solidFill>
@@ -5533,22 +5721,26 @@
               </a:buClr>
               <a:buSzPts val="5400"/>
               <a:buNone/>
-              <a:defRPr b="0" sz="5400">
+              <a:defRPr sz="5400" b="0">
                 <a:solidFill>
                   <a:schemeClr val="dk2"/>
                 </a:solidFill>
               </a:defRPr>
             </a:lvl9pPr>
           </a:lstStyle>
-          <a:p/>
+          <a:p>
+            <a:endParaRPr/>
+          </a:p>
         </p:txBody>
       </p:sp>
       <p:sp>
         <p:nvSpPr>
           <p:cNvPr id="44" name="Google Shape;44;p8"/>
-          <p:cNvSpPr txBox="1"/>
+          <p:cNvSpPr txBox="1">
+            <a:spLocks noGrp="1"/>
+          </p:cNvSpPr>
           <p:nvPr>
-            <p:ph idx="12" type="sldNum"/>
+            <p:ph type="sldNum" idx="12"/>
           </p:nvPr>
         </p:nvSpPr>
         <p:spPr>
@@ -5561,7 +5753,7 @@
           </a:prstGeom>
         </p:spPr>
         <p:txBody>
-          <a:bodyPr anchorCtr="0" anchor="ctr" bIns="91425" lIns="91425" spcFirstLastPara="1" rIns="91425" wrap="square" tIns="91425">
+          <a:bodyPr spcFirstLastPara="1" wrap="square" lIns="91425" tIns="91425" rIns="91425" bIns="91425" anchor="ctr" anchorCtr="0">
             <a:noAutofit/>
           </a:bodyPr>
           <a:lstStyle>
@@ -5603,7 +5795,7 @@
             </a:lvl9pPr>
           </a:lstStyle>
           <a:p>
-            <a:pPr indent="0" lvl="0" marL="0" rtl="0" algn="r">
+            <a:pPr marL="0" lvl="0" indent="0" algn="r" rtl="0">
               <a:spcBef>
                 <a:spcPts val="0"/>
               </a:spcBef>
@@ -5629,11 +5821,11 @@
 </file>
 
 <file path=ppt/slideLayouts/slideLayout8.xml><?xml version="1.0" encoding="utf-8"?>
-<p:sldLayout xmlns:a="http://schemas.openxmlformats.org/drawingml/2006/main" xmlns:r="http://schemas.openxmlformats.org/officeDocument/2006/relationships" xmlns:mc="http://schemas.openxmlformats.org/markup-compatibility/2006" xmlns:mv="urn:schemas-microsoft-com:mac:vml" xmlns:p="http://schemas.openxmlformats.org/presentationml/2006/main" xmlns:c="http://schemas.openxmlformats.org/drawingml/2006/chart" xmlns:dgm="http://schemas.openxmlformats.org/drawingml/2006/diagram" xmlns:o="urn:schemas-microsoft-com:office:office" xmlns:v="urn:schemas-microsoft-com:vml" xmlns:pvml="urn:schemas-microsoft-com:office:powerpoint" xmlns:com="http://schemas.openxmlformats.org/drawingml/2006/compatibility" xmlns:p14="http://schemas.microsoft.com/office/powerpoint/2010/main" xmlns:p15="http://schemas.microsoft.com/office/powerpoint/2012/main" xmlns:ahyp="http://schemas.microsoft.com/office/drawing/2018/hyperlinkcolor" matchingName="Section title and description">
+<p:sldLayout xmlns:a="http://schemas.openxmlformats.org/drawingml/2006/main" xmlns:r="http://schemas.openxmlformats.org/officeDocument/2006/relationships" xmlns:p="http://schemas.openxmlformats.org/presentationml/2006/main" matchingName="Section title and description">
   <p:cSld name="SECTION_TITLE_AND_DESCRIPTION">
     <p:spTree>
       <p:nvGrpSpPr>
-        <p:cNvPr id="45" name="Shape 45"/>
+        <p:cNvPr id="1" name="Shape 45"/>
         <p:cNvGrpSpPr/>
         <p:nvPr/>
       </p:nvGrpSpPr>
@@ -5667,12 +5859,12 @@
           </a:ln>
         </p:spPr>
         <p:txBody>
-          <a:bodyPr anchorCtr="0" anchor="ctr" bIns="91425" lIns="91425" spcFirstLastPara="1" rIns="91425" wrap="square" tIns="91425">
+          <a:bodyPr spcFirstLastPara="1" wrap="square" lIns="91425" tIns="91425" rIns="91425" bIns="91425" anchor="ctr" anchorCtr="0">
             <a:noAutofit/>
           </a:bodyPr>
           <a:lstStyle/>
           <a:p>
-            <a:pPr indent="0" lvl="0" marL="0" rtl="0" algn="l">
+            <a:pPr marL="0" lvl="0" indent="0" algn="l" rtl="0">
               <a:spcBef>
                 <a:spcPts val="0"/>
               </a:spcBef>
@@ -5681,9 +5873,6 @@
               </a:spcAft>
               <a:buNone/>
             </a:pPr>
-            <a:r>
-              <a:t/>
-            </a:r>
             <a:endParaRPr/>
           </a:p>
         </p:txBody>
@@ -5703,21 +5892,23 @@
             <a:avLst/>
           </a:prstGeom>
           <a:noFill/>
-          <a:ln cap="flat" cmpd="sng" w="19050">
+          <a:ln w="19050" cap="flat" cmpd="sng">
             <a:solidFill>
               <a:schemeClr val="lt1"/>
             </a:solidFill>
             <a:prstDash val="solid"/>
             <a:round/>
-            <a:headEnd len="sm" w="sm" type="none"/>
-            <a:tailEnd len="sm" w="sm" type="none"/>
+            <a:headEnd type="none" w="sm" len="sm"/>
+            <a:tailEnd type="none" w="sm" len="sm"/>
           </a:ln>
         </p:spPr>
       </p:cxnSp>
       <p:sp>
         <p:nvSpPr>
           <p:cNvPr id="48" name="Google Shape;48;p9"/>
-          <p:cNvSpPr txBox="1"/>
+          <p:cNvSpPr txBox="1">
+            <a:spLocks noGrp="1"/>
+          </p:cNvSpPr>
           <p:nvPr>
             <p:ph type="title"/>
           </p:nvPr>
@@ -5732,7 +5923,7 @@
           </a:prstGeom>
         </p:spPr>
         <p:txBody>
-          <a:bodyPr anchorCtr="0" anchor="b" bIns="91425" lIns="91425" spcFirstLastPara="1" rIns="91425" wrap="square" tIns="91425">
+          <a:bodyPr spcFirstLastPara="1" wrap="square" lIns="91425" tIns="91425" rIns="91425" bIns="91425" anchor="b" anchorCtr="0">
             <a:noAutofit/>
           </a:bodyPr>
           <a:lstStyle>
@@ -5836,15 +6027,19 @@
               <a:defRPr sz="4200"/>
             </a:lvl9pPr>
           </a:lstStyle>
-          <a:p/>
+          <a:p>
+            <a:endParaRPr/>
+          </a:p>
         </p:txBody>
       </p:sp>
       <p:sp>
         <p:nvSpPr>
           <p:cNvPr id="49" name="Google Shape;49;p9"/>
-          <p:cNvSpPr txBox="1"/>
+          <p:cNvSpPr txBox="1">
+            <a:spLocks noGrp="1"/>
+          </p:cNvSpPr>
           <p:nvPr>
-            <p:ph idx="1" type="subTitle"/>
+            <p:ph type="subTitle" idx="1"/>
           </p:nvPr>
         </p:nvSpPr>
         <p:spPr>
@@ -5857,7 +6052,7 @@
           </a:prstGeom>
         </p:spPr>
         <p:txBody>
-          <a:bodyPr anchorCtr="0" anchor="t" bIns="91425" lIns="91425" spcFirstLastPara="1" rIns="91425" wrap="square" tIns="91425">
+          <a:bodyPr spcFirstLastPara="1" wrap="square" lIns="91425" tIns="91425" rIns="91425" bIns="91425" anchor="t" anchorCtr="0">
             <a:noAutofit/>
           </a:bodyPr>
           <a:lstStyle>
@@ -5988,15 +6183,19 @@
               <a:defRPr sz="2100"/>
             </a:lvl9pPr>
           </a:lstStyle>
-          <a:p/>
+          <a:p>
+            <a:endParaRPr/>
+          </a:p>
         </p:txBody>
       </p:sp>
       <p:sp>
         <p:nvSpPr>
           <p:cNvPr id="50" name="Google Shape;50;p9"/>
-          <p:cNvSpPr txBox="1"/>
+          <p:cNvSpPr txBox="1">
+            <a:spLocks noGrp="1"/>
+          </p:cNvSpPr>
           <p:nvPr>
-            <p:ph idx="2" type="body"/>
+            <p:ph type="body" idx="2"/>
           </p:nvPr>
         </p:nvSpPr>
         <p:spPr>
@@ -6009,11 +6208,11 @@
           </a:prstGeom>
         </p:spPr>
         <p:txBody>
-          <a:bodyPr anchorCtr="0" anchor="ctr" bIns="91425" lIns="91425" spcFirstLastPara="1" rIns="91425" wrap="square" tIns="91425">
+          <a:bodyPr spcFirstLastPara="1" wrap="square" lIns="91425" tIns="91425" rIns="91425" bIns="91425" anchor="ctr" anchorCtr="0">
             <a:noAutofit/>
           </a:bodyPr>
           <a:lstStyle>
-            <a:lvl1pPr indent="-342900" lvl="0" marL="457200">
+            <a:lvl1pPr marL="457200" lvl="0" indent="-342900">
               <a:spcBef>
                 <a:spcPts val="0"/>
               </a:spcBef>
@@ -6031,7 +6230,7 @@
                 </a:solidFill>
               </a:defRPr>
             </a:lvl1pPr>
-            <a:lvl2pPr indent="-317500" lvl="1" marL="914400">
+            <a:lvl2pPr marL="914400" lvl="1" indent="-317500">
               <a:spcBef>
                 <a:spcPts val="1600"/>
               </a:spcBef>
@@ -6049,7 +6248,7 @@
                 </a:solidFill>
               </a:defRPr>
             </a:lvl2pPr>
-            <a:lvl3pPr indent="-317500" lvl="2" marL="1371600">
+            <a:lvl3pPr marL="1371600" lvl="2" indent="-317500">
               <a:spcBef>
                 <a:spcPts val="1600"/>
               </a:spcBef>
@@ -6067,7 +6266,7 @@
                 </a:solidFill>
               </a:defRPr>
             </a:lvl3pPr>
-            <a:lvl4pPr indent="-317500" lvl="3" marL="1828800">
+            <a:lvl4pPr marL="1828800" lvl="3" indent="-317500">
               <a:spcBef>
                 <a:spcPts val="1600"/>
               </a:spcBef>
@@ -6085,7 +6284,7 @@
                 </a:solidFill>
               </a:defRPr>
             </a:lvl4pPr>
-            <a:lvl5pPr indent="-317500" lvl="4" marL="2286000">
+            <a:lvl5pPr marL="2286000" lvl="4" indent="-317500">
               <a:spcBef>
                 <a:spcPts val="1600"/>
               </a:spcBef>
@@ -6103,7 +6302,7 @@
                 </a:solidFill>
               </a:defRPr>
             </a:lvl5pPr>
-            <a:lvl6pPr indent="-317500" lvl="5" marL="2743200">
+            <a:lvl6pPr marL="2743200" lvl="5" indent="-317500">
               <a:spcBef>
                 <a:spcPts val="1600"/>
               </a:spcBef>
@@ -6121,7 +6320,7 @@
                 </a:solidFill>
               </a:defRPr>
             </a:lvl6pPr>
-            <a:lvl7pPr indent="-317500" lvl="6" marL="3200400">
+            <a:lvl7pPr marL="3200400" lvl="6" indent="-317500">
               <a:spcBef>
                 <a:spcPts val="1600"/>
               </a:spcBef>
@@ -6139,7 +6338,7 @@
                 </a:solidFill>
               </a:defRPr>
             </a:lvl7pPr>
-            <a:lvl8pPr indent="-317500" lvl="7" marL="3657600">
+            <a:lvl8pPr marL="3657600" lvl="7" indent="-317500">
               <a:spcBef>
                 <a:spcPts val="1600"/>
               </a:spcBef>
@@ -6157,7 +6356,7 @@
                 </a:solidFill>
               </a:defRPr>
             </a:lvl8pPr>
-            <a:lvl9pPr indent="-317500" lvl="8" marL="4114800">
+            <a:lvl9pPr marL="4114800" lvl="8" indent="-317500">
               <a:spcBef>
                 <a:spcPts val="1600"/>
               </a:spcBef>
@@ -6176,15 +6375,19 @@
               </a:defRPr>
             </a:lvl9pPr>
           </a:lstStyle>
-          <a:p/>
+          <a:p>
+            <a:endParaRPr/>
+          </a:p>
         </p:txBody>
       </p:sp>
       <p:sp>
         <p:nvSpPr>
           <p:cNvPr id="51" name="Google Shape;51;p9"/>
-          <p:cNvSpPr txBox="1"/>
+          <p:cNvSpPr txBox="1">
+            <a:spLocks noGrp="1"/>
+          </p:cNvSpPr>
           <p:nvPr>
-            <p:ph idx="12" type="sldNum"/>
+            <p:ph type="sldNum" idx="12"/>
           </p:nvPr>
         </p:nvSpPr>
         <p:spPr>
@@ -6197,7 +6400,7 @@
           </a:prstGeom>
         </p:spPr>
         <p:txBody>
-          <a:bodyPr anchorCtr="0" anchor="ctr" bIns="91425" lIns="91425" spcFirstLastPara="1" rIns="91425" wrap="square" tIns="91425">
+          <a:bodyPr spcFirstLastPara="1" wrap="square" lIns="91425" tIns="91425" rIns="91425" bIns="91425" anchor="ctr" anchorCtr="0">
             <a:noAutofit/>
           </a:bodyPr>
           <a:lstStyle>
@@ -6275,7 +6478,7 @@
             </a:lvl9pPr>
           </a:lstStyle>
           <a:p>
-            <a:pPr indent="0" lvl="0" marL="0" rtl="0" algn="r">
+            <a:pPr marL="0" lvl="0" indent="0" algn="r" rtl="0">
               <a:spcBef>
                 <a:spcPts val="0"/>
               </a:spcBef>
@@ -6301,11 +6504,11 @@
 </file>
 
 <file path=ppt/slideLayouts/slideLayout9.xml><?xml version="1.0" encoding="utf-8"?>
-<p:sldLayout xmlns:a="http://schemas.openxmlformats.org/drawingml/2006/main" xmlns:r="http://schemas.openxmlformats.org/officeDocument/2006/relationships" xmlns:mc="http://schemas.openxmlformats.org/markup-compatibility/2006" xmlns:mv="urn:schemas-microsoft-com:mac:vml" xmlns:p="http://schemas.openxmlformats.org/presentationml/2006/main" xmlns:c="http://schemas.openxmlformats.org/drawingml/2006/chart" xmlns:dgm="http://schemas.openxmlformats.org/drawingml/2006/diagram" xmlns:o="urn:schemas-microsoft-com:office:office" xmlns:v="urn:schemas-microsoft-com:vml" xmlns:pvml="urn:schemas-microsoft-com:office:powerpoint" xmlns:com="http://schemas.openxmlformats.org/drawingml/2006/compatibility" xmlns:p14="http://schemas.microsoft.com/office/powerpoint/2010/main" xmlns:p15="http://schemas.microsoft.com/office/powerpoint/2012/main" xmlns:ahyp="http://schemas.microsoft.com/office/drawing/2018/hyperlinkcolor" matchingName="Caption">
+<p:sldLayout xmlns:a="http://schemas.openxmlformats.org/drawingml/2006/main" xmlns:r="http://schemas.openxmlformats.org/officeDocument/2006/relationships" xmlns:p="http://schemas.openxmlformats.org/presentationml/2006/main" matchingName="Caption">
   <p:cSld name="CAPTION_ONLY">
     <p:spTree>
       <p:nvGrpSpPr>
-        <p:cNvPr id="52" name="Shape 52"/>
+        <p:cNvPr id="1" name="Shape 52"/>
         <p:cNvGrpSpPr/>
         <p:nvPr/>
       </p:nvGrpSpPr>
@@ -6320,9 +6523,11 @@
       <p:sp>
         <p:nvSpPr>
           <p:cNvPr id="53" name="Google Shape;53;p10"/>
-          <p:cNvSpPr txBox="1"/>
+          <p:cNvSpPr txBox="1">
+            <a:spLocks noGrp="1"/>
+          </p:cNvSpPr>
           <p:nvPr>
-            <p:ph idx="1" type="body"/>
+            <p:ph type="body" idx="1"/>
           </p:nvPr>
         </p:nvSpPr>
         <p:spPr>
@@ -6335,11 +6540,11 @@
           </a:prstGeom>
         </p:spPr>
         <p:txBody>
-          <a:bodyPr anchorCtr="0" anchor="ctr" bIns="91425" lIns="91425" spcFirstLastPara="1" rIns="91425" wrap="square" tIns="91425">
+          <a:bodyPr spcFirstLastPara="1" wrap="square" lIns="91425" tIns="91425" rIns="91425" bIns="91425" anchor="ctr" anchorCtr="0">
             <a:noAutofit/>
           </a:bodyPr>
           <a:lstStyle>
-            <a:lvl1pPr indent="-228600" lvl="0" marL="457200">
+            <a:lvl1pPr marL="457200" lvl="0" indent="-228600">
               <a:lnSpc>
                 <a:spcPct val="100000"/>
               </a:lnSpc>
@@ -6360,15 +6565,19 @@
               </a:defRPr>
             </a:lvl1pPr>
           </a:lstStyle>
-          <a:p/>
+          <a:p>
+            <a:endParaRPr/>
+          </a:p>
         </p:txBody>
       </p:sp>
       <p:sp>
         <p:nvSpPr>
           <p:cNvPr id="54" name="Google Shape;54;p10"/>
-          <p:cNvSpPr txBox="1"/>
+          <p:cNvSpPr txBox="1">
+            <a:spLocks noGrp="1"/>
+          </p:cNvSpPr>
           <p:nvPr>
-            <p:ph idx="12" type="sldNum"/>
+            <p:ph type="sldNum" idx="12"/>
           </p:nvPr>
         </p:nvSpPr>
         <p:spPr>
@@ -6381,7 +6590,7 @@
           </a:prstGeom>
         </p:spPr>
         <p:txBody>
-          <a:bodyPr anchorCtr="0" anchor="ctr" bIns="91425" lIns="91425" spcFirstLastPara="1" rIns="91425" wrap="square" tIns="91425">
+          <a:bodyPr spcFirstLastPara="1" wrap="square" lIns="91425" tIns="91425" rIns="91425" bIns="91425" anchor="ctr" anchorCtr="0">
             <a:noAutofit/>
           </a:bodyPr>
           <a:lstStyle>
@@ -6423,7 +6632,7 @@
             </a:lvl9pPr>
           </a:lstStyle>
           <a:p>
-            <a:pPr indent="0" lvl="0" marL="0" rtl="0" algn="r">
+            <a:pPr marL="0" lvl="0" indent="0" algn="r" rtl="0">
               <a:spcBef>
                 <a:spcPts val="0"/>
               </a:spcBef>
@@ -6449,18 +6658,19 @@
 </file>
 
 <file path=ppt/slideMasters/slideMaster1.xml><?xml version="1.0" encoding="utf-8"?>
-<p:sldMaster xmlns:a="http://schemas.openxmlformats.org/drawingml/2006/main" xmlns:r="http://schemas.openxmlformats.org/officeDocument/2006/relationships" xmlns:mc="http://schemas.openxmlformats.org/markup-compatibility/2006" xmlns:mv="urn:schemas-microsoft-com:mac:vml" xmlns:p="http://schemas.openxmlformats.org/presentationml/2006/main" xmlns:c="http://schemas.openxmlformats.org/drawingml/2006/chart" xmlns:dgm="http://schemas.openxmlformats.org/drawingml/2006/diagram" xmlns:o="urn:schemas-microsoft-com:office:office" xmlns:v="urn:schemas-microsoft-com:vml" xmlns:pvml="urn:schemas-microsoft-com:office:powerpoint" xmlns:com="http://schemas.openxmlformats.org/drawingml/2006/compatibility" xmlns:p14="http://schemas.microsoft.com/office/powerpoint/2010/main" xmlns:p15="http://schemas.microsoft.com/office/powerpoint/2012/main" xmlns:ahyp="http://schemas.microsoft.com/office/drawing/2018/hyperlinkcolor">
+<p:sldMaster xmlns:a="http://schemas.openxmlformats.org/drawingml/2006/main" xmlns:r="http://schemas.openxmlformats.org/officeDocument/2006/relationships" xmlns:p="http://schemas.openxmlformats.org/presentationml/2006/main">
   <p:cSld name="tropic">
     <p:bg>
       <p:bgPr>
         <a:solidFill>
           <a:schemeClr val="lt1"/>
         </a:solidFill>
+        <a:effectLst/>
       </p:bgPr>
     </p:bg>
     <p:spTree>
       <p:nvGrpSpPr>
-        <p:cNvPr id="5" name="Shape 5"/>
+        <p:cNvPr id="1" name="Shape 5"/>
         <p:cNvGrpSpPr/>
         <p:nvPr/>
       </p:nvGrpSpPr>
@@ -6475,7 +6685,9 @@
       <p:sp>
         <p:nvSpPr>
           <p:cNvPr id="6" name="Google Shape;6;p1"/>
-          <p:cNvSpPr txBox="1"/>
+          <p:cNvSpPr txBox="1">
+            <a:spLocks noGrp="1"/>
+          </p:cNvSpPr>
           <p:nvPr>
             <p:ph type="title"/>
           </p:nvPr>
@@ -6494,7 +6706,7 @@
           </a:ln>
         </p:spPr>
         <p:txBody>
-          <a:bodyPr anchorCtr="0" anchor="t" bIns="91425" lIns="91425" spcFirstLastPara="1" rIns="91425" wrap="square" tIns="91425">
+          <a:bodyPr spcFirstLastPara="1" wrap="square" lIns="91425" tIns="91425" rIns="91425" bIns="91425" anchor="t" anchorCtr="0">
             <a:noAutofit/>
           </a:bodyPr>
           <a:lstStyle>
@@ -6511,7 +6723,7 @@
               <a:buSzPts val="3600"/>
               <a:buFont typeface="PT Sans Narrow"/>
               <a:buNone/>
-              <a:defRPr b="1" sz="3600">
+              <a:defRPr sz="3600" b="1">
                 <a:solidFill>
                   <a:schemeClr val="accent1"/>
                 </a:solidFill>
@@ -6534,7 +6746,7 @@
               <a:buSzPts val="3600"/>
               <a:buFont typeface="PT Sans Narrow"/>
               <a:buNone/>
-              <a:defRPr b="1" sz="3600">
+              <a:defRPr sz="3600" b="1">
                 <a:solidFill>
                   <a:schemeClr val="accent1"/>
                 </a:solidFill>
@@ -6557,7 +6769,7 @@
               <a:buSzPts val="3600"/>
               <a:buFont typeface="PT Sans Narrow"/>
               <a:buNone/>
-              <a:defRPr b="1" sz="3600">
+              <a:defRPr sz="3600" b="1">
                 <a:solidFill>
                   <a:schemeClr val="accent1"/>
                 </a:solidFill>
@@ -6580,7 +6792,7 @@
               <a:buSzPts val="3600"/>
               <a:buFont typeface="PT Sans Narrow"/>
               <a:buNone/>
-              <a:defRPr b="1" sz="3600">
+              <a:defRPr sz="3600" b="1">
                 <a:solidFill>
                   <a:schemeClr val="accent1"/>
                 </a:solidFill>
@@ -6603,7 +6815,7 @@
               <a:buSzPts val="3600"/>
               <a:buFont typeface="PT Sans Narrow"/>
               <a:buNone/>
-              <a:defRPr b="1" sz="3600">
+              <a:defRPr sz="3600" b="1">
                 <a:solidFill>
                   <a:schemeClr val="accent1"/>
                 </a:solidFill>
@@ -6626,7 +6838,7 @@
               <a:buSzPts val="3600"/>
               <a:buFont typeface="PT Sans Narrow"/>
               <a:buNone/>
-              <a:defRPr b="1" sz="3600">
+              <a:defRPr sz="3600" b="1">
                 <a:solidFill>
                   <a:schemeClr val="accent1"/>
                 </a:solidFill>
@@ -6649,7 +6861,7 @@
               <a:buSzPts val="3600"/>
               <a:buFont typeface="PT Sans Narrow"/>
               <a:buNone/>
-              <a:defRPr b="1" sz="3600">
+              <a:defRPr sz="3600" b="1">
                 <a:solidFill>
                   <a:schemeClr val="accent1"/>
                 </a:solidFill>
@@ -6672,7 +6884,7 @@
               <a:buSzPts val="3600"/>
               <a:buFont typeface="PT Sans Narrow"/>
               <a:buNone/>
-              <a:defRPr b="1" sz="3600">
+              <a:defRPr sz="3600" b="1">
                 <a:solidFill>
                   <a:schemeClr val="accent1"/>
                 </a:solidFill>
@@ -6695,7 +6907,7 @@
               <a:buSzPts val="3600"/>
               <a:buFont typeface="PT Sans Narrow"/>
               <a:buNone/>
-              <a:defRPr b="1" sz="3600">
+              <a:defRPr sz="3600" b="1">
                 <a:solidFill>
                   <a:schemeClr val="accent1"/>
                 </a:solidFill>
@@ -6706,15 +6918,19 @@
               </a:defRPr>
             </a:lvl9pPr>
           </a:lstStyle>
-          <a:p/>
+          <a:p>
+            <a:endParaRPr/>
+          </a:p>
         </p:txBody>
       </p:sp>
       <p:sp>
         <p:nvSpPr>
           <p:cNvPr id="7" name="Google Shape;7;p1"/>
-          <p:cNvSpPr txBox="1"/>
+          <p:cNvSpPr txBox="1">
+            <a:spLocks noGrp="1"/>
+          </p:cNvSpPr>
           <p:nvPr>
-            <p:ph idx="1" type="body"/>
+            <p:ph type="body" idx="1"/>
           </p:nvPr>
         </p:nvSpPr>
         <p:spPr>
@@ -6731,11 +6947,11 @@
           </a:ln>
         </p:spPr>
         <p:txBody>
-          <a:bodyPr anchorCtr="0" anchor="t" bIns="91425" lIns="91425" spcFirstLastPara="1" rIns="91425" wrap="square" tIns="91425">
+          <a:bodyPr spcFirstLastPara="1" wrap="square" lIns="91425" tIns="91425" rIns="91425" bIns="91425" anchor="t" anchorCtr="0">
             <a:noAutofit/>
           </a:bodyPr>
           <a:lstStyle>
-            <a:lvl1pPr indent="-342900" lvl="0" marL="457200">
+            <a:lvl1pPr marL="457200" lvl="0" indent="-342900">
               <a:lnSpc>
                 <a:spcPct val="115000"/>
               </a:lnSpc>
@@ -6761,7 +6977,7 @@
                 <a:sym typeface="Open Sans"/>
               </a:defRPr>
             </a:lvl1pPr>
-            <a:lvl2pPr indent="-317500" lvl="1" marL="914400">
+            <a:lvl2pPr marL="914400" lvl="1" indent="-317500">
               <a:lnSpc>
                 <a:spcPct val="115000"/>
               </a:lnSpc>
@@ -6787,7 +7003,7 @@
                 <a:sym typeface="Open Sans"/>
               </a:defRPr>
             </a:lvl2pPr>
-            <a:lvl3pPr indent="-317500" lvl="2" marL="1371600">
+            <a:lvl3pPr marL="1371600" lvl="2" indent="-317500">
               <a:lnSpc>
                 <a:spcPct val="115000"/>
               </a:lnSpc>
@@ -6813,7 +7029,7 @@
                 <a:sym typeface="Open Sans"/>
               </a:defRPr>
             </a:lvl3pPr>
-            <a:lvl4pPr indent="-317500" lvl="3" marL="1828800">
+            <a:lvl4pPr marL="1828800" lvl="3" indent="-317500">
               <a:lnSpc>
                 <a:spcPct val="115000"/>
               </a:lnSpc>
@@ -6839,7 +7055,7 @@
                 <a:sym typeface="Open Sans"/>
               </a:defRPr>
             </a:lvl4pPr>
-            <a:lvl5pPr indent="-317500" lvl="4" marL="2286000">
+            <a:lvl5pPr marL="2286000" lvl="4" indent="-317500">
               <a:lnSpc>
                 <a:spcPct val="115000"/>
               </a:lnSpc>
@@ -6865,7 +7081,7 @@
                 <a:sym typeface="Open Sans"/>
               </a:defRPr>
             </a:lvl5pPr>
-            <a:lvl6pPr indent="-317500" lvl="5" marL="2743200">
+            <a:lvl6pPr marL="2743200" lvl="5" indent="-317500">
               <a:lnSpc>
                 <a:spcPct val="115000"/>
               </a:lnSpc>
@@ -6891,7 +7107,7 @@
                 <a:sym typeface="Open Sans"/>
               </a:defRPr>
             </a:lvl6pPr>
-            <a:lvl7pPr indent="-317500" lvl="6" marL="3200400">
+            <a:lvl7pPr marL="3200400" lvl="6" indent="-317500">
               <a:lnSpc>
                 <a:spcPct val="115000"/>
               </a:lnSpc>
@@ -6917,7 +7133,7 @@
                 <a:sym typeface="Open Sans"/>
               </a:defRPr>
             </a:lvl7pPr>
-            <a:lvl8pPr indent="-317500" lvl="7" marL="3657600">
+            <a:lvl8pPr marL="3657600" lvl="7" indent="-317500">
               <a:lnSpc>
                 <a:spcPct val="115000"/>
               </a:lnSpc>
@@ -6943,7 +7159,7 @@
                 <a:sym typeface="Open Sans"/>
               </a:defRPr>
             </a:lvl8pPr>
-            <a:lvl9pPr indent="-317500" lvl="8" marL="4114800">
+            <a:lvl9pPr marL="4114800" lvl="8" indent="-317500">
               <a:lnSpc>
                 <a:spcPct val="115000"/>
               </a:lnSpc>
@@ -6970,15 +7186,19 @@
               </a:defRPr>
             </a:lvl9pPr>
           </a:lstStyle>
-          <a:p/>
+          <a:p>
+            <a:endParaRPr/>
+          </a:p>
         </p:txBody>
       </p:sp>
       <p:sp>
         <p:nvSpPr>
           <p:cNvPr id="8" name="Google Shape;8;p1"/>
-          <p:cNvSpPr txBox="1"/>
+          <p:cNvSpPr txBox="1">
+            <a:spLocks noGrp="1"/>
+          </p:cNvSpPr>
           <p:nvPr>
-            <p:ph idx="12" type="sldNum"/>
+            <p:ph type="sldNum" idx="12"/>
           </p:nvPr>
         </p:nvSpPr>
         <p:spPr>
@@ -6995,7 +7215,7 @@
           </a:ln>
         </p:spPr>
         <p:txBody>
-          <a:bodyPr anchorCtr="0" anchor="ctr" bIns="91425" lIns="91425" spcFirstLastPara="1" rIns="91425" wrap="square" tIns="91425">
+          <a:bodyPr spcFirstLastPara="1" wrap="square" lIns="91425" tIns="91425" rIns="91425" bIns="91425" anchor="ctr" anchorCtr="0">
             <a:noAutofit/>
           </a:bodyPr>
           <a:lstStyle>
@@ -7109,7 +7329,7 @@
             </a:lvl9pPr>
           </a:lstStyle>
           <a:p>
-            <a:pPr indent="0" lvl="0" marL="0" rtl="0" algn="r">
+            <a:pPr marL="0" lvl="0" indent="0" algn="r" rtl="0">
               <a:spcBef>
                 <a:spcPts val="0"/>
               </a:spcBef>
@@ -7128,7 +7348,7 @@
       </p:sp>
     </p:spTree>
   </p:cSld>
-  <p:clrMap accent1="accent1" accent2="accent2" accent3="accent3" accent4="accent4" accent5="accent5" accent6="accent6" bg1="lt1" bg2="dk2" tx1="dk1" tx2="lt2" folHlink="folHlink" hlink="hlink"/>
+  <p:clrMap bg1="lt1" tx1="dk1" bg2="dk2" tx2="lt2" accent1="accent1" accent2="accent2" accent3="accent3" accent4="accent4" accent5="accent5" accent6="accent6" hlink="hlink" folHlink="folHlink"/>
   <p:sldLayoutIdLst>
     <p:sldLayoutId id="2147483648" r:id="rId1"/>
     <p:sldLayoutId id="2147483649" r:id="rId2"/>
@@ -7142,22 +7362,22 @@
     <p:sldLayoutId id="2147483657" r:id="rId10"/>
     <p:sldLayoutId id="2147483658" r:id="rId11"/>
   </p:sldLayoutIdLst>
-  <mc:AlternateContent>
+  <mc:AlternateContent xmlns:mc="http://schemas.openxmlformats.org/markup-compatibility/2006" xmlns:p14="http://schemas.microsoft.com/office/powerpoint/2010/main">
     <mc:Choice Requires="p14">
       <p:transition spd="med" p14:dur="600">
         <p:fade thruBlk="1"/>
       </p:transition>
     </mc:Choice>
-    <mc:Fallback>
+    <mc:Fallback xmlns:ahyp="http://schemas.microsoft.com/office/drawing/2018/hyperlinkcolor" xmlns:p15="http://schemas.microsoft.com/office/powerpoint/2012/main" xmlns:com="http://schemas.openxmlformats.org/drawingml/2006/compatibility" xmlns:pvml="urn:schemas-microsoft-com:office:powerpoint" xmlns:v="urn:schemas-microsoft-com:vml" xmlns:o="urn:schemas-microsoft-com:office:office" xmlns:dgm="http://schemas.openxmlformats.org/drawingml/2006/diagram" xmlns:c="http://schemas.openxmlformats.org/drawingml/2006/chart" xmlns:mv="urn:schemas-microsoft-com:mac:vml" xmlns="">
       <p:transition spd="med">
         <p:fade/>
       </p:transition>
     </mc:Fallback>
   </mc:AlternateContent>
-  <p:hf dt="0" ftr="0" hdr="0" sldNum="0"/>
+  <p:hf sldNum="0" hdr="0" ftr="0" dt="0"/>
   <p:txStyles>
     <p:titleStyle>
-      <a:defPPr lvl="0" marR="0" rtl="0" algn="l">
+      <a:defPPr marR="0" lvl="0" algn="l" rtl="0">
         <a:lnSpc>
           <a:spcPct val="100000"/>
         </a:lnSpc>
@@ -7168,7 +7388,7 @@
           <a:spcPts val="0"/>
         </a:spcAft>
       </a:defPPr>
-      <a:lvl1pPr lvl="0" marR="0" rtl="0" algn="l">
+      <a:lvl1pPr marR="0" lvl="0" algn="l" rtl="0">
         <a:lnSpc>
           <a:spcPct val="100000"/>
         </a:lnSpc>
@@ -7182,7 +7402,7 @@
           <a:srgbClr val="000000"/>
         </a:buClr>
         <a:buFont typeface="Arial"/>
-        <a:defRPr b="0" i="0" sz="1400" u="none" cap="none" strike="noStrike">
+        <a:defRPr sz="1400" b="0" i="0" u="none" strike="noStrike" cap="none">
           <a:solidFill>
             <a:srgbClr val="000000"/>
           </a:solidFill>
@@ -7192,7 +7412,7 @@
           <a:sym typeface="Arial"/>
         </a:defRPr>
       </a:lvl1pPr>
-      <a:lvl2pPr lvl="1" marR="0" rtl="0" algn="l">
+      <a:lvl2pPr marR="0" lvl="1" algn="l" rtl="0">
         <a:lnSpc>
           <a:spcPct val="100000"/>
         </a:lnSpc>
@@ -7206,7 +7426,7 @@
           <a:srgbClr val="000000"/>
         </a:buClr>
         <a:buFont typeface="Arial"/>
-        <a:defRPr b="0" i="0" sz="1400" u="none" cap="none" strike="noStrike">
+        <a:defRPr sz="1400" b="0" i="0" u="none" strike="noStrike" cap="none">
           <a:solidFill>
             <a:srgbClr val="000000"/>
           </a:solidFill>
@@ -7216,7 +7436,7 @@
           <a:sym typeface="Arial"/>
         </a:defRPr>
       </a:lvl2pPr>
-      <a:lvl3pPr lvl="2" marR="0" rtl="0" algn="l">
+      <a:lvl3pPr marR="0" lvl="2" algn="l" rtl="0">
         <a:lnSpc>
           <a:spcPct val="100000"/>
         </a:lnSpc>
@@ -7230,7 +7450,7 @@
           <a:srgbClr val="000000"/>
         </a:buClr>
         <a:buFont typeface="Arial"/>
-        <a:defRPr b="0" i="0" sz="1400" u="none" cap="none" strike="noStrike">
+        <a:defRPr sz="1400" b="0" i="0" u="none" strike="noStrike" cap="none">
           <a:solidFill>
             <a:srgbClr val="000000"/>
           </a:solidFill>
@@ -7240,7 +7460,7 @@
           <a:sym typeface="Arial"/>
         </a:defRPr>
       </a:lvl3pPr>
-      <a:lvl4pPr lvl="3" marR="0" rtl="0" algn="l">
+      <a:lvl4pPr marR="0" lvl="3" algn="l" rtl="0">
         <a:lnSpc>
           <a:spcPct val="100000"/>
         </a:lnSpc>
@@ -7254,7 +7474,7 @@
           <a:srgbClr val="000000"/>
         </a:buClr>
         <a:buFont typeface="Arial"/>
-        <a:defRPr b="0" i="0" sz="1400" u="none" cap="none" strike="noStrike">
+        <a:defRPr sz="1400" b="0" i="0" u="none" strike="noStrike" cap="none">
           <a:solidFill>
             <a:srgbClr val="000000"/>
           </a:solidFill>
@@ -7264,7 +7484,7 @@
           <a:sym typeface="Arial"/>
         </a:defRPr>
       </a:lvl4pPr>
-      <a:lvl5pPr lvl="4" marR="0" rtl="0" algn="l">
+      <a:lvl5pPr marR="0" lvl="4" algn="l" rtl="0">
         <a:lnSpc>
           <a:spcPct val="100000"/>
         </a:lnSpc>
@@ -7278,7 +7498,7 @@
           <a:srgbClr val="000000"/>
         </a:buClr>
         <a:buFont typeface="Arial"/>
-        <a:defRPr b="0" i="0" sz="1400" u="none" cap="none" strike="noStrike">
+        <a:defRPr sz="1400" b="0" i="0" u="none" strike="noStrike" cap="none">
           <a:solidFill>
             <a:srgbClr val="000000"/>
           </a:solidFill>
@@ -7288,7 +7508,7 @@
           <a:sym typeface="Arial"/>
         </a:defRPr>
       </a:lvl5pPr>
-      <a:lvl6pPr lvl="5" marR="0" rtl="0" algn="l">
+      <a:lvl6pPr marR="0" lvl="5" algn="l" rtl="0">
         <a:lnSpc>
           <a:spcPct val="100000"/>
         </a:lnSpc>
@@ -7302,7 +7522,7 @@
           <a:srgbClr val="000000"/>
         </a:buClr>
         <a:buFont typeface="Arial"/>
-        <a:defRPr b="0" i="0" sz="1400" u="none" cap="none" strike="noStrike">
+        <a:defRPr sz="1400" b="0" i="0" u="none" strike="noStrike" cap="none">
           <a:solidFill>
             <a:srgbClr val="000000"/>
           </a:solidFill>
@@ -7312,7 +7532,7 @@
           <a:sym typeface="Arial"/>
         </a:defRPr>
       </a:lvl6pPr>
-      <a:lvl7pPr lvl="6" marR="0" rtl="0" algn="l">
+      <a:lvl7pPr marR="0" lvl="6" algn="l" rtl="0">
         <a:lnSpc>
           <a:spcPct val="100000"/>
         </a:lnSpc>
@@ -7326,7 +7546,7 @@
           <a:srgbClr val="000000"/>
         </a:buClr>
         <a:buFont typeface="Arial"/>
-        <a:defRPr b="0" i="0" sz="1400" u="none" cap="none" strike="noStrike">
+        <a:defRPr sz="1400" b="0" i="0" u="none" strike="noStrike" cap="none">
           <a:solidFill>
             <a:srgbClr val="000000"/>
           </a:solidFill>
@@ -7336,7 +7556,7 @@
           <a:sym typeface="Arial"/>
         </a:defRPr>
       </a:lvl7pPr>
-      <a:lvl8pPr lvl="7" marR="0" rtl="0" algn="l">
+      <a:lvl8pPr marR="0" lvl="7" algn="l" rtl="0">
         <a:lnSpc>
           <a:spcPct val="100000"/>
         </a:lnSpc>
@@ -7350,7 +7570,7 @@
           <a:srgbClr val="000000"/>
         </a:buClr>
         <a:buFont typeface="Arial"/>
-        <a:defRPr b="0" i="0" sz="1400" u="none" cap="none" strike="noStrike">
+        <a:defRPr sz="1400" b="0" i="0" u="none" strike="noStrike" cap="none">
           <a:solidFill>
             <a:srgbClr val="000000"/>
           </a:solidFill>
@@ -7360,7 +7580,7 @@
           <a:sym typeface="Arial"/>
         </a:defRPr>
       </a:lvl8pPr>
-      <a:lvl9pPr lvl="8" marR="0" rtl="0" algn="l">
+      <a:lvl9pPr marR="0" lvl="8" algn="l" rtl="0">
         <a:lnSpc>
           <a:spcPct val="100000"/>
         </a:lnSpc>
@@ -7374,7 +7594,7 @@
           <a:srgbClr val="000000"/>
         </a:buClr>
         <a:buFont typeface="Arial"/>
-        <a:defRPr b="0" i="0" sz="1400" u="none" cap="none" strike="noStrike">
+        <a:defRPr sz="1400" b="0" i="0" u="none" strike="noStrike" cap="none">
           <a:solidFill>
             <a:srgbClr val="000000"/>
           </a:solidFill>
@@ -7386,7 +7606,7 @@
       </a:lvl9pPr>
     </p:titleStyle>
     <p:bodyStyle>
-      <a:defPPr lvl="0" marR="0" rtl="0" algn="l">
+      <a:defPPr marR="0" lvl="0" algn="l" rtl="0">
         <a:lnSpc>
           <a:spcPct val="100000"/>
         </a:lnSpc>
@@ -7397,7 +7617,7 @@
           <a:spcPts val="0"/>
         </a:spcAft>
       </a:defPPr>
-      <a:lvl1pPr lvl="0" marR="0" rtl="0" algn="l">
+      <a:lvl1pPr marR="0" lvl="0" algn="l" rtl="0">
         <a:lnSpc>
           <a:spcPct val="100000"/>
         </a:lnSpc>
@@ -7411,7 +7631,7 @@
           <a:srgbClr val="000000"/>
         </a:buClr>
         <a:buFont typeface="Arial"/>
-        <a:defRPr b="0" i="0" sz="1400" u="none" cap="none" strike="noStrike">
+        <a:defRPr sz="1400" b="0" i="0" u="none" strike="noStrike" cap="none">
           <a:solidFill>
             <a:srgbClr val="000000"/>
           </a:solidFill>
@@ -7421,7 +7641,7 @@
           <a:sym typeface="Arial"/>
         </a:defRPr>
       </a:lvl1pPr>
-      <a:lvl2pPr lvl="1" marR="0" rtl="0" algn="l">
+      <a:lvl2pPr marR="0" lvl="1" algn="l" rtl="0">
         <a:lnSpc>
           <a:spcPct val="100000"/>
         </a:lnSpc>
@@ -7435,7 +7655,7 @@
           <a:srgbClr val="000000"/>
         </a:buClr>
         <a:buFont typeface="Arial"/>
-        <a:defRPr b="0" i="0" sz="1400" u="none" cap="none" strike="noStrike">
+        <a:defRPr sz="1400" b="0" i="0" u="none" strike="noStrike" cap="none">
           <a:solidFill>
             <a:srgbClr val="000000"/>
           </a:solidFill>
@@ -7445,7 +7665,7 @@
           <a:sym typeface="Arial"/>
         </a:defRPr>
       </a:lvl2pPr>
-      <a:lvl3pPr lvl="2" marR="0" rtl="0" algn="l">
+      <a:lvl3pPr marR="0" lvl="2" algn="l" rtl="0">
         <a:lnSpc>
           <a:spcPct val="100000"/>
         </a:lnSpc>
@@ -7459,7 +7679,7 @@
           <a:srgbClr val="000000"/>
         </a:buClr>
         <a:buFont typeface="Arial"/>
-        <a:defRPr b="0" i="0" sz="1400" u="none" cap="none" strike="noStrike">
+        <a:defRPr sz="1400" b="0" i="0" u="none" strike="noStrike" cap="none">
           <a:solidFill>
             <a:srgbClr val="000000"/>
           </a:solidFill>
@@ -7469,7 +7689,7 @@
           <a:sym typeface="Arial"/>
         </a:defRPr>
       </a:lvl3pPr>
-      <a:lvl4pPr lvl="3" marR="0" rtl="0" algn="l">
+      <a:lvl4pPr marR="0" lvl="3" algn="l" rtl="0">
         <a:lnSpc>
           <a:spcPct val="100000"/>
         </a:lnSpc>
@@ -7483,7 +7703,7 @@
           <a:srgbClr val="000000"/>
         </a:buClr>
         <a:buFont typeface="Arial"/>
-        <a:defRPr b="0" i="0" sz="1400" u="none" cap="none" strike="noStrike">
+        <a:defRPr sz="1400" b="0" i="0" u="none" strike="noStrike" cap="none">
           <a:solidFill>
             <a:srgbClr val="000000"/>
           </a:solidFill>
@@ -7493,7 +7713,7 @@
           <a:sym typeface="Arial"/>
         </a:defRPr>
       </a:lvl4pPr>
-      <a:lvl5pPr lvl="4" marR="0" rtl="0" algn="l">
+      <a:lvl5pPr marR="0" lvl="4" algn="l" rtl="0">
         <a:lnSpc>
           <a:spcPct val="100000"/>
         </a:lnSpc>
@@ -7507,7 +7727,7 @@
           <a:srgbClr val="000000"/>
         </a:buClr>
         <a:buFont typeface="Arial"/>
-        <a:defRPr b="0" i="0" sz="1400" u="none" cap="none" strike="noStrike">
+        <a:defRPr sz="1400" b="0" i="0" u="none" strike="noStrike" cap="none">
           <a:solidFill>
             <a:srgbClr val="000000"/>
           </a:solidFill>
@@ -7517,7 +7737,7 @@
           <a:sym typeface="Arial"/>
         </a:defRPr>
       </a:lvl5pPr>
-      <a:lvl6pPr lvl="5" marR="0" rtl="0" algn="l">
+      <a:lvl6pPr marR="0" lvl="5" algn="l" rtl="0">
         <a:lnSpc>
           <a:spcPct val="100000"/>
         </a:lnSpc>
@@ -7531,7 +7751,7 @@
           <a:srgbClr val="000000"/>
         </a:buClr>
         <a:buFont typeface="Arial"/>
-        <a:defRPr b="0" i="0" sz="1400" u="none" cap="none" strike="noStrike">
+        <a:defRPr sz="1400" b="0" i="0" u="none" strike="noStrike" cap="none">
           <a:solidFill>
             <a:srgbClr val="000000"/>
           </a:solidFill>
@@ -7541,7 +7761,7 @@
           <a:sym typeface="Arial"/>
         </a:defRPr>
       </a:lvl6pPr>
-      <a:lvl7pPr lvl="6" marR="0" rtl="0" algn="l">
+      <a:lvl7pPr marR="0" lvl="6" algn="l" rtl="0">
         <a:lnSpc>
           <a:spcPct val="100000"/>
         </a:lnSpc>
@@ -7555,7 +7775,7 @@
           <a:srgbClr val="000000"/>
         </a:buClr>
         <a:buFont typeface="Arial"/>
-        <a:defRPr b="0" i="0" sz="1400" u="none" cap="none" strike="noStrike">
+        <a:defRPr sz="1400" b="0" i="0" u="none" strike="noStrike" cap="none">
           <a:solidFill>
             <a:srgbClr val="000000"/>
           </a:solidFill>
@@ -7565,7 +7785,7 @@
           <a:sym typeface="Arial"/>
         </a:defRPr>
       </a:lvl7pPr>
-      <a:lvl8pPr lvl="7" marR="0" rtl="0" algn="l">
+      <a:lvl8pPr marR="0" lvl="7" algn="l" rtl="0">
         <a:lnSpc>
           <a:spcPct val="100000"/>
         </a:lnSpc>
@@ -7579,7 +7799,7 @@
           <a:srgbClr val="000000"/>
         </a:buClr>
         <a:buFont typeface="Arial"/>
-        <a:defRPr b="0" i="0" sz="1400" u="none" cap="none" strike="noStrike">
+        <a:defRPr sz="1400" b="0" i="0" u="none" strike="noStrike" cap="none">
           <a:solidFill>
             <a:srgbClr val="000000"/>
           </a:solidFill>
@@ -7589,7 +7809,7 @@
           <a:sym typeface="Arial"/>
         </a:defRPr>
       </a:lvl8pPr>
-      <a:lvl9pPr lvl="8" marR="0" rtl="0" algn="l">
+      <a:lvl9pPr marR="0" lvl="8" algn="l" rtl="0">
         <a:lnSpc>
           <a:spcPct val="100000"/>
         </a:lnSpc>
@@ -7603,7 +7823,7 @@
           <a:srgbClr val="000000"/>
         </a:buClr>
         <a:buFont typeface="Arial"/>
-        <a:defRPr b="0" i="0" sz="1400" u="none" cap="none" strike="noStrike">
+        <a:defRPr sz="1400" b="0" i="0" u="none" strike="noStrike" cap="none">
           <a:solidFill>
             <a:srgbClr val="000000"/>
           </a:solidFill>
@@ -7615,7 +7835,7 @@
       </a:lvl9pPr>
     </p:bodyStyle>
     <p:otherStyle>
-      <a:defPPr lvl="0" marR="0" rtl="0" algn="l">
+      <a:defPPr marR="0" lvl="0" algn="l" rtl="0">
         <a:lnSpc>
           <a:spcPct val="100000"/>
         </a:lnSpc>
@@ -7626,7 +7846,7 @@
           <a:spcPts val="0"/>
         </a:spcAft>
       </a:defPPr>
-      <a:lvl1pPr lvl="0" marR="0" rtl="0" algn="l">
+      <a:lvl1pPr marR="0" lvl="0" algn="l" rtl="0">
         <a:lnSpc>
           <a:spcPct val="100000"/>
         </a:lnSpc>
@@ -7640,7 +7860,7 @@
           <a:srgbClr val="000000"/>
         </a:buClr>
         <a:buFont typeface="Arial"/>
-        <a:defRPr b="0" i="0" sz="1400" u="none" cap="none" strike="noStrike">
+        <a:defRPr sz="1400" b="0" i="0" u="none" strike="noStrike" cap="none">
           <a:solidFill>
             <a:srgbClr val="000000"/>
           </a:solidFill>
@@ -7650,7 +7870,7 @@
           <a:sym typeface="Arial"/>
         </a:defRPr>
       </a:lvl1pPr>
-      <a:lvl2pPr lvl="1" marR="0" rtl="0" algn="l">
+      <a:lvl2pPr marR="0" lvl="1" algn="l" rtl="0">
         <a:lnSpc>
           <a:spcPct val="100000"/>
         </a:lnSpc>
@@ -7664,7 +7884,7 @@
           <a:srgbClr val="000000"/>
         </a:buClr>
         <a:buFont typeface="Arial"/>
-        <a:defRPr b="0" i="0" sz="1400" u="none" cap="none" strike="noStrike">
+        <a:defRPr sz="1400" b="0" i="0" u="none" strike="noStrike" cap="none">
           <a:solidFill>
             <a:srgbClr val="000000"/>
           </a:solidFill>
@@ -7674,7 +7894,7 @@
           <a:sym typeface="Arial"/>
         </a:defRPr>
       </a:lvl2pPr>
-      <a:lvl3pPr lvl="2" marR="0" rtl="0" algn="l">
+      <a:lvl3pPr marR="0" lvl="2" algn="l" rtl="0">
         <a:lnSpc>
           <a:spcPct val="100000"/>
         </a:lnSpc>
@@ -7688,7 +7908,7 @@
           <a:srgbClr val="000000"/>
         </a:buClr>
         <a:buFont typeface="Arial"/>
-        <a:defRPr b="0" i="0" sz="1400" u="none" cap="none" strike="noStrike">
+        <a:defRPr sz="1400" b="0" i="0" u="none" strike="noStrike" cap="none">
           <a:solidFill>
             <a:srgbClr val="000000"/>
           </a:solidFill>
@@ -7698,7 +7918,7 @@
           <a:sym typeface="Arial"/>
         </a:defRPr>
       </a:lvl3pPr>
-      <a:lvl4pPr lvl="3" marR="0" rtl="0" algn="l">
+      <a:lvl4pPr marR="0" lvl="3" algn="l" rtl="0">
         <a:lnSpc>
           <a:spcPct val="100000"/>
         </a:lnSpc>
@@ -7712,7 +7932,7 @@
           <a:srgbClr val="000000"/>
         </a:buClr>
         <a:buFont typeface="Arial"/>
-        <a:defRPr b="0" i="0" sz="1400" u="none" cap="none" strike="noStrike">
+        <a:defRPr sz="1400" b="0" i="0" u="none" strike="noStrike" cap="none">
           <a:solidFill>
             <a:srgbClr val="000000"/>
           </a:solidFill>
@@ -7722,7 +7942,7 @@
           <a:sym typeface="Arial"/>
         </a:defRPr>
       </a:lvl4pPr>
-      <a:lvl5pPr lvl="4" marR="0" rtl="0" algn="l">
+      <a:lvl5pPr marR="0" lvl="4" algn="l" rtl="0">
         <a:lnSpc>
           <a:spcPct val="100000"/>
         </a:lnSpc>
@@ -7736,7 +7956,7 @@
           <a:srgbClr val="000000"/>
         </a:buClr>
         <a:buFont typeface="Arial"/>
-        <a:defRPr b="0" i="0" sz="1400" u="none" cap="none" strike="noStrike">
+        <a:defRPr sz="1400" b="0" i="0" u="none" strike="noStrike" cap="none">
           <a:solidFill>
             <a:srgbClr val="000000"/>
           </a:solidFill>
@@ -7746,7 +7966,7 @@
           <a:sym typeface="Arial"/>
         </a:defRPr>
       </a:lvl5pPr>
-      <a:lvl6pPr lvl="5" marR="0" rtl="0" algn="l">
+      <a:lvl6pPr marR="0" lvl="5" algn="l" rtl="0">
         <a:lnSpc>
           <a:spcPct val="100000"/>
         </a:lnSpc>
@@ -7760,7 +7980,7 @@
           <a:srgbClr val="000000"/>
         </a:buClr>
         <a:buFont typeface="Arial"/>
-        <a:defRPr b="0" i="0" sz="1400" u="none" cap="none" strike="noStrike">
+        <a:defRPr sz="1400" b="0" i="0" u="none" strike="noStrike" cap="none">
           <a:solidFill>
             <a:srgbClr val="000000"/>
           </a:solidFill>
@@ -7770,7 +7990,7 @@
           <a:sym typeface="Arial"/>
         </a:defRPr>
       </a:lvl6pPr>
-      <a:lvl7pPr lvl="6" marR="0" rtl="0" algn="l">
+      <a:lvl7pPr marR="0" lvl="6" algn="l" rtl="0">
         <a:lnSpc>
           <a:spcPct val="100000"/>
         </a:lnSpc>
@@ -7784,7 +8004,7 @@
           <a:srgbClr val="000000"/>
         </a:buClr>
         <a:buFont typeface="Arial"/>
-        <a:defRPr b="0" i="0" sz="1400" u="none" cap="none" strike="noStrike">
+        <a:defRPr sz="1400" b="0" i="0" u="none" strike="noStrike" cap="none">
           <a:solidFill>
             <a:srgbClr val="000000"/>
           </a:solidFill>
@@ -7794,7 +8014,7 @@
           <a:sym typeface="Arial"/>
         </a:defRPr>
       </a:lvl7pPr>
-      <a:lvl8pPr lvl="7" marR="0" rtl="0" algn="l">
+      <a:lvl8pPr marR="0" lvl="7" algn="l" rtl="0">
         <a:lnSpc>
           <a:spcPct val="100000"/>
         </a:lnSpc>
@@ -7808,7 +8028,7 @@
           <a:srgbClr val="000000"/>
         </a:buClr>
         <a:buFont typeface="Arial"/>
-        <a:defRPr b="0" i="0" sz="1400" u="none" cap="none" strike="noStrike">
+        <a:defRPr sz="1400" b="0" i="0" u="none" strike="noStrike" cap="none">
           <a:solidFill>
             <a:srgbClr val="000000"/>
           </a:solidFill>
@@ -7818,7 +8038,7 @@
           <a:sym typeface="Arial"/>
         </a:defRPr>
       </a:lvl8pPr>
-      <a:lvl9pPr lvl="8" marR="0" rtl="0" algn="l">
+      <a:lvl9pPr marR="0" lvl="8" algn="l" rtl="0">
         <a:lnSpc>
           <a:spcPct val="100000"/>
         </a:lnSpc>
@@ -7832,7 +8052,7 @@
           <a:srgbClr val="000000"/>
         </a:buClr>
         <a:buFont typeface="Arial"/>
-        <a:defRPr b="0" i="0" sz="1400" u="none" cap="none" strike="noStrike">
+        <a:defRPr sz="1400" b="0" i="0" u="none" strike="noStrike" cap="none">
           <a:solidFill>
             <a:srgbClr val="000000"/>
           </a:solidFill>
@@ -7848,11 +8068,11 @@
 </file>
 
 <file path=ppt/slides/slide1.xml><?xml version="1.0" encoding="utf-8"?>
-<p:sld xmlns:a="http://schemas.openxmlformats.org/drawingml/2006/main" xmlns:r="http://schemas.openxmlformats.org/officeDocument/2006/relationships" xmlns:mc="http://schemas.openxmlformats.org/markup-compatibility/2006" xmlns:mv="urn:schemas-microsoft-com:mac:vml" xmlns:p="http://schemas.openxmlformats.org/presentationml/2006/main" xmlns:c="http://schemas.openxmlformats.org/drawingml/2006/chart" xmlns:dgm="http://schemas.openxmlformats.org/drawingml/2006/diagram" xmlns:o="urn:schemas-microsoft-com:office:office" xmlns:v="urn:schemas-microsoft-com:vml" xmlns:pvml="urn:schemas-microsoft-com:office:powerpoint" xmlns:com="http://schemas.openxmlformats.org/drawingml/2006/compatibility" xmlns:p14="http://schemas.microsoft.com/office/powerpoint/2010/main" xmlns:p15="http://schemas.microsoft.com/office/powerpoint/2012/main" xmlns:ahyp="http://schemas.microsoft.com/office/drawing/2018/hyperlinkcolor">
+<p:sld xmlns:a="http://schemas.openxmlformats.org/drawingml/2006/main" xmlns:r="http://schemas.openxmlformats.org/officeDocument/2006/relationships" xmlns:p="http://schemas.openxmlformats.org/presentationml/2006/main">
   <p:cSld>
     <p:spTree>
       <p:nvGrpSpPr>
-        <p:cNvPr id="65" name="Shape 65"/>
+        <p:cNvPr id="1" name="Shape 65"/>
         <p:cNvGrpSpPr/>
         <p:nvPr/>
       </p:nvGrpSpPr>
@@ -7867,7 +8087,9 @@
       <p:sp>
         <p:nvSpPr>
           <p:cNvPr id="66" name="Google Shape;66;p13"/>
-          <p:cNvSpPr txBox="1"/>
+          <p:cNvSpPr txBox="1">
+            <a:spLocks noGrp="1"/>
+          </p:cNvSpPr>
           <p:nvPr>
             <p:ph type="ctrTitle"/>
           </p:nvPr>
@@ -7882,12 +8104,12 @@
           </a:prstGeom>
         </p:spPr>
         <p:txBody>
-          <a:bodyPr anchorCtr="0" anchor="b" bIns="91425" lIns="91425" spcFirstLastPara="1" rIns="91425" wrap="square" tIns="91425">
+          <a:bodyPr spcFirstLastPara="1" wrap="square" lIns="91425" tIns="91425" rIns="91425" bIns="91425" anchor="b" anchorCtr="0">
             <a:noAutofit/>
           </a:bodyPr>
           <a:lstStyle/>
           <a:p>
-            <a:pPr indent="0" lvl="0" marL="0" rtl="0" algn="ctr">
+            <a:pPr marL="0" lvl="0" indent="0" algn="ctr" rtl="0">
               <a:spcBef>
                 <a:spcPts val="0"/>
               </a:spcBef>
@@ -7897,19 +8119,21 @@
               <a:buNone/>
             </a:pPr>
             <a:r>
-              <a:rPr lang="en"/>
+              <a:rPr lang="en" dirty="0"/>
               <a:t>Whack-A-Mole</a:t>
             </a:r>
-            <a:endParaRPr/>
+            <a:endParaRPr dirty="0"/>
           </a:p>
         </p:txBody>
       </p:sp>
       <p:sp>
         <p:nvSpPr>
           <p:cNvPr id="67" name="Google Shape;67;p13"/>
-          <p:cNvSpPr txBox="1"/>
+          <p:cNvSpPr txBox="1">
+            <a:spLocks noGrp="1"/>
+          </p:cNvSpPr>
           <p:nvPr>
-            <p:ph idx="1" type="subTitle"/>
+            <p:ph type="subTitle" idx="1"/>
           </p:nvPr>
         </p:nvSpPr>
         <p:spPr>
@@ -7922,12 +8146,12 @@
           </a:prstGeom>
         </p:spPr>
         <p:txBody>
-          <a:bodyPr anchorCtr="0" anchor="t" bIns="91425" lIns="91425" spcFirstLastPara="1" rIns="91425" wrap="square" tIns="91425">
+          <a:bodyPr spcFirstLastPara="1" wrap="square" lIns="91425" tIns="91425" rIns="91425" bIns="91425" anchor="t" anchorCtr="0">
             <a:noAutofit/>
           </a:bodyPr>
           <a:lstStyle/>
           <a:p>
-            <a:pPr indent="0" lvl="0" marL="0" rtl="0" algn="ctr">
+            <a:pPr marL="0" lvl="0" indent="0" algn="ctr" rtl="0">
               <a:spcBef>
                 <a:spcPts val="0"/>
               </a:spcBef>
@@ -7943,7 +8167,7 @@
             <a:endParaRPr/>
           </a:p>
           <a:p>
-            <a:pPr indent="0" lvl="0" marL="0" rtl="0" algn="ctr">
+            <a:pPr marL="0" lvl="0" indent="0" algn="ctr" rtl="0">
               <a:spcBef>
                 <a:spcPts val="0"/>
               </a:spcBef>
@@ -7959,7 +8183,7 @@
             <a:endParaRPr/>
           </a:p>
           <a:p>
-            <a:pPr indent="0" lvl="0" marL="0" rtl="0" algn="ctr">
+            <a:pPr marL="0" lvl="0" indent="0" algn="ctr" rtl="0">
               <a:spcBef>
                 <a:spcPts val="0"/>
               </a:spcBef>
@@ -7975,7 +8199,7 @@
             <a:endParaRPr/>
           </a:p>
           <a:p>
-            <a:pPr indent="0" lvl="0" marL="0" rtl="0" algn="ctr">
+            <a:pPr marL="0" lvl="0" indent="0" algn="ctr" rtl="0">
               <a:spcBef>
                 <a:spcPts val="0"/>
               </a:spcBef>
@@ -7991,7 +8215,7 @@
             <a:endParaRPr/>
           </a:p>
           <a:p>
-            <a:pPr indent="0" lvl="0" marL="0" rtl="0" algn="ctr">
+            <a:pPr marL="0" lvl="0" indent="0" algn="ctr" rtl="0">
               <a:spcBef>
                 <a:spcPts val="0"/>
               </a:spcBef>
@@ -8000,9 +8224,6 @@
               </a:spcAft>
               <a:buNone/>
             </a:pPr>
-            <a:r>
-              <a:t/>
-            </a:r>
             <a:endParaRPr/>
           </a:p>
         </p:txBody>
@@ -8066,14 +8287,16 @@
       <p:sp>
         <p:nvSpPr>
           <p:cNvPr id="70" name="Google Shape;70;p13"/>
-          <p:cNvSpPr txBox="1"/>
+          <p:cNvSpPr txBox="1">
+            <a:spLocks noGrp="1"/>
+          </p:cNvSpPr>
           <p:nvPr>
             <p:ph type="ctrTitle"/>
           </p:nvPr>
         </p:nvSpPr>
         <p:spPr>
           <a:xfrm>
-            <a:off x="2426700" y="3971800"/>
+            <a:off x="2433101" y="4193676"/>
             <a:ext cx="4290600" cy="787500"/>
           </a:xfrm>
           <a:prstGeom prst="rect">
@@ -8081,25 +8304,30 @@
           </a:prstGeom>
         </p:spPr>
         <p:txBody>
-          <a:bodyPr anchorCtr="0" anchor="b" bIns="91425" lIns="91425" spcFirstLastPara="1" rIns="91425" wrap="square" tIns="91425">
+          <a:bodyPr spcFirstLastPara="1" wrap="square" lIns="91425" tIns="91425" rIns="91425" bIns="91425" anchor="b" anchorCtr="0">
             <a:noAutofit/>
           </a:bodyPr>
           <a:lstStyle/>
           <a:p>
-            <a:pPr indent="0" lvl="0" marL="0" rtl="0" algn="ctr">
-              <a:spcBef>
-                <a:spcPts val="0"/>
-              </a:spcBef>
-              <a:spcAft>
-                <a:spcPts val="0"/>
-              </a:spcAft>
-              <a:buNone/>
-            </a:pPr>
+            <a:pPr lvl="0"/>
             <a:r>
-              <a:rPr lang="en" sz="3300"/>
+              <a:rPr lang="en" sz="3300" dirty="0"/>
               <a:t>Team #16: Elon Mux</a:t>
             </a:r>
-            <a:endParaRPr sz="2900"/>
+            <a:br>
+              <a:rPr lang="en" sz="3300" dirty="0"/>
+            </a:br>
+            <a:r>
+              <a:rPr lang="en-US" sz="1600" dirty="0"/>
+              <a:t>Final Demo Link: </a:t>
+            </a:r>
+            <a:r>
+              <a:rPr lang="en-US" sz="1600" dirty="0">
+                <a:hlinkClick r:id="rId4"/>
+              </a:rPr>
+              <a:t>https://youtu.be/pJavIuCu2RQ</a:t>
+            </a:r>
+            <a:endParaRPr sz="2900" dirty="0"/>
           </a:p>
         </p:txBody>
       </p:sp>
@@ -8112,11 +8340,11 @@
 </file>
 
 <file path=ppt/slides/slide10.xml><?xml version="1.0" encoding="utf-8"?>
-<p:sld xmlns:a="http://schemas.openxmlformats.org/drawingml/2006/main" xmlns:r="http://schemas.openxmlformats.org/officeDocument/2006/relationships" xmlns:mc="http://schemas.openxmlformats.org/markup-compatibility/2006" xmlns:mv="urn:schemas-microsoft-com:mac:vml" xmlns:p="http://schemas.openxmlformats.org/presentationml/2006/main" xmlns:c="http://schemas.openxmlformats.org/drawingml/2006/chart" xmlns:dgm="http://schemas.openxmlformats.org/drawingml/2006/diagram" xmlns:o="urn:schemas-microsoft-com:office:office" xmlns:v="urn:schemas-microsoft-com:vml" xmlns:pvml="urn:schemas-microsoft-com:office:powerpoint" xmlns:com="http://schemas.openxmlformats.org/drawingml/2006/compatibility" xmlns:p14="http://schemas.microsoft.com/office/powerpoint/2010/main" xmlns:p15="http://schemas.microsoft.com/office/powerpoint/2012/main" xmlns:ahyp="http://schemas.microsoft.com/office/drawing/2018/hyperlinkcolor">
+<p:sld xmlns:a="http://schemas.openxmlformats.org/drawingml/2006/main" xmlns:r="http://schemas.openxmlformats.org/officeDocument/2006/relationships" xmlns:p="http://schemas.openxmlformats.org/presentationml/2006/main">
   <p:cSld>
     <p:spTree>
       <p:nvGrpSpPr>
-        <p:cNvPr id="154" name="Shape 154"/>
+        <p:cNvPr id="1" name="Shape 154"/>
         <p:cNvGrpSpPr/>
         <p:nvPr/>
       </p:nvGrpSpPr>
@@ -8131,7 +8359,9 @@
       <p:sp>
         <p:nvSpPr>
           <p:cNvPr id="155" name="Google Shape;155;p22"/>
-          <p:cNvSpPr txBox="1"/>
+          <p:cNvSpPr txBox="1">
+            <a:spLocks noGrp="1"/>
+          </p:cNvSpPr>
           <p:nvPr>
             <p:ph type="title"/>
           </p:nvPr>
@@ -8146,12 +8376,12 @@
           </a:prstGeom>
         </p:spPr>
         <p:txBody>
-          <a:bodyPr anchorCtr="0" anchor="t" bIns="91425" lIns="91425" spcFirstLastPara="1" rIns="91425" wrap="square" tIns="91425">
+          <a:bodyPr spcFirstLastPara="1" wrap="square" lIns="91425" tIns="91425" rIns="91425" bIns="91425" anchor="t" anchorCtr="0">
             <a:noAutofit/>
           </a:bodyPr>
           <a:lstStyle/>
           <a:p>
-            <a:pPr indent="0" lvl="0" marL="0" rtl="0" algn="l">
+            <a:pPr marL="0" lvl="0" indent="0" algn="l" rtl="0">
               <a:spcBef>
                 <a:spcPts val="0"/>
               </a:spcBef>
@@ -8290,7 +8520,7 @@
           <a:blip r:embed="rId6">
             <a:alphaModFix/>
           </a:blip>
-          <a:srcRect b="1238" l="2467" r="0" t="1228"/>
+          <a:srcRect l="2467" t="1228" b="1238"/>
           <a:stretch/>
         </p:blipFill>
         <p:spPr>
@@ -8327,12 +8557,12 @@
           </a:ln>
         </p:spPr>
         <p:txBody>
-          <a:bodyPr anchorCtr="0" anchor="t" bIns="91425" lIns="91425" spcFirstLastPara="1" rIns="91425" wrap="square" tIns="91425">
+          <a:bodyPr spcFirstLastPara="1" wrap="square" lIns="91425" tIns="91425" rIns="91425" bIns="91425" anchor="t" anchorCtr="0">
             <a:noAutofit/>
           </a:bodyPr>
           <a:lstStyle/>
           <a:p>
-            <a:pPr indent="0" lvl="0" marL="0" rtl="0" algn="l">
+            <a:pPr marL="0" lvl="0" indent="0" algn="l" rtl="0">
               <a:spcBef>
                 <a:spcPts val="0"/>
               </a:spcBef>
@@ -8369,12 +8599,12 @@
           </a:ln>
         </p:spPr>
         <p:txBody>
-          <a:bodyPr anchorCtr="0" anchor="t" bIns="91425" lIns="91425" spcFirstLastPara="1" rIns="91425" wrap="square" tIns="91425">
+          <a:bodyPr spcFirstLastPara="1" wrap="square" lIns="91425" tIns="91425" rIns="91425" bIns="91425" anchor="t" anchorCtr="0">
             <a:noAutofit/>
           </a:bodyPr>
           <a:lstStyle/>
           <a:p>
-            <a:pPr indent="0" lvl="0" marL="0" rtl="0" algn="l">
+            <a:pPr marL="0" lvl="0" indent="0" algn="l" rtl="0">
               <a:spcBef>
                 <a:spcPts val="0"/>
               </a:spcBef>
@@ -8411,12 +8641,12 @@
           </a:ln>
         </p:spPr>
         <p:txBody>
-          <a:bodyPr anchorCtr="0" anchor="t" bIns="91425" lIns="91425" spcFirstLastPara="1" rIns="91425" wrap="square" tIns="91425">
+          <a:bodyPr spcFirstLastPara="1" wrap="square" lIns="91425" tIns="91425" rIns="91425" bIns="91425" anchor="t" anchorCtr="0">
             <a:noAutofit/>
           </a:bodyPr>
           <a:lstStyle/>
           <a:p>
-            <a:pPr indent="0" lvl="0" marL="0" rtl="0" algn="l">
+            <a:pPr marL="0" lvl="0" indent="0" algn="l" rtl="0">
               <a:spcBef>
                 <a:spcPts val="0"/>
               </a:spcBef>
@@ -8441,32 +8671,32 @@
   <p:timing>
     <p:tnLst>
       <p:par>
-        <p:cTn dur="indefinite" nodeType="tmRoot" restart="never">
+        <p:cTn id="1" dur="indefinite" restart="never" nodeType="tmRoot">
           <p:childTnLst>
             <p:seq concurrent="1" nextAc="seek">
-              <p:cTn dur="indefinite" id="2" nodeType="mainSeq">
+              <p:cTn id="2" dur="indefinite" nodeType="mainSeq">
                 <p:childTnLst>
                   <p:par>
-                    <p:cTn fill="hold">
+                    <p:cTn id="3" fill="hold">
                       <p:stCondLst>
                         <p:cond delay="indefinite"/>
                       </p:stCondLst>
                       <p:childTnLst>
                         <p:par>
-                          <p:cTn fill="hold">
+                          <p:cTn id="4" fill="hold">
                             <p:stCondLst>
                               <p:cond delay="0"/>
                             </p:stCondLst>
                             <p:childTnLst>
                               <p:par>
-                                <p:cTn fill="hold" nodeType="clickEffect" presetClass="entr" presetID="10" presetSubtype="0">
+                                <p:cTn id="5" presetID="10" presetClass="entr" presetSubtype="0" fill="hold" nodeType="clickEffect">
                                   <p:stCondLst>
                                     <p:cond delay="0"/>
                                   </p:stCondLst>
                                   <p:childTnLst>
                                     <p:set>
                                       <p:cBhvr>
-                                        <p:cTn dur="1" fill="hold">
+                                        <p:cTn id="6" dur="1" fill="hold">
                                           <p:stCondLst>
                                             <p:cond delay="0"/>
                                           </p:stCondLst>
@@ -8482,9 +8712,9 @@
                                         <p:strVal val="visible"/>
                                       </p:to>
                                     </p:set>
-                                    <p:animEffect filter="fade" transition="in">
+                                    <p:animEffect transition="in" filter="fade">
                                       <p:cBhvr>
-                                        <p:cTn dur="1000"/>
+                                        <p:cTn id="7" dur="1000"/>
                                         <p:tgtEl>
                                           <p:spTgt spid="157"/>
                                         </p:tgtEl>
@@ -8494,14 +8724,14 @@
                                 </p:cTn>
                               </p:par>
                               <p:par>
-                                <p:cTn fill="hold" nodeType="withEffect" presetClass="entr" presetID="10" presetSubtype="0">
+                                <p:cTn id="8" presetID="10" presetClass="entr" presetSubtype="0" fill="hold" nodeType="withEffect">
                                   <p:stCondLst>
                                     <p:cond delay="0"/>
                                   </p:stCondLst>
                                   <p:childTnLst>
                                     <p:set>
                                       <p:cBhvr>
-                                        <p:cTn dur="1" fill="hold">
+                                        <p:cTn id="9" dur="1" fill="hold">
                                           <p:stCondLst>
                                             <p:cond delay="0"/>
                                           </p:stCondLst>
@@ -8517,9 +8747,9 @@
                                         <p:strVal val="visible"/>
                                       </p:to>
                                     </p:set>
-                                    <p:animEffect filter="fade" transition="in">
+                                    <p:animEffect transition="in" filter="fade">
                                       <p:cBhvr>
-                                        <p:cTn dur="1000"/>
+                                        <p:cTn id="10" dur="1000"/>
                                         <p:tgtEl>
                                           <p:spTgt spid="158"/>
                                         </p:tgtEl>
@@ -8529,14 +8759,14 @@
                                 </p:cTn>
                               </p:par>
                               <p:par>
-                                <p:cTn fill="hold" nodeType="withEffect" presetClass="entr" presetID="10" presetSubtype="0">
+                                <p:cTn id="11" presetID="10" presetClass="entr" presetSubtype="0" fill="hold" nodeType="withEffect">
                                   <p:stCondLst>
                                     <p:cond delay="0"/>
                                   </p:stCondLst>
                                   <p:childTnLst>
                                     <p:set>
                                       <p:cBhvr>
-                                        <p:cTn dur="1" fill="hold">
+                                        <p:cTn id="12" dur="1" fill="hold">
                                           <p:stCondLst>
                                             <p:cond delay="0"/>
                                           </p:stCondLst>
@@ -8552,9 +8782,9 @@
                                         <p:strVal val="visible"/>
                                       </p:to>
                                     </p:set>
-                                    <p:animEffect filter="fade" transition="in">
+                                    <p:animEffect transition="in" filter="fade">
                                       <p:cBhvr>
-                                        <p:cTn dur="1000"/>
+                                        <p:cTn id="13" dur="1000"/>
                                         <p:tgtEl>
                                           <p:spTgt spid="162"/>
                                         </p:tgtEl>
@@ -8570,26 +8800,26 @@
                     </p:cTn>
                   </p:par>
                   <p:par>
-                    <p:cTn fill="hold">
+                    <p:cTn id="14" fill="hold">
                       <p:stCondLst>
                         <p:cond delay="indefinite"/>
                       </p:stCondLst>
                       <p:childTnLst>
                         <p:par>
-                          <p:cTn fill="hold">
+                          <p:cTn id="15" fill="hold">
                             <p:stCondLst>
                               <p:cond delay="0"/>
                             </p:stCondLst>
                             <p:childTnLst>
                               <p:par>
-                                <p:cTn fill="hold" nodeType="clickEffect" presetClass="entr" presetID="10" presetSubtype="0">
+                                <p:cTn id="16" presetID="10" presetClass="entr" presetSubtype="0" fill="hold" nodeType="clickEffect">
                                   <p:stCondLst>
                                     <p:cond delay="0"/>
                                   </p:stCondLst>
                                   <p:childTnLst>
                                     <p:set>
                                       <p:cBhvr>
-                                        <p:cTn dur="1" fill="hold">
+                                        <p:cTn id="17" dur="1" fill="hold">
                                           <p:stCondLst>
                                             <p:cond delay="0"/>
                                           </p:stCondLst>
@@ -8605,9 +8835,9 @@
                                         <p:strVal val="visible"/>
                                       </p:to>
                                     </p:set>
-                                    <p:animEffect filter="fade" transition="in">
+                                    <p:animEffect transition="in" filter="fade">
                                       <p:cBhvr>
-                                        <p:cTn dur="1000"/>
+                                        <p:cTn id="18" dur="1000"/>
                                         <p:tgtEl>
                                           <p:spTgt spid="159"/>
                                         </p:tgtEl>
@@ -8617,14 +8847,14 @@
                                 </p:cTn>
                               </p:par>
                               <p:par>
-                                <p:cTn fill="hold" nodeType="withEffect" presetClass="entr" presetID="10" presetSubtype="0">
+                                <p:cTn id="19" presetID="10" presetClass="entr" presetSubtype="0" fill="hold" nodeType="withEffect">
                                   <p:stCondLst>
                                     <p:cond delay="0"/>
                                   </p:stCondLst>
                                   <p:childTnLst>
                                     <p:set>
                                       <p:cBhvr>
-                                        <p:cTn dur="1" fill="hold">
+                                        <p:cTn id="20" dur="1" fill="hold">
                                           <p:stCondLst>
                                             <p:cond delay="0"/>
                                           </p:stCondLst>
@@ -8640,9 +8870,9 @@
                                         <p:strVal val="visible"/>
                                       </p:to>
                                     </p:set>
-                                    <p:animEffect filter="fade" transition="in">
+                                    <p:animEffect transition="in" filter="fade">
                                       <p:cBhvr>
-                                        <p:cTn dur="1000"/>
+                                        <p:cTn id="21" dur="1000"/>
                                         <p:tgtEl>
                                           <p:spTgt spid="160"/>
                                         </p:tgtEl>
@@ -8652,14 +8882,14 @@
                                 </p:cTn>
                               </p:par>
                               <p:par>
-                                <p:cTn fill="hold" nodeType="withEffect" presetClass="entr" presetID="10" presetSubtype="0">
+                                <p:cTn id="22" presetID="10" presetClass="entr" presetSubtype="0" fill="hold" nodeType="withEffect">
                                   <p:stCondLst>
                                     <p:cond delay="0"/>
                                   </p:stCondLst>
                                   <p:childTnLst>
                                     <p:set>
                                       <p:cBhvr>
-                                        <p:cTn dur="1" fill="hold">
+                                        <p:cTn id="23" dur="1" fill="hold">
                                           <p:stCondLst>
                                             <p:cond delay="0"/>
                                           </p:stCondLst>
@@ -8675,9 +8905,9 @@
                                         <p:strVal val="visible"/>
                                       </p:to>
                                     </p:set>
-                                    <p:animEffect filter="fade" transition="in">
+                                    <p:animEffect transition="in" filter="fade">
                                       <p:cBhvr>
-                                        <p:cTn dur="1000"/>
+                                        <p:cTn id="24" dur="1000"/>
                                         <p:tgtEl>
                                           <p:spTgt spid="163"/>
                                         </p:tgtEl>
@@ -8695,14 +8925,14 @@
                 </p:childTnLst>
               </p:cTn>
               <p:prevCondLst>
-                <p:cond evt="onPrev">
+                <p:cond evt="onPrev" delay="0">
                   <p:tgtEl>
                     <p:sldTgt/>
                   </p:tgtEl>
                 </p:cond>
               </p:prevCondLst>
               <p:nextCondLst>
-                <p:cond evt="onNext">
+                <p:cond evt="onNext" delay="0">
                   <p:tgtEl>
                     <p:sldTgt/>
                   </p:tgtEl>
@@ -8718,11 +8948,11 @@
 </file>
 
 <file path=ppt/slides/slide11.xml><?xml version="1.0" encoding="utf-8"?>
-<p:sld xmlns:a="http://schemas.openxmlformats.org/drawingml/2006/main" xmlns:r="http://schemas.openxmlformats.org/officeDocument/2006/relationships" xmlns:mc="http://schemas.openxmlformats.org/markup-compatibility/2006" xmlns:mv="urn:schemas-microsoft-com:mac:vml" xmlns:p="http://schemas.openxmlformats.org/presentationml/2006/main" xmlns:c="http://schemas.openxmlformats.org/drawingml/2006/chart" xmlns:dgm="http://schemas.openxmlformats.org/drawingml/2006/diagram" xmlns:o="urn:schemas-microsoft-com:office:office" xmlns:v="urn:schemas-microsoft-com:vml" xmlns:pvml="urn:schemas-microsoft-com:office:powerpoint" xmlns:com="http://schemas.openxmlformats.org/drawingml/2006/compatibility" xmlns:p14="http://schemas.microsoft.com/office/powerpoint/2010/main" xmlns:p15="http://schemas.microsoft.com/office/powerpoint/2012/main" xmlns:ahyp="http://schemas.microsoft.com/office/drawing/2018/hyperlinkcolor">
+<p:sld xmlns:a="http://schemas.openxmlformats.org/drawingml/2006/main" xmlns:r="http://schemas.openxmlformats.org/officeDocument/2006/relationships" xmlns:p="http://schemas.openxmlformats.org/presentationml/2006/main">
   <p:cSld>
     <p:spTree>
       <p:nvGrpSpPr>
-        <p:cNvPr id="167" name="Shape 167"/>
+        <p:cNvPr id="1" name="Shape 167"/>
         <p:cNvGrpSpPr/>
         <p:nvPr/>
       </p:nvGrpSpPr>
@@ -8737,7 +8967,9 @@
       <p:sp>
         <p:nvSpPr>
           <p:cNvPr id="168" name="Google Shape;168;p23"/>
-          <p:cNvSpPr txBox="1"/>
+          <p:cNvSpPr txBox="1">
+            <a:spLocks noGrp="1"/>
+          </p:cNvSpPr>
           <p:nvPr>
             <p:ph type="title"/>
           </p:nvPr>
@@ -8752,12 +8984,12 @@
           </a:prstGeom>
         </p:spPr>
         <p:txBody>
-          <a:bodyPr anchorCtr="0" anchor="t" bIns="91425" lIns="91425" spcFirstLastPara="1" rIns="91425" wrap="square" tIns="91425">
+          <a:bodyPr spcFirstLastPara="1" wrap="square" lIns="91425" tIns="91425" rIns="91425" bIns="91425" anchor="t" anchorCtr="0">
             <a:noAutofit/>
           </a:bodyPr>
           <a:lstStyle/>
           <a:p>
-            <a:pPr indent="0" lvl="0" marL="0" rtl="0" algn="ctr">
+            <a:pPr marL="0" lvl="0" indent="0" algn="ctr" rtl="0">
               <a:spcBef>
                 <a:spcPts val="0"/>
               </a:spcBef>
@@ -8768,15 +9000,7 @@
             </a:pPr>
             <a:r>
               <a:rPr lang="en"/>
-              <a:t>Code </a:t>
-            </a:r>
-            <a:r>
-              <a:rPr lang="en"/>
-              <a:t>Snippet</a:t>
-            </a:r>
-            <a:r>
-              <a:rPr lang="en"/>
-              <a:t> #1 - Linear Feedback Shift Register</a:t>
+              <a:t>Code Snippet #1 - Linear Feedback Shift Register</a:t>
             </a:r>
             <a:endParaRPr/>
           </a:p>
@@ -8805,14 +9029,14 @@
             <a:avLst/>
           </a:prstGeom>
           <a:noFill/>
-          <a:ln cap="flat" cmpd="sng" w="9525">
+          <a:ln w="9525" cap="flat" cmpd="sng">
             <a:solidFill>
               <a:schemeClr val="dk2"/>
             </a:solidFill>
             <a:prstDash val="solid"/>
             <a:round/>
-            <a:headEnd len="sm" w="sm" type="none"/>
-            <a:tailEnd len="sm" w="sm" type="none"/>
+            <a:headEnd type="none" w="sm" len="sm"/>
+            <a:tailEnd type="none" w="sm" len="sm"/>
           </a:ln>
         </p:spPr>
       </p:pic>
@@ -8836,12 +9060,12 @@
           </a:ln>
         </p:spPr>
         <p:txBody>
-          <a:bodyPr anchorCtr="0" anchor="t" bIns="91425" lIns="91425" spcFirstLastPara="1" rIns="91425" wrap="square" tIns="91425">
+          <a:bodyPr spcFirstLastPara="1" wrap="square" lIns="91425" tIns="91425" rIns="91425" bIns="91425" anchor="t" anchorCtr="0">
             <a:noAutofit/>
           </a:bodyPr>
           <a:lstStyle/>
           <a:p>
-            <a:pPr indent="-317500" lvl="0" marL="457200" rtl="0" algn="l">
+            <a:pPr marL="457200" lvl="0" indent="-317500" algn="l" rtl="0">
               <a:spcBef>
                 <a:spcPts val="0"/>
               </a:spcBef>
@@ -8858,7 +9082,7 @@
             <a:endParaRPr/>
           </a:p>
           <a:p>
-            <a:pPr indent="0" lvl="0" marL="0" rtl="0" algn="l">
+            <a:pPr marL="0" lvl="0" indent="0" algn="l" rtl="0">
               <a:spcBef>
                 <a:spcPts val="0"/>
               </a:spcBef>
@@ -8867,13 +9091,10 @@
               </a:spcAft>
               <a:buNone/>
             </a:pPr>
-            <a:r>
-              <a:t/>
-            </a:r>
             <a:endParaRPr/>
           </a:p>
           <a:p>
-            <a:pPr indent="-317500" lvl="0" marL="457200" rtl="0" algn="l">
+            <a:pPr marL="457200" lvl="0" indent="-317500" algn="l" rtl="0">
               <a:spcBef>
                 <a:spcPts val="0"/>
               </a:spcBef>
@@ -8890,7 +9111,7 @@
             <a:endParaRPr/>
           </a:p>
           <a:p>
-            <a:pPr indent="0" lvl="0" marL="457200" rtl="0" algn="l">
+            <a:pPr marL="457200" lvl="0" indent="0" algn="l" rtl="0">
               <a:spcBef>
                 <a:spcPts val="0"/>
               </a:spcBef>
@@ -8906,7 +9127,7 @@
             <a:endParaRPr/>
           </a:p>
           <a:p>
-            <a:pPr indent="-317500" lvl="0" marL="457200" rtl="0" algn="l">
+            <a:pPr marL="457200" lvl="0" indent="-317500" algn="l" rtl="0">
               <a:spcBef>
                 <a:spcPts val="0"/>
               </a:spcBef>
@@ -8923,7 +9144,7 @@
             <a:endParaRPr/>
           </a:p>
           <a:p>
-            <a:pPr indent="0" lvl="0" marL="0" rtl="0" algn="l">
+            <a:pPr marL="0" lvl="0" indent="0" algn="l" rtl="0">
               <a:spcBef>
                 <a:spcPts val="0"/>
               </a:spcBef>
@@ -8932,13 +9153,10 @@
               </a:spcAft>
               <a:buNone/>
             </a:pPr>
-            <a:r>
-              <a:t/>
-            </a:r>
             <a:endParaRPr/>
           </a:p>
           <a:p>
-            <a:pPr indent="-317500" lvl="0" marL="457200" rtl="0" algn="l">
+            <a:pPr marL="457200" lvl="0" indent="-317500" algn="l" rtl="0">
               <a:spcBef>
                 <a:spcPts val="0"/>
               </a:spcBef>
@@ -8965,11 +9183,11 @@
 </file>
 
 <file path=ppt/slides/slide12.xml><?xml version="1.0" encoding="utf-8"?>
-<p:sld xmlns:a="http://schemas.openxmlformats.org/drawingml/2006/main" xmlns:r="http://schemas.openxmlformats.org/officeDocument/2006/relationships" xmlns:mc="http://schemas.openxmlformats.org/markup-compatibility/2006" xmlns:mv="urn:schemas-microsoft-com:mac:vml" xmlns:p="http://schemas.openxmlformats.org/presentationml/2006/main" xmlns:c="http://schemas.openxmlformats.org/drawingml/2006/chart" xmlns:dgm="http://schemas.openxmlformats.org/drawingml/2006/diagram" xmlns:o="urn:schemas-microsoft-com:office:office" xmlns:v="urn:schemas-microsoft-com:vml" xmlns:pvml="urn:schemas-microsoft-com:office:powerpoint" xmlns:com="http://schemas.openxmlformats.org/drawingml/2006/compatibility" xmlns:p14="http://schemas.microsoft.com/office/powerpoint/2010/main" xmlns:p15="http://schemas.microsoft.com/office/powerpoint/2012/main" xmlns:ahyp="http://schemas.microsoft.com/office/drawing/2018/hyperlinkcolor">
+<p:sld xmlns:a="http://schemas.openxmlformats.org/drawingml/2006/main" xmlns:r="http://schemas.openxmlformats.org/officeDocument/2006/relationships" xmlns:p="http://schemas.openxmlformats.org/presentationml/2006/main">
   <p:cSld>
     <p:spTree>
       <p:nvGrpSpPr>
-        <p:cNvPr id="174" name="Shape 174"/>
+        <p:cNvPr id="1" name="Shape 174"/>
         <p:cNvGrpSpPr/>
         <p:nvPr/>
       </p:nvGrpSpPr>
@@ -8984,7 +9202,9 @@
       <p:sp>
         <p:nvSpPr>
           <p:cNvPr id="175" name="Google Shape;175;p24"/>
-          <p:cNvSpPr txBox="1"/>
+          <p:cNvSpPr txBox="1">
+            <a:spLocks noGrp="1"/>
+          </p:cNvSpPr>
           <p:nvPr>
             <p:ph type="title"/>
           </p:nvPr>
@@ -8999,12 +9219,12 @@
           </a:prstGeom>
         </p:spPr>
         <p:txBody>
-          <a:bodyPr anchorCtr="0" anchor="t" bIns="91425" lIns="91425" spcFirstLastPara="1" rIns="91425" wrap="square" tIns="91425">
+          <a:bodyPr spcFirstLastPara="1" wrap="square" lIns="91425" tIns="91425" rIns="91425" bIns="91425" anchor="t" anchorCtr="0">
             <a:noAutofit/>
           </a:bodyPr>
           <a:lstStyle/>
           <a:p>
-            <a:pPr indent="0" lvl="0" marL="0" rtl="0" algn="ctr">
+            <a:pPr marL="0" lvl="0" indent="0" algn="ctr" rtl="0">
               <a:spcBef>
                 <a:spcPts val="0"/>
               </a:spcBef>
@@ -9025,7 +9245,7 @@
             <a:endParaRPr/>
           </a:p>
           <a:p>
-            <a:pPr indent="0" lvl="0" marL="0" rtl="0" algn="l">
+            <a:pPr marL="0" lvl="0" indent="0" algn="l" rtl="0">
               <a:spcBef>
                 <a:spcPts val="0"/>
               </a:spcBef>
@@ -9034,9 +9254,6 @@
               </a:spcAft>
               <a:buNone/>
             </a:pPr>
-            <a:r>
-              <a:t/>
-            </a:r>
             <a:endParaRPr/>
           </a:p>
         </p:txBody>
@@ -9082,30 +9299,30 @@
           </a:xfrm>
           <a:prstGeom prst="rightArrow">
             <a:avLst>
-              <a:gd fmla="val 50000" name="adj1"/>
-              <a:gd fmla="val 50000" name="adj2"/>
+              <a:gd name="adj1" fmla="val 50000"/>
+              <a:gd name="adj2" fmla="val 50000"/>
             </a:avLst>
           </a:prstGeom>
           <a:solidFill>
             <a:schemeClr val="lt2"/>
           </a:solidFill>
-          <a:ln cap="flat" cmpd="sng" w="9525">
+          <a:ln w="9525" cap="flat" cmpd="sng">
             <a:solidFill>
               <a:schemeClr val="dk2"/>
             </a:solidFill>
             <a:prstDash val="solid"/>
             <a:round/>
-            <a:headEnd len="sm" w="sm" type="none"/>
-            <a:tailEnd len="sm" w="sm" type="none"/>
+            <a:headEnd type="none" w="sm" len="sm"/>
+            <a:tailEnd type="none" w="sm" len="sm"/>
           </a:ln>
         </p:spPr>
         <p:txBody>
-          <a:bodyPr anchorCtr="0" anchor="ctr" bIns="91425" lIns="91425" spcFirstLastPara="1" rIns="91425" wrap="square" tIns="91425">
+          <a:bodyPr spcFirstLastPara="1" wrap="square" lIns="91425" tIns="91425" rIns="91425" bIns="91425" anchor="ctr" anchorCtr="0">
             <a:noAutofit/>
           </a:bodyPr>
           <a:lstStyle/>
           <a:p>
-            <a:pPr indent="0" lvl="0" marL="0" rtl="0" algn="l">
+            <a:pPr marL="0" lvl="0" indent="0" algn="l" rtl="0">
               <a:spcBef>
                 <a:spcPts val="0"/>
               </a:spcBef>
@@ -9114,9 +9331,6 @@
               </a:spcAft>
               <a:buNone/>
             </a:pPr>
-            <a:r>
-              <a:t/>
-            </a:r>
             <a:endParaRPr/>
           </a:p>
         </p:txBody>
@@ -9185,32 +9399,32 @@
   <p:timing>
     <p:tnLst>
       <p:par>
-        <p:cTn dur="indefinite" nodeType="tmRoot" restart="never">
+        <p:cTn id="1" dur="indefinite" restart="never" nodeType="tmRoot">
           <p:childTnLst>
             <p:seq concurrent="1" nextAc="seek">
-              <p:cTn dur="indefinite" id="2" nodeType="mainSeq">
+              <p:cTn id="2" dur="indefinite" nodeType="mainSeq">
                 <p:childTnLst>
                   <p:par>
-                    <p:cTn fill="hold">
+                    <p:cTn id="3" fill="hold">
                       <p:stCondLst>
                         <p:cond delay="indefinite"/>
                       </p:stCondLst>
                       <p:childTnLst>
                         <p:par>
-                          <p:cTn fill="hold">
+                          <p:cTn id="4" fill="hold">
                             <p:stCondLst>
                               <p:cond delay="0"/>
                             </p:stCondLst>
                             <p:childTnLst>
                               <p:par>
-                                <p:cTn fill="hold" nodeType="clickEffect" presetClass="entr" presetID="10" presetSubtype="0">
+                                <p:cTn id="5" presetID="10" presetClass="entr" presetSubtype="0" fill="hold" nodeType="clickEffect">
                                   <p:stCondLst>
                                     <p:cond delay="0"/>
                                   </p:stCondLst>
                                   <p:childTnLst>
                                     <p:set>
                                       <p:cBhvr>
-                                        <p:cTn dur="1" fill="hold">
+                                        <p:cTn id="6" dur="1" fill="hold">
                                           <p:stCondLst>
                                             <p:cond delay="0"/>
                                           </p:stCondLst>
@@ -9226,9 +9440,9 @@
                                         <p:strVal val="visible"/>
                                       </p:to>
                                     </p:set>
-                                    <p:animEffect filter="fade" transition="in">
+                                    <p:animEffect transition="in" filter="fade">
                                       <p:cBhvr>
-                                        <p:cTn dur="1000"/>
+                                        <p:cTn id="7" dur="1000"/>
                                         <p:tgtEl>
                                           <p:spTgt spid="179"/>
                                         </p:tgtEl>
@@ -9246,14 +9460,14 @@
                 </p:childTnLst>
               </p:cTn>
               <p:prevCondLst>
-                <p:cond evt="onPrev">
+                <p:cond evt="onPrev" delay="0">
                   <p:tgtEl>
                     <p:sldTgt/>
                   </p:tgtEl>
                 </p:cond>
               </p:prevCondLst>
               <p:nextCondLst>
-                <p:cond evt="onNext">
+                <p:cond evt="onNext" delay="0">
                   <p:tgtEl>
                     <p:sldTgt/>
                   </p:tgtEl>
@@ -9269,11 +9483,11 @@
 </file>
 
 <file path=ppt/slides/slide13.xml><?xml version="1.0" encoding="utf-8"?>
-<p:sld xmlns:a="http://schemas.openxmlformats.org/drawingml/2006/main" xmlns:r="http://schemas.openxmlformats.org/officeDocument/2006/relationships" xmlns:mc="http://schemas.openxmlformats.org/markup-compatibility/2006" xmlns:mv="urn:schemas-microsoft-com:mac:vml" xmlns:p="http://schemas.openxmlformats.org/presentationml/2006/main" xmlns:c="http://schemas.openxmlformats.org/drawingml/2006/chart" xmlns:dgm="http://schemas.openxmlformats.org/drawingml/2006/diagram" xmlns:o="urn:schemas-microsoft-com:office:office" xmlns:v="urn:schemas-microsoft-com:vml" xmlns:pvml="urn:schemas-microsoft-com:office:powerpoint" xmlns:com="http://schemas.openxmlformats.org/drawingml/2006/compatibility" xmlns:p14="http://schemas.microsoft.com/office/powerpoint/2010/main" xmlns:p15="http://schemas.microsoft.com/office/powerpoint/2012/main" xmlns:ahyp="http://schemas.microsoft.com/office/drawing/2018/hyperlinkcolor">
+<p:sld xmlns:a="http://schemas.openxmlformats.org/drawingml/2006/main" xmlns:r="http://schemas.openxmlformats.org/officeDocument/2006/relationships" xmlns:p="http://schemas.openxmlformats.org/presentationml/2006/main">
   <p:cSld>
     <p:spTree>
       <p:nvGrpSpPr>
-        <p:cNvPr id="183" name="Shape 183"/>
+        <p:cNvPr id="1" name="Shape 183"/>
         <p:cNvGrpSpPr/>
         <p:nvPr/>
       </p:nvGrpSpPr>
@@ -9288,7 +9502,9 @@
       <p:sp>
         <p:nvSpPr>
           <p:cNvPr id="184" name="Google Shape;184;p25"/>
-          <p:cNvSpPr txBox="1"/>
+          <p:cNvSpPr txBox="1">
+            <a:spLocks noGrp="1"/>
+          </p:cNvSpPr>
           <p:nvPr>
             <p:ph type="title"/>
           </p:nvPr>
@@ -9303,12 +9519,12 @@
           </a:prstGeom>
         </p:spPr>
         <p:txBody>
-          <a:bodyPr anchorCtr="0" anchor="t" bIns="91425" lIns="91425" spcFirstLastPara="1" rIns="91425" wrap="square" tIns="91425">
+          <a:bodyPr spcFirstLastPara="1" wrap="square" lIns="91425" tIns="91425" rIns="91425" bIns="91425" anchor="t" anchorCtr="0">
             <a:noAutofit/>
           </a:bodyPr>
           <a:lstStyle/>
           <a:p>
-            <a:pPr indent="0" lvl="0" marL="0" rtl="0" algn="l">
+            <a:pPr marL="0" lvl="0" indent="0" algn="l" rtl="0">
               <a:spcBef>
                 <a:spcPts val="0"/>
               </a:spcBef>
@@ -9375,12 +9591,12 @@
           </a:ln>
         </p:spPr>
         <p:txBody>
-          <a:bodyPr anchorCtr="0" anchor="t" bIns="91425" lIns="91425" spcFirstLastPara="1" rIns="91425" wrap="square" tIns="91425">
+          <a:bodyPr spcFirstLastPara="1" wrap="square" lIns="91425" tIns="91425" rIns="91425" bIns="91425" anchor="t" anchorCtr="0">
             <a:noAutofit/>
           </a:bodyPr>
           <a:lstStyle/>
           <a:p>
-            <a:pPr indent="0" lvl="0" marL="0" rtl="0" algn="l">
+            <a:pPr marL="0" lvl="0" indent="0" algn="l" rtl="0">
               <a:spcBef>
                 <a:spcPts val="0"/>
               </a:spcBef>
@@ -9432,32 +9648,32 @@
   <p:timing>
     <p:tnLst>
       <p:par>
-        <p:cTn dur="indefinite" nodeType="tmRoot" restart="never">
+        <p:cTn id="1" dur="indefinite" restart="never" nodeType="tmRoot">
           <p:childTnLst>
             <p:seq concurrent="1" nextAc="seek">
-              <p:cTn dur="indefinite" id="2" nodeType="mainSeq">
+              <p:cTn id="2" dur="indefinite" nodeType="mainSeq">
                 <p:childTnLst>
                   <p:par>
-                    <p:cTn fill="hold">
+                    <p:cTn id="3" fill="hold">
                       <p:stCondLst>
                         <p:cond delay="indefinite"/>
                       </p:stCondLst>
                       <p:childTnLst>
                         <p:par>
-                          <p:cTn fill="hold">
+                          <p:cTn id="4" fill="hold">
                             <p:stCondLst>
                               <p:cond delay="0"/>
                             </p:stCondLst>
                             <p:childTnLst>
                               <p:par>
-                                <p:cTn fill="hold" nodeType="clickEffect" presetClass="entr" presetID="10" presetSubtype="0">
+                                <p:cTn id="5" presetID="10" presetClass="entr" presetSubtype="0" fill="hold" nodeType="clickEffect">
                                   <p:stCondLst>
                                     <p:cond delay="0"/>
                                   </p:stCondLst>
                                   <p:childTnLst>
                                     <p:set>
                                       <p:cBhvr>
-                                        <p:cTn dur="1" fill="hold">
+                                        <p:cTn id="6" dur="1" fill="hold">
                                           <p:stCondLst>
                                             <p:cond delay="0"/>
                                           </p:stCondLst>
@@ -9473,9 +9689,9 @@
                                         <p:strVal val="visible"/>
                                       </p:to>
                                     </p:set>
-                                    <p:animEffect filter="fade" transition="in">
+                                    <p:animEffect transition="in" filter="fade">
                                       <p:cBhvr>
-                                        <p:cTn dur="1000"/>
+                                        <p:cTn id="7" dur="1000"/>
                                         <p:tgtEl>
                                           <p:spTgt spid="185"/>
                                         </p:tgtEl>
@@ -9493,14 +9709,14 @@
                 </p:childTnLst>
               </p:cTn>
               <p:prevCondLst>
-                <p:cond evt="onPrev">
+                <p:cond evt="onPrev" delay="0">
                   <p:tgtEl>
                     <p:sldTgt/>
                   </p:tgtEl>
                 </p:cond>
               </p:prevCondLst>
               <p:nextCondLst>
-                <p:cond evt="onNext">
+                <p:cond evt="onNext" delay="0">
                   <p:tgtEl>
                     <p:sldTgt/>
                   </p:tgtEl>
@@ -9516,11 +9732,11 @@
 </file>
 
 <file path=ppt/slides/slide14.xml><?xml version="1.0" encoding="utf-8"?>
-<p:sld xmlns:a="http://schemas.openxmlformats.org/drawingml/2006/main" xmlns:r="http://schemas.openxmlformats.org/officeDocument/2006/relationships" xmlns:mc="http://schemas.openxmlformats.org/markup-compatibility/2006" xmlns:mv="urn:schemas-microsoft-com:mac:vml" xmlns:p="http://schemas.openxmlformats.org/presentationml/2006/main" xmlns:c="http://schemas.openxmlformats.org/drawingml/2006/chart" xmlns:dgm="http://schemas.openxmlformats.org/drawingml/2006/diagram" xmlns:o="urn:schemas-microsoft-com:office:office" xmlns:v="urn:schemas-microsoft-com:vml" xmlns:pvml="urn:schemas-microsoft-com:office:powerpoint" xmlns:com="http://schemas.openxmlformats.org/drawingml/2006/compatibility" xmlns:p14="http://schemas.microsoft.com/office/powerpoint/2010/main" xmlns:p15="http://schemas.microsoft.com/office/powerpoint/2012/main" xmlns:ahyp="http://schemas.microsoft.com/office/drawing/2018/hyperlinkcolor">
+<p:sld xmlns:a="http://schemas.openxmlformats.org/drawingml/2006/main" xmlns:r="http://schemas.openxmlformats.org/officeDocument/2006/relationships" xmlns:p="http://schemas.openxmlformats.org/presentationml/2006/main">
   <p:cSld>
     <p:spTree>
       <p:nvGrpSpPr>
-        <p:cNvPr id="190" name="Shape 190"/>
+        <p:cNvPr id="1" name="Shape 190"/>
         <p:cNvGrpSpPr/>
         <p:nvPr/>
       </p:nvGrpSpPr>
@@ -9535,7 +9751,9 @@
       <p:sp>
         <p:nvSpPr>
           <p:cNvPr id="191" name="Google Shape;191;p26"/>
-          <p:cNvSpPr txBox="1"/>
+          <p:cNvSpPr txBox="1">
+            <a:spLocks noGrp="1"/>
+          </p:cNvSpPr>
           <p:nvPr>
             <p:ph type="title"/>
           </p:nvPr>
@@ -9550,12 +9768,12 @@
           </a:prstGeom>
         </p:spPr>
         <p:txBody>
-          <a:bodyPr anchorCtr="0" anchor="t" bIns="91425" lIns="91425" spcFirstLastPara="1" rIns="91425" wrap="square" tIns="91425">
+          <a:bodyPr spcFirstLastPara="1" wrap="square" lIns="91425" tIns="91425" rIns="91425" bIns="91425" anchor="t" anchorCtr="0">
             <a:noAutofit/>
           </a:bodyPr>
           <a:lstStyle/>
           <a:p>
-            <a:pPr indent="0" lvl="0" marL="0" rtl="0" algn="l">
+            <a:pPr marL="0" lvl="0" indent="0" algn="l" rtl="0">
               <a:spcBef>
                 <a:spcPts val="0"/>
               </a:spcBef>
@@ -9575,9 +9793,11 @@
       <p:sp>
         <p:nvSpPr>
           <p:cNvPr id="192" name="Google Shape;192;p26"/>
-          <p:cNvSpPr txBox="1"/>
+          <p:cNvSpPr txBox="1">
+            <a:spLocks noGrp="1"/>
+          </p:cNvSpPr>
           <p:nvPr>
-            <p:ph idx="1" type="body"/>
+            <p:ph type="body" idx="1"/>
           </p:nvPr>
         </p:nvSpPr>
         <p:spPr>
@@ -9590,12 +9810,12 @@
           </a:prstGeom>
         </p:spPr>
         <p:txBody>
-          <a:bodyPr anchorCtr="0" anchor="t" bIns="91425" lIns="91425" spcFirstLastPara="1" rIns="91425" wrap="square" tIns="91425">
+          <a:bodyPr spcFirstLastPara="1" wrap="square" lIns="91425" tIns="91425" rIns="91425" bIns="91425" anchor="t" anchorCtr="0">
             <a:noAutofit/>
           </a:bodyPr>
           <a:lstStyle/>
           <a:p>
-            <a:pPr indent="-342900" lvl="0" marL="457200" rtl="0" algn="l">
+            <a:pPr marL="457200" lvl="0" indent="-342900" algn="l" rtl="0">
               <a:spcBef>
                 <a:spcPts val="0"/>
               </a:spcBef>
@@ -9607,20 +9827,12 @@
             </a:pPr>
             <a:r>
               <a:rPr lang="en"/>
-              <a:t>As of </a:t>
-            </a:r>
-            <a:r>
-              <a:rPr lang="en"/>
-              <a:t>12/02/2020:</a:t>
-            </a:r>
-            <a:r>
-              <a:rPr lang="en"/>
-              <a:t> </a:t>
+              <a:t>As of 12/02/2020: </a:t>
             </a:r>
             <a:endParaRPr/>
           </a:p>
           <a:p>
-            <a:pPr indent="-342900" lvl="0" marL="457200" rtl="0" algn="l">
+            <a:pPr marL="457200" lvl="0" indent="-342900" algn="l" rtl="0">
               <a:spcBef>
                 <a:spcPts val="0"/>
               </a:spcBef>
@@ -9637,7 +9849,7 @@
             <a:endParaRPr/>
           </a:p>
           <a:p>
-            <a:pPr indent="-342900" lvl="0" marL="457200" rtl="0" algn="l">
+            <a:pPr marL="457200" lvl="0" indent="-342900" algn="l" rtl="0">
               <a:spcBef>
                 <a:spcPts val="0"/>
               </a:spcBef>
@@ -9654,7 +9866,7 @@
             <a:endParaRPr/>
           </a:p>
           <a:p>
-            <a:pPr indent="-342900" lvl="0" marL="457200" rtl="0" algn="l">
+            <a:pPr marL="457200" lvl="0" indent="-342900" algn="l" rtl="0">
               <a:spcBef>
                 <a:spcPts val="0"/>
               </a:spcBef>
@@ -9671,7 +9883,7 @@
             <a:endParaRPr/>
           </a:p>
           <a:p>
-            <a:pPr indent="-342900" lvl="0" marL="457200" rtl="0" algn="l">
+            <a:pPr marL="457200" lvl="0" indent="-342900" algn="l" rtl="0">
               <a:spcBef>
                 <a:spcPts val="0"/>
               </a:spcBef>
@@ -9688,7 +9900,7 @@
             <a:endParaRPr/>
           </a:p>
           <a:p>
-            <a:pPr indent="-342900" lvl="0" marL="457200" rtl="0" algn="l">
+            <a:pPr marL="457200" lvl="0" indent="-342900" algn="l" rtl="0">
               <a:spcBef>
                 <a:spcPts val="0"/>
               </a:spcBef>
@@ -9715,11 +9927,11 @@
 </file>
 
 <file path=ppt/slides/slide15.xml><?xml version="1.0" encoding="utf-8"?>
-<p:sld xmlns:a="http://schemas.openxmlformats.org/drawingml/2006/main" xmlns:r="http://schemas.openxmlformats.org/officeDocument/2006/relationships" xmlns:mc="http://schemas.openxmlformats.org/markup-compatibility/2006" xmlns:mv="urn:schemas-microsoft-com:mac:vml" xmlns:p="http://schemas.openxmlformats.org/presentationml/2006/main" xmlns:c="http://schemas.openxmlformats.org/drawingml/2006/chart" xmlns:dgm="http://schemas.openxmlformats.org/drawingml/2006/diagram" xmlns:o="urn:schemas-microsoft-com:office:office" xmlns:v="urn:schemas-microsoft-com:vml" xmlns:pvml="urn:schemas-microsoft-com:office:powerpoint" xmlns:com="http://schemas.openxmlformats.org/drawingml/2006/compatibility" xmlns:p14="http://schemas.microsoft.com/office/powerpoint/2010/main" xmlns:p15="http://schemas.microsoft.com/office/powerpoint/2012/main" xmlns:ahyp="http://schemas.microsoft.com/office/drawing/2018/hyperlinkcolor">
+<p:sld xmlns:a="http://schemas.openxmlformats.org/drawingml/2006/main" xmlns:r="http://schemas.openxmlformats.org/officeDocument/2006/relationships" xmlns:p="http://schemas.openxmlformats.org/presentationml/2006/main">
   <p:cSld>
     <p:spTree>
       <p:nvGrpSpPr>
-        <p:cNvPr id="196" name="Shape 196"/>
+        <p:cNvPr id="1" name="Shape 196"/>
         <p:cNvGrpSpPr/>
         <p:nvPr/>
       </p:nvGrpSpPr>
@@ -9734,7 +9946,9 @@
       <p:sp>
         <p:nvSpPr>
           <p:cNvPr id="197" name="Google Shape;197;p27"/>
-          <p:cNvSpPr txBox="1"/>
+          <p:cNvSpPr txBox="1">
+            <a:spLocks noGrp="1"/>
+          </p:cNvSpPr>
           <p:nvPr>
             <p:ph type="title"/>
           </p:nvPr>
@@ -9749,12 +9963,12 @@
           </a:prstGeom>
         </p:spPr>
         <p:txBody>
-          <a:bodyPr anchorCtr="0" anchor="t" bIns="91425" lIns="91425" spcFirstLastPara="1" rIns="91425" wrap="square" tIns="91425">
+          <a:bodyPr spcFirstLastPara="1" wrap="square" lIns="91425" tIns="91425" rIns="91425" bIns="91425" anchor="t" anchorCtr="0">
             <a:noAutofit/>
           </a:bodyPr>
           <a:lstStyle/>
           <a:p>
-            <a:pPr indent="0" lvl="0" marL="0" rtl="0" algn="ctr">
+            <a:pPr marL="0" lvl="0" indent="0" algn="ctr" rtl="0">
               <a:spcBef>
                 <a:spcPts val="0"/>
               </a:spcBef>
@@ -9798,7 +10012,7 @@
             </a:xfrm>
             <a:prstGeom prst="homePlate">
               <a:avLst>
-                <a:gd fmla="val 50000" name="adj"/>
+                <a:gd name="adj" fmla="val 50000"/>
               </a:avLst>
             </a:prstGeom>
             <a:solidFill>
@@ -9809,12 +10023,12 @@
             </a:ln>
           </p:spPr>
           <p:txBody>
-            <a:bodyPr anchorCtr="0" anchor="ctr" bIns="91425" lIns="91425" spcFirstLastPara="1" rIns="91425" wrap="square" tIns="91425">
+            <a:bodyPr spcFirstLastPara="1" wrap="square" lIns="91425" tIns="91425" rIns="91425" bIns="91425" anchor="ctr" anchorCtr="0">
               <a:noAutofit/>
             </a:bodyPr>
             <a:lstStyle/>
             <a:p>
-              <a:pPr indent="0" lvl="0" marL="0" rtl="0" algn="ctr">
+              <a:pPr marL="0" lvl="0" indent="0" algn="ctr" rtl="0">
                 <a:spcBef>
                   <a:spcPts val="0"/>
                 </a:spcBef>
@@ -9867,12 +10081,12 @@
             </a:ln>
           </p:spPr>
           <p:txBody>
-            <a:bodyPr anchorCtr="0" anchor="t" bIns="91425" lIns="91425" spcFirstLastPara="1" rIns="91425" wrap="square" tIns="91425">
+            <a:bodyPr spcFirstLastPara="1" wrap="square" lIns="91425" tIns="91425" rIns="91425" bIns="91425" anchor="t" anchorCtr="0">
               <a:noAutofit/>
             </a:bodyPr>
             <a:lstStyle/>
             <a:p>
-              <a:pPr indent="-311150" lvl="0" marL="457200" rtl="0" algn="l">
+              <a:pPr marL="457200" lvl="0" indent="-311150" algn="l" rtl="0">
                 <a:lnSpc>
                   <a:spcPct val="115000"/>
                 </a:lnSpc>
@@ -9903,7 +10117,7 @@
               </a:endParaRPr>
             </a:p>
             <a:p>
-              <a:pPr indent="0" lvl="0" marL="0" rtl="0" algn="l">
+              <a:pPr marL="0" lvl="0" indent="0" algn="l" rtl="0">
                 <a:lnSpc>
                   <a:spcPct val="115000"/>
                 </a:lnSpc>
@@ -9915,9 +10129,6 @@
                 </a:spcAft>
                 <a:buNone/>
               </a:pPr>
-              <a:r>
-                <a:t/>
-              </a:r>
               <a:endParaRPr sz="1200">
                 <a:latin typeface="Roboto"/>
                 <a:ea typeface="Roboto"/>
@@ -9955,7 +10166,7 @@
             </a:xfrm>
             <a:prstGeom prst="chevron">
               <a:avLst>
-                <a:gd fmla="val 50000" name="adj"/>
+                <a:gd name="adj" fmla="val 50000"/>
               </a:avLst>
             </a:prstGeom>
             <a:solidFill>
@@ -9966,12 +10177,12 @@
             </a:ln>
           </p:spPr>
           <p:txBody>
-            <a:bodyPr anchorCtr="0" anchor="ctr" bIns="91425" lIns="91425" spcFirstLastPara="1" rIns="91425" wrap="square" tIns="91425">
+            <a:bodyPr spcFirstLastPara="1" wrap="square" lIns="91425" tIns="91425" rIns="91425" bIns="91425" anchor="ctr" anchorCtr="0">
               <a:noAutofit/>
             </a:bodyPr>
             <a:lstStyle/>
             <a:p>
-              <a:pPr indent="0" lvl="0" marL="0" rtl="0" algn="ctr">
+              <a:pPr marL="0" lvl="0" indent="0" algn="ctr" rtl="0">
                 <a:spcBef>
                   <a:spcPts val="0"/>
                 </a:spcBef>
@@ -10024,12 +10235,12 @@
             </a:ln>
           </p:spPr>
           <p:txBody>
-            <a:bodyPr anchorCtr="0" anchor="t" bIns="91425" lIns="91425" spcFirstLastPara="1" rIns="91425" wrap="square" tIns="91425">
+            <a:bodyPr spcFirstLastPara="1" wrap="square" lIns="91425" tIns="91425" rIns="91425" bIns="91425" anchor="t" anchorCtr="0">
               <a:noAutofit/>
             </a:bodyPr>
             <a:lstStyle/>
             <a:p>
-              <a:pPr indent="-311150" lvl="0" marL="457200" rtl="0" algn="l">
+              <a:pPr marL="457200" lvl="0" indent="-311150" algn="l" rtl="0">
                 <a:lnSpc>
                   <a:spcPct val="115000"/>
                 </a:lnSpc>
@@ -10060,7 +10271,7 @@
               </a:endParaRPr>
             </a:p>
             <a:p>
-              <a:pPr indent="0" lvl="0" marL="0" rtl="0" algn="l">
+              <a:pPr marL="0" lvl="0" indent="0" algn="l" rtl="0">
                 <a:lnSpc>
                   <a:spcPct val="115000"/>
                 </a:lnSpc>
@@ -10072,9 +10283,6 @@
                 </a:spcAft>
                 <a:buNone/>
               </a:pPr>
-              <a:r>
-                <a:t/>
-              </a:r>
               <a:endParaRPr sz="1200">
                 <a:latin typeface="Roboto"/>
                 <a:ea typeface="Roboto"/>
@@ -10112,7 +10320,7 @@
             </a:xfrm>
             <a:prstGeom prst="chevron">
               <a:avLst>
-                <a:gd fmla="val 50000" name="adj"/>
+                <a:gd name="adj" fmla="val 50000"/>
               </a:avLst>
             </a:prstGeom>
             <a:solidFill>
@@ -10123,12 +10331,12 @@
             </a:ln>
           </p:spPr>
           <p:txBody>
-            <a:bodyPr anchorCtr="0" anchor="ctr" bIns="91425" lIns="91425" spcFirstLastPara="1" rIns="91425" wrap="square" tIns="91425">
+            <a:bodyPr spcFirstLastPara="1" wrap="square" lIns="91425" tIns="91425" rIns="91425" bIns="91425" anchor="ctr" anchorCtr="0">
               <a:noAutofit/>
             </a:bodyPr>
             <a:lstStyle/>
             <a:p>
-              <a:pPr indent="0" lvl="0" marL="0" rtl="0" algn="ctr">
+              <a:pPr marL="0" lvl="0" indent="0" algn="ctr" rtl="0">
                 <a:spcBef>
                   <a:spcPts val="0"/>
                 </a:spcBef>
@@ -10181,12 +10389,12 @@
             </a:ln>
           </p:spPr>
           <p:txBody>
-            <a:bodyPr anchorCtr="0" anchor="t" bIns="91425" lIns="91425" spcFirstLastPara="1" rIns="91425" wrap="square" tIns="91425">
+            <a:bodyPr spcFirstLastPara="1" wrap="square" lIns="91425" tIns="91425" rIns="91425" bIns="91425" anchor="t" anchorCtr="0">
               <a:noAutofit/>
             </a:bodyPr>
             <a:lstStyle/>
             <a:p>
-              <a:pPr indent="-311150" lvl="0" marL="457200" rtl="0" algn="l">
+              <a:pPr marL="457200" lvl="0" indent="-311150" algn="l" rtl="0">
                 <a:lnSpc>
                   <a:spcPct val="115000"/>
                 </a:lnSpc>
@@ -10217,7 +10425,7 @@
               </a:endParaRPr>
             </a:p>
             <a:p>
-              <a:pPr indent="0" lvl="0" marL="0" rtl="0" algn="l">
+              <a:pPr marL="0" lvl="0" indent="0" algn="l" rtl="0">
                 <a:lnSpc>
                   <a:spcPct val="115000"/>
                 </a:lnSpc>
@@ -10229,9 +10437,6 @@
                 </a:spcAft>
                 <a:buNone/>
               </a:pPr>
-              <a:r>
-                <a:t/>
-              </a:r>
               <a:endParaRPr sz="1200">
                 <a:latin typeface="Roboto"/>
                 <a:ea typeface="Roboto"/>
@@ -10269,7 +10474,7 @@
             </a:xfrm>
             <a:prstGeom prst="chevron">
               <a:avLst>
-                <a:gd fmla="val 50000" name="adj"/>
+                <a:gd name="adj" fmla="val 50000"/>
               </a:avLst>
             </a:prstGeom>
             <a:solidFill>
@@ -10280,12 +10485,12 @@
             </a:ln>
           </p:spPr>
           <p:txBody>
-            <a:bodyPr anchorCtr="0" anchor="ctr" bIns="91425" lIns="91425" spcFirstLastPara="1" rIns="91425" wrap="square" tIns="91425">
+            <a:bodyPr spcFirstLastPara="1" wrap="square" lIns="91425" tIns="91425" rIns="91425" bIns="91425" anchor="ctr" anchorCtr="0">
               <a:noAutofit/>
             </a:bodyPr>
             <a:lstStyle/>
             <a:p>
-              <a:pPr indent="0" lvl="0" marL="0" rtl="0" algn="ctr">
+              <a:pPr marL="0" lvl="0" indent="0" algn="ctr" rtl="0">
                 <a:spcBef>
                   <a:spcPts val="0"/>
                 </a:spcBef>
@@ -10338,12 +10543,12 @@
             </a:ln>
           </p:spPr>
           <p:txBody>
-            <a:bodyPr anchorCtr="0" anchor="t" bIns="91425" lIns="91425" spcFirstLastPara="1" rIns="91425" wrap="square" tIns="91425">
+            <a:bodyPr spcFirstLastPara="1" wrap="square" lIns="91425" tIns="91425" rIns="91425" bIns="91425" anchor="t" anchorCtr="0">
               <a:noAutofit/>
             </a:bodyPr>
             <a:lstStyle/>
             <a:p>
-              <a:pPr indent="-311150" lvl="0" marL="457200" rtl="0" algn="l">
+              <a:pPr marL="457200" lvl="0" indent="-311150" algn="l" rtl="0">
                 <a:lnSpc>
                   <a:spcPct val="115000"/>
                 </a:lnSpc>
@@ -10374,7 +10579,7 @@
               </a:endParaRPr>
             </a:p>
             <a:p>
-              <a:pPr indent="0" lvl="0" marL="0" rtl="0" algn="l">
+              <a:pPr marL="0" lvl="0" indent="0" algn="l" rtl="0">
                 <a:lnSpc>
                   <a:spcPct val="115000"/>
                 </a:lnSpc>
@@ -10386,9 +10591,6 @@
                 </a:spcAft>
                 <a:buNone/>
               </a:pPr>
-              <a:r>
-                <a:t/>
-              </a:r>
               <a:endParaRPr sz="1200">
                 <a:latin typeface="Roboto"/>
                 <a:ea typeface="Roboto"/>
@@ -10408,11 +10610,11 @@
 </file>
 
 <file path=ppt/slides/slide16.xml><?xml version="1.0" encoding="utf-8"?>
-<p:sld xmlns:a="http://schemas.openxmlformats.org/drawingml/2006/main" xmlns:r="http://schemas.openxmlformats.org/officeDocument/2006/relationships" xmlns:mc="http://schemas.openxmlformats.org/markup-compatibility/2006" xmlns:mv="urn:schemas-microsoft-com:mac:vml" xmlns:p="http://schemas.openxmlformats.org/presentationml/2006/main" xmlns:c="http://schemas.openxmlformats.org/drawingml/2006/chart" xmlns:dgm="http://schemas.openxmlformats.org/drawingml/2006/diagram" xmlns:o="urn:schemas-microsoft-com:office:office" xmlns:v="urn:schemas-microsoft-com:vml" xmlns:pvml="urn:schemas-microsoft-com:office:powerpoint" xmlns:com="http://schemas.openxmlformats.org/drawingml/2006/compatibility" xmlns:p14="http://schemas.microsoft.com/office/powerpoint/2010/main" xmlns:p15="http://schemas.microsoft.com/office/powerpoint/2012/main" xmlns:ahyp="http://schemas.microsoft.com/office/drawing/2018/hyperlinkcolor">
+<p:sld xmlns:a="http://schemas.openxmlformats.org/drawingml/2006/main" xmlns:r="http://schemas.openxmlformats.org/officeDocument/2006/relationships" xmlns:p="http://schemas.openxmlformats.org/presentationml/2006/main">
   <p:cSld>
     <p:spTree>
       <p:nvGrpSpPr>
-        <p:cNvPr id="213" name="Shape 213"/>
+        <p:cNvPr id="1" name="Shape 213"/>
         <p:cNvGrpSpPr/>
         <p:nvPr/>
       </p:nvGrpSpPr>
@@ -10427,7 +10629,9 @@
       <p:sp>
         <p:nvSpPr>
           <p:cNvPr id="214" name="Google Shape;214;p28"/>
-          <p:cNvSpPr txBox="1"/>
+          <p:cNvSpPr txBox="1">
+            <a:spLocks noGrp="1"/>
+          </p:cNvSpPr>
           <p:nvPr>
             <p:ph type="title"/>
           </p:nvPr>
@@ -10442,12 +10646,12 @@
           </a:prstGeom>
         </p:spPr>
         <p:txBody>
-          <a:bodyPr anchorCtr="0" anchor="t" bIns="91425" lIns="91425" spcFirstLastPara="1" rIns="91425" wrap="square" tIns="91425">
+          <a:bodyPr spcFirstLastPara="1" wrap="square" lIns="91425" tIns="91425" rIns="91425" bIns="91425" anchor="t" anchorCtr="0">
             <a:noAutofit/>
           </a:bodyPr>
           <a:lstStyle/>
           <a:p>
-            <a:pPr indent="0" lvl="0" marL="0" rtl="0" algn="l">
+            <a:pPr marL="0" lvl="0" indent="0" algn="l" rtl="0">
               <a:spcBef>
                 <a:spcPts val="0"/>
               </a:spcBef>
@@ -10467,9 +10671,11 @@
       <p:sp>
         <p:nvSpPr>
           <p:cNvPr id="215" name="Google Shape;215;p28"/>
-          <p:cNvSpPr txBox="1"/>
+          <p:cNvSpPr txBox="1">
+            <a:spLocks noGrp="1"/>
+          </p:cNvSpPr>
           <p:nvPr>
-            <p:ph idx="1" type="body"/>
+            <p:ph type="body" idx="1"/>
           </p:nvPr>
         </p:nvSpPr>
         <p:spPr>
@@ -10482,12 +10688,12 @@
           </a:prstGeom>
         </p:spPr>
         <p:txBody>
-          <a:bodyPr anchorCtr="0" anchor="t" bIns="91425" lIns="91425" spcFirstLastPara="1" rIns="91425" wrap="square" tIns="91425">
+          <a:bodyPr spcFirstLastPara="1" wrap="square" lIns="91425" tIns="91425" rIns="91425" bIns="91425" anchor="t" anchorCtr="0">
             <a:noAutofit/>
           </a:bodyPr>
           <a:lstStyle/>
           <a:p>
-            <a:pPr indent="-342900" lvl="0" marL="457200" rtl="0" algn="l">
+            <a:pPr marL="457200" lvl="0" indent="-342900" algn="l" rtl="0">
               <a:spcBef>
                 <a:spcPts val="0"/>
               </a:spcBef>
@@ -10498,13 +10704,13 @@
               <a:buChar char="●"/>
             </a:pPr>
             <a:r>
-              <a:rPr lang="en"/>
+              <a:rPr lang="en" dirty="0"/>
               <a:t>We were able to resolve or improve on of the failures from the 2nd. The VGA’s ability to interface with the FPGA to display the squares was verified</a:t>
             </a:r>
-            <a:endParaRPr/>
+            <a:endParaRPr dirty="0"/>
           </a:p>
           <a:p>
-            <a:pPr indent="-342900" lvl="0" marL="457200" rtl="0" algn="l">
+            <a:pPr marL="457200" lvl="0" indent="-342900" algn="l" rtl="0">
               <a:spcBef>
                 <a:spcPts val="0"/>
               </a:spcBef>
@@ -10515,13 +10721,13 @@
               <a:buChar char="●"/>
             </a:pPr>
             <a:r>
-              <a:rPr lang="en"/>
+              <a:rPr lang="en" dirty="0"/>
               <a:t>Code was included that makes it so that the moles themselves pop down after a random amount of time, as well as allowing for the handling of more than one mole being up at the same time</a:t>
             </a:r>
-            <a:endParaRPr/>
+            <a:endParaRPr dirty="0"/>
           </a:p>
           <a:p>
-            <a:pPr indent="-342900" lvl="0" marL="457200" rtl="0" algn="l">
+            <a:pPr marL="457200" lvl="0" indent="-342900" algn="l" rtl="0">
               <a:spcBef>
                 <a:spcPts val="0"/>
               </a:spcBef>
@@ -10532,10 +10738,38 @@
               <a:buChar char="●"/>
             </a:pPr>
             <a:r>
-              <a:rPr lang="en"/>
+              <a:rPr lang="en" dirty="0"/>
               <a:t>The issue with switch inputs not catching the mole has been improved. While the switch will still occasionally to catch the mole, it occurs much less frequently now.</a:t>
             </a:r>
-            <a:endParaRPr/>
+          </a:p>
+          <a:p>
+            <a:pPr marL="457200" lvl="0" indent="-342900" algn="l" rtl="0">
+              <a:spcBef>
+                <a:spcPts val="0"/>
+              </a:spcBef>
+              <a:spcAft>
+                <a:spcPts val="0"/>
+              </a:spcAft>
+              <a:buSzPts val="1800"/>
+              <a:buChar char="●"/>
+            </a:pPr>
+            <a:endParaRPr lang="en" dirty="0"/>
+          </a:p>
+          <a:p>
+            <a:pPr marL="114300" lvl="0" indent="0" algn="ctr">
+              <a:buNone/>
+            </a:pPr>
+            <a:r>
+              <a:rPr lang="en-US" dirty="0"/>
+              <a:t>Final Demo Link: </a:t>
+            </a:r>
+            <a:r>
+              <a:rPr lang="en-US" dirty="0">
+                <a:hlinkClick r:id="rId3"/>
+              </a:rPr>
+              <a:t>https://youtu.be/pJavIuCu2RQ</a:t>
+            </a:r>
+            <a:endParaRPr dirty="0"/>
           </a:p>
         </p:txBody>
       </p:sp>
@@ -10548,11 +10782,11 @@
 </file>
 
 <file path=ppt/slides/slide2.xml><?xml version="1.0" encoding="utf-8"?>
-<p:sld xmlns:a="http://schemas.openxmlformats.org/drawingml/2006/main" xmlns:r="http://schemas.openxmlformats.org/officeDocument/2006/relationships" xmlns:mc="http://schemas.openxmlformats.org/markup-compatibility/2006" xmlns:mv="urn:schemas-microsoft-com:mac:vml" xmlns:p="http://schemas.openxmlformats.org/presentationml/2006/main" xmlns:c="http://schemas.openxmlformats.org/drawingml/2006/chart" xmlns:dgm="http://schemas.openxmlformats.org/drawingml/2006/diagram" xmlns:o="urn:schemas-microsoft-com:office:office" xmlns:v="urn:schemas-microsoft-com:vml" xmlns:pvml="urn:schemas-microsoft-com:office:powerpoint" xmlns:com="http://schemas.openxmlformats.org/drawingml/2006/compatibility" xmlns:p14="http://schemas.microsoft.com/office/powerpoint/2010/main" xmlns:p15="http://schemas.microsoft.com/office/powerpoint/2012/main" xmlns:ahyp="http://schemas.microsoft.com/office/drawing/2018/hyperlinkcolor">
+<p:sld xmlns:a="http://schemas.openxmlformats.org/drawingml/2006/main" xmlns:r="http://schemas.openxmlformats.org/officeDocument/2006/relationships" xmlns:p="http://schemas.openxmlformats.org/presentationml/2006/main">
   <p:cSld>
     <p:spTree>
       <p:nvGrpSpPr>
-        <p:cNvPr id="74" name="Shape 74"/>
+        <p:cNvPr id="1" name="Shape 74"/>
         <p:cNvGrpSpPr/>
         <p:nvPr/>
       </p:nvGrpSpPr>
@@ -10567,7 +10801,9 @@
       <p:sp>
         <p:nvSpPr>
           <p:cNvPr id="75" name="Google Shape;75;p14"/>
-          <p:cNvSpPr txBox="1"/>
+          <p:cNvSpPr txBox="1">
+            <a:spLocks noGrp="1"/>
+          </p:cNvSpPr>
           <p:nvPr>
             <p:ph type="title"/>
           </p:nvPr>
@@ -10582,12 +10818,12 @@
           </a:prstGeom>
         </p:spPr>
         <p:txBody>
-          <a:bodyPr anchorCtr="0" anchor="t" bIns="91425" lIns="91425" spcFirstLastPara="1" rIns="91425" wrap="square" tIns="91425">
+          <a:bodyPr spcFirstLastPara="1" wrap="square" lIns="91425" tIns="91425" rIns="91425" bIns="91425" anchor="t" anchorCtr="0">
             <a:noAutofit/>
           </a:bodyPr>
           <a:lstStyle/>
           <a:p>
-            <a:pPr indent="0" lvl="0" marL="0" rtl="0" algn="l">
+            <a:pPr marL="0" lvl="0" indent="0" algn="l" rtl="0">
               <a:spcBef>
                 <a:spcPts val="0"/>
               </a:spcBef>
@@ -10607,9 +10843,11 @@
       <p:sp>
         <p:nvSpPr>
           <p:cNvPr id="76" name="Google Shape;76;p14"/>
-          <p:cNvSpPr txBox="1"/>
+          <p:cNvSpPr txBox="1">
+            <a:spLocks noGrp="1"/>
+          </p:cNvSpPr>
           <p:nvPr>
-            <p:ph idx="1" type="body"/>
+            <p:ph type="body" idx="1"/>
           </p:nvPr>
         </p:nvSpPr>
         <p:spPr>
@@ -10622,12 +10860,12 @@
           </a:prstGeom>
         </p:spPr>
         <p:txBody>
-          <a:bodyPr anchorCtr="0" anchor="t" bIns="91425" lIns="91425" spcFirstLastPara="1" rIns="91425" wrap="square" tIns="91425">
+          <a:bodyPr spcFirstLastPara="1" wrap="square" lIns="91425" tIns="91425" rIns="91425" bIns="91425" anchor="t" anchorCtr="0">
             <a:noAutofit/>
           </a:bodyPr>
           <a:lstStyle/>
           <a:p>
-            <a:pPr indent="-342900" lvl="0" marL="457200" rtl="0" algn="l">
+            <a:pPr marL="457200" lvl="0" indent="-342900" algn="l" rtl="0">
               <a:spcBef>
                 <a:spcPts val="0"/>
               </a:spcBef>
@@ -10644,7 +10882,7 @@
             <a:endParaRPr/>
           </a:p>
           <a:p>
-            <a:pPr indent="-342900" lvl="0" marL="457200" rtl="0" algn="l">
+            <a:pPr marL="457200" lvl="0" indent="-342900" algn="l" rtl="0">
               <a:spcBef>
                 <a:spcPts val="0"/>
               </a:spcBef>
@@ -10661,7 +10899,7 @@
             <a:endParaRPr/>
           </a:p>
           <a:p>
-            <a:pPr indent="-342900" lvl="0" marL="457200" rtl="0" algn="l">
+            <a:pPr marL="457200" lvl="0" indent="-342900" algn="l" rtl="0">
               <a:spcBef>
                 <a:spcPts val="0"/>
               </a:spcBef>
@@ -10673,23 +10911,7 @@
             </a:pPr>
             <a:r>
               <a:rPr lang="en"/>
-              <a:t>Ideally the game can be played in </a:t>
-            </a:r>
-            <a:r>
-              <a:rPr lang="en"/>
-              <a:t>leisure</a:t>
-            </a:r>
-            <a:r>
-              <a:rPr lang="en"/>
-              <a:t> or friendly </a:t>
-            </a:r>
-            <a:r>
-              <a:rPr lang="en"/>
-              <a:t>competition</a:t>
-            </a:r>
-            <a:r>
-              <a:rPr lang="en"/>
-              <a:t> between friends</a:t>
+              <a:t>Ideally the game can be played in leisure or friendly competition between friends</a:t>
             </a:r>
             <a:endParaRPr/>
           </a:p>
@@ -10704,11 +10926,11 @@
 </file>
 
 <file path=ppt/slides/slide3.xml><?xml version="1.0" encoding="utf-8"?>
-<p:sld xmlns:a="http://schemas.openxmlformats.org/drawingml/2006/main" xmlns:r="http://schemas.openxmlformats.org/officeDocument/2006/relationships" xmlns:mc="http://schemas.openxmlformats.org/markup-compatibility/2006" xmlns:mv="urn:schemas-microsoft-com:mac:vml" xmlns:p="http://schemas.openxmlformats.org/presentationml/2006/main" xmlns:c="http://schemas.openxmlformats.org/drawingml/2006/chart" xmlns:dgm="http://schemas.openxmlformats.org/drawingml/2006/diagram" xmlns:o="urn:schemas-microsoft-com:office:office" xmlns:v="urn:schemas-microsoft-com:vml" xmlns:pvml="urn:schemas-microsoft-com:office:powerpoint" xmlns:com="http://schemas.openxmlformats.org/drawingml/2006/compatibility" xmlns:p14="http://schemas.microsoft.com/office/powerpoint/2010/main" xmlns:p15="http://schemas.microsoft.com/office/powerpoint/2012/main" xmlns:ahyp="http://schemas.microsoft.com/office/drawing/2018/hyperlinkcolor">
+<p:sld xmlns:a="http://schemas.openxmlformats.org/drawingml/2006/main" xmlns:r="http://schemas.openxmlformats.org/officeDocument/2006/relationships" xmlns:p="http://schemas.openxmlformats.org/presentationml/2006/main">
   <p:cSld>
     <p:spTree>
       <p:nvGrpSpPr>
-        <p:cNvPr id="80" name="Shape 80"/>
+        <p:cNvPr id="1" name="Shape 80"/>
         <p:cNvGrpSpPr/>
         <p:nvPr/>
       </p:nvGrpSpPr>
@@ -10756,12 +10978,12 @@
             </a:ln>
           </p:spPr>
           <p:txBody>
-            <a:bodyPr anchorCtr="0" anchor="ctr" bIns="91425" lIns="91425" spcFirstLastPara="1" rIns="91425" wrap="square" tIns="91425">
+            <a:bodyPr spcFirstLastPara="1" wrap="square" lIns="91425" tIns="91425" rIns="91425" bIns="91425" anchor="ctr" anchorCtr="0">
               <a:noAutofit/>
             </a:bodyPr>
             <a:lstStyle/>
             <a:p>
-              <a:pPr indent="0" lvl="0" marL="0" rtl="0" algn="l">
+              <a:pPr marL="0" lvl="0" indent="0" algn="l" rtl="0">
                 <a:spcBef>
                   <a:spcPts val="0"/>
                 </a:spcBef>
@@ -10770,9 +10992,6 @@
                 </a:spcAft>
                 <a:buNone/>
               </a:pPr>
-              <a:r>
-                <a:t/>
-              </a:r>
               <a:endParaRPr/>
             </a:p>
           </p:txBody>
@@ -10799,12 +11018,12 @@
             </a:ln>
           </p:spPr>
           <p:txBody>
-            <a:bodyPr anchorCtr="0" anchor="ctr" bIns="91425" lIns="91425" spcFirstLastPara="1" rIns="91425" wrap="square" tIns="91425">
+            <a:bodyPr spcFirstLastPara="1" wrap="square" lIns="91425" tIns="91425" rIns="91425" bIns="91425" anchor="ctr" anchorCtr="0">
               <a:noAutofit/>
             </a:bodyPr>
             <a:lstStyle/>
             <a:p>
-              <a:pPr indent="0" lvl="0" marL="0" rtl="0" algn="l">
+              <a:pPr marL="0" lvl="0" indent="0" algn="l" rtl="0">
                 <a:spcBef>
                   <a:spcPts val="0"/>
                 </a:spcBef>
@@ -10813,9 +11032,6 @@
                 </a:spcAft>
                 <a:buNone/>
               </a:pPr>
-              <a:r>
-                <a:t/>
-              </a:r>
               <a:endParaRPr/>
             </a:p>
           </p:txBody>
@@ -10842,12 +11058,12 @@
             </a:ln>
           </p:spPr>
           <p:txBody>
-            <a:bodyPr anchorCtr="0" anchor="ctr" bIns="91425" lIns="91425" spcFirstLastPara="1" rIns="91425" wrap="square" tIns="91425">
+            <a:bodyPr spcFirstLastPara="1" wrap="square" lIns="91425" tIns="91425" rIns="91425" bIns="91425" anchor="ctr" anchorCtr="0">
               <a:noAutofit/>
             </a:bodyPr>
             <a:lstStyle/>
             <a:p>
-              <a:pPr indent="0" lvl="0" marL="0" rtl="0" algn="l">
+              <a:pPr marL="0" lvl="0" indent="0" algn="l" rtl="0">
                 <a:spcBef>
                   <a:spcPts val="0"/>
                 </a:spcBef>
@@ -10856,9 +11072,6 @@
                 </a:spcAft>
                 <a:buNone/>
               </a:pPr>
-              <a:r>
-                <a:t/>
-              </a:r>
               <a:endParaRPr/>
             </a:p>
           </p:txBody>
@@ -10883,12 +11096,12 @@
             </a:ln>
           </p:spPr>
           <p:txBody>
-            <a:bodyPr anchorCtr="0" anchor="ctr" bIns="91425" lIns="91425" spcFirstLastPara="1" rIns="91425" wrap="square" tIns="91425">
+            <a:bodyPr spcFirstLastPara="1" wrap="square" lIns="91425" tIns="91425" rIns="91425" bIns="91425" anchor="ctr" anchorCtr="0">
               <a:noAutofit/>
             </a:bodyPr>
             <a:lstStyle/>
             <a:p>
-              <a:pPr indent="0" lvl="0" marL="0" rtl="0" algn="l">
+              <a:pPr marL="0" lvl="0" indent="0" algn="l" rtl="0">
                 <a:lnSpc>
                   <a:spcPct val="115000"/>
                 </a:lnSpc>
@@ -10906,7 +11119,7 @@
                 <a:buNone/>
               </a:pPr>
               <a:r>
-                <a:rPr b="1" lang="en" sz="2200">
+                <a:rPr lang="en" sz="2200" b="1">
                   <a:solidFill>
                     <a:schemeClr val="lt1"/>
                   </a:solidFill>
@@ -10950,7 +11163,7 @@
               <a:noFill/>
             </a:ln>
             <a:effectLst>
-              <a:outerShdw blurRad="71438" rotWithShape="0" algn="bl" dir="2700000" dist="28575">
+              <a:outerShdw blurRad="71438" dist="28575" dir="2700000" algn="bl" rotWithShape="0">
                 <a:srgbClr val="000000">
                   <a:alpha val="17000"/>
                 </a:srgbClr>
@@ -10958,12 +11171,12 @@
             </a:effectLst>
           </p:spPr>
           <p:txBody>
-            <a:bodyPr anchorCtr="0" anchor="ctr" bIns="91425" lIns="91425" spcFirstLastPara="1" rIns="91425" wrap="square" tIns="91425">
+            <a:bodyPr spcFirstLastPara="1" wrap="square" lIns="91425" tIns="91425" rIns="91425" bIns="91425" anchor="ctr" anchorCtr="0">
               <a:noAutofit/>
             </a:bodyPr>
             <a:lstStyle/>
             <a:p>
-              <a:pPr indent="0" lvl="0" marL="0" rtl="0" algn="l">
+              <a:pPr marL="0" lvl="0" indent="0" algn="l" rtl="0">
                 <a:spcBef>
                   <a:spcPts val="0"/>
                 </a:spcBef>
@@ -10972,9 +11185,6 @@
                 </a:spcAft>
                 <a:buNone/>
               </a:pPr>
-              <a:r>
-                <a:t/>
-              </a:r>
               <a:endParaRPr/>
             </a:p>
           </p:txBody>
@@ -11001,12 +11211,12 @@
             </a:ln>
           </p:spPr>
           <p:txBody>
-            <a:bodyPr anchorCtr="0" anchor="ctr" bIns="91425" lIns="91425" spcFirstLastPara="1" rIns="91425" wrap="square" tIns="91425">
+            <a:bodyPr spcFirstLastPara="1" wrap="square" lIns="91425" tIns="91425" rIns="91425" bIns="91425" anchor="ctr" anchorCtr="0">
               <a:noAutofit/>
             </a:bodyPr>
             <a:lstStyle/>
             <a:p>
-              <a:pPr indent="0" lvl="0" marL="0" rtl="0" algn="ctr">
+              <a:pPr marL="0" lvl="0" indent="0" algn="ctr" rtl="0">
                 <a:spcBef>
                   <a:spcPts val="0"/>
                 </a:spcBef>
@@ -11015,9 +11225,6 @@
                 </a:spcAft>
                 <a:buNone/>
               </a:pPr>
-              <a:r>
-                <a:t/>
-              </a:r>
               <a:endParaRPr sz="2600">
                 <a:solidFill>
                   <a:srgbClr val="FFFFFF"/>
@@ -11050,12 +11257,12 @@
             </a:ln>
           </p:spPr>
           <p:txBody>
-            <a:bodyPr anchorCtr="0" anchor="ctr" bIns="91425" lIns="91425" spcFirstLastPara="1" rIns="91425" wrap="square" tIns="91425">
+            <a:bodyPr spcFirstLastPara="1" wrap="square" lIns="91425" tIns="91425" rIns="91425" bIns="91425" anchor="ctr" anchorCtr="0">
               <a:noAutofit/>
             </a:bodyPr>
             <a:lstStyle/>
             <a:p>
-              <a:pPr indent="0" lvl="0" marL="457200" rtl="0" algn="l">
+              <a:pPr marL="457200" lvl="0" indent="0" algn="l" rtl="0">
                 <a:lnSpc>
                   <a:spcPct val="115000"/>
                 </a:lnSpc>
@@ -11067,9 +11274,6 @@
                 </a:spcAft>
                 <a:buNone/>
               </a:pPr>
-              <a:r>
-                <a:t/>
-              </a:r>
               <a:endParaRPr sz="1000">
                 <a:solidFill>
                   <a:schemeClr val="dk1"/>
@@ -11077,7 +11281,7 @@
               </a:endParaRPr>
             </a:p>
             <a:p>
-              <a:pPr indent="-292100" lvl="0" marL="457200" rtl="0" algn="l">
+              <a:pPr marL="457200" lvl="0" indent="-292100" algn="l" rtl="0">
                 <a:lnSpc>
                   <a:spcPct val="115000"/>
                 </a:lnSpc>
@@ -11105,7 +11309,7 @@
               </a:endParaRPr>
             </a:p>
             <a:p>
-              <a:pPr indent="0" lvl="0" marL="457200" rtl="0" algn="l">
+              <a:pPr marL="457200" lvl="0" indent="0" algn="l" rtl="0">
                 <a:lnSpc>
                   <a:spcPct val="115000"/>
                 </a:lnSpc>
@@ -11117,9 +11321,6 @@
                 </a:spcAft>
                 <a:buNone/>
               </a:pPr>
-              <a:r>
-                <a:t/>
-              </a:r>
               <a:endParaRPr sz="800">
                 <a:solidFill>
                   <a:srgbClr val="0C58D3"/>
@@ -11169,12 +11370,12 @@
             </a:ln>
           </p:spPr>
           <p:txBody>
-            <a:bodyPr anchorCtr="0" anchor="ctr" bIns="91425" lIns="91425" spcFirstLastPara="1" rIns="91425" wrap="square" tIns="91425">
+            <a:bodyPr spcFirstLastPara="1" wrap="square" lIns="91425" tIns="91425" rIns="91425" bIns="91425" anchor="ctr" anchorCtr="0">
               <a:noAutofit/>
             </a:bodyPr>
             <a:lstStyle/>
             <a:p>
-              <a:pPr indent="0" lvl="0" marL="0" rtl="0" algn="l">
+              <a:pPr marL="0" lvl="0" indent="0" algn="l" rtl="0">
                 <a:spcBef>
                   <a:spcPts val="0"/>
                 </a:spcBef>
@@ -11183,9 +11384,6 @@
                 </a:spcAft>
                 <a:buNone/>
               </a:pPr>
-              <a:r>
-                <a:t/>
-              </a:r>
               <a:endParaRPr/>
             </a:p>
           </p:txBody>
@@ -11212,12 +11410,12 @@
             </a:ln>
           </p:spPr>
           <p:txBody>
-            <a:bodyPr anchorCtr="0" anchor="ctr" bIns="91425" lIns="91425" spcFirstLastPara="1" rIns="91425" wrap="square" tIns="91425">
+            <a:bodyPr spcFirstLastPara="1" wrap="square" lIns="91425" tIns="91425" rIns="91425" bIns="91425" anchor="ctr" anchorCtr="0">
               <a:noAutofit/>
             </a:bodyPr>
             <a:lstStyle/>
             <a:p>
-              <a:pPr indent="0" lvl="0" marL="0" rtl="0" algn="l">
+              <a:pPr marL="0" lvl="0" indent="0" algn="l" rtl="0">
                 <a:spcBef>
                   <a:spcPts val="0"/>
                 </a:spcBef>
@@ -11226,9 +11424,6 @@
                 </a:spcAft>
                 <a:buNone/>
               </a:pPr>
-              <a:r>
-                <a:t/>
-              </a:r>
               <a:endParaRPr/>
             </a:p>
           </p:txBody>
@@ -11255,12 +11450,12 @@
             </a:ln>
           </p:spPr>
           <p:txBody>
-            <a:bodyPr anchorCtr="0" anchor="ctr" bIns="91425" lIns="91425" spcFirstLastPara="1" rIns="91425" wrap="square" tIns="91425">
+            <a:bodyPr spcFirstLastPara="1" wrap="square" lIns="91425" tIns="91425" rIns="91425" bIns="91425" anchor="ctr" anchorCtr="0">
               <a:noAutofit/>
             </a:bodyPr>
             <a:lstStyle/>
             <a:p>
-              <a:pPr indent="0" lvl="0" marL="0" rtl="0" algn="l">
+              <a:pPr marL="0" lvl="0" indent="0" algn="l" rtl="0">
                 <a:spcBef>
                   <a:spcPts val="0"/>
                 </a:spcBef>
@@ -11269,9 +11464,6 @@
                 </a:spcAft>
                 <a:buNone/>
               </a:pPr>
-              <a:r>
-                <a:t/>
-              </a:r>
               <a:endParaRPr/>
             </a:p>
           </p:txBody>
@@ -11296,12 +11488,12 @@
             </a:ln>
           </p:spPr>
           <p:txBody>
-            <a:bodyPr anchorCtr="0" anchor="ctr" bIns="91425" lIns="91425" spcFirstLastPara="1" rIns="91425" wrap="square" tIns="91425">
+            <a:bodyPr spcFirstLastPara="1" wrap="square" lIns="91425" tIns="91425" rIns="91425" bIns="91425" anchor="ctr" anchorCtr="0">
               <a:noAutofit/>
             </a:bodyPr>
             <a:lstStyle/>
             <a:p>
-              <a:pPr indent="0" lvl="0" marL="0" rtl="0" algn="l">
+              <a:pPr marL="0" lvl="0" indent="0" algn="l" rtl="0">
                 <a:lnSpc>
                   <a:spcPct val="115000"/>
                 </a:lnSpc>
@@ -11319,7 +11511,7 @@
                 <a:buNone/>
               </a:pPr>
               <a:r>
-                <a:rPr b="1" lang="en" sz="2200">
+                <a:rPr lang="en" sz="2200" b="1">
                   <a:solidFill>
                     <a:schemeClr val="lt1"/>
                   </a:solidFill>
@@ -11328,21 +11520,9 @@
                   <a:cs typeface="Roboto"/>
                   <a:sym typeface="Roboto"/>
                 </a:rPr>
-                <a:t>Switches </a:t>
+                <a:t>Switches  </a:t>
               </a:r>
-              <a:r>
-                <a:rPr b="1" lang="en" sz="2200">
-                  <a:solidFill>
-                    <a:schemeClr val="lt1"/>
-                  </a:solidFill>
-                  <a:latin typeface="Roboto"/>
-                  <a:ea typeface="Roboto"/>
-                  <a:cs typeface="Roboto"/>
-                  <a:sym typeface="Roboto"/>
-                </a:rPr>
-                <a:t> </a:t>
-              </a:r>
-              <a:endParaRPr b="1" sz="2200">
+              <a:endParaRPr sz="2200" b="1">
                 <a:solidFill>
                   <a:schemeClr val="lt1"/>
                 </a:solidFill>
@@ -11353,7 +11533,7 @@
               </a:endParaRPr>
             </a:p>
             <a:p>
-              <a:pPr indent="0" lvl="0" marL="0" rtl="0" algn="l">
+              <a:pPr marL="0" lvl="0" indent="0" algn="l" rtl="0">
                 <a:lnSpc>
                   <a:spcPct val="115000"/>
                 </a:lnSpc>
@@ -11365,9 +11545,6 @@
                 </a:spcAft>
                 <a:buNone/>
               </a:pPr>
-              <a:r>
-                <a:t/>
-              </a:r>
               <a:endParaRPr sz="1000">
                 <a:solidFill>
                   <a:srgbClr val="FFFFFF"/>
@@ -11401,7 +11578,7 @@
               <a:noFill/>
             </a:ln>
             <a:effectLst>
-              <a:outerShdw blurRad="71438" rotWithShape="0" algn="bl" dir="2700000" dist="28575">
+              <a:outerShdw blurRad="71438" dist="28575" dir="2700000" algn="bl" rotWithShape="0">
                 <a:srgbClr val="000000">
                   <a:alpha val="17000"/>
                 </a:srgbClr>
@@ -11409,12 +11586,12 @@
             </a:effectLst>
           </p:spPr>
           <p:txBody>
-            <a:bodyPr anchorCtr="0" anchor="ctr" bIns="91425" lIns="91425" spcFirstLastPara="1" rIns="91425" wrap="square" tIns="91425">
+            <a:bodyPr spcFirstLastPara="1" wrap="square" lIns="91425" tIns="91425" rIns="91425" bIns="91425" anchor="ctr" anchorCtr="0">
               <a:noAutofit/>
             </a:bodyPr>
             <a:lstStyle/>
             <a:p>
-              <a:pPr indent="0" lvl="0" marL="0" rtl="0" algn="l">
+              <a:pPr marL="0" lvl="0" indent="0" algn="l" rtl="0">
                 <a:spcBef>
                   <a:spcPts val="0"/>
                 </a:spcBef>
@@ -11423,9 +11600,6 @@
                 </a:spcAft>
                 <a:buNone/>
               </a:pPr>
-              <a:r>
-                <a:t/>
-              </a:r>
               <a:endParaRPr/>
             </a:p>
           </p:txBody>
@@ -11452,12 +11626,12 @@
             </a:ln>
           </p:spPr>
           <p:txBody>
-            <a:bodyPr anchorCtr="0" anchor="ctr" bIns="91425" lIns="91425" spcFirstLastPara="1" rIns="91425" wrap="square" tIns="91425">
+            <a:bodyPr spcFirstLastPara="1" wrap="square" lIns="91425" tIns="91425" rIns="91425" bIns="91425" anchor="ctr" anchorCtr="0">
               <a:noAutofit/>
             </a:bodyPr>
             <a:lstStyle/>
             <a:p>
-              <a:pPr indent="0" lvl="0" marL="0" rtl="0" algn="ctr">
+              <a:pPr marL="0" lvl="0" indent="0" algn="ctr" rtl="0">
                 <a:spcBef>
                   <a:spcPts val="0"/>
                 </a:spcBef>
@@ -11466,9 +11640,6 @@
                 </a:spcAft>
                 <a:buNone/>
               </a:pPr>
-              <a:r>
-                <a:t/>
-              </a:r>
               <a:endParaRPr sz="2600">
                 <a:solidFill>
                   <a:srgbClr val="FFFFFF"/>
@@ -11501,12 +11672,12 @@
             </a:ln>
           </p:spPr>
           <p:txBody>
-            <a:bodyPr anchorCtr="0" anchor="ctr" bIns="91425" lIns="91425" spcFirstLastPara="1" rIns="91425" wrap="square" tIns="91425">
+            <a:bodyPr spcFirstLastPara="1" wrap="square" lIns="91425" tIns="91425" rIns="91425" bIns="91425" anchor="ctr" anchorCtr="0">
               <a:noAutofit/>
             </a:bodyPr>
             <a:lstStyle/>
             <a:p>
-              <a:pPr indent="-292100" lvl="0" marL="457200" rtl="0" algn="l">
+              <a:pPr marL="457200" lvl="0" indent="-292100" algn="l" rtl="0">
                 <a:lnSpc>
                   <a:spcPct val="115000"/>
                 </a:lnSpc>
@@ -11519,13 +11690,10 @@
                 <a:buSzPts val="1000"/>
                 <a:buChar char="●"/>
               </a:pPr>
-              <a:r>
-                <a:t/>
-              </a:r>
               <a:endParaRPr sz="1000"/>
             </a:p>
             <a:p>
-              <a:pPr indent="0" lvl="0" marL="0" rtl="0" algn="l">
+              <a:pPr marL="0" lvl="0" indent="0" algn="l" rtl="0">
                 <a:lnSpc>
                   <a:spcPct val="115000"/>
                 </a:lnSpc>
@@ -11537,13 +11705,10 @@
                 </a:spcAft>
                 <a:buNone/>
               </a:pPr>
-              <a:r>
-                <a:t/>
-              </a:r>
               <a:endParaRPr sz="1000"/>
             </a:p>
             <a:p>
-              <a:pPr indent="-292100" lvl="0" marL="457200" rtl="0" algn="l">
+              <a:pPr marL="457200" lvl="0" indent="-292100" algn="l" rtl="0">
                 <a:lnSpc>
                   <a:spcPct val="115000"/>
                 </a:lnSpc>
@@ -11563,7 +11728,7 @@
               <a:endParaRPr sz="1000"/>
             </a:p>
             <a:p>
-              <a:pPr indent="0" lvl="0" marL="457200" rtl="0" algn="l">
+              <a:pPr marL="457200" lvl="0" indent="0" algn="l" rtl="0">
                 <a:lnSpc>
                   <a:spcPct val="115000"/>
                 </a:lnSpc>
@@ -11575,9 +11740,6 @@
                 </a:spcAft>
                 <a:buNone/>
               </a:pPr>
-              <a:r>
-                <a:t/>
-              </a:r>
               <a:endParaRPr sz="1000">
                 <a:solidFill>
                   <a:schemeClr val="dk1"/>
@@ -11585,7 +11747,7 @@
               </a:endParaRPr>
             </a:p>
             <a:p>
-              <a:pPr indent="0" lvl="0" marL="0" rtl="0" algn="l">
+              <a:pPr marL="0" lvl="0" indent="0" algn="l" rtl="0">
                 <a:lnSpc>
                   <a:spcPct val="115000"/>
                 </a:lnSpc>
@@ -11597,9 +11759,6 @@
                 </a:spcAft>
                 <a:buNone/>
               </a:pPr>
-              <a:r>
-                <a:t/>
-              </a:r>
               <a:endParaRPr sz="800">
                 <a:solidFill>
                   <a:srgbClr val="0C58D3"/>
@@ -11649,12 +11808,12 @@
             </a:ln>
           </p:spPr>
           <p:txBody>
-            <a:bodyPr anchorCtr="0" anchor="ctr" bIns="91425" lIns="91425" spcFirstLastPara="1" rIns="91425" wrap="square" tIns="91425">
+            <a:bodyPr spcFirstLastPara="1" wrap="square" lIns="91425" tIns="91425" rIns="91425" bIns="91425" anchor="ctr" anchorCtr="0">
               <a:noAutofit/>
             </a:bodyPr>
             <a:lstStyle/>
             <a:p>
-              <a:pPr indent="0" lvl="0" marL="0" rtl="0" algn="l">
+              <a:pPr marL="0" lvl="0" indent="0" algn="l" rtl="0">
                 <a:spcBef>
                   <a:spcPts val="0"/>
                 </a:spcBef>
@@ -11663,9 +11822,6 @@
                 </a:spcAft>
                 <a:buNone/>
               </a:pPr>
-              <a:r>
-                <a:t/>
-              </a:r>
               <a:endParaRPr/>
             </a:p>
           </p:txBody>
@@ -11692,12 +11848,12 @@
             </a:ln>
           </p:spPr>
           <p:txBody>
-            <a:bodyPr anchorCtr="0" anchor="ctr" bIns="91425" lIns="91425" spcFirstLastPara="1" rIns="91425" wrap="square" tIns="91425">
+            <a:bodyPr spcFirstLastPara="1" wrap="square" lIns="91425" tIns="91425" rIns="91425" bIns="91425" anchor="ctr" anchorCtr="0">
               <a:noAutofit/>
             </a:bodyPr>
             <a:lstStyle/>
             <a:p>
-              <a:pPr indent="0" lvl="0" marL="0" rtl="0" algn="l">
+              <a:pPr marL="0" lvl="0" indent="0" algn="l" rtl="0">
                 <a:spcBef>
                   <a:spcPts val="0"/>
                 </a:spcBef>
@@ -11706,9 +11862,6 @@
                 </a:spcAft>
                 <a:buNone/>
               </a:pPr>
-              <a:r>
-                <a:t/>
-              </a:r>
               <a:endParaRPr/>
             </a:p>
           </p:txBody>
@@ -11735,12 +11888,12 @@
             </a:ln>
           </p:spPr>
           <p:txBody>
-            <a:bodyPr anchorCtr="0" anchor="ctr" bIns="91425" lIns="91425" spcFirstLastPara="1" rIns="91425" wrap="square" tIns="91425">
+            <a:bodyPr spcFirstLastPara="1" wrap="square" lIns="91425" tIns="91425" rIns="91425" bIns="91425" anchor="ctr" anchorCtr="0">
               <a:noAutofit/>
             </a:bodyPr>
             <a:lstStyle/>
             <a:p>
-              <a:pPr indent="0" lvl="0" marL="0" rtl="0" algn="l">
+              <a:pPr marL="0" lvl="0" indent="0" algn="l" rtl="0">
                 <a:spcBef>
                   <a:spcPts val="0"/>
                 </a:spcBef>
@@ -11749,9 +11902,6 @@
                 </a:spcAft>
                 <a:buNone/>
               </a:pPr>
-              <a:r>
-                <a:t/>
-              </a:r>
               <a:endParaRPr/>
             </a:p>
           </p:txBody>
@@ -11776,12 +11926,12 @@
             </a:ln>
           </p:spPr>
           <p:txBody>
-            <a:bodyPr anchorCtr="0" anchor="ctr" bIns="91425" lIns="91425" spcFirstLastPara="1" rIns="91425" wrap="square" tIns="91425">
+            <a:bodyPr spcFirstLastPara="1" wrap="square" lIns="91425" tIns="91425" rIns="91425" bIns="91425" anchor="ctr" anchorCtr="0">
               <a:noAutofit/>
             </a:bodyPr>
             <a:lstStyle/>
             <a:p>
-              <a:pPr indent="0" lvl="0" marL="0" rtl="0" algn="l">
+              <a:pPr marL="0" lvl="0" indent="0" algn="l" rtl="0">
                 <a:lnSpc>
                   <a:spcPct val="115000"/>
                 </a:lnSpc>
@@ -11799,7 +11949,7 @@
                 <a:buNone/>
               </a:pPr>
               <a:r>
-                <a:rPr b="1" lang="en" sz="2200">
+                <a:rPr lang="en" sz="2200" b="1">
                   <a:solidFill>
                     <a:schemeClr val="lt1"/>
                   </a:solidFill>
@@ -11808,21 +11958,9 @@
                   <a:cs typeface="Roboto"/>
                   <a:sym typeface="Roboto"/>
                 </a:rPr>
-                <a:t>VGA</a:t>
+                <a:t>VGA </a:t>
               </a:r>
-              <a:r>
-                <a:rPr b="1" lang="en" sz="2200">
-                  <a:solidFill>
-                    <a:schemeClr val="lt1"/>
-                  </a:solidFill>
-                  <a:latin typeface="Roboto"/>
-                  <a:ea typeface="Roboto"/>
-                  <a:cs typeface="Roboto"/>
-                  <a:sym typeface="Roboto"/>
-                </a:rPr>
-                <a:t> </a:t>
-              </a:r>
-              <a:endParaRPr b="1" sz="2200">
+              <a:endParaRPr sz="2200" b="1">
                 <a:solidFill>
                   <a:schemeClr val="lt1"/>
                 </a:solidFill>
@@ -11833,7 +11971,7 @@
               </a:endParaRPr>
             </a:p>
             <a:p>
-              <a:pPr indent="0" lvl="0" marL="0" rtl="0" algn="l">
+              <a:pPr marL="0" lvl="0" indent="0" algn="l" rtl="0">
                 <a:lnSpc>
                   <a:spcPct val="115000"/>
                 </a:lnSpc>
@@ -11845,9 +11983,6 @@
                 </a:spcAft>
                 <a:buNone/>
               </a:pPr>
-              <a:r>
-                <a:t/>
-              </a:r>
               <a:endParaRPr sz="1000">
                 <a:solidFill>
                   <a:srgbClr val="FFFFFF"/>
@@ -11881,7 +12016,7 @@
               <a:noFill/>
             </a:ln>
             <a:effectLst>
-              <a:outerShdw blurRad="71438" rotWithShape="0" algn="bl" dir="2700000" dist="28575">
+              <a:outerShdw blurRad="71438" dist="28575" dir="2700000" algn="bl" rotWithShape="0">
                 <a:srgbClr val="000000">
                   <a:alpha val="17000"/>
                 </a:srgbClr>
@@ -11889,12 +12024,12 @@
             </a:effectLst>
           </p:spPr>
           <p:txBody>
-            <a:bodyPr anchorCtr="0" anchor="ctr" bIns="91425" lIns="91425" spcFirstLastPara="1" rIns="91425" wrap="square" tIns="91425">
+            <a:bodyPr spcFirstLastPara="1" wrap="square" lIns="91425" tIns="91425" rIns="91425" bIns="91425" anchor="ctr" anchorCtr="0">
               <a:noAutofit/>
             </a:bodyPr>
             <a:lstStyle/>
             <a:p>
-              <a:pPr indent="0" lvl="0" marL="0" rtl="0" algn="l">
+              <a:pPr marL="0" lvl="0" indent="0" algn="l" rtl="0">
                 <a:spcBef>
                   <a:spcPts val="0"/>
                 </a:spcBef>
@@ -11903,9 +12038,6 @@
                 </a:spcAft>
                 <a:buNone/>
               </a:pPr>
-              <a:r>
-                <a:t/>
-              </a:r>
               <a:endParaRPr/>
             </a:p>
           </p:txBody>
@@ -11932,12 +12064,12 @@
             </a:ln>
           </p:spPr>
           <p:txBody>
-            <a:bodyPr anchorCtr="0" anchor="ctr" bIns="91425" lIns="91425" spcFirstLastPara="1" rIns="91425" wrap="square" tIns="91425">
+            <a:bodyPr spcFirstLastPara="1" wrap="square" lIns="91425" tIns="91425" rIns="91425" bIns="91425" anchor="ctr" anchorCtr="0">
               <a:noAutofit/>
             </a:bodyPr>
             <a:lstStyle/>
             <a:p>
-              <a:pPr indent="0" lvl="0" marL="0" rtl="0" algn="ctr">
+              <a:pPr marL="0" lvl="0" indent="0" algn="ctr" rtl="0">
                 <a:spcBef>
                   <a:spcPts val="0"/>
                 </a:spcBef>
@@ -11946,9 +12078,6 @@
                 </a:spcAft>
                 <a:buNone/>
               </a:pPr>
-              <a:r>
-                <a:t/>
-              </a:r>
               <a:endParaRPr sz="2600">
                 <a:solidFill>
                   <a:srgbClr val="FFFFFF"/>
@@ -11981,12 +12110,12 @@
             </a:ln>
           </p:spPr>
           <p:txBody>
-            <a:bodyPr anchorCtr="0" anchor="ctr" bIns="91425" lIns="91425" spcFirstLastPara="1" rIns="91425" wrap="square" tIns="91425">
+            <a:bodyPr spcFirstLastPara="1" wrap="square" lIns="91425" tIns="91425" rIns="91425" bIns="91425" anchor="ctr" anchorCtr="0">
               <a:noAutofit/>
             </a:bodyPr>
             <a:lstStyle/>
             <a:p>
-              <a:pPr indent="0" lvl="0" marL="0" rtl="0" algn="l">
+              <a:pPr marL="0" lvl="0" indent="0" algn="l" rtl="0">
                 <a:lnSpc>
                   <a:spcPct val="115000"/>
                 </a:lnSpc>
@@ -11998,13 +12127,10 @@
                 </a:spcAft>
                 <a:buNone/>
               </a:pPr>
-              <a:r>
-                <a:t/>
-              </a:r>
               <a:endParaRPr sz="1000"/>
             </a:p>
             <a:p>
-              <a:pPr indent="-292100" lvl="0" marL="457200" rtl="0" algn="l">
+              <a:pPr marL="457200" lvl="0" indent="-292100" algn="l" rtl="0">
                 <a:lnSpc>
                   <a:spcPct val="115000"/>
                 </a:lnSpc>
@@ -12019,16 +12145,12 @@
               </a:pPr>
               <a:r>
                 <a:rPr lang="en" sz="1000"/>
-                <a:t>O</a:t>
-              </a:r>
-              <a:r>
-                <a:rPr lang="en" sz="1000"/>
-                <a:t>nce they press the button to start, the Moles will start popping up. If there’s a VGA connected then they will appear as squares, and regardless leds will light up corresponding to which switch needs to be hit.</a:t>
+                <a:t>Once they press the button to start, the Moles will start popping up. If there’s a VGA connected then they will appear as squares, and regardless leds will light up corresponding to which switch needs to be hit.</a:t>
               </a:r>
               <a:endParaRPr sz="1000"/>
             </a:p>
             <a:p>
-              <a:pPr indent="0" lvl="0" marL="0" rtl="0" algn="l">
+              <a:pPr marL="0" lvl="0" indent="0" algn="l" rtl="0">
                 <a:lnSpc>
                   <a:spcPct val="115000"/>
                 </a:lnSpc>
@@ -12040,9 +12162,6 @@
                 </a:spcAft>
                 <a:buNone/>
               </a:pPr>
-              <a:r>
-                <a:t/>
-              </a:r>
               <a:endParaRPr sz="800">
                 <a:solidFill>
                   <a:srgbClr val="0C58D3"/>
@@ -12092,12 +12211,12 @@
             </a:ln>
           </p:spPr>
           <p:txBody>
-            <a:bodyPr anchorCtr="0" anchor="ctr" bIns="91425" lIns="91425" spcFirstLastPara="1" rIns="91425" wrap="square" tIns="91425">
+            <a:bodyPr spcFirstLastPara="1" wrap="square" lIns="91425" tIns="91425" rIns="91425" bIns="91425" anchor="ctr" anchorCtr="0">
               <a:noAutofit/>
             </a:bodyPr>
             <a:lstStyle/>
             <a:p>
-              <a:pPr indent="0" lvl="0" marL="0" rtl="0" algn="l">
+              <a:pPr marL="0" lvl="0" indent="0" algn="l" rtl="0">
                 <a:spcBef>
                   <a:spcPts val="0"/>
                 </a:spcBef>
@@ -12106,9 +12225,6 @@
                 </a:spcAft>
                 <a:buNone/>
               </a:pPr>
-              <a:r>
-                <a:t/>
-              </a:r>
               <a:endParaRPr/>
             </a:p>
           </p:txBody>
@@ -12135,12 +12251,12 @@
             </a:ln>
           </p:spPr>
           <p:txBody>
-            <a:bodyPr anchorCtr="0" anchor="ctr" bIns="91425" lIns="91425" spcFirstLastPara="1" rIns="91425" wrap="square" tIns="91425">
+            <a:bodyPr spcFirstLastPara="1" wrap="square" lIns="91425" tIns="91425" rIns="91425" bIns="91425" anchor="ctr" anchorCtr="0">
               <a:noAutofit/>
             </a:bodyPr>
             <a:lstStyle/>
             <a:p>
-              <a:pPr indent="0" lvl="0" marL="0" rtl="0" algn="l">
+              <a:pPr marL="0" lvl="0" indent="0" algn="l" rtl="0">
                 <a:spcBef>
                   <a:spcPts val="0"/>
                 </a:spcBef>
@@ -12149,9 +12265,6 @@
                 </a:spcAft>
                 <a:buNone/>
               </a:pPr>
-              <a:r>
-                <a:t/>
-              </a:r>
               <a:endParaRPr/>
             </a:p>
           </p:txBody>
@@ -12178,12 +12291,12 @@
             </a:ln>
           </p:spPr>
           <p:txBody>
-            <a:bodyPr anchorCtr="0" anchor="ctr" bIns="91425" lIns="91425" spcFirstLastPara="1" rIns="91425" wrap="square" tIns="91425">
+            <a:bodyPr spcFirstLastPara="1" wrap="square" lIns="91425" tIns="91425" rIns="91425" bIns="91425" anchor="ctr" anchorCtr="0">
               <a:noAutofit/>
             </a:bodyPr>
             <a:lstStyle/>
             <a:p>
-              <a:pPr indent="0" lvl="0" marL="0" rtl="0" algn="l">
+              <a:pPr marL="0" lvl="0" indent="0" algn="l" rtl="0">
                 <a:spcBef>
                   <a:spcPts val="0"/>
                 </a:spcBef>
@@ -12192,9 +12305,6 @@
                 </a:spcAft>
                 <a:buNone/>
               </a:pPr>
-              <a:r>
-                <a:t/>
-              </a:r>
               <a:endParaRPr/>
             </a:p>
           </p:txBody>
@@ -12219,12 +12329,12 @@
             </a:ln>
           </p:spPr>
           <p:txBody>
-            <a:bodyPr anchorCtr="0" anchor="ctr" bIns="91425" lIns="91425" spcFirstLastPara="1" rIns="91425" wrap="square" tIns="91425">
+            <a:bodyPr spcFirstLastPara="1" wrap="square" lIns="91425" tIns="91425" rIns="91425" bIns="91425" anchor="ctr" anchorCtr="0">
               <a:noAutofit/>
             </a:bodyPr>
             <a:lstStyle/>
             <a:p>
-              <a:pPr indent="0" lvl="0" marL="0" rtl="0" algn="l">
+              <a:pPr marL="0" lvl="0" indent="0" algn="l" rtl="0">
                 <a:lnSpc>
                   <a:spcPct val="115000"/>
                 </a:lnSpc>
@@ -12237,7 +12347,7 @@
                 <a:buNone/>
               </a:pPr>
               <a:r>
-                <a:rPr b="1" lang="en" sz="2200">
+                <a:rPr lang="en" sz="2200" b="1">
                   <a:solidFill>
                     <a:srgbClr val="FFFFFF"/>
                   </a:solidFill>
@@ -12246,21 +12356,9 @@
                   <a:cs typeface="Roboto"/>
                   <a:sym typeface="Roboto"/>
                 </a:rPr>
-                <a:t>Difficulty</a:t>
+                <a:t>Difficulty and Time </a:t>
               </a:r>
-              <a:r>
-                <a:rPr b="1" lang="en" sz="2200">
-                  <a:solidFill>
-                    <a:srgbClr val="FFFFFF"/>
-                  </a:solidFill>
-                  <a:latin typeface="Roboto"/>
-                  <a:ea typeface="Roboto"/>
-                  <a:cs typeface="Roboto"/>
-                  <a:sym typeface="Roboto"/>
-                </a:rPr>
-                <a:t> and Time </a:t>
-              </a:r>
-              <a:endParaRPr b="1" sz="2200">
+              <a:endParaRPr sz="2200" b="1">
                 <a:solidFill>
                   <a:srgbClr val="FFFFFF"/>
                 </a:solidFill>
@@ -12293,7 +12391,7 @@
               <a:noFill/>
             </a:ln>
             <a:effectLst>
-              <a:outerShdw blurRad="71438" rotWithShape="0" algn="bl" dir="2700000" dist="28575">
+              <a:outerShdw blurRad="71438" dist="28575" dir="2700000" algn="bl" rotWithShape="0">
                 <a:srgbClr val="000000">
                   <a:alpha val="17000"/>
                 </a:srgbClr>
@@ -12301,12 +12399,12 @@
             </a:effectLst>
           </p:spPr>
           <p:txBody>
-            <a:bodyPr anchorCtr="0" anchor="ctr" bIns="91425" lIns="91425" spcFirstLastPara="1" rIns="91425" wrap="square" tIns="91425">
+            <a:bodyPr spcFirstLastPara="1" wrap="square" lIns="91425" tIns="91425" rIns="91425" bIns="91425" anchor="ctr" anchorCtr="0">
               <a:noAutofit/>
             </a:bodyPr>
             <a:lstStyle/>
             <a:p>
-              <a:pPr indent="0" lvl="0" marL="0" rtl="0" algn="l">
+              <a:pPr marL="0" lvl="0" indent="0" algn="l" rtl="0">
                 <a:spcBef>
                   <a:spcPts val="0"/>
                 </a:spcBef>
@@ -12315,9 +12413,6 @@
                 </a:spcAft>
                 <a:buNone/>
               </a:pPr>
-              <a:r>
-                <a:t/>
-              </a:r>
               <a:endParaRPr/>
             </a:p>
           </p:txBody>
@@ -12344,12 +12439,12 @@
             </a:ln>
           </p:spPr>
           <p:txBody>
-            <a:bodyPr anchorCtr="0" anchor="ctr" bIns="91425" lIns="91425" spcFirstLastPara="1" rIns="91425" wrap="square" tIns="91425">
+            <a:bodyPr spcFirstLastPara="1" wrap="square" lIns="91425" tIns="91425" rIns="91425" bIns="91425" anchor="ctr" anchorCtr="0">
               <a:noAutofit/>
             </a:bodyPr>
             <a:lstStyle/>
             <a:p>
-              <a:pPr indent="0" lvl="0" marL="0" rtl="0" algn="ctr">
+              <a:pPr marL="0" lvl="0" indent="0" algn="ctr" rtl="0">
                 <a:spcBef>
                   <a:spcPts val="0"/>
                 </a:spcBef>
@@ -12358,9 +12453,6 @@
                 </a:spcAft>
                 <a:buNone/>
               </a:pPr>
-              <a:r>
-                <a:t/>
-              </a:r>
               <a:endParaRPr sz="2600">
                 <a:solidFill>
                   <a:srgbClr val="FFFFFF"/>
@@ -12393,12 +12485,12 @@
             </a:ln>
           </p:spPr>
           <p:txBody>
-            <a:bodyPr anchorCtr="0" anchor="ctr" bIns="91425" lIns="91425" spcFirstLastPara="1" rIns="91425" wrap="square" tIns="91425">
+            <a:bodyPr spcFirstLastPara="1" wrap="square" lIns="91425" tIns="91425" rIns="91425" bIns="91425" anchor="ctr" anchorCtr="0">
               <a:noAutofit/>
             </a:bodyPr>
             <a:lstStyle/>
             <a:p>
-              <a:pPr indent="-292100" lvl="0" marL="457200" rtl="0" algn="l">
+              <a:pPr marL="457200" lvl="0" indent="-292100" algn="l" rtl="0">
                 <a:lnSpc>
                   <a:spcPct val="115000"/>
                 </a:lnSpc>
@@ -12429,7 +12521,7 @@
               </a:endParaRPr>
             </a:p>
             <a:p>
-              <a:pPr indent="-292100" lvl="0" marL="457200" rtl="0" algn="l">
+              <a:pPr marL="457200" lvl="0" indent="-292100" algn="l" rtl="0">
                 <a:lnSpc>
                   <a:spcPct val="115000"/>
                 </a:lnSpc>
@@ -12460,7 +12552,7 @@
               </a:endParaRPr>
             </a:p>
             <a:p>
-              <a:pPr indent="-292100" lvl="0" marL="457200" rtl="0" algn="l">
+              <a:pPr marL="457200" lvl="0" indent="-292100" algn="l" rtl="0">
                 <a:lnSpc>
                   <a:spcPct val="115000"/>
                 </a:lnSpc>
@@ -12481,16 +12573,7 @@
                   <a:cs typeface="Roboto"/>
                   <a:sym typeface="Roboto"/>
                 </a:rPr>
-                <a:t>Difficulty</a:t>
-              </a:r>
-              <a:r>
-                <a:rPr lang="en" sz="1000">
-                  <a:latin typeface="Roboto"/>
-                  <a:ea typeface="Roboto"/>
-                  <a:cs typeface="Roboto"/>
-                  <a:sym typeface="Roboto"/>
-                </a:rPr>
-                <a:t> can be set from 0 - 2, corresponds to the time user has to hit the mole</a:t>
+                <a:t>Difficulty can be set from 0 - 2, corresponds to the time user has to hit the mole</a:t>
               </a:r>
               <a:endParaRPr sz="1000">
                 <a:latin typeface="Roboto"/>
@@ -12505,7 +12588,9 @@
       <p:sp>
         <p:nvSpPr>
           <p:cNvPr id="113" name="Google Shape;113;p15"/>
-          <p:cNvSpPr txBox="1"/>
+          <p:cNvSpPr txBox="1">
+            <a:spLocks noGrp="1"/>
+          </p:cNvSpPr>
           <p:nvPr>
             <p:ph type="title"/>
           </p:nvPr>
@@ -12520,12 +12605,12 @@
           </a:prstGeom>
         </p:spPr>
         <p:txBody>
-          <a:bodyPr anchorCtr="0" anchor="t" bIns="91425" lIns="91425" spcFirstLastPara="1" rIns="91425" wrap="square" tIns="91425">
+          <a:bodyPr spcFirstLastPara="1" wrap="square" lIns="91425" tIns="91425" rIns="91425" bIns="91425" anchor="t" anchorCtr="0">
             <a:noAutofit/>
           </a:bodyPr>
           <a:lstStyle/>
           <a:p>
-            <a:pPr indent="0" lvl="0" marL="0" rtl="0" algn="ctr">
+            <a:pPr marL="0" lvl="0" indent="0" algn="ctr" rtl="0">
               <a:spcBef>
                 <a:spcPts val="0"/>
               </a:spcBef>
@@ -12535,7 +12620,7 @@
               <a:buNone/>
             </a:pPr>
             <a:r>
-              <a:rPr b="1" lang="en"/>
+              <a:rPr lang="en" b="1"/>
               <a:t>Functionality</a:t>
             </a:r>
             <a:r>
@@ -12555,11 +12640,11 @@
 </file>
 
 <file path=ppt/slides/slide4.xml><?xml version="1.0" encoding="utf-8"?>
-<p:sld xmlns:a="http://schemas.openxmlformats.org/drawingml/2006/main" xmlns:r="http://schemas.openxmlformats.org/officeDocument/2006/relationships" xmlns:mc="http://schemas.openxmlformats.org/markup-compatibility/2006" xmlns:mv="urn:schemas-microsoft-com:mac:vml" xmlns:p="http://schemas.openxmlformats.org/presentationml/2006/main" xmlns:c="http://schemas.openxmlformats.org/drawingml/2006/chart" xmlns:dgm="http://schemas.openxmlformats.org/drawingml/2006/diagram" xmlns:o="urn:schemas-microsoft-com:office:office" xmlns:v="urn:schemas-microsoft-com:vml" xmlns:pvml="urn:schemas-microsoft-com:office:powerpoint" xmlns:com="http://schemas.openxmlformats.org/drawingml/2006/compatibility" xmlns:p14="http://schemas.microsoft.com/office/powerpoint/2010/main" xmlns:p15="http://schemas.microsoft.com/office/powerpoint/2012/main" xmlns:ahyp="http://schemas.microsoft.com/office/drawing/2018/hyperlinkcolor">
+<p:sld xmlns:a="http://schemas.openxmlformats.org/drawingml/2006/main" xmlns:r="http://schemas.openxmlformats.org/officeDocument/2006/relationships" xmlns:p="http://schemas.openxmlformats.org/presentationml/2006/main">
   <p:cSld>
     <p:spTree>
       <p:nvGrpSpPr>
-        <p:cNvPr id="117" name="Shape 117"/>
+        <p:cNvPr id="1" name="Shape 117"/>
         <p:cNvGrpSpPr/>
         <p:nvPr/>
       </p:nvGrpSpPr>
@@ -12574,7 +12659,9 @@
       <p:sp>
         <p:nvSpPr>
           <p:cNvPr id="118" name="Google Shape;118;p16"/>
-          <p:cNvSpPr txBox="1"/>
+          <p:cNvSpPr txBox="1">
+            <a:spLocks noGrp="1"/>
+          </p:cNvSpPr>
           <p:nvPr>
             <p:ph type="title"/>
           </p:nvPr>
@@ -12589,12 +12676,12 @@
           </a:prstGeom>
         </p:spPr>
         <p:txBody>
-          <a:bodyPr anchorCtr="0" anchor="t" bIns="91425" lIns="91425" spcFirstLastPara="1" rIns="91425" wrap="square" tIns="91425">
+          <a:bodyPr spcFirstLastPara="1" wrap="square" lIns="91425" tIns="91425" rIns="91425" bIns="91425" anchor="t" anchorCtr="0">
             <a:noAutofit/>
           </a:bodyPr>
           <a:lstStyle/>
           <a:p>
-            <a:pPr indent="0" lvl="0" marL="0" rtl="0" algn="l">
+            <a:pPr marL="0" lvl="0" indent="0" algn="l" rtl="0">
               <a:spcBef>
                 <a:spcPts val="0"/>
               </a:spcBef>
@@ -12614,9 +12701,11 @@
       <p:sp>
         <p:nvSpPr>
           <p:cNvPr id="119" name="Google Shape;119;p16"/>
-          <p:cNvSpPr txBox="1"/>
+          <p:cNvSpPr txBox="1">
+            <a:spLocks noGrp="1"/>
+          </p:cNvSpPr>
           <p:nvPr>
-            <p:ph idx="1" type="body"/>
+            <p:ph type="body" idx="1"/>
           </p:nvPr>
         </p:nvSpPr>
         <p:spPr>
@@ -12629,12 +12718,12 @@
           </a:prstGeom>
         </p:spPr>
         <p:txBody>
-          <a:bodyPr anchorCtr="0" anchor="t" bIns="91425" lIns="91425" spcFirstLastPara="1" rIns="91425" wrap="square" tIns="91425">
+          <a:bodyPr spcFirstLastPara="1" wrap="square" lIns="91425" tIns="91425" rIns="91425" bIns="91425" anchor="t" anchorCtr="0">
             <a:noAutofit/>
           </a:bodyPr>
           <a:lstStyle/>
           <a:p>
-            <a:pPr indent="-342900" lvl="0" marL="457200" rtl="0" algn="l">
+            <a:pPr marL="457200" lvl="0" indent="-342900" algn="l" rtl="0">
               <a:spcBef>
                 <a:spcPts val="0"/>
               </a:spcBef>
@@ -12651,7 +12740,7 @@
             <a:endParaRPr/>
           </a:p>
           <a:p>
-            <a:pPr indent="-342900" lvl="0" marL="457200" rtl="0" algn="l">
+            <a:pPr marL="457200" lvl="0" indent="-342900" algn="l" rtl="0">
               <a:spcBef>
                 <a:spcPts val="0"/>
               </a:spcBef>
@@ -12668,7 +12757,7 @@
             <a:endParaRPr/>
           </a:p>
           <a:p>
-            <a:pPr indent="-342900" lvl="0" marL="457200" rtl="0" algn="l">
+            <a:pPr marL="457200" lvl="0" indent="-342900" algn="l" rtl="0">
               <a:spcBef>
                 <a:spcPts val="0"/>
               </a:spcBef>
@@ -12685,7 +12774,7 @@
             <a:endParaRPr/>
           </a:p>
           <a:p>
-            <a:pPr indent="-342900" lvl="0" marL="457200" rtl="0" algn="l">
+            <a:pPr marL="457200" lvl="0" indent="-342900" algn="l" rtl="0">
               <a:spcBef>
                 <a:spcPts val="0"/>
               </a:spcBef>
@@ -12702,7 +12791,7 @@
             <a:endParaRPr/>
           </a:p>
           <a:p>
-            <a:pPr indent="-342900" lvl="0" marL="457200" rtl="0" algn="l">
+            <a:pPr marL="457200" lvl="0" indent="-342900" algn="l" rtl="0">
               <a:spcBef>
                 <a:spcPts val="0"/>
               </a:spcBef>
@@ -12719,7 +12808,7 @@
             <a:endParaRPr/>
           </a:p>
           <a:p>
-            <a:pPr indent="-342900" lvl="0" marL="457200" rtl="0" algn="l">
+            <a:pPr marL="457200" lvl="0" indent="-342900" algn="l" rtl="0">
               <a:spcBef>
                 <a:spcPts val="0"/>
               </a:spcBef>
@@ -12746,11 +12835,11 @@
 </file>
 
 <file path=ppt/slides/slide5.xml><?xml version="1.0" encoding="utf-8"?>
-<p:sld xmlns:a="http://schemas.openxmlformats.org/drawingml/2006/main" xmlns:r="http://schemas.openxmlformats.org/officeDocument/2006/relationships" xmlns:mc="http://schemas.openxmlformats.org/markup-compatibility/2006" xmlns:mv="urn:schemas-microsoft-com:mac:vml" xmlns:p="http://schemas.openxmlformats.org/presentationml/2006/main" xmlns:c="http://schemas.openxmlformats.org/drawingml/2006/chart" xmlns:dgm="http://schemas.openxmlformats.org/drawingml/2006/diagram" xmlns:o="urn:schemas-microsoft-com:office:office" xmlns:v="urn:schemas-microsoft-com:vml" xmlns:pvml="urn:schemas-microsoft-com:office:powerpoint" xmlns:com="http://schemas.openxmlformats.org/drawingml/2006/compatibility" xmlns:p14="http://schemas.microsoft.com/office/powerpoint/2010/main" xmlns:p15="http://schemas.microsoft.com/office/powerpoint/2012/main" xmlns:ahyp="http://schemas.microsoft.com/office/drawing/2018/hyperlinkcolor">
+<p:sld xmlns:a="http://schemas.openxmlformats.org/drawingml/2006/main" xmlns:r="http://schemas.openxmlformats.org/officeDocument/2006/relationships" xmlns:p="http://schemas.openxmlformats.org/presentationml/2006/main">
   <p:cSld>
     <p:spTree>
       <p:nvGrpSpPr>
-        <p:cNvPr id="123" name="Shape 123"/>
+        <p:cNvPr id="1" name="Shape 123"/>
         <p:cNvGrpSpPr/>
         <p:nvPr/>
       </p:nvGrpSpPr>
@@ -12765,7 +12854,9 @@
       <p:sp>
         <p:nvSpPr>
           <p:cNvPr id="124" name="Google Shape;124;p17"/>
-          <p:cNvSpPr txBox="1"/>
+          <p:cNvSpPr txBox="1">
+            <a:spLocks noGrp="1"/>
+          </p:cNvSpPr>
           <p:nvPr>
             <p:ph type="title"/>
           </p:nvPr>
@@ -12780,12 +12871,12 @@
           </a:prstGeom>
         </p:spPr>
         <p:txBody>
-          <a:bodyPr anchorCtr="0" anchor="t" bIns="91425" lIns="91425" spcFirstLastPara="1" rIns="91425" wrap="square" tIns="91425">
+          <a:bodyPr spcFirstLastPara="1" wrap="square" lIns="91425" tIns="91425" rIns="91425" bIns="91425" anchor="t" anchorCtr="0">
             <a:noAutofit/>
           </a:bodyPr>
           <a:lstStyle/>
           <a:p>
-            <a:pPr indent="0" lvl="0" marL="0" rtl="0" algn="ctr">
+            <a:pPr marL="0" lvl="0" indent="0" algn="ctr" rtl="0">
               <a:spcBef>
                 <a:spcPts val="0"/>
               </a:spcBef>
@@ -12812,7 +12903,7 @@
           <a:blip r:embed="rId3">
             <a:alphaModFix/>
           </a:blip>
-          <a:srcRect b="15547" l="0" r="0" t="0"/>
+          <a:srcRect b="15547"/>
           <a:stretch/>
         </p:blipFill>
         <p:spPr>
@@ -12838,11 +12929,11 @@
 </file>
 
 <file path=ppt/slides/slide6.xml><?xml version="1.0" encoding="utf-8"?>
-<p:sld xmlns:a="http://schemas.openxmlformats.org/drawingml/2006/main" xmlns:r="http://schemas.openxmlformats.org/officeDocument/2006/relationships" xmlns:mc="http://schemas.openxmlformats.org/markup-compatibility/2006" xmlns:mv="urn:schemas-microsoft-com:mac:vml" xmlns:p="http://schemas.openxmlformats.org/presentationml/2006/main" xmlns:c="http://schemas.openxmlformats.org/drawingml/2006/chart" xmlns:dgm="http://schemas.openxmlformats.org/drawingml/2006/diagram" xmlns:o="urn:schemas-microsoft-com:office:office" xmlns:v="urn:schemas-microsoft-com:vml" xmlns:pvml="urn:schemas-microsoft-com:office:powerpoint" xmlns:com="http://schemas.openxmlformats.org/drawingml/2006/compatibility" xmlns:p14="http://schemas.microsoft.com/office/powerpoint/2010/main" xmlns:p15="http://schemas.microsoft.com/office/powerpoint/2012/main" xmlns:ahyp="http://schemas.microsoft.com/office/drawing/2018/hyperlinkcolor">
+<p:sld xmlns:a="http://schemas.openxmlformats.org/drawingml/2006/main" xmlns:r="http://schemas.openxmlformats.org/officeDocument/2006/relationships" xmlns:p="http://schemas.openxmlformats.org/presentationml/2006/main">
   <p:cSld>
     <p:spTree>
       <p:nvGrpSpPr>
-        <p:cNvPr id="129" name="Shape 129"/>
+        <p:cNvPr id="1" name="Shape 129"/>
         <p:cNvGrpSpPr/>
         <p:nvPr/>
       </p:nvGrpSpPr>
@@ -12885,7 +12976,9 @@
       <p:sp>
         <p:nvSpPr>
           <p:cNvPr id="131" name="Google Shape;131;p18"/>
-          <p:cNvSpPr txBox="1"/>
+          <p:cNvSpPr txBox="1">
+            <a:spLocks noGrp="1"/>
+          </p:cNvSpPr>
           <p:nvPr>
             <p:ph type="title"/>
           </p:nvPr>
@@ -12900,12 +12993,12 @@
           </a:prstGeom>
         </p:spPr>
         <p:txBody>
-          <a:bodyPr anchorCtr="0" anchor="t" bIns="91425" lIns="91425" spcFirstLastPara="1" rIns="91425" wrap="square" tIns="91425">
+          <a:bodyPr spcFirstLastPara="1" wrap="square" lIns="91425" tIns="91425" rIns="91425" bIns="91425" anchor="t" anchorCtr="0">
             <a:noAutofit/>
           </a:bodyPr>
           <a:lstStyle/>
           <a:p>
-            <a:pPr indent="0" lvl="0" marL="0" rtl="0" algn="ctr">
+            <a:pPr marL="0" lvl="0" indent="0" algn="ctr" rtl="0">
               <a:spcBef>
                 <a:spcPts val="0"/>
               </a:spcBef>
@@ -12916,11 +13009,7 @@
             </a:pPr>
             <a:r>
               <a:rPr lang="en"/>
-              <a:t>Input Diagram</a:t>
-            </a:r>
-            <a:r>
-              <a:rPr lang="en"/>
-              <a:t> - Buttons</a:t>
+              <a:t>Input Diagram - Buttons</a:t>
             </a:r>
             <a:endParaRPr/>
           </a:p>
@@ -12949,14 +13038,14 @@
             <a:avLst/>
           </a:prstGeom>
           <a:noFill/>
-          <a:ln cap="flat" cmpd="sng" w="19050">
+          <a:ln w="19050" cap="flat" cmpd="sng">
             <a:solidFill>
               <a:schemeClr val="dk2"/>
             </a:solidFill>
             <a:prstDash val="solid"/>
             <a:round/>
-            <a:headEnd len="sm" w="sm" type="none"/>
-            <a:tailEnd len="sm" w="sm" type="none"/>
+            <a:headEnd type="none" w="sm" len="sm"/>
+            <a:tailEnd type="none" w="sm" len="sm"/>
           </a:ln>
         </p:spPr>
       </p:pic>
@@ -12969,11 +13058,11 @@
 </file>
 
 <file path=ppt/slides/slide7.xml><?xml version="1.0" encoding="utf-8"?>
-<p:sld xmlns:a="http://schemas.openxmlformats.org/drawingml/2006/main" xmlns:r="http://schemas.openxmlformats.org/officeDocument/2006/relationships" xmlns:mc="http://schemas.openxmlformats.org/markup-compatibility/2006" xmlns:mv="urn:schemas-microsoft-com:mac:vml" xmlns:p="http://schemas.openxmlformats.org/presentationml/2006/main" xmlns:c="http://schemas.openxmlformats.org/drawingml/2006/chart" xmlns:dgm="http://schemas.openxmlformats.org/drawingml/2006/diagram" xmlns:o="urn:schemas-microsoft-com:office:office" xmlns:v="urn:schemas-microsoft-com:vml" xmlns:pvml="urn:schemas-microsoft-com:office:powerpoint" xmlns:com="http://schemas.openxmlformats.org/drawingml/2006/compatibility" xmlns:p14="http://schemas.microsoft.com/office/powerpoint/2010/main" xmlns:p15="http://schemas.microsoft.com/office/powerpoint/2012/main" xmlns:ahyp="http://schemas.microsoft.com/office/drawing/2018/hyperlinkcolor">
+<p:sld xmlns:a="http://schemas.openxmlformats.org/drawingml/2006/main" xmlns:r="http://schemas.openxmlformats.org/officeDocument/2006/relationships" xmlns:p="http://schemas.openxmlformats.org/presentationml/2006/main">
   <p:cSld>
     <p:spTree>
       <p:nvGrpSpPr>
-        <p:cNvPr id="136" name="Shape 136"/>
+        <p:cNvPr id="1" name="Shape 136"/>
         <p:cNvGrpSpPr/>
         <p:nvPr/>
       </p:nvGrpSpPr>
@@ -12988,7 +13077,9 @@
       <p:sp>
         <p:nvSpPr>
           <p:cNvPr id="137" name="Google Shape;137;p19"/>
-          <p:cNvSpPr txBox="1"/>
+          <p:cNvSpPr txBox="1">
+            <a:spLocks noGrp="1"/>
+          </p:cNvSpPr>
           <p:nvPr>
             <p:ph type="title"/>
           </p:nvPr>
@@ -13003,12 +13094,12 @@
           </a:prstGeom>
         </p:spPr>
         <p:txBody>
-          <a:bodyPr anchorCtr="0" anchor="t" bIns="91425" lIns="91425" spcFirstLastPara="1" rIns="91425" wrap="square" tIns="91425">
+          <a:bodyPr spcFirstLastPara="1" wrap="square" lIns="91425" tIns="91425" rIns="91425" bIns="91425" anchor="t" anchorCtr="0">
             <a:noAutofit/>
           </a:bodyPr>
           <a:lstStyle/>
           <a:p>
-            <a:pPr indent="0" lvl="0" marL="0" rtl="0" algn="ctr">
+            <a:pPr marL="0" lvl="0" indent="0" algn="ctr" rtl="0">
               <a:spcBef>
                 <a:spcPts val="0"/>
               </a:spcBef>
@@ -13019,11 +13110,7 @@
             </a:pPr>
             <a:r>
               <a:rPr lang="en"/>
-              <a:t>Block </a:t>
-            </a:r>
-            <a:r>
-              <a:rPr lang="en"/>
-              <a:t>Diagram - Mole Gameplay</a:t>
+              <a:t>Block Diagram - Mole Gameplay</a:t>
             </a:r>
             <a:endParaRPr/>
           </a:p>
@@ -13066,11 +13153,11 @@
 </file>
 
 <file path=ppt/slides/slide8.xml><?xml version="1.0" encoding="utf-8"?>
-<p:sld xmlns:a="http://schemas.openxmlformats.org/drawingml/2006/main" xmlns:r="http://schemas.openxmlformats.org/officeDocument/2006/relationships" xmlns:mc="http://schemas.openxmlformats.org/markup-compatibility/2006" xmlns:mv="urn:schemas-microsoft-com:mac:vml" xmlns:p="http://schemas.openxmlformats.org/presentationml/2006/main" xmlns:c="http://schemas.openxmlformats.org/drawingml/2006/chart" xmlns:dgm="http://schemas.openxmlformats.org/drawingml/2006/diagram" xmlns:o="urn:schemas-microsoft-com:office:office" xmlns:v="urn:schemas-microsoft-com:vml" xmlns:pvml="urn:schemas-microsoft-com:office:powerpoint" xmlns:com="http://schemas.openxmlformats.org/drawingml/2006/compatibility" xmlns:p14="http://schemas.microsoft.com/office/powerpoint/2010/main" xmlns:p15="http://schemas.microsoft.com/office/powerpoint/2012/main" xmlns:ahyp="http://schemas.microsoft.com/office/drawing/2018/hyperlinkcolor">
+<p:sld xmlns:a="http://schemas.openxmlformats.org/drawingml/2006/main" xmlns:r="http://schemas.openxmlformats.org/officeDocument/2006/relationships" xmlns:p="http://schemas.openxmlformats.org/presentationml/2006/main">
   <p:cSld>
     <p:spTree>
       <p:nvGrpSpPr>
-        <p:cNvPr id="142" name="Shape 142"/>
+        <p:cNvPr id="1" name="Shape 142"/>
         <p:cNvGrpSpPr/>
         <p:nvPr/>
       </p:nvGrpSpPr>
@@ -13085,7 +13172,9 @@
       <p:sp>
         <p:nvSpPr>
           <p:cNvPr id="143" name="Google Shape;143;p20"/>
-          <p:cNvSpPr txBox="1"/>
+          <p:cNvSpPr txBox="1">
+            <a:spLocks noGrp="1"/>
+          </p:cNvSpPr>
           <p:nvPr>
             <p:ph type="title"/>
           </p:nvPr>
@@ -13100,12 +13189,12 @@
           </a:prstGeom>
         </p:spPr>
         <p:txBody>
-          <a:bodyPr anchorCtr="0" anchor="t" bIns="91425" lIns="91425" spcFirstLastPara="1" rIns="91425" wrap="square" tIns="91425">
+          <a:bodyPr spcFirstLastPara="1" wrap="square" lIns="91425" tIns="91425" rIns="91425" bIns="91425" anchor="t" anchorCtr="0">
             <a:noAutofit/>
           </a:bodyPr>
           <a:lstStyle/>
           <a:p>
-            <a:pPr indent="0" lvl="0" marL="0" rtl="0" algn="ctr">
+            <a:pPr marL="0" lvl="0" indent="0" algn="ctr" rtl="0">
               <a:spcBef>
                 <a:spcPts val="0"/>
               </a:spcBef>
@@ -13159,11 +13248,11 @@
 </file>
 
 <file path=ppt/slides/slide9.xml><?xml version="1.0" encoding="utf-8"?>
-<p:sld xmlns:a="http://schemas.openxmlformats.org/drawingml/2006/main" xmlns:r="http://schemas.openxmlformats.org/officeDocument/2006/relationships" xmlns:mc="http://schemas.openxmlformats.org/markup-compatibility/2006" xmlns:mv="urn:schemas-microsoft-com:mac:vml" xmlns:p="http://schemas.openxmlformats.org/presentationml/2006/main" xmlns:c="http://schemas.openxmlformats.org/drawingml/2006/chart" xmlns:dgm="http://schemas.openxmlformats.org/drawingml/2006/diagram" xmlns:o="urn:schemas-microsoft-com:office:office" xmlns:v="urn:schemas-microsoft-com:vml" xmlns:pvml="urn:schemas-microsoft-com:office:powerpoint" xmlns:com="http://schemas.openxmlformats.org/drawingml/2006/compatibility" xmlns:p14="http://schemas.microsoft.com/office/powerpoint/2010/main" xmlns:p15="http://schemas.microsoft.com/office/powerpoint/2012/main" xmlns:ahyp="http://schemas.microsoft.com/office/drawing/2018/hyperlinkcolor">
+<p:sld xmlns:a="http://schemas.openxmlformats.org/drawingml/2006/main" xmlns:r="http://schemas.openxmlformats.org/officeDocument/2006/relationships" xmlns:p="http://schemas.openxmlformats.org/presentationml/2006/main">
   <p:cSld>
     <p:spTree>
       <p:nvGrpSpPr>
-        <p:cNvPr id="148" name="Shape 148"/>
+        <p:cNvPr id="1" name="Shape 148"/>
         <p:cNvGrpSpPr/>
         <p:nvPr/>
       </p:nvGrpSpPr>
@@ -13178,7 +13267,9 @@
       <p:sp>
         <p:nvSpPr>
           <p:cNvPr id="149" name="Google Shape;149;p21"/>
-          <p:cNvSpPr txBox="1"/>
+          <p:cNvSpPr txBox="1">
+            <a:spLocks noGrp="1"/>
+          </p:cNvSpPr>
           <p:nvPr>
             <p:ph type="title"/>
           </p:nvPr>
@@ -13193,12 +13284,12 @@
           </a:prstGeom>
         </p:spPr>
         <p:txBody>
-          <a:bodyPr anchorCtr="0" anchor="t" bIns="91425" lIns="91425" spcFirstLastPara="1" rIns="91425" wrap="square" tIns="91425">
+          <a:bodyPr spcFirstLastPara="1" wrap="square" lIns="91425" tIns="91425" rIns="91425" bIns="91425" anchor="t" anchorCtr="0">
             <a:noAutofit/>
           </a:bodyPr>
           <a:lstStyle/>
           <a:p>
-            <a:pPr indent="0" lvl="0" marL="0" rtl="0" algn="ctr">
+            <a:pPr marL="0" lvl="0" indent="0" algn="ctr" rtl="0">
               <a:spcBef>
                 <a:spcPts val="0"/>
               </a:spcBef>
@@ -13252,7 +13343,288 @@
 </file>
 
 <file path=ppt/theme/theme1.xml><?xml version="1.0" encoding="utf-8"?>
-<a:theme xmlns:a="http://schemas.openxmlformats.org/drawingml/2006/main" xmlns:r="http://schemas.openxmlformats.org/officeDocument/2006/relationships">
+<a:theme xmlns:a="http://schemas.openxmlformats.org/drawingml/2006/main" name="Tropic">
+  <a:themeElements>
+    <a:clrScheme name="Tropic">
+      <a:dk1>
+        <a:srgbClr val="A1E8D9"/>
+      </a:dk1>
+      <a:lt1>
+        <a:srgbClr val="FFFFFF"/>
+      </a:lt1>
+      <a:dk2>
+        <a:srgbClr val="695D46"/>
+      </a:dk2>
+      <a:lt2>
+        <a:srgbClr val="B3A77D"/>
+      </a:lt2>
+      <a:accent1>
+        <a:srgbClr val="EF6C00"/>
+      </a:accent1>
+      <a:accent2>
+        <a:srgbClr val="009668"/>
+      </a:accent2>
+      <a:accent3>
+        <a:srgbClr val="4DB6AC"/>
+      </a:accent3>
+      <a:accent4>
+        <a:srgbClr val="FF9800"/>
+      </a:accent4>
+      <a:accent5>
+        <a:srgbClr val="CE93D8"/>
+      </a:accent5>
+      <a:accent6>
+        <a:srgbClr val="EEFF41"/>
+      </a:accent6>
+      <a:hlink>
+        <a:srgbClr val="CE93D8"/>
+      </a:hlink>
+      <a:folHlink>
+        <a:srgbClr val="CE93D8"/>
+      </a:folHlink>
+    </a:clrScheme>
+    <a:fontScheme name="Office">
+      <a:majorFont>
+        <a:latin typeface="Arial"/>
+        <a:ea typeface=""/>
+        <a:cs typeface=""/>
+        <a:font script="Jpan" typeface="ＭＳ Ｐゴシック"/>
+        <a:font script="Hang" typeface="맑은 고딕"/>
+        <a:font script="Hans" typeface="宋体"/>
+        <a:font script="Hant" typeface="新細明體"/>
+        <a:font script="Arab" typeface="Times New Roman"/>
+        <a:font script="Hebr" typeface="Times New Roman"/>
+        <a:font script="Thai" typeface="Angsana New"/>
+        <a:font script="Ethi" typeface="Nyala"/>
+        <a:font script="Beng" typeface="Vrinda"/>
+        <a:font script="Gujr" typeface="Shruti"/>
+        <a:font script="Khmr" typeface="MoolBoran"/>
+        <a:font script="Knda" typeface="Tunga"/>
+        <a:font script="Guru" typeface="Raavi"/>
+        <a:font script="Cans" typeface="Euphemia"/>
+        <a:font script="Cher" typeface="Plantagenet Cherokee"/>
+        <a:font script="Yiii" typeface="Microsoft Yi Baiti"/>
+        <a:font script="Tibt" typeface="Microsoft Himalaya"/>
+        <a:font script="Thaa" typeface="MV Boli"/>
+        <a:font script="Deva" typeface="Mangal"/>
+        <a:font script="Telu" typeface="Gautami"/>
+        <a:font script="Taml" typeface="Latha"/>
+        <a:font script="Syrc" typeface="Estrangelo Edessa"/>
+        <a:font script="Orya" typeface="Kalinga"/>
+        <a:font script="Mlym" typeface="Kartika"/>
+        <a:font script="Laoo" typeface="DokChampa"/>
+        <a:font script="Sinh" typeface="Iskoola Pota"/>
+        <a:font script="Mong" typeface="Mongolian Baiti"/>
+        <a:font script="Viet" typeface="Times New Roman"/>
+        <a:font script="Uigh" typeface="Microsoft Uighur"/>
+        <a:font script="Geor" typeface="Sylfaen"/>
+      </a:majorFont>
+      <a:minorFont>
+        <a:latin typeface="Arial"/>
+        <a:ea typeface=""/>
+        <a:cs typeface=""/>
+        <a:font script="Jpan" typeface="ＭＳ Ｐゴシック"/>
+        <a:font script="Hang" typeface="맑은 고딕"/>
+        <a:font script="Hans" typeface="宋体"/>
+        <a:font script="Hant" typeface="新細明體"/>
+        <a:font script="Arab" typeface="Arial"/>
+        <a:font script="Hebr" typeface="Arial"/>
+        <a:font script="Thai" typeface="Cordia New"/>
+        <a:font script="Ethi" typeface="Nyala"/>
+        <a:font script="Beng" typeface="Vrinda"/>
+        <a:font script="Gujr" typeface="Shruti"/>
+        <a:font script="Khmr" typeface="DaunPenh"/>
+        <a:font script="Knda" typeface="Tunga"/>
+        <a:font script="Guru" typeface="Raavi"/>
+        <a:font script="Cans" typeface="Euphemia"/>
+        <a:font script="Cher" typeface="Plantagenet Cherokee"/>
+        <a:font script="Yiii" typeface="Microsoft Yi Baiti"/>
+        <a:font script="Tibt" typeface="Microsoft Himalaya"/>
+        <a:font script="Thaa" typeface="MV Boli"/>
+        <a:font script="Deva" typeface="Mangal"/>
+        <a:font script="Telu" typeface="Gautami"/>
+        <a:font script="Taml" typeface="Latha"/>
+        <a:font script="Syrc" typeface="Estrangelo Edessa"/>
+        <a:font script="Orya" typeface="Kalinga"/>
+        <a:font script="Mlym" typeface="Kartika"/>
+        <a:font script="Laoo" typeface="DokChampa"/>
+        <a:font script="Sinh" typeface="Iskoola Pota"/>
+        <a:font script="Mong" typeface="Mongolian Baiti"/>
+        <a:font script="Viet" typeface="Arial"/>
+        <a:font script="Uigh" typeface="Microsoft Uighur"/>
+        <a:font script="Geor" typeface="Sylfaen"/>
+      </a:minorFont>
+    </a:fontScheme>
+    <a:fmtScheme name="Office">
+      <a:fillStyleLst>
+        <a:solidFill>
+          <a:schemeClr val="phClr"/>
+        </a:solidFill>
+        <a:gradFill rotWithShape="1">
+          <a:gsLst>
+            <a:gs pos="0">
+              <a:schemeClr val="phClr">
+                <a:tint val="50000"/>
+                <a:satMod val="300000"/>
+              </a:schemeClr>
+            </a:gs>
+            <a:gs pos="35000">
+              <a:schemeClr val="phClr">
+                <a:tint val="37000"/>
+                <a:satMod val="300000"/>
+              </a:schemeClr>
+            </a:gs>
+            <a:gs pos="100000">
+              <a:schemeClr val="phClr">
+                <a:tint val="15000"/>
+                <a:satMod val="350000"/>
+              </a:schemeClr>
+            </a:gs>
+          </a:gsLst>
+          <a:lin ang="16200000" scaled="1"/>
+        </a:gradFill>
+        <a:gradFill rotWithShape="1">
+          <a:gsLst>
+            <a:gs pos="0">
+              <a:schemeClr val="phClr">
+                <a:tint val="100000"/>
+                <a:shade val="100000"/>
+                <a:satMod val="130000"/>
+              </a:schemeClr>
+            </a:gs>
+            <a:gs pos="100000">
+              <a:schemeClr val="phClr">
+                <a:tint val="50000"/>
+                <a:shade val="100000"/>
+                <a:satMod val="350000"/>
+              </a:schemeClr>
+            </a:gs>
+          </a:gsLst>
+          <a:lin ang="16200000" scaled="0"/>
+        </a:gradFill>
+      </a:fillStyleLst>
+      <a:lnStyleLst>
+        <a:ln w="9525" cap="flat" cmpd="sng" algn="ctr">
+          <a:solidFill>
+            <a:schemeClr val="phClr">
+              <a:shade val="95000"/>
+              <a:satMod val="105000"/>
+            </a:schemeClr>
+          </a:solidFill>
+          <a:prstDash val="solid"/>
+        </a:ln>
+        <a:ln w="25400" cap="flat" cmpd="sng" algn="ctr">
+          <a:solidFill>
+            <a:schemeClr val="phClr"/>
+          </a:solidFill>
+          <a:prstDash val="solid"/>
+        </a:ln>
+        <a:ln w="38100" cap="flat" cmpd="sng" algn="ctr">
+          <a:solidFill>
+            <a:schemeClr val="phClr"/>
+          </a:solidFill>
+          <a:prstDash val="solid"/>
+        </a:ln>
+      </a:lnStyleLst>
+      <a:effectStyleLst>
+        <a:effectStyle>
+          <a:effectLst>
+            <a:outerShdw blurRad="40000" dist="20000" dir="5400000" rotWithShape="0">
+              <a:srgbClr val="000000">
+                <a:alpha val="38000"/>
+              </a:srgbClr>
+            </a:outerShdw>
+          </a:effectLst>
+        </a:effectStyle>
+        <a:effectStyle>
+          <a:effectLst>
+            <a:outerShdw blurRad="40000" dist="23000" dir="5400000" rotWithShape="0">
+              <a:srgbClr val="000000">
+                <a:alpha val="35000"/>
+              </a:srgbClr>
+            </a:outerShdw>
+          </a:effectLst>
+        </a:effectStyle>
+        <a:effectStyle>
+          <a:effectLst>
+            <a:outerShdw blurRad="40000" dist="23000" dir="5400000" rotWithShape="0">
+              <a:srgbClr val="000000">
+                <a:alpha val="35000"/>
+              </a:srgbClr>
+            </a:outerShdw>
+          </a:effectLst>
+          <a:scene3d>
+            <a:camera prst="orthographicFront">
+              <a:rot lat="0" lon="0" rev="0"/>
+            </a:camera>
+            <a:lightRig rig="threePt" dir="t">
+              <a:rot lat="0" lon="0" rev="1200000"/>
+            </a:lightRig>
+          </a:scene3d>
+          <a:sp3d>
+            <a:bevelT w="63500" h="25400"/>
+          </a:sp3d>
+        </a:effectStyle>
+      </a:effectStyleLst>
+      <a:bgFillStyleLst>
+        <a:solidFill>
+          <a:schemeClr val="phClr"/>
+        </a:solidFill>
+        <a:gradFill rotWithShape="1">
+          <a:gsLst>
+            <a:gs pos="0">
+              <a:schemeClr val="phClr">
+                <a:tint val="40000"/>
+                <a:satMod val="350000"/>
+              </a:schemeClr>
+            </a:gs>
+            <a:gs pos="40000">
+              <a:schemeClr val="phClr">
+                <a:tint val="45000"/>
+                <a:shade val="99000"/>
+                <a:satMod val="350000"/>
+              </a:schemeClr>
+            </a:gs>
+            <a:gs pos="100000">
+              <a:schemeClr val="phClr">
+                <a:shade val="20000"/>
+                <a:satMod val="255000"/>
+              </a:schemeClr>
+            </a:gs>
+          </a:gsLst>
+          <a:path path="circle">
+            <a:fillToRect l="50000" t="-80000" r="50000" b="180000"/>
+          </a:path>
+        </a:gradFill>
+        <a:gradFill rotWithShape="1">
+          <a:gsLst>
+            <a:gs pos="0">
+              <a:schemeClr val="phClr">
+                <a:tint val="80000"/>
+                <a:satMod val="300000"/>
+              </a:schemeClr>
+            </a:gs>
+            <a:gs pos="100000">
+              <a:schemeClr val="phClr">
+                <a:shade val="30000"/>
+                <a:satMod val="200000"/>
+              </a:schemeClr>
+            </a:gs>
+          </a:gsLst>
+          <a:path path="circle">
+            <a:fillToRect l="50000" t="50000" r="50000" b="50000"/>
+          </a:path>
+        </a:gradFill>
+      </a:bgFillStyleLst>
+    </a:fmtScheme>
+  </a:themeElements>
+  <a:objectDefaults/>
+  <a:extraClrSchemeLst/>
+</a:theme>
+</file>
+
+<file path=ppt/theme/theme2.xml><?xml version="1.0" encoding="utf-8"?>
+<a:theme xmlns:a="http://schemas.openxmlformats.org/drawingml/2006/main">
   <a:themeElements>
     <a:clrScheme name="Default">
       <a:dk1>
@@ -13527,284 +13899,7 @@
       </a:bgFillStyleLst>
     </a:fmtScheme>
   </a:themeElements>
-</a:theme>
-</file>
-
-<file path=ppt/theme/theme2.xml><?xml version="1.0" encoding="utf-8"?>
-<a:theme xmlns:a="http://schemas.openxmlformats.org/drawingml/2006/main" xmlns:r="http://schemas.openxmlformats.org/officeDocument/2006/relationships" name="Tropic">
-  <a:themeElements>
-    <a:clrScheme name="Tropic">
-      <a:dk1>
-        <a:srgbClr val="A1E8D9"/>
-      </a:dk1>
-      <a:lt1>
-        <a:srgbClr val="FFFFFF"/>
-      </a:lt1>
-      <a:dk2>
-        <a:srgbClr val="695D46"/>
-      </a:dk2>
-      <a:lt2>
-        <a:srgbClr val="B3A77D"/>
-      </a:lt2>
-      <a:accent1>
-        <a:srgbClr val="EF6C00"/>
-      </a:accent1>
-      <a:accent2>
-        <a:srgbClr val="009668"/>
-      </a:accent2>
-      <a:accent3>
-        <a:srgbClr val="4DB6AC"/>
-      </a:accent3>
-      <a:accent4>
-        <a:srgbClr val="FF9800"/>
-      </a:accent4>
-      <a:accent5>
-        <a:srgbClr val="CE93D8"/>
-      </a:accent5>
-      <a:accent6>
-        <a:srgbClr val="EEFF41"/>
-      </a:accent6>
-      <a:hlink>
-        <a:srgbClr val="CE93D8"/>
-      </a:hlink>
-      <a:folHlink>
-        <a:srgbClr val="CE93D8"/>
-      </a:folHlink>
-    </a:clrScheme>
-    <a:fontScheme name="Office">
-      <a:majorFont>
-        <a:latin typeface="Arial"/>
-        <a:ea typeface=""/>
-        <a:cs typeface=""/>
-        <a:font script="Jpan" typeface="ＭＳ Ｐゴシック"/>
-        <a:font script="Hang" typeface="맑은 고딕"/>
-        <a:font script="Hans" typeface="宋体"/>
-        <a:font script="Hant" typeface="新細明體"/>
-        <a:font script="Arab" typeface="Times New Roman"/>
-        <a:font script="Hebr" typeface="Times New Roman"/>
-        <a:font script="Thai" typeface="Angsana New"/>
-        <a:font script="Ethi" typeface="Nyala"/>
-        <a:font script="Beng" typeface="Vrinda"/>
-        <a:font script="Gujr" typeface="Shruti"/>
-        <a:font script="Khmr" typeface="MoolBoran"/>
-        <a:font script="Knda" typeface="Tunga"/>
-        <a:font script="Guru" typeface="Raavi"/>
-        <a:font script="Cans" typeface="Euphemia"/>
-        <a:font script="Cher" typeface="Plantagenet Cherokee"/>
-        <a:font script="Yiii" typeface="Microsoft Yi Baiti"/>
-        <a:font script="Tibt" typeface="Microsoft Himalaya"/>
-        <a:font script="Thaa" typeface="MV Boli"/>
-        <a:font script="Deva" typeface="Mangal"/>
-        <a:font script="Telu" typeface="Gautami"/>
-        <a:font script="Taml" typeface="Latha"/>
-        <a:font script="Syrc" typeface="Estrangelo Edessa"/>
-        <a:font script="Orya" typeface="Kalinga"/>
-        <a:font script="Mlym" typeface="Kartika"/>
-        <a:font script="Laoo" typeface="DokChampa"/>
-        <a:font script="Sinh" typeface="Iskoola Pota"/>
-        <a:font script="Mong" typeface="Mongolian Baiti"/>
-        <a:font script="Viet" typeface="Times New Roman"/>
-        <a:font script="Uigh" typeface="Microsoft Uighur"/>
-        <a:font script="Geor" typeface="Sylfaen"/>
-      </a:majorFont>
-      <a:minorFont>
-        <a:latin typeface="Arial"/>
-        <a:ea typeface=""/>
-        <a:cs typeface=""/>
-        <a:font script="Jpan" typeface="ＭＳ Ｐゴシック"/>
-        <a:font script="Hang" typeface="맑은 고딕"/>
-        <a:font script="Hans" typeface="宋体"/>
-        <a:font script="Hant" typeface="新細明體"/>
-        <a:font script="Arab" typeface="Arial"/>
-        <a:font script="Hebr" typeface="Arial"/>
-        <a:font script="Thai" typeface="Cordia New"/>
-        <a:font script="Ethi" typeface="Nyala"/>
-        <a:font script="Beng" typeface="Vrinda"/>
-        <a:font script="Gujr" typeface="Shruti"/>
-        <a:font script="Khmr" typeface="DaunPenh"/>
-        <a:font script="Knda" typeface="Tunga"/>
-        <a:font script="Guru" typeface="Raavi"/>
-        <a:font script="Cans" typeface="Euphemia"/>
-        <a:font script="Cher" typeface="Plantagenet Cherokee"/>
-        <a:font script="Yiii" typeface="Microsoft Yi Baiti"/>
-        <a:font script="Tibt" typeface="Microsoft Himalaya"/>
-        <a:font script="Thaa" typeface="MV Boli"/>
-        <a:font script="Deva" typeface="Mangal"/>
-        <a:font script="Telu" typeface="Gautami"/>
-        <a:font script="Taml" typeface="Latha"/>
-        <a:font script="Syrc" typeface="Estrangelo Edessa"/>
-        <a:font script="Orya" typeface="Kalinga"/>
-        <a:font script="Mlym" typeface="Kartika"/>
-        <a:font script="Laoo" typeface="DokChampa"/>
-        <a:font script="Sinh" typeface="Iskoola Pota"/>
-        <a:font script="Mong" typeface="Mongolian Baiti"/>
-        <a:font script="Viet" typeface="Arial"/>
-        <a:font script="Uigh" typeface="Microsoft Uighur"/>
-        <a:font script="Geor" typeface="Sylfaen"/>
-      </a:minorFont>
-    </a:fontScheme>
-    <a:fmtScheme name="Office">
-      <a:fillStyleLst>
-        <a:solidFill>
-          <a:schemeClr val="phClr"/>
-        </a:solidFill>
-        <a:gradFill rotWithShape="1">
-          <a:gsLst>
-            <a:gs pos="0">
-              <a:schemeClr val="phClr">
-                <a:tint val="50000"/>
-                <a:satMod val="300000"/>
-              </a:schemeClr>
-            </a:gs>
-            <a:gs pos="35000">
-              <a:schemeClr val="phClr">
-                <a:tint val="37000"/>
-                <a:satMod val="300000"/>
-              </a:schemeClr>
-            </a:gs>
-            <a:gs pos="100000">
-              <a:schemeClr val="phClr">
-                <a:tint val="15000"/>
-                <a:satMod val="350000"/>
-              </a:schemeClr>
-            </a:gs>
-          </a:gsLst>
-          <a:lin ang="16200000" scaled="1"/>
-        </a:gradFill>
-        <a:gradFill rotWithShape="1">
-          <a:gsLst>
-            <a:gs pos="0">
-              <a:schemeClr val="phClr">
-                <a:tint val="100000"/>
-                <a:shade val="100000"/>
-                <a:satMod val="130000"/>
-              </a:schemeClr>
-            </a:gs>
-            <a:gs pos="100000">
-              <a:schemeClr val="phClr">
-                <a:tint val="50000"/>
-                <a:shade val="100000"/>
-                <a:satMod val="350000"/>
-              </a:schemeClr>
-            </a:gs>
-          </a:gsLst>
-          <a:lin ang="16200000" scaled="0"/>
-        </a:gradFill>
-      </a:fillStyleLst>
-      <a:lnStyleLst>
-        <a:ln w="9525" cap="flat" cmpd="sng" algn="ctr">
-          <a:solidFill>
-            <a:schemeClr val="phClr">
-              <a:shade val="95000"/>
-              <a:satMod val="105000"/>
-            </a:schemeClr>
-          </a:solidFill>
-          <a:prstDash val="solid"/>
-        </a:ln>
-        <a:ln w="25400" cap="flat" cmpd="sng" algn="ctr">
-          <a:solidFill>
-            <a:schemeClr val="phClr"/>
-          </a:solidFill>
-          <a:prstDash val="solid"/>
-        </a:ln>
-        <a:ln w="38100" cap="flat" cmpd="sng" algn="ctr">
-          <a:solidFill>
-            <a:schemeClr val="phClr"/>
-          </a:solidFill>
-          <a:prstDash val="solid"/>
-        </a:ln>
-      </a:lnStyleLst>
-      <a:effectStyleLst>
-        <a:effectStyle>
-          <a:effectLst>
-            <a:outerShdw blurRad="40000" dist="20000" dir="5400000" rotWithShape="0">
-              <a:srgbClr val="000000">
-                <a:alpha val="38000"/>
-              </a:srgbClr>
-            </a:outerShdw>
-          </a:effectLst>
-        </a:effectStyle>
-        <a:effectStyle>
-          <a:effectLst>
-            <a:outerShdw blurRad="40000" dist="23000" dir="5400000" rotWithShape="0">
-              <a:srgbClr val="000000">
-                <a:alpha val="35000"/>
-              </a:srgbClr>
-            </a:outerShdw>
-          </a:effectLst>
-        </a:effectStyle>
-        <a:effectStyle>
-          <a:effectLst>
-            <a:outerShdw blurRad="40000" dist="23000" dir="5400000" rotWithShape="0">
-              <a:srgbClr val="000000">
-                <a:alpha val="35000"/>
-              </a:srgbClr>
-            </a:outerShdw>
-          </a:effectLst>
-          <a:scene3d>
-            <a:camera prst="orthographicFront">
-              <a:rot lat="0" lon="0" rev="0"/>
-            </a:camera>
-            <a:lightRig rig="threePt" dir="t">
-              <a:rot lat="0" lon="0" rev="1200000"/>
-            </a:lightRig>
-          </a:scene3d>
-          <a:sp3d>
-            <a:bevelT w="63500" h="25400"/>
-          </a:sp3d>
-        </a:effectStyle>
-      </a:effectStyleLst>
-      <a:bgFillStyleLst>
-        <a:solidFill>
-          <a:schemeClr val="phClr"/>
-        </a:solidFill>
-        <a:gradFill rotWithShape="1">
-          <a:gsLst>
-            <a:gs pos="0">
-              <a:schemeClr val="phClr">
-                <a:tint val="40000"/>
-                <a:satMod val="350000"/>
-              </a:schemeClr>
-            </a:gs>
-            <a:gs pos="40000">
-              <a:schemeClr val="phClr">
-                <a:tint val="45000"/>
-                <a:shade val="99000"/>
-                <a:satMod val="350000"/>
-              </a:schemeClr>
-            </a:gs>
-            <a:gs pos="100000">
-              <a:schemeClr val="phClr">
-                <a:shade val="20000"/>
-                <a:satMod val="255000"/>
-              </a:schemeClr>
-            </a:gs>
-          </a:gsLst>
-          <a:path path="circle">
-            <a:fillToRect l="50000" t="-80000" r="50000" b="180000"/>
-          </a:path>
-        </a:gradFill>
-        <a:gradFill rotWithShape="1">
-          <a:gsLst>
-            <a:gs pos="0">
-              <a:schemeClr val="phClr">
-                <a:tint val="80000"/>
-                <a:satMod val="300000"/>
-              </a:schemeClr>
-            </a:gs>
-            <a:gs pos="100000">
-              <a:schemeClr val="phClr">
-                <a:shade val="30000"/>
-                <a:satMod val="200000"/>
-              </a:schemeClr>
-            </a:gs>
-          </a:gsLst>
-          <a:path path="circle">
-            <a:fillToRect l="50000" t="50000" r="50000" b="50000"/>
-          </a:path>
-        </a:gradFill>
-      </a:bgFillStyleLst>
-    </a:fmtScheme>
-  </a:themeElements>
+  <a:objectDefaults/>
+  <a:extraClrSchemeLst/>
 </a:theme>
 </file>